--- a/Project/Presentation.pptx
+++ b/Project/Presentation.pptx
@@ -5,7 +5,7 @@
     <p:sldMasterId id="2147483684" r:id="rId1"/>
   </p:sldMasterIdLst>
   <p:notesMasterIdLst>
-    <p:notesMasterId r:id="rId15"/>
+    <p:notesMasterId r:id="rId17"/>
   </p:notesMasterIdLst>
   <p:sldIdLst>
     <p:sldId id="256" r:id="rId2"/>
@@ -18,9 +18,11 @@
     <p:sldId id="259" r:id="rId9"/>
     <p:sldId id="260" r:id="rId10"/>
     <p:sldId id="269" r:id="rId11"/>
-    <p:sldId id="270" r:id="rId12"/>
-    <p:sldId id="271" r:id="rId13"/>
-    <p:sldId id="272" r:id="rId14"/>
+    <p:sldId id="274" r:id="rId12"/>
+    <p:sldId id="270" r:id="rId13"/>
+    <p:sldId id="271" r:id="rId14"/>
+    <p:sldId id="272" r:id="rId15"/>
+    <p:sldId id="273" r:id="rId16"/>
   </p:sldIdLst>
   <p:sldSz cx="12192000" cy="6858000"/>
   <p:notesSz cx="6858000" cy="9144000"/>
@@ -1658,6 +1660,1734 @@
 </dgm:colorsDef>
 </file>
 
+<file path=ppt/diagrams/colors3.xml><?xml version="1.0" encoding="utf-8"?>
+<dgm:colorsDef xmlns:dgm="http://schemas.openxmlformats.org/drawingml/2006/diagram" xmlns:a="http://schemas.openxmlformats.org/drawingml/2006/main" uniqueId="urn:microsoft.com/office/officeart/2018/5/colors/Iconchunking_neutralicontext_colorful1">
+  <dgm:title val=""/>
+  <dgm:desc val=""/>
+  <dgm:catLst>
+    <dgm:cat type="colorful" pri="10100"/>
+  </dgm:catLst>
+  <dgm:styleLbl name="node0">
+    <dgm:fillClrLst meth="repeat">
+      <a:schemeClr val="accent1"/>
+    </dgm:fillClrLst>
+    <dgm:linClrLst meth="repeat">
+      <a:schemeClr val="lt1"/>
+    </dgm:linClrLst>
+    <dgm:effectClrLst/>
+    <dgm:txLinClrLst/>
+    <dgm:txFillClrLst/>
+    <dgm:txEffectClrLst/>
+  </dgm:styleLbl>
+  <dgm:styleLbl name="node1">
+    <dgm:fillClrLst meth="repeat">
+      <a:schemeClr val="bg1"/>
+    </dgm:fillClrLst>
+    <dgm:linClrLst meth="repeat">
+      <a:schemeClr val="lt1">
+        <a:alpha val="0"/>
+      </a:schemeClr>
+    </dgm:linClrLst>
+    <dgm:effectClrLst/>
+    <dgm:txLinClrLst/>
+    <dgm:txFillClrLst meth="repeat">
+      <a:schemeClr val="dk1"/>
+    </dgm:txFillClrLst>
+    <dgm:txEffectClrLst/>
+  </dgm:styleLbl>
+  <dgm:styleLbl name="alignNode1">
+    <dgm:fillClrLst meth="repeat">
+      <a:schemeClr val="accent2"/>
+      <a:schemeClr val="accent3"/>
+      <a:schemeClr val="accent4"/>
+      <a:schemeClr val="accent5"/>
+      <a:schemeClr val="accent6"/>
+    </dgm:fillClrLst>
+    <dgm:linClrLst meth="repeat">
+      <a:schemeClr val="accent2"/>
+      <a:schemeClr val="accent3"/>
+      <a:schemeClr val="accent4"/>
+      <a:schemeClr val="accent5"/>
+      <a:schemeClr val="accent6"/>
+    </dgm:linClrLst>
+    <dgm:effectClrLst/>
+    <dgm:txLinClrLst/>
+    <dgm:txFillClrLst/>
+    <dgm:txEffectClrLst/>
+  </dgm:styleLbl>
+  <dgm:styleLbl name="lnNode1">
+    <dgm:fillClrLst meth="repeat">
+      <a:schemeClr val="accent2"/>
+      <a:schemeClr val="accent3"/>
+      <a:schemeClr val="accent4"/>
+      <a:schemeClr val="accent5"/>
+      <a:schemeClr val="accent6"/>
+    </dgm:fillClrLst>
+    <dgm:linClrLst meth="repeat">
+      <a:schemeClr val="lt1"/>
+    </dgm:linClrLst>
+    <dgm:effectClrLst/>
+    <dgm:txLinClrLst/>
+    <dgm:txFillClrLst/>
+    <dgm:txEffectClrLst/>
+  </dgm:styleLbl>
+  <dgm:styleLbl name="vennNode1">
+    <dgm:fillClrLst meth="repeat">
+      <a:schemeClr val="accent2">
+        <a:alpha val="50000"/>
+      </a:schemeClr>
+      <a:schemeClr val="accent3">
+        <a:alpha val="50000"/>
+      </a:schemeClr>
+      <a:schemeClr val="accent4">
+        <a:alpha val="50000"/>
+      </a:schemeClr>
+      <a:schemeClr val="accent5">
+        <a:alpha val="50000"/>
+      </a:schemeClr>
+      <a:schemeClr val="accent6">
+        <a:alpha val="50000"/>
+      </a:schemeClr>
+    </dgm:fillClrLst>
+    <dgm:linClrLst meth="repeat">
+      <a:schemeClr val="lt1"/>
+    </dgm:linClrLst>
+    <dgm:effectClrLst/>
+    <dgm:txLinClrLst/>
+    <dgm:txFillClrLst/>
+    <dgm:txEffectClrLst/>
+  </dgm:styleLbl>
+  <dgm:styleLbl name="node2">
+    <dgm:fillClrLst>
+      <a:schemeClr val="accent2"/>
+    </dgm:fillClrLst>
+    <dgm:linClrLst meth="repeat">
+      <a:schemeClr val="lt1"/>
+    </dgm:linClrLst>
+    <dgm:effectClrLst/>
+    <dgm:txLinClrLst/>
+    <dgm:txFillClrLst/>
+    <dgm:txEffectClrLst/>
+  </dgm:styleLbl>
+  <dgm:styleLbl name="node3">
+    <dgm:fillClrLst>
+      <a:schemeClr val="accent3"/>
+    </dgm:fillClrLst>
+    <dgm:linClrLst meth="repeat">
+      <a:schemeClr val="lt1"/>
+    </dgm:linClrLst>
+    <dgm:effectClrLst/>
+    <dgm:txLinClrLst/>
+    <dgm:txFillClrLst/>
+    <dgm:txEffectClrLst/>
+  </dgm:styleLbl>
+  <dgm:styleLbl name="node4">
+    <dgm:fillClrLst>
+      <a:schemeClr val="accent4"/>
+    </dgm:fillClrLst>
+    <dgm:linClrLst meth="repeat">
+      <a:schemeClr val="lt1"/>
+    </dgm:linClrLst>
+    <dgm:effectClrLst/>
+    <dgm:txLinClrLst/>
+    <dgm:txFillClrLst/>
+    <dgm:txEffectClrLst/>
+  </dgm:styleLbl>
+  <dgm:styleLbl name="fgImgPlace1">
+    <dgm:fillClrLst meth="repeat">
+      <a:schemeClr val="accent2">
+        <a:tint val="50000"/>
+      </a:schemeClr>
+      <a:schemeClr val="accent3">
+        <a:tint val="50000"/>
+      </a:schemeClr>
+      <a:schemeClr val="accent4">
+        <a:tint val="50000"/>
+      </a:schemeClr>
+      <a:schemeClr val="accent5">
+        <a:tint val="50000"/>
+      </a:schemeClr>
+      <a:schemeClr val="accent6">
+        <a:tint val="50000"/>
+      </a:schemeClr>
+    </dgm:fillClrLst>
+    <dgm:linClrLst meth="repeat">
+      <a:schemeClr val="lt1"/>
+    </dgm:linClrLst>
+    <dgm:effectClrLst/>
+    <dgm:txLinClrLst/>
+    <dgm:txFillClrLst meth="repeat">
+      <a:schemeClr val="lt1"/>
+    </dgm:txFillClrLst>
+    <dgm:txEffectClrLst/>
+  </dgm:styleLbl>
+  <dgm:styleLbl name="alignImgPlace1">
+    <dgm:fillClrLst>
+      <a:schemeClr val="accent1">
+        <a:tint val="50000"/>
+      </a:schemeClr>
+      <a:schemeClr val="accent2">
+        <a:tint val="20000"/>
+      </a:schemeClr>
+    </dgm:fillClrLst>
+    <dgm:linClrLst meth="repeat">
+      <a:schemeClr val="lt1"/>
+    </dgm:linClrLst>
+    <dgm:effectClrLst/>
+    <dgm:txLinClrLst/>
+    <dgm:txFillClrLst meth="repeat">
+      <a:schemeClr val="lt1"/>
+    </dgm:txFillClrLst>
+    <dgm:txEffectClrLst/>
+  </dgm:styleLbl>
+  <dgm:styleLbl name="bgImgPlace1">
+    <dgm:fillClrLst>
+      <a:schemeClr val="accent1">
+        <a:tint val="50000"/>
+      </a:schemeClr>
+      <a:schemeClr val="accent2">
+        <a:tint val="20000"/>
+      </a:schemeClr>
+    </dgm:fillClrLst>
+    <dgm:linClrLst meth="repeat">
+      <a:schemeClr val="lt1"/>
+    </dgm:linClrLst>
+    <dgm:effectClrLst/>
+    <dgm:txLinClrLst/>
+    <dgm:txFillClrLst meth="repeat">
+      <a:schemeClr val="lt1"/>
+    </dgm:txFillClrLst>
+    <dgm:txEffectClrLst/>
+  </dgm:styleLbl>
+  <dgm:styleLbl name="sibTrans2D1">
+    <dgm:fillClrLst meth="repeat">
+      <a:schemeClr val="accent2"/>
+      <a:schemeClr val="accent3"/>
+      <a:schemeClr val="accent4"/>
+      <a:schemeClr val="accent5"/>
+      <a:schemeClr val="accent6"/>
+    </dgm:fillClrLst>
+    <dgm:linClrLst meth="cycle">
+      <a:schemeClr val="lt1"/>
+    </dgm:linClrLst>
+    <dgm:effectClrLst/>
+    <dgm:txLinClrLst/>
+    <dgm:txFillClrLst/>
+    <dgm:txEffectClrLst/>
+  </dgm:styleLbl>
+  <dgm:styleLbl name="fgSibTrans2D1">
+    <dgm:fillClrLst meth="repeat">
+      <a:schemeClr val="accent2"/>
+      <a:schemeClr val="accent3"/>
+      <a:schemeClr val="accent4"/>
+      <a:schemeClr val="accent5"/>
+      <a:schemeClr val="accent6"/>
+    </dgm:fillClrLst>
+    <dgm:linClrLst meth="cycle">
+      <a:schemeClr val="lt1"/>
+    </dgm:linClrLst>
+    <dgm:effectClrLst/>
+    <dgm:txLinClrLst/>
+    <dgm:txFillClrLst meth="repeat">
+      <a:schemeClr val="lt1"/>
+    </dgm:txFillClrLst>
+    <dgm:txEffectClrLst/>
+  </dgm:styleLbl>
+  <dgm:styleLbl name="bgSibTrans2D1">
+    <dgm:fillClrLst meth="repeat">
+      <a:schemeClr val="accent2"/>
+      <a:schemeClr val="accent3"/>
+      <a:schemeClr val="accent4"/>
+      <a:schemeClr val="accent5"/>
+      <a:schemeClr val="accent6"/>
+    </dgm:fillClrLst>
+    <dgm:linClrLst meth="cycle">
+      <a:schemeClr val="lt1"/>
+    </dgm:linClrLst>
+    <dgm:effectClrLst/>
+    <dgm:txLinClrLst/>
+    <dgm:txFillClrLst meth="repeat">
+      <a:schemeClr val="lt1"/>
+    </dgm:txFillClrLst>
+    <dgm:txEffectClrLst/>
+  </dgm:styleLbl>
+  <dgm:styleLbl name="sibTrans1D1">
+    <dgm:fillClrLst meth="repeat">
+      <a:schemeClr val="accent2"/>
+      <a:schemeClr val="accent3"/>
+      <a:schemeClr val="accent4"/>
+      <a:schemeClr val="accent5"/>
+      <a:schemeClr val="accent6"/>
+    </dgm:fillClrLst>
+    <dgm:linClrLst meth="repeat">
+      <a:schemeClr val="accent2"/>
+      <a:schemeClr val="accent3"/>
+      <a:schemeClr val="accent4"/>
+      <a:schemeClr val="accent5"/>
+      <a:schemeClr val="accent6"/>
+    </dgm:linClrLst>
+    <dgm:effectClrLst/>
+    <dgm:txLinClrLst/>
+    <dgm:txFillClrLst meth="repeat">
+      <a:schemeClr val="tx1"/>
+    </dgm:txFillClrLst>
+    <dgm:txEffectClrLst/>
+  </dgm:styleLbl>
+  <dgm:styleLbl name="callout">
+    <dgm:fillClrLst meth="repeat">
+      <a:schemeClr val="accent2"/>
+    </dgm:fillClrLst>
+    <dgm:linClrLst meth="repeat">
+      <a:schemeClr val="accent2">
+        <a:tint val="50000"/>
+      </a:schemeClr>
+    </dgm:linClrLst>
+    <dgm:effectClrLst/>
+    <dgm:txLinClrLst/>
+    <dgm:txFillClrLst meth="repeat">
+      <a:schemeClr val="tx1"/>
+    </dgm:txFillClrLst>
+    <dgm:txEffectClrLst/>
+  </dgm:styleLbl>
+  <dgm:styleLbl name="asst0">
+    <dgm:fillClrLst meth="repeat">
+      <a:schemeClr val="accent1"/>
+    </dgm:fillClrLst>
+    <dgm:linClrLst meth="repeat">
+      <a:schemeClr val="lt1"/>
+    </dgm:linClrLst>
+    <dgm:effectClrLst/>
+    <dgm:txLinClrLst/>
+    <dgm:txFillClrLst/>
+    <dgm:txEffectClrLst/>
+  </dgm:styleLbl>
+  <dgm:styleLbl name="asst1">
+    <dgm:fillClrLst meth="repeat">
+      <a:schemeClr val="accent2"/>
+    </dgm:fillClrLst>
+    <dgm:linClrLst meth="repeat">
+      <a:schemeClr val="lt1"/>
+    </dgm:linClrLst>
+    <dgm:effectClrLst/>
+    <dgm:txLinClrLst/>
+    <dgm:txFillClrLst/>
+    <dgm:txEffectClrLst/>
+  </dgm:styleLbl>
+  <dgm:styleLbl name="asst2">
+    <dgm:fillClrLst>
+      <a:schemeClr val="accent3"/>
+    </dgm:fillClrLst>
+    <dgm:linClrLst meth="repeat">
+      <a:schemeClr val="lt1"/>
+    </dgm:linClrLst>
+    <dgm:effectClrLst/>
+    <dgm:txLinClrLst/>
+    <dgm:txFillClrLst/>
+    <dgm:txEffectClrLst/>
+  </dgm:styleLbl>
+  <dgm:styleLbl name="asst3">
+    <dgm:fillClrLst>
+      <a:schemeClr val="accent4"/>
+    </dgm:fillClrLst>
+    <dgm:linClrLst meth="repeat">
+      <a:schemeClr val="lt1"/>
+    </dgm:linClrLst>
+    <dgm:effectClrLst/>
+    <dgm:txLinClrLst/>
+    <dgm:txFillClrLst/>
+    <dgm:txEffectClrLst/>
+  </dgm:styleLbl>
+  <dgm:styleLbl name="asst4">
+    <dgm:fillClrLst>
+      <a:schemeClr val="accent5"/>
+    </dgm:fillClrLst>
+    <dgm:linClrLst meth="repeat">
+      <a:schemeClr val="lt1"/>
+    </dgm:linClrLst>
+    <dgm:effectClrLst/>
+    <dgm:txLinClrLst/>
+    <dgm:txFillClrLst/>
+    <dgm:txEffectClrLst/>
+  </dgm:styleLbl>
+  <dgm:styleLbl name="parChTrans2D1">
+    <dgm:fillClrLst meth="repeat">
+      <a:schemeClr val="accent2"/>
+    </dgm:fillClrLst>
+    <dgm:linClrLst meth="repeat">
+      <a:schemeClr val="lt1"/>
+    </dgm:linClrLst>
+    <dgm:effectClrLst/>
+    <dgm:txLinClrLst/>
+    <dgm:txFillClrLst meth="repeat">
+      <a:schemeClr val="lt1"/>
+    </dgm:txFillClrLst>
+    <dgm:txEffectClrLst/>
+  </dgm:styleLbl>
+  <dgm:styleLbl name="parChTrans2D2">
+    <dgm:fillClrLst meth="repeat">
+      <a:schemeClr val="accent3"/>
+    </dgm:fillClrLst>
+    <dgm:linClrLst meth="repeat">
+      <a:schemeClr val="lt1"/>
+    </dgm:linClrLst>
+    <dgm:effectClrLst/>
+    <dgm:txLinClrLst/>
+    <dgm:txFillClrLst/>
+    <dgm:txEffectClrLst/>
+  </dgm:styleLbl>
+  <dgm:styleLbl name="parChTrans2D3">
+    <dgm:fillClrLst meth="repeat">
+      <a:schemeClr val="accent4"/>
+    </dgm:fillClrLst>
+    <dgm:linClrLst meth="repeat">
+      <a:schemeClr val="lt1"/>
+    </dgm:linClrLst>
+    <dgm:effectClrLst/>
+    <dgm:txLinClrLst/>
+    <dgm:txFillClrLst/>
+    <dgm:txEffectClrLst/>
+  </dgm:styleLbl>
+  <dgm:styleLbl name="parChTrans2D4">
+    <dgm:fillClrLst meth="repeat">
+      <a:schemeClr val="accent5"/>
+    </dgm:fillClrLst>
+    <dgm:linClrLst meth="repeat">
+      <a:schemeClr val="lt1"/>
+    </dgm:linClrLst>
+    <dgm:effectClrLst/>
+    <dgm:txLinClrLst/>
+    <dgm:txFillClrLst meth="repeat">
+      <a:schemeClr val="lt1"/>
+    </dgm:txFillClrLst>
+    <dgm:txEffectClrLst/>
+  </dgm:styleLbl>
+  <dgm:styleLbl name="parChTrans1D1">
+    <dgm:fillClrLst meth="repeat">
+      <a:schemeClr val="accent2"/>
+    </dgm:fillClrLst>
+    <dgm:linClrLst meth="repeat">
+      <a:schemeClr val="accent1"/>
+    </dgm:linClrLst>
+    <dgm:effectClrLst/>
+    <dgm:txLinClrLst/>
+    <dgm:txFillClrLst meth="repeat">
+      <a:schemeClr val="tx1"/>
+    </dgm:txFillClrLst>
+    <dgm:txEffectClrLst/>
+  </dgm:styleLbl>
+  <dgm:styleLbl name="parChTrans1D2">
+    <dgm:fillClrLst meth="repeat">
+      <a:schemeClr val="accent3">
+        <a:tint val="90000"/>
+      </a:schemeClr>
+    </dgm:fillClrLst>
+    <dgm:linClrLst meth="repeat">
+      <a:schemeClr val="accent2"/>
+    </dgm:linClrLst>
+    <dgm:effectClrLst/>
+    <dgm:txLinClrLst/>
+    <dgm:txFillClrLst meth="repeat">
+      <a:schemeClr val="tx1"/>
+    </dgm:txFillClrLst>
+    <dgm:txEffectClrLst/>
+  </dgm:styleLbl>
+  <dgm:styleLbl name="parChTrans1D3">
+    <dgm:fillClrLst meth="repeat">
+      <a:schemeClr val="accent4">
+        <a:tint val="70000"/>
+      </a:schemeClr>
+    </dgm:fillClrLst>
+    <dgm:linClrLst meth="repeat">
+      <a:schemeClr val="accent3"/>
+    </dgm:linClrLst>
+    <dgm:effectClrLst/>
+    <dgm:txLinClrLst/>
+    <dgm:txFillClrLst meth="repeat">
+      <a:schemeClr val="tx1"/>
+    </dgm:txFillClrLst>
+    <dgm:txEffectClrLst/>
+  </dgm:styleLbl>
+  <dgm:styleLbl name="parChTrans1D4">
+    <dgm:fillClrLst meth="repeat">
+      <a:schemeClr val="accent5">
+        <a:tint val="50000"/>
+      </a:schemeClr>
+    </dgm:fillClrLst>
+    <dgm:linClrLst meth="repeat">
+      <a:schemeClr val="accent4"/>
+    </dgm:linClrLst>
+    <dgm:effectClrLst/>
+    <dgm:txLinClrLst/>
+    <dgm:txFillClrLst meth="repeat">
+      <a:schemeClr val="tx1"/>
+    </dgm:txFillClrLst>
+    <dgm:txEffectClrLst/>
+  </dgm:styleLbl>
+  <dgm:styleLbl name="fgAcc1">
+    <dgm:fillClrLst meth="repeat">
+      <a:schemeClr val="lt1">
+        <a:alpha val="90000"/>
+      </a:schemeClr>
+    </dgm:fillClrLst>
+    <dgm:linClrLst meth="repeat">
+      <a:schemeClr val="accent2"/>
+      <a:schemeClr val="accent3"/>
+      <a:schemeClr val="accent4"/>
+      <a:schemeClr val="accent5"/>
+      <a:schemeClr val="accent6"/>
+    </dgm:linClrLst>
+    <dgm:effectClrLst/>
+    <dgm:txLinClrLst/>
+    <dgm:txFillClrLst meth="repeat">
+      <a:schemeClr val="dk1"/>
+    </dgm:txFillClrLst>
+    <dgm:txEffectClrLst/>
+  </dgm:styleLbl>
+  <dgm:styleLbl name="conFgAcc1">
+    <dgm:fillClrLst meth="repeat">
+      <a:schemeClr val="lt1">
+        <a:alpha val="90000"/>
+      </a:schemeClr>
+    </dgm:fillClrLst>
+    <dgm:linClrLst meth="repeat">
+      <a:schemeClr val="accent2"/>
+      <a:schemeClr val="accent3"/>
+      <a:schemeClr val="accent4"/>
+      <a:schemeClr val="accent5"/>
+      <a:schemeClr val="accent6"/>
+    </dgm:linClrLst>
+    <dgm:effectClrLst/>
+    <dgm:txLinClrLst/>
+    <dgm:txFillClrLst meth="repeat">
+      <a:schemeClr val="dk1"/>
+    </dgm:txFillClrLst>
+    <dgm:txEffectClrLst/>
+  </dgm:styleLbl>
+  <dgm:styleLbl name="alignAcc1">
+    <dgm:fillClrLst meth="repeat">
+      <a:schemeClr val="lt1">
+        <a:alpha val="90000"/>
+      </a:schemeClr>
+    </dgm:fillClrLst>
+    <dgm:linClrLst meth="repeat">
+      <a:schemeClr val="accent2"/>
+      <a:schemeClr val="accent3"/>
+      <a:schemeClr val="accent4"/>
+      <a:schemeClr val="accent5"/>
+      <a:schemeClr val="accent6"/>
+    </dgm:linClrLst>
+    <dgm:effectClrLst/>
+    <dgm:txLinClrLst/>
+    <dgm:txFillClrLst meth="repeat">
+      <a:schemeClr val="dk1"/>
+    </dgm:txFillClrLst>
+    <dgm:txEffectClrLst/>
+  </dgm:styleLbl>
+  <dgm:styleLbl name="trAlignAcc1">
+    <dgm:fillClrLst meth="repeat">
+      <a:schemeClr val="lt1">
+        <a:alpha val="40000"/>
+      </a:schemeClr>
+    </dgm:fillClrLst>
+    <dgm:linClrLst meth="repeat">
+      <a:schemeClr val="accent1"/>
+    </dgm:linClrLst>
+    <dgm:effectClrLst/>
+    <dgm:txLinClrLst/>
+    <dgm:txFillClrLst meth="repeat">
+      <a:schemeClr val="dk1"/>
+    </dgm:txFillClrLst>
+    <dgm:txEffectClrLst/>
+  </dgm:styleLbl>
+  <dgm:styleLbl name="bgAcc1">
+    <dgm:fillClrLst meth="repeat">
+      <a:schemeClr val="lt1">
+        <a:alpha val="90000"/>
+      </a:schemeClr>
+    </dgm:fillClrLst>
+    <dgm:linClrLst meth="repeat">
+      <a:schemeClr val="accent2"/>
+      <a:schemeClr val="accent3"/>
+      <a:schemeClr val="accent4"/>
+      <a:schemeClr val="accent5"/>
+      <a:schemeClr val="accent6"/>
+    </dgm:linClrLst>
+    <dgm:effectClrLst/>
+    <dgm:txLinClrLst/>
+    <dgm:txFillClrLst meth="repeat">
+      <a:schemeClr val="dk1"/>
+    </dgm:txFillClrLst>
+    <dgm:txEffectClrLst/>
+  </dgm:styleLbl>
+  <dgm:styleLbl name="solidFgAcc1">
+    <dgm:fillClrLst meth="repeat">
+      <a:schemeClr val="lt1"/>
+    </dgm:fillClrLst>
+    <dgm:linClrLst meth="repeat">
+      <a:schemeClr val="accent2"/>
+      <a:schemeClr val="accent3"/>
+      <a:schemeClr val="accent4"/>
+      <a:schemeClr val="accent5"/>
+      <a:schemeClr val="accent6"/>
+    </dgm:linClrLst>
+    <dgm:effectClrLst/>
+    <dgm:txLinClrLst/>
+    <dgm:txFillClrLst meth="repeat">
+      <a:schemeClr val="dk1"/>
+    </dgm:txFillClrLst>
+    <dgm:txEffectClrLst/>
+  </dgm:styleLbl>
+  <dgm:styleLbl name="solidAlignAcc1">
+    <dgm:fillClrLst meth="repeat">
+      <a:schemeClr val="lt1"/>
+    </dgm:fillClrLst>
+    <dgm:linClrLst meth="repeat">
+      <a:schemeClr val="accent2"/>
+      <a:schemeClr val="accent3"/>
+      <a:schemeClr val="accent4"/>
+      <a:schemeClr val="accent5"/>
+      <a:schemeClr val="accent6"/>
+    </dgm:linClrLst>
+    <dgm:effectClrLst/>
+    <dgm:txLinClrLst/>
+    <dgm:txFillClrLst meth="repeat">
+      <a:schemeClr val="dk1"/>
+    </dgm:txFillClrLst>
+    <dgm:txEffectClrLst/>
+  </dgm:styleLbl>
+  <dgm:styleLbl name="solidBgAcc1">
+    <dgm:fillClrLst meth="repeat">
+      <a:schemeClr val="lt1"/>
+    </dgm:fillClrLst>
+    <dgm:linClrLst meth="repeat">
+      <a:schemeClr val="accent2"/>
+      <a:schemeClr val="accent3"/>
+      <a:schemeClr val="accent4"/>
+      <a:schemeClr val="accent5"/>
+      <a:schemeClr val="accent6"/>
+    </dgm:linClrLst>
+    <dgm:effectClrLst/>
+    <dgm:txLinClrLst/>
+    <dgm:txFillClrLst meth="repeat">
+      <a:schemeClr val="dk1"/>
+    </dgm:txFillClrLst>
+    <dgm:txEffectClrLst/>
+  </dgm:styleLbl>
+  <dgm:styleLbl name="fgAccFollowNode1">
+    <dgm:fillClrLst meth="repeat">
+      <a:schemeClr val="accent2">
+        <a:tint val="40000"/>
+        <a:alpha val="90000"/>
+      </a:schemeClr>
+      <a:schemeClr val="accent3">
+        <a:tint val="40000"/>
+        <a:alpha val="90000"/>
+      </a:schemeClr>
+      <a:schemeClr val="accent4">
+        <a:tint val="40000"/>
+        <a:alpha val="90000"/>
+      </a:schemeClr>
+      <a:schemeClr val="accent5">
+        <a:tint val="40000"/>
+        <a:alpha val="90000"/>
+      </a:schemeClr>
+      <a:schemeClr val="accent6">
+        <a:tint val="40000"/>
+        <a:alpha val="90000"/>
+      </a:schemeClr>
+    </dgm:fillClrLst>
+    <dgm:linClrLst meth="repeat">
+      <a:schemeClr val="accent2">
+        <a:tint val="40000"/>
+        <a:alpha val="90000"/>
+      </a:schemeClr>
+      <a:schemeClr val="accent3">
+        <a:tint val="40000"/>
+        <a:alpha val="90000"/>
+      </a:schemeClr>
+      <a:schemeClr val="accent4">
+        <a:tint val="40000"/>
+        <a:alpha val="90000"/>
+      </a:schemeClr>
+      <a:schemeClr val="accent5">
+        <a:tint val="40000"/>
+        <a:alpha val="90000"/>
+      </a:schemeClr>
+      <a:schemeClr val="accent6">
+        <a:tint val="40000"/>
+        <a:alpha val="90000"/>
+      </a:schemeClr>
+    </dgm:linClrLst>
+    <dgm:effectClrLst/>
+    <dgm:txLinClrLst/>
+    <dgm:txFillClrLst meth="repeat">
+      <a:schemeClr val="dk1"/>
+    </dgm:txFillClrLst>
+    <dgm:txEffectClrLst/>
+  </dgm:styleLbl>
+  <dgm:styleLbl name="alignAccFollowNode1">
+    <dgm:fillClrLst meth="repeat">
+      <a:schemeClr val="accent2">
+        <a:tint val="40000"/>
+        <a:alpha val="90000"/>
+      </a:schemeClr>
+      <a:schemeClr val="accent3">
+        <a:tint val="40000"/>
+        <a:alpha val="90000"/>
+      </a:schemeClr>
+      <a:schemeClr val="accent4">
+        <a:tint val="40000"/>
+        <a:alpha val="90000"/>
+      </a:schemeClr>
+      <a:schemeClr val="accent5">
+        <a:tint val="40000"/>
+        <a:alpha val="90000"/>
+      </a:schemeClr>
+      <a:schemeClr val="accent6">
+        <a:tint val="40000"/>
+        <a:alpha val="90000"/>
+      </a:schemeClr>
+    </dgm:fillClrLst>
+    <dgm:linClrLst meth="repeat">
+      <a:schemeClr val="accent2">
+        <a:tint val="40000"/>
+        <a:alpha val="90000"/>
+      </a:schemeClr>
+      <a:schemeClr val="accent3">
+        <a:tint val="40000"/>
+        <a:alpha val="90000"/>
+      </a:schemeClr>
+      <a:schemeClr val="accent4">
+        <a:tint val="40000"/>
+        <a:alpha val="90000"/>
+      </a:schemeClr>
+      <a:schemeClr val="accent5">
+        <a:tint val="40000"/>
+        <a:alpha val="90000"/>
+      </a:schemeClr>
+      <a:schemeClr val="accent6">
+        <a:tint val="40000"/>
+        <a:alpha val="90000"/>
+      </a:schemeClr>
+    </dgm:linClrLst>
+    <dgm:effectClrLst/>
+    <dgm:txLinClrLst/>
+    <dgm:txFillClrLst meth="repeat">
+      <a:schemeClr val="dk1"/>
+    </dgm:txFillClrLst>
+    <dgm:txEffectClrLst/>
+  </dgm:styleLbl>
+  <dgm:styleLbl name="bgAccFollowNode1">
+    <dgm:fillClrLst meth="repeat">
+      <a:schemeClr val="accent2">
+        <a:tint val="40000"/>
+        <a:alpha val="90000"/>
+      </a:schemeClr>
+      <a:schemeClr val="accent3">
+        <a:tint val="40000"/>
+        <a:alpha val="90000"/>
+      </a:schemeClr>
+      <a:schemeClr val="accent4">
+        <a:tint val="40000"/>
+        <a:alpha val="90000"/>
+      </a:schemeClr>
+      <a:schemeClr val="accent5">
+        <a:tint val="40000"/>
+        <a:alpha val="90000"/>
+      </a:schemeClr>
+      <a:schemeClr val="accent6">
+        <a:tint val="40000"/>
+        <a:alpha val="90000"/>
+      </a:schemeClr>
+    </dgm:fillClrLst>
+    <dgm:linClrLst meth="repeat">
+      <a:schemeClr val="accent2">
+        <a:tint val="40000"/>
+        <a:alpha val="90000"/>
+      </a:schemeClr>
+      <a:schemeClr val="accent3">
+        <a:tint val="40000"/>
+        <a:alpha val="90000"/>
+      </a:schemeClr>
+      <a:schemeClr val="accent4">
+        <a:tint val="40000"/>
+        <a:alpha val="90000"/>
+      </a:schemeClr>
+      <a:schemeClr val="accent5">
+        <a:tint val="40000"/>
+        <a:alpha val="90000"/>
+      </a:schemeClr>
+      <a:schemeClr val="accent6">
+        <a:tint val="40000"/>
+        <a:alpha val="90000"/>
+      </a:schemeClr>
+    </dgm:linClrLst>
+    <dgm:effectClrLst/>
+    <dgm:txLinClrLst/>
+    <dgm:txFillClrLst meth="repeat">
+      <a:schemeClr val="dk1"/>
+    </dgm:txFillClrLst>
+    <dgm:txEffectClrLst/>
+  </dgm:styleLbl>
+  <dgm:styleLbl name="fgAcc0">
+    <dgm:fillClrLst meth="repeat">
+      <a:schemeClr val="lt1">
+        <a:alpha val="90000"/>
+      </a:schemeClr>
+    </dgm:fillClrLst>
+    <dgm:linClrLst>
+      <a:schemeClr val="accent1"/>
+    </dgm:linClrLst>
+    <dgm:effectClrLst/>
+    <dgm:txLinClrLst/>
+    <dgm:txFillClrLst meth="repeat">
+      <a:schemeClr val="dk1"/>
+    </dgm:txFillClrLst>
+    <dgm:txEffectClrLst/>
+  </dgm:styleLbl>
+  <dgm:styleLbl name="fgAcc2">
+    <dgm:fillClrLst meth="repeat">
+      <a:schemeClr val="lt1">
+        <a:alpha val="90000"/>
+      </a:schemeClr>
+    </dgm:fillClrLst>
+    <dgm:linClrLst>
+      <a:schemeClr val="accent2"/>
+    </dgm:linClrLst>
+    <dgm:effectClrLst/>
+    <dgm:txLinClrLst/>
+    <dgm:txFillClrLst meth="repeat">
+      <a:schemeClr val="dk1"/>
+    </dgm:txFillClrLst>
+    <dgm:txEffectClrLst/>
+  </dgm:styleLbl>
+  <dgm:styleLbl name="fgAcc3">
+    <dgm:fillClrLst meth="repeat">
+      <a:schemeClr val="lt1">
+        <a:alpha val="90000"/>
+      </a:schemeClr>
+    </dgm:fillClrLst>
+    <dgm:linClrLst>
+      <a:schemeClr val="accent3"/>
+    </dgm:linClrLst>
+    <dgm:effectClrLst/>
+    <dgm:txLinClrLst/>
+    <dgm:txFillClrLst meth="repeat">
+      <a:schemeClr val="dk1"/>
+    </dgm:txFillClrLst>
+    <dgm:txEffectClrLst/>
+  </dgm:styleLbl>
+  <dgm:styleLbl name="fgAcc4">
+    <dgm:fillClrLst meth="repeat">
+      <a:schemeClr val="lt1">
+        <a:alpha val="90000"/>
+      </a:schemeClr>
+    </dgm:fillClrLst>
+    <dgm:linClrLst>
+      <a:schemeClr val="accent4"/>
+    </dgm:linClrLst>
+    <dgm:effectClrLst/>
+    <dgm:txLinClrLst/>
+    <dgm:txFillClrLst meth="repeat">
+      <a:schemeClr val="dk1"/>
+    </dgm:txFillClrLst>
+    <dgm:txEffectClrLst/>
+  </dgm:styleLbl>
+  <dgm:styleLbl name="bgShp">
+    <dgm:fillClrLst meth="repeat">
+      <a:schemeClr val="accent2"/>
+      <a:schemeClr val="accent3"/>
+      <a:schemeClr val="accent4"/>
+      <a:schemeClr val="accent5"/>
+      <a:schemeClr val="accent6"/>
+    </dgm:fillClrLst>
+    <dgm:linClrLst meth="repeat">
+      <a:schemeClr val="lt1">
+        <a:alpha val="0"/>
+      </a:schemeClr>
+    </dgm:linClrLst>
+    <dgm:effectClrLst/>
+    <dgm:txLinClrLst/>
+    <dgm:txFillClrLst/>
+    <dgm:txEffectClrLst/>
+  </dgm:styleLbl>
+  <dgm:styleLbl name="dkBgShp">
+    <dgm:fillClrLst meth="repeat">
+      <a:schemeClr val="accent2">
+        <a:shade val="90000"/>
+      </a:schemeClr>
+    </dgm:fillClrLst>
+    <dgm:linClrLst meth="repeat">
+      <a:schemeClr val="dk1"/>
+    </dgm:linClrLst>
+    <dgm:effectClrLst/>
+    <dgm:txLinClrLst/>
+    <dgm:txFillClrLst meth="repeat">
+      <a:schemeClr val="lt1"/>
+    </dgm:txFillClrLst>
+    <dgm:txEffectClrLst/>
+  </dgm:styleLbl>
+  <dgm:styleLbl name="trBgShp">
+    <dgm:fillClrLst meth="repeat">
+      <a:schemeClr val="accent1">
+        <a:tint val="50000"/>
+        <a:alpha val="40000"/>
+      </a:schemeClr>
+    </dgm:fillClrLst>
+    <dgm:linClrLst meth="repeat">
+      <a:schemeClr val="accent2"/>
+    </dgm:linClrLst>
+    <dgm:effectClrLst/>
+    <dgm:txLinClrLst/>
+    <dgm:txFillClrLst meth="repeat">
+      <a:schemeClr val="lt1"/>
+    </dgm:txFillClrLst>
+    <dgm:txEffectClrLst/>
+  </dgm:styleLbl>
+  <dgm:styleLbl name="fgShp">
+    <dgm:fillClrLst meth="repeat">
+      <a:schemeClr val="accent2">
+        <a:tint val="40000"/>
+      </a:schemeClr>
+    </dgm:fillClrLst>
+    <dgm:linClrLst meth="repeat">
+      <a:schemeClr val="lt1"/>
+    </dgm:linClrLst>
+    <dgm:effectClrLst/>
+    <dgm:txLinClrLst/>
+    <dgm:txFillClrLst meth="repeat">
+      <a:schemeClr val="dk1"/>
+    </dgm:txFillClrLst>
+    <dgm:txEffectClrLst/>
+  </dgm:styleLbl>
+  <dgm:styleLbl name="revTx">
+    <dgm:fillClrLst meth="repeat">
+      <a:schemeClr val="lt1">
+        <a:alpha val="0"/>
+      </a:schemeClr>
+    </dgm:fillClrLst>
+    <dgm:linClrLst meth="repeat">
+      <a:schemeClr val="dk1">
+        <a:alpha val="0"/>
+      </a:schemeClr>
+    </dgm:linClrLst>
+    <dgm:effectClrLst/>
+    <dgm:txLinClrLst/>
+    <dgm:txFillClrLst meth="repeat">
+      <a:schemeClr val="bg1"/>
+    </dgm:txFillClrLst>
+    <dgm:txEffectClrLst/>
+  </dgm:styleLbl>
+</dgm:colorsDef>
+</file>
+
+<file path=ppt/diagrams/colors4.xml><?xml version="1.0" encoding="utf-8"?>
+<dgm:colorsDef xmlns:dgm="http://schemas.openxmlformats.org/drawingml/2006/diagram" xmlns:a="http://schemas.openxmlformats.org/drawingml/2006/main" uniqueId="urn:microsoft.com/office/officeart/2005/8/colors/accent1_1">
+  <dgm:title val=""/>
+  <dgm:desc val=""/>
+  <dgm:catLst>
+    <dgm:cat type="accent1" pri="11100"/>
+  </dgm:catLst>
+  <dgm:styleLbl name="node0">
+    <dgm:fillClrLst meth="repeat">
+      <a:schemeClr val="lt1"/>
+    </dgm:fillClrLst>
+    <dgm:linClrLst meth="repeat">
+      <a:schemeClr val="accent1">
+        <a:shade val="80000"/>
+      </a:schemeClr>
+    </dgm:linClrLst>
+    <dgm:effectClrLst/>
+    <dgm:txLinClrLst/>
+    <dgm:txFillClrLst meth="repeat">
+      <a:schemeClr val="dk1"/>
+    </dgm:txFillClrLst>
+    <dgm:txEffectClrLst/>
+  </dgm:styleLbl>
+  <dgm:styleLbl name="alignNode1">
+    <dgm:fillClrLst meth="repeat">
+      <a:schemeClr val="lt1"/>
+    </dgm:fillClrLst>
+    <dgm:linClrLst meth="repeat">
+      <a:schemeClr val="accent1">
+        <a:shade val="80000"/>
+      </a:schemeClr>
+    </dgm:linClrLst>
+    <dgm:effectClrLst/>
+    <dgm:txLinClrLst/>
+    <dgm:txFillClrLst meth="repeat">
+      <a:schemeClr val="dk1"/>
+    </dgm:txFillClrLst>
+    <dgm:txEffectClrLst/>
+  </dgm:styleLbl>
+  <dgm:styleLbl name="node1">
+    <dgm:fillClrLst meth="repeat">
+      <a:schemeClr val="lt1"/>
+    </dgm:fillClrLst>
+    <dgm:linClrLst meth="repeat">
+      <a:schemeClr val="accent1">
+        <a:shade val="80000"/>
+      </a:schemeClr>
+    </dgm:linClrLst>
+    <dgm:effectClrLst/>
+    <dgm:txLinClrLst/>
+    <dgm:txFillClrLst meth="repeat">
+      <a:schemeClr val="dk1"/>
+    </dgm:txFillClrLst>
+    <dgm:txEffectClrLst/>
+  </dgm:styleLbl>
+  <dgm:styleLbl name="lnNode1">
+    <dgm:fillClrLst meth="repeat">
+      <a:schemeClr val="lt1"/>
+    </dgm:fillClrLst>
+    <dgm:linClrLst meth="repeat">
+      <a:schemeClr val="accent1">
+        <a:shade val="80000"/>
+      </a:schemeClr>
+    </dgm:linClrLst>
+    <dgm:effectClrLst/>
+    <dgm:txLinClrLst/>
+    <dgm:txFillClrLst meth="repeat">
+      <a:schemeClr val="dk1"/>
+    </dgm:txFillClrLst>
+    <dgm:txEffectClrLst/>
+  </dgm:styleLbl>
+  <dgm:styleLbl name="vennNode1">
+    <dgm:fillClrLst meth="repeat">
+      <a:schemeClr val="lt1">
+        <a:alpha val="50000"/>
+      </a:schemeClr>
+    </dgm:fillClrLst>
+    <dgm:linClrLst meth="repeat">
+      <a:schemeClr val="accent1">
+        <a:shade val="80000"/>
+      </a:schemeClr>
+    </dgm:linClrLst>
+    <dgm:effectClrLst/>
+    <dgm:txLinClrLst/>
+    <dgm:txFillClrLst/>
+    <dgm:txEffectClrLst/>
+  </dgm:styleLbl>
+  <dgm:styleLbl name="node2">
+    <dgm:fillClrLst meth="repeat">
+      <a:schemeClr val="lt1"/>
+    </dgm:fillClrLst>
+    <dgm:linClrLst meth="repeat">
+      <a:schemeClr val="accent1">
+        <a:shade val="80000"/>
+      </a:schemeClr>
+    </dgm:linClrLst>
+    <dgm:effectClrLst/>
+    <dgm:txLinClrLst/>
+    <dgm:txFillClrLst meth="repeat">
+      <a:schemeClr val="dk1"/>
+    </dgm:txFillClrLst>
+    <dgm:txEffectClrLst/>
+  </dgm:styleLbl>
+  <dgm:styleLbl name="node3">
+    <dgm:fillClrLst meth="repeat">
+      <a:schemeClr val="lt1"/>
+    </dgm:fillClrLst>
+    <dgm:linClrLst meth="repeat">
+      <a:schemeClr val="accent1">
+        <a:shade val="80000"/>
+      </a:schemeClr>
+    </dgm:linClrLst>
+    <dgm:effectClrLst/>
+    <dgm:txLinClrLst/>
+    <dgm:txFillClrLst meth="repeat">
+      <a:schemeClr val="dk1"/>
+    </dgm:txFillClrLst>
+    <dgm:txEffectClrLst/>
+  </dgm:styleLbl>
+  <dgm:styleLbl name="node4">
+    <dgm:fillClrLst meth="repeat">
+      <a:schemeClr val="lt1"/>
+    </dgm:fillClrLst>
+    <dgm:linClrLst meth="repeat">
+      <a:schemeClr val="accent1">
+        <a:shade val="80000"/>
+      </a:schemeClr>
+    </dgm:linClrLst>
+    <dgm:effectClrLst/>
+    <dgm:txLinClrLst/>
+    <dgm:txFillClrLst meth="repeat">
+      <a:schemeClr val="dk1"/>
+    </dgm:txFillClrLst>
+    <dgm:txEffectClrLst/>
+  </dgm:styleLbl>
+  <dgm:styleLbl name="fgImgPlace1">
+    <dgm:fillClrLst meth="repeat">
+      <a:schemeClr val="accent1">
+        <a:tint val="40000"/>
+      </a:schemeClr>
+    </dgm:fillClrLst>
+    <dgm:linClrLst meth="repeat">
+      <a:schemeClr val="accent1">
+        <a:shade val="80000"/>
+      </a:schemeClr>
+    </dgm:linClrLst>
+    <dgm:effectClrLst/>
+    <dgm:txLinClrLst/>
+    <dgm:txFillClrLst meth="repeat">
+      <a:schemeClr val="lt1"/>
+    </dgm:txFillClrLst>
+    <dgm:txEffectClrLst/>
+  </dgm:styleLbl>
+  <dgm:styleLbl name="alignImgPlace1">
+    <dgm:fillClrLst meth="repeat">
+      <a:schemeClr val="accent1">
+        <a:tint val="40000"/>
+      </a:schemeClr>
+    </dgm:fillClrLst>
+    <dgm:linClrLst meth="repeat">
+      <a:schemeClr val="accent1">
+        <a:shade val="80000"/>
+      </a:schemeClr>
+    </dgm:linClrLst>
+    <dgm:effectClrLst/>
+    <dgm:txLinClrLst/>
+    <dgm:txFillClrLst meth="repeat">
+      <a:schemeClr val="lt1"/>
+    </dgm:txFillClrLst>
+    <dgm:txEffectClrLst/>
+  </dgm:styleLbl>
+  <dgm:styleLbl name="bgImgPlace1">
+    <dgm:fillClrLst meth="repeat">
+      <a:schemeClr val="accent1">
+        <a:tint val="40000"/>
+      </a:schemeClr>
+    </dgm:fillClrLst>
+    <dgm:linClrLst meth="repeat">
+      <a:schemeClr val="accent1">
+        <a:shade val="80000"/>
+      </a:schemeClr>
+    </dgm:linClrLst>
+    <dgm:effectClrLst/>
+    <dgm:txLinClrLst/>
+    <dgm:txFillClrLst meth="repeat">
+      <a:schemeClr val="lt1"/>
+    </dgm:txFillClrLst>
+    <dgm:txEffectClrLst/>
+  </dgm:styleLbl>
+  <dgm:styleLbl name="sibTrans2D1">
+    <dgm:fillClrLst meth="repeat">
+      <a:schemeClr val="accent1">
+        <a:tint val="60000"/>
+      </a:schemeClr>
+    </dgm:fillClrLst>
+    <dgm:linClrLst meth="repeat">
+      <a:schemeClr val="accent1">
+        <a:tint val="60000"/>
+      </a:schemeClr>
+    </dgm:linClrLst>
+    <dgm:effectClrLst/>
+    <dgm:txLinClrLst/>
+    <dgm:txFillClrLst meth="repeat">
+      <a:schemeClr val="dk1"/>
+    </dgm:txFillClrLst>
+    <dgm:txEffectClrLst/>
+  </dgm:styleLbl>
+  <dgm:styleLbl name="fgSibTrans2D1">
+    <dgm:fillClrLst meth="repeat">
+      <a:schemeClr val="accent1">
+        <a:tint val="60000"/>
+      </a:schemeClr>
+    </dgm:fillClrLst>
+    <dgm:linClrLst meth="repeat">
+      <a:schemeClr val="accent1">
+        <a:tint val="60000"/>
+      </a:schemeClr>
+    </dgm:linClrLst>
+    <dgm:effectClrLst/>
+    <dgm:txLinClrLst/>
+    <dgm:txFillClrLst meth="repeat">
+      <a:schemeClr val="dk1"/>
+    </dgm:txFillClrLst>
+    <dgm:txEffectClrLst/>
+  </dgm:styleLbl>
+  <dgm:styleLbl name="bgSibTrans2D1">
+    <dgm:fillClrLst meth="repeat">
+      <a:schemeClr val="accent1">
+        <a:tint val="60000"/>
+      </a:schemeClr>
+    </dgm:fillClrLst>
+    <dgm:linClrLst meth="repeat">
+      <a:schemeClr val="accent1">
+        <a:tint val="60000"/>
+      </a:schemeClr>
+    </dgm:linClrLst>
+    <dgm:effectClrLst/>
+    <dgm:txLinClrLst/>
+    <dgm:txFillClrLst meth="repeat">
+      <a:schemeClr val="dk1"/>
+    </dgm:txFillClrLst>
+    <dgm:txEffectClrLst/>
+  </dgm:styleLbl>
+  <dgm:styleLbl name="sibTrans1D1">
+    <dgm:fillClrLst meth="repeat">
+      <a:schemeClr val="accent1"/>
+    </dgm:fillClrLst>
+    <dgm:linClrLst meth="repeat">
+      <a:schemeClr val="accent1"/>
+    </dgm:linClrLst>
+    <dgm:effectClrLst/>
+    <dgm:txLinClrLst/>
+    <dgm:txFillClrLst meth="repeat">
+      <a:schemeClr val="tx1"/>
+    </dgm:txFillClrLst>
+    <dgm:txEffectClrLst/>
+  </dgm:styleLbl>
+  <dgm:styleLbl name="callout">
+    <dgm:fillClrLst meth="repeat">
+      <a:schemeClr val="accent1"/>
+    </dgm:fillClrLst>
+    <dgm:linClrLst meth="repeat">
+      <a:schemeClr val="accent1"/>
+    </dgm:linClrLst>
+    <dgm:effectClrLst/>
+    <dgm:txLinClrLst/>
+    <dgm:txFillClrLst meth="repeat">
+      <a:schemeClr val="tx1"/>
+    </dgm:txFillClrLst>
+    <dgm:txEffectClrLst/>
+  </dgm:styleLbl>
+  <dgm:styleLbl name="asst0">
+    <dgm:fillClrLst meth="repeat">
+      <a:schemeClr val="lt1"/>
+    </dgm:fillClrLst>
+    <dgm:linClrLst meth="repeat">
+      <a:schemeClr val="accent1">
+        <a:shade val="80000"/>
+      </a:schemeClr>
+    </dgm:linClrLst>
+    <dgm:effectClrLst/>
+    <dgm:txLinClrLst/>
+    <dgm:txFillClrLst meth="repeat">
+      <a:schemeClr val="dk1"/>
+    </dgm:txFillClrLst>
+    <dgm:txEffectClrLst/>
+  </dgm:styleLbl>
+  <dgm:styleLbl name="asst1">
+    <dgm:fillClrLst meth="repeat">
+      <a:schemeClr val="lt1"/>
+    </dgm:fillClrLst>
+    <dgm:linClrLst meth="repeat">
+      <a:schemeClr val="accent1">
+        <a:shade val="80000"/>
+      </a:schemeClr>
+    </dgm:linClrLst>
+    <dgm:effectClrLst/>
+    <dgm:txLinClrLst/>
+    <dgm:txFillClrLst meth="repeat">
+      <a:schemeClr val="dk1"/>
+    </dgm:txFillClrLst>
+    <dgm:txEffectClrLst/>
+  </dgm:styleLbl>
+  <dgm:styleLbl name="asst2">
+    <dgm:fillClrLst meth="repeat">
+      <a:schemeClr val="lt1"/>
+    </dgm:fillClrLst>
+    <dgm:linClrLst meth="repeat">
+      <a:schemeClr val="accent1">
+        <a:shade val="80000"/>
+      </a:schemeClr>
+    </dgm:linClrLst>
+    <dgm:effectClrLst/>
+    <dgm:txLinClrLst/>
+    <dgm:txFillClrLst meth="repeat">
+      <a:schemeClr val="dk1"/>
+    </dgm:txFillClrLst>
+    <dgm:txEffectClrLst/>
+  </dgm:styleLbl>
+  <dgm:styleLbl name="asst3">
+    <dgm:fillClrLst meth="repeat">
+      <a:schemeClr val="lt1"/>
+    </dgm:fillClrLst>
+    <dgm:linClrLst meth="repeat">
+      <a:schemeClr val="accent1">
+        <a:shade val="80000"/>
+      </a:schemeClr>
+    </dgm:linClrLst>
+    <dgm:effectClrLst/>
+    <dgm:txLinClrLst/>
+    <dgm:txFillClrLst meth="repeat">
+      <a:schemeClr val="dk1"/>
+    </dgm:txFillClrLst>
+    <dgm:txEffectClrLst/>
+  </dgm:styleLbl>
+  <dgm:styleLbl name="asst4">
+    <dgm:fillClrLst meth="repeat">
+      <a:schemeClr val="lt1"/>
+    </dgm:fillClrLst>
+    <dgm:linClrLst meth="repeat">
+      <a:schemeClr val="accent1">
+        <a:shade val="80000"/>
+      </a:schemeClr>
+    </dgm:linClrLst>
+    <dgm:effectClrLst/>
+    <dgm:txLinClrLst/>
+    <dgm:txFillClrLst meth="repeat">
+      <a:schemeClr val="dk1"/>
+    </dgm:txFillClrLst>
+    <dgm:txEffectClrLst/>
+  </dgm:styleLbl>
+  <dgm:styleLbl name="parChTrans2D1">
+    <dgm:fillClrLst meth="repeat">
+      <a:schemeClr val="accent1">
+        <a:tint val="60000"/>
+      </a:schemeClr>
+    </dgm:fillClrLst>
+    <dgm:linClrLst meth="repeat">
+      <a:schemeClr val="accent1">
+        <a:tint val="60000"/>
+      </a:schemeClr>
+    </dgm:linClrLst>
+    <dgm:effectClrLst/>
+    <dgm:txLinClrLst/>
+    <dgm:txFillClrLst/>
+    <dgm:txEffectClrLst/>
+  </dgm:styleLbl>
+  <dgm:styleLbl name="parChTrans2D2">
+    <dgm:fillClrLst meth="repeat">
+      <a:schemeClr val="accent1"/>
+    </dgm:fillClrLst>
+    <dgm:linClrLst meth="repeat">
+      <a:schemeClr val="accent1"/>
+    </dgm:linClrLst>
+    <dgm:effectClrLst/>
+    <dgm:txLinClrLst/>
+    <dgm:txFillClrLst/>
+    <dgm:txEffectClrLst/>
+  </dgm:styleLbl>
+  <dgm:styleLbl name="parChTrans2D3">
+    <dgm:fillClrLst meth="repeat">
+      <a:schemeClr val="accent1"/>
+    </dgm:fillClrLst>
+    <dgm:linClrLst meth="repeat">
+      <a:schemeClr val="accent1"/>
+    </dgm:linClrLst>
+    <dgm:effectClrLst/>
+    <dgm:txLinClrLst/>
+    <dgm:txFillClrLst/>
+    <dgm:txEffectClrLst/>
+  </dgm:styleLbl>
+  <dgm:styleLbl name="parChTrans2D4">
+    <dgm:fillClrLst meth="repeat">
+      <a:schemeClr val="accent1"/>
+    </dgm:fillClrLst>
+    <dgm:linClrLst meth="repeat">
+      <a:schemeClr val="accent1"/>
+    </dgm:linClrLst>
+    <dgm:effectClrLst/>
+    <dgm:txLinClrLst/>
+    <dgm:txFillClrLst meth="repeat">
+      <a:schemeClr val="lt1"/>
+    </dgm:txFillClrLst>
+    <dgm:txEffectClrLst/>
+  </dgm:styleLbl>
+  <dgm:styleLbl name="parChTrans1D1">
+    <dgm:fillClrLst meth="repeat">
+      <a:schemeClr val="accent1"/>
+    </dgm:fillClrLst>
+    <dgm:linClrLst meth="repeat">
+      <a:schemeClr val="accent1">
+        <a:shade val="60000"/>
+      </a:schemeClr>
+    </dgm:linClrLst>
+    <dgm:effectClrLst/>
+    <dgm:txLinClrLst/>
+    <dgm:txFillClrLst meth="repeat">
+      <a:schemeClr val="tx1"/>
+    </dgm:txFillClrLst>
+    <dgm:txEffectClrLst/>
+  </dgm:styleLbl>
+  <dgm:styleLbl name="parChTrans1D2">
+    <dgm:fillClrLst meth="repeat">
+      <a:schemeClr val="accent1"/>
+    </dgm:fillClrLst>
+    <dgm:linClrLst meth="repeat">
+      <a:schemeClr val="accent1">
+        <a:shade val="60000"/>
+      </a:schemeClr>
+    </dgm:linClrLst>
+    <dgm:effectClrLst/>
+    <dgm:txLinClrLst/>
+    <dgm:txFillClrLst meth="repeat">
+      <a:schemeClr val="tx1"/>
+    </dgm:txFillClrLst>
+    <dgm:txEffectClrLst/>
+  </dgm:styleLbl>
+  <dgm:styleLbl name="parChTrans1D3">
+    <dgm:fillClrLst meth="repeat">
+      <a:schemeClr val="accent1"/>
+    </dgm:fillClrLst>
+    <dgm:linClrLst meth="repeat">
+      <a:schemeClr val="accent1">
+        <a:shade val="80000"/>
+      </a:schemeClr>
+    </dgm:linClrLst>
+    <dgm:effectClrLst/>
+    <dgm:txLinClrLst/>
+    <dgm:txFillClrLst meth="repeat">
+      <a:schemeClr val="tx1"/>
+    </dgm:txFillClrLst>
+    <dgm:txEffectClrLst/>
+  </dgm:styleLbl>
+  <dgm:styleLbl name="parChTrans1D4">
+    <dgm:fillClrLst meth="repeat">
+      <a:schemeClr val="accent1"/>
+    </dgm:fillClrLst>
+    <dgm:linClrLst meth="repeat">
+      <a:schemeClr val="accent1">
+        <a:shade val="80000"/>
+      </a:schemeClr>
+    </dgm:linClrLst>
+    <dgm:effectClrLst/>
+    <dgm:txLinClrLst/>
+    <dgm:txFillClrLst meth="repeat">
+      <a:schemeClr val="tx1"/>
+    </dgm:txFillClrLst>
+    <dgm:txEffectClrLst/>
+  </dgm:styleLbl>
+  <dgm:styleLbl name="fgAcc1">
+    <dgm:fillClrLst meth="repeat">
+      <a:schemeClr val="accent1">
+        <a:alpha val="90000"/>
+        <a:tint val="40000"/>
+      </a:schemeClr>
+    </dgm:fillClrLst>
+    <dgm:linClrLst meth="repeat">
+      <a:schemeClr val="accent1"/>
+    </dgm:linClrLst>
+    <dgm:effectClrLst/>
+    <dgm:txLinClrLst/>
+    <dgm:txFillClrLst meth="repeat">
+      <a:schemeClr val="dk1"/>
+    </dgm:txFillClrLst>
+    <dgm:txEffectClrLst/>
+  </dgm:styleLbl>
+  <dgm:styleLbl name="conFgAcc1">
+    <dgm:fillClrLst meth="repeat">
+      <a:schemeClr val="accent1">
+        <a:alpha val="90000"/>
+        <a:tint val="40000"/>
+      </a:schemeClr>
+    </dgm:fillClrLst>
+    <dgm:linClrLst meth="repeat">
+      <a:schemeClr val="accent1"/>
+    </dgm:linClrLst>
+    <dgm:effectClrLst/>
+    <dgm:txLinClrLst/>
+    <dgm:txFillClrLst meth="repeat">
+      <a:schemeClr val="dk1"/>
+    </dgm:txFillClrLst>
+    <dgm:txEffectClrLst/>
+  </dgm:styleLbl>
+  <dgm:styleLbl name="alignAcc1">
+    <dgm:fillClrLst meth="repeat">
+      <a:schemeClr val="accent1">
+        <a:alpha val="90000"/>
+        <a:tint val="40000"/>
+      </a:schemeClr>
+    </dgm:fillClrLst>
+    <dgm:linClrLst meth="repeat">
+      <a:schemeClr val="accent1"/>
+    </dgm:linClrLst>
+    <dgm:effectClrLst/>
+    <dgm:txLinClrLst/>
+    <dgm:txFillClrLst meth="repeat">
+      <a:schemeClr val="dk1"/>
+    </dgm:txFillClrLst>
+    <dgm:txEffectClrLst/>
+  </dgm:styleLbl>
+  <dgm:styleLbl name="trAlignAcc1">
+    <dgm:fillClrLst meth="repeat">
+      <a:schemeClr val="accent1">
+        <a:alpha val="40000"/>
+        <a:tint val="40000"/>
+      </a:schemeClr>
+    </dgm:fillClrLst>
+    <dgm:linClrLst meth="repeat">
+      <a:schemeClr val="accent1"/>
+    </dgm:linClrLst>
+    <dgm:effectClrLst/>
+    <dgm:txLinClrLst/>
+    <dgm:txFillClrLst meth="repeat">
+      <a:schemeClr val="dk1"/>
+    </dgm:txFillClrLst>
+    <dgm:txEffectClrLst/>
+  </dgm:styleLbl>
+  <dgm:styleLbl name="bgAcc1">
+    <dgm:fillClrLst meth="repeat">
+      <a:schemeClr val="accent1">
+        <a:alpha val="90000"/>
+        <a:tint val="40000"/>
+      </a:schemeClr>
+    </dgm:fillClrLst>
+    <dgm:linClrLst meth="repeat">
+      <a:schemeClr val="accent1"/>
+    </dgm:linClrLst>
+    <dgm:effectClrLst/>
+    <dgm:txLinClrLst/>
+    <dgm:txFillClrLst meth="repeat">
+      <a:schemeClr val="dk1"/>
+    </dgm:txFillClrLst>
+    <dgm:txEffectClrLst/>
+  </dgm:styleLbl>
+  <dgm:styleLbl name="solidFgAcc1">
+    <dgm:fillClrLst meth="repeat">
+      <a:schemeClr val="lt1"/>
+    </dgm:fillClrLst>
+    <dgm:linClrLst meth="repeat">
+      <a:schemeClr val="accent1"/>
+    </dgm:linClrLst>
+    <dgm:effectClrLst/>
+    <dgm:txLinClrLst/>
+    <dgm:txFillClrLst meth="repeat">
+      <a:schemeClr val="dk1"/>
+    </dgm:txFillClrLst>
+    <dgm:txEffectClrLst/>
+  </dgm:styleLbl>
+  <dgm:styleLbl name="solidAlignAcc1">
+    <dgm:fillClrLst meth="repeat">
+      <a:schemeClr val="lt1"/>
+    </dgm:fillClrLst>
+    <dgm:linClrLst meth="repeat">
+      <a:schemeClr val="accent1"/>
+    </dgm:linClrLst>
+    <dgm:effectClrLst/>
+    <dgm:txLinClrLst/>
+    <dgm:txFillClrLst meth="repeat">
+      <a:schemeClr val="dk1"/>
+    </dgm:txFillClrLst>
+    <dgm:txEffectClrLst/>
+  </dgm:styleLbl>
+  <dgm:styleLbl name="solidBgAcc1">
+    <dgm:fillClrLst meth="repeat">
+      <a:schemeClr val="lt1"/>
+    </dgm:fillClrLst>
+    <dgm:linClrLst meth="repeat">
+      <a:schemeClr val="accent1"/>
+    </dgm:linClrLst>
+    <dgm:effectClrLst/>
+    <dgm:txLinClrLst/>
+    <dgm:txFillClrLst meth="repeat">
+      <a:schemeClr val="dk1"/>
+    </dgm:txFillClrLst>
+    <dgm:txEffectClrLst/>
+  </dgm:styleLbl>
+  <dgm:styleLbl name="fgAccFollowNode1">
+    <dgm:fillClrLst meth="repeat">
+      <a:schemeClr val="lt1">
+        <a:alpha val="90000"/>
+        <a:tint val="40000"/>
+      </a:schemeClr>
+    </dgm:fillClrLst>
+    <dgm:linClrLst meth="repeat">
+      <a:schemeClr val="accent1">
+        <a:alpha val="90000"/>
+      </a:schemeClr>
+    </dgm:linClrLst>
+    <dgm:effectClrLst/>
+    <dgm:txLinClrLst/>
+    <dgm:txFillClrLst meth="repeat">
+      <a:schemeClr val="dk1"/>
+    </dgm:txFillClrLst>
+    <dgm:txEffectClrLst/>
+  </dgm:styleLbl>
+  <dgm:styleLbl name="alignAccFollowNode1">
+    <dgm:fillClrLst meth="repeat">
+      <a:schemeClr val="lt1">
+        <a:alpha val="90000"/>
+        <a:tint val="40000"/>
+      </a:schemeClr>
+    </dgm:fillClrLst>
+    <dgm:linClrLst meth="repeat">
+      <a:schemeClr val="accent1">
+        <a:alpha val="90000"/>
+      </a:schemeClr>
+    </dgm:linClrLst>
+    <dgm:effectClrLst/>
+    <dgm:txLinClrLst/>
+    <dgm:txFillClrLst meth="repeat">
+      <a:schemeClr val="dk1"/>
+    </dgm:txFillClrLst>
+    <dgm:txEffectClrLst/>
+  </dgm:styleLbl>
+  <dgm:styleLbl name="bgAccFollowNode1">
+    <dgm:fillClrLst meth="repeat">
+      <a:schemeClr val="lt1">
+        <a:alpha val="90000"/>
+        <a:tint val="40000"/>
+      </a:schemeClr>
+    </dgm:fillClrLst>
+    <dgm:linClrLst meth="repeat">
+      <a:schemeClr val="accent1">
+        <a:alpha val="90000"/>
+      </a:schemeClr>
+    </dgm:linClrLst>
+    <dgm:effectClrLst/>
+    <dgm:txLinClrLst/>
+    <dgm:txFillClrLst meth="repeat">
+      <a:schemeClr val="dk1"/>
+    </dgm:txFillClrLst>
+    <dgm:txEffectClrLst/>
+  </dgm:styleLbl>
+  <dgm:styleLbl name="fgAcc0">
+    <dgm:fillClrLst meth="repeat">
+      <a:schemeClr val="accent1">
+        <a:alpha val="90000"/>
+        <a:tint val="40000"/>
+      </a:schemeClr>
+    </dgm:fillClrLst>
+    <dgm:linClrLst meth="repeat">
+      <a:schemeClr val="accent1"/>
+    </dgm:linClrLst>
+    <dgm:effectClrLst/>
+    <dgm:txLinClrLst/>
+    <dgm:txFillClrLst meth="repeat">
+      <a:schemeClr val="dk1"/>
+    </dgm:txFillClrLst>
+    <dgm:txEffectClrLst/>
+  </dgm:styleLbl>
+  <dgm:styleLbl name="fgAcc2">
+    <dgm:fillClrLst meth="repeat">
+      <a:schemeClr val="accent1">
+        <a:alpha val="90000"/>
+        <a:tint val="40000"/>
+      </a:schemeClr>
+    </dgm:fillClrLst>
+    <dgm:linClrLst meth="repeat">
+      <a:schemeClr val="accent1"/>
+    </dgm:linClrLst>
+    <dgm:effectClrLst/>
+    <dgm:txLinClrLst/>
+    <dgm:txFillClrLst meth="repeat">
+      <a:schemeClr val="dk1"/>
+    </dgm:txFillClrLst>
+    <dgm:txEffectClrLst/>
+  </dgm:styleLbl>
+  <dgm:styleLbl name="fgAcc3">
+    <dgm:fillClrLst meth="repeat">
+      <a:schemeClr val="accent1">
+        <a:alpha val="90000"/>
+        <a:tint val="40000"/>
+      </a:schemeClr>
+    </dgm:fillClrLst>
+    <dgm:linClrLst meth="repeat">
+      <a:schemeClr val="accent1"/>
+    </dgm:linClrLst>
+    <dgm:effectClrLst/>
+    <dgm:txLinClrLst/>
+    <dgm:txFillClrLst meth="repeat">
+      <a:schemeClr val="dk1"/>
+    </dgm:txFillClrLst>
+    <dgm:txEffectClrLst/>
+  </dgm:styleLbl>
+  <dgm:styleLbl name="fgAcc4">
+    <dgm:fillClrLst meth="repeat">
+      <a:schemeClr val="accent1">
+        <a:alpha val="90000"/>
+        <a:tint val="40000"/>
+      </a:schemeClr>
+    </dgm:fillClrLst>
+    <dgm:linClrLst meth="repeat">
+      <a:schemeClr val="accent1"/>
+    </dgm:linClrLst>
+    <dgm:effectClrLst/>
+    <dgm:txLinClrLst/>
+    <dgm:txFillClrLst meth="repeat">
+      <a:schemeClr val="dk1"/>
+    </dgm:txFillClrLst>
+    <dgm:txEffectClrLst/>
+  </dgm:styleLbl>
+  <dgm:styleLbl name="bgShp">
+    <dgm:fillClrLst meth="repeat">
+      <a:schemeClr val="accent1">
+        <a:tint val="40000"/>
+      </a:schemeClr>
+    </dgm:fillClrLst>
+    <dgm:linClrLst meth="repeat">
+      <a:schemeClr val="accent1"/>
+    </dgm:linClrLst>
+    <dgm:effectClrLst/>
+    <dgm:txLinClrLst/>
+    <dgm:txFillClrLst meth="repeat">
+      <a:schemeClr val="dk1"/>
+    </dgm:txFillClrLst>
+    <dgm:txEffectClrLst/>
+  </dgm:styleLbl>
+  <dgm:styleLbl name="dkBgShp">
+    <dgm:fillClrLst meth="repeat">
+      <a:schemeClr val="accent1">
+        <a:shade val="80000"/>
+      </a:schemeClr>
+    </dgm:fillClrLst>
+    <dgm:linClrLst meth="repeat">
+      <a:schemeClr val="accent1"/>
+    </dgm:linClrLst>
+    <dgm:effectClrLst/>
+    <dgm:txLinClrLst/>
+    <dgm:txFillClrLst meth="repeat">
+      <a:schemeClr val="lt1"/>
+    </dgm:txFillClrLst>
+    <dgm:txEffectClrLst/>
+  </dgm:styleLbl>
+  <dgm:styleLbl name="trBgShp">
+    <dgm:fillClrLst meth="repeat">
+      <a:schemeClr val="accent1">
+        <a:tint val="50000"/>
+        <a:alpha val="40000"/>
+      </a:schemeClr>
+    </dgm:fillClrLst>
+    <dgm:linClrLst meth="repeat">
+      <a:schemeClr val="accent1"/>
+    </dgm:linClrLst>
+    <dgm:effectClrLst/>
+    <dgm:txLinClrLst/>
+    <dgm:txFillClrLst meth="repeat">
+      <a:schemeClr val="lt1"/>
+    </dgm:txFillClrLst>
+    <dgm:txEffectClrLst/>
+  </dgm:styleLbl>
+  <dgm:styleLbl name="fgShp">
+    <dgm:fillClrLst meth="repeat">
+      <a:schemeClr val="accent1">
+        <a:tint val="60000"/>
+      </a:schemeClr>
+    </dgm:fillClrLst>
+    <dgm:linClrLst meth="repeat">
+      <a:schemeClr val="lt1"/>
+    </dgm:linClrLst>
+    <dgm:effectClrLst/>
+    <dgm:txLinClrLst/>
+    <dgm:txFillClrLst meth="repeat">
+      <a:schemeClr val="dk1"/>
+    </dgm:txFillClrLst>
+    <dgm:txEffectClrLst/>
+  </dgm:styleLbl>
+  <dgm:styleLbl name="revTx">
+    <dgm:fillClrLst meth="repeat">
+      <a:schemeClr val="lt1">
+        <a:alpha val="0"/>
+      </a:schemeClr>
+    </dgm:fillClrLst>
+    <dgm:linClrLst meth="repeat">
+      <a:schemeClr val="dk1">
+        <a:alpha val="0"/>
+      </a:schemeClr>
+    </dgm:linClrLst>
+    <dgm:effectClrLst/>
+    <dgm:txLinClrLst/>
+    <dgm:txFillClrLst meth="repeat">
+      <a:schemeClr val="tx1"/>
+    </dgm:txFillClrLst>
+    <dgm:txEffectClrLst/>
+  </dgm:styleLbl>
+</dgm:colorsDef>
+</file>
+
 <file path=ppt/diagrams/data1.xml><?xml version="1.0" encoding="utf-8"?>
 <dgm:dataModel xmlns:dgm="http://schemas.openxmlformats.org/drawingml/2006/diagram" xmlns:a="http://schemas.openxmlformats.org/drawingml/2006/main">
   <dgm:ptLst>
@@ -1686,7 +3416,7 @@
             <a:defRPr b="1"/>
           </a:pPr>
           <a:r>
-            <a:rPr lang="en-GB" dirty="0"/>
+            <a:rPr lang="en-GB"/>
             <a:t>Produce an offline mapping application</a:t>
           </a:r>
           <a:endParaRPr lang="en-US" dirty="0"/>
@@ -1772,7 +3502,7 @@
             <a:defRPr b="1"/>
           </a:pPr>
           <a:r>
-            <a:rPr lang="en-GB" dirty="0"/>
+            <a:rPr lang="en-GB"/>
             <a:t>Use Open Street Map (OSM) data to:</a:t>
           </a:r>
           <a:endParaRPr lang="en-US" dirty="0"/>
@@ -1814,7 +3544,7 @@
             </a:lnSpc>
           </a:pPr>
           <a:r>
-            <a:rPr lang="en-GB" dirty="0"/>
+            <a:rPr lang="en-GB"/>
             <a:t>Store in a local database</a:t>
           </a:r>
           <a:endParaRPr lang="en-US" dirty="0"/>
@@ -1856,7 +3586,7 @@
             </a:lnSpc>
           </a:pPr>
           <a:r>
-            <a:rPr lang="en-GB" dirty="0"/>
+            <a:rPr lang="en-GB"/>
             <a:t>Render in real time</a:t>
           </a:r>
           <a:endParaRPr lang="en-US" dirty="0"/>
@@ -2161,7 +3891,7 @@
         <a:p>
           <a:r>
             <a:rPr lang="en-GB" noProof="0" dirty="0"/>
-            <a:t>Offline Web Applications</a:t>
+            <a:t>Web Applications</a:t>
           </a:r>
         </a:p>
       </dgm:t>
@@ -2372,6 +4102,1293 @@
 </dgm:dataModel>
 </file>
 
+<file path=ppt/diagrams/data3.xml><?xml version="1.0" encoding="utf-8"?>
+<dgm:dataModel xmlns:dgm="http://schemas.openxmlformats.org/drawingml/2006/diagram" xmlns:a="http://schemas.openxmlformats.org/drawingml/2006/main">
+  <dgm:ptLst>
+    <dgm:pt modelId="{F8D5DEDC-56AC-4376-8051-2370EF3F4F4C}" type="doc">
+      <dgm:prSet loTypeId="urn:microsoft.com/office/officeart/2018/2/layout/IconVerticalSolidList" loCatId="icon" qsTypeId="urn:microsoft.com/office/officeart/2005/8/quickstyle/simple1" qsCatId="simple" csTypeId="urn:microsoft.com/office/officeart/2018/5/colors/Iconchunking_neutralicontext_colorful1" csCatId="colorful" phldr="1"/>
+      <dgm:spPr/>
+      <dgm:t>
+        <a:bodyPr/>
+        <a:lstStyle/>
+        <a:p>
+          <a:endParaRPr lang="en-US"/>
+        </a:p>
+      </dgm:t>
+    </dgm:pt>
+    <dgm:pt modelId="{E0CA93F7-D405-41FF-8593-3325302FA313}">
+      <dgm:prSet/>
+      <dgm:spPr/>
+      <dgm:t>
+        <a:bodyPr/>
+        <a:lstStyle/>
+        <a:p>
+          <a:pPr>
+            <a:lnSpc>
+              <a:spcPct val="100000"/>
+            </a:lnSpc>
+          </a:pPr>
+          <a:r>
+            <a:rPr lang="en-GB" dirty="0"/>
+            <a:t>Has 3 cornerstone technologies</a:t>
+          </a:r>
+          <a:endParaRPr lang="en-US" dirty="0"/>
+        </a:p>
+      </dgm:t>
+    </dgm:pt>
+    <dgm:pt modelId="{2E56B559-6997-43E5-8B43-09A8A776B984}" type="parTrans" cxnId="{51211DCC-BC03-43BE-9494-C2E93A5E404A}">
+      <dgm:prSet/>
+      <dgm:spPr/>
+      <dgm:t>
+        <a:bodyPr/>
+        <a:lstStyle/>
+        <a:p>
+          <a:endParaRPr lang="en-US"/>
+        </a:p>
+      </dgm:t>
+    </dgm:pt>
+    <dgm:pt modelId="{693A72E7-7A81-476B-999E-49D3D722896A}" type="sibTrans" cxnId="{51211DCC-BC03-43BE-9494-C2E93A5E404A}">
+      <dgm:prSet/>
+      <dgm:spPr/>
+      <dgm:t>
+        <a:bodyPr/>
+        <a:lstStyle/>
+        <a:p>
+          <a:endParaRPr lang="en-US"/>
+        </a:p>
+      </dgm:t>
+    </dgm:pt>
+    <dgm:pt modelId="{5BF28B3C-17FD-46AE-A96F-345E6BBB56DB}">
+      <dgm:prSet/>
+      <dgm:spPr/>
+      <dgm:t>
+        <a:bodyPr/>
+        <a:lstStyle/>
+        <a:p>
+          <a:pPr>
+            <a:lnSpc>
+              <a:spcPct val="100000"/>
+            </a:lnSpc>
+          </a:pPr>
+          <a:r>
+            <a:rPr lang="en-GB"/>
+            <a:t>HTML</a:t>
+          </a:r>
+          <a:endParaRPr lang="en-US"/>
+        </a:p>
+      </dgm:t>
+    </dgm:pt>
+    <dgm:pt modelId="{2BBBFE6B-2113-47BA-B600-7AD9398E2E65}" type="parTrans" cxnId="{43F50AB8-4088-4688-8152-9090EF48B3DF}">
+      <dgm:prSet/>
+      <dgm:spPr/>
+      <dgm:t>
+        <a:bodyPr/>
+        <a:lstStyle/>
+        <a:p>
+          <a:endParaRPr lang="en-US"/>
+        </a:p>
+      </dgm:t>
+    </dgm:pt>
+    <dgm:pt modelId="{FA8223C8-B67E-4402-9475-3F5DA1BF220E}" type="sibTrans" cxnId="{43F50AB8-4088-4688-8152-9090EF48B3DF}">
+      <dgm:prSet/>
+      <dgm:spPr/>
+      <dgm:t>
+        <a:bodyPr/>
+        <a:lstStyle/>
+        <a:p>
+          <a:endParaRPr lang="en-US"/>
+        </a:p>
+      </dgm:t>
+    </dgm:pt>
+    <dgm:pt modelId="{1A8F784E-7EC8-4A1D-966B-A92587BEF8F4}">
+      <dgm:prSet/>
+      <dgm:spPr/>
+      <dgm:t>
+        <a:bodyPr/>
+        <a:lstStyle/>
+        <a:p>
+          <a:pPr>
+            <a:lnSpc>
+              <a:spcPct val="100000"/>
+            </a:lnSpc>
+          </a:pPr>
+          <a:r>
+            <a:rPr lang="en-GB"/>
+            <a:t>International standard language for web-based applications</a:t>
+          </a:r>
+          <a:endParaRPr lang="en-US" dirty="0"/>
+        </a:p>
+      </dgm:t>
+    </dgm:pt>
+    <dgm:pt modelId="{B0111C9B-A5C6-4E46-ADE7-8917E0684693}" type="parTrans" cxnId="{8EA22EFB-3FB2-4052-B90D-9B63C4AC8A5C}">
+      <dgm:prSet/>
+      <dgm:spPr/>
+      <dgm:t>
+        <a:bodyPr/>
+        <a:lstStyle/>
+        <a:p>
+          <a:endParaRPr lang="en-US"/>
+        </a:p>
+      </dgm:t>
+    </dgm:pt>
+    <dgm:pt modelId="{16110009-B23C-489B-A0A8-C2668B05E66C}" type="sibTrans" cxnId="{8EA22EFB-3FB2-4052-B90D-9B63C4AC8A5C}">
+      <dgm:prSet/>
+      <dgm:spPr/>
+      <dgm:t>
+        <a:bodyPr/>
+        <a:lstStyle/>
+        <a:p>
+          <a:endParaRPr lang="en-US"/>
+        </a:p>
+      </dgm:t>
+    </dgm:pt>
+    <dgm:pt modelId="{ED06FE30-9B61-4C19-A3D1-E9D81FE33868}">
+      <dgm:prSet/>
+      <dgm:spPr/>
+      <dgm:t>
+        <a:bodyPr/>
+        <a:lstStyle/>
+        <a:p>
+          <a:pPr>
+            <a:lnSpc>
+              <a:spcPct val="100000"/>
+            </a:lnSpc>
+          </a:pPr>
+          <a:r>
+            <a:rPr lang="en-GB" dirty="0"/>
+            <a:t>Focuses on the content</a:t>
+          </a:r>
+          <a:endParaRPr lang="en-US" dirty="0"/>
+        </a:p>
+      </dgm:t>
+    </dgm:pt>
+    <dgm:pt modelId="{610E8526-53B9-4422-A8C1-567880ABD760}" type="parTrans" cxnId="{F65E8F9F-EA7E-49F6-9251-5E128A580C9D}">
+      <dgm:prSet/>
+      <dgm:spPr/>
+      <dgm:t>
+        <a:bodyPr/>
+        <a:lstStyle/>
+        <a:p>
+          <a:endParaRPr lang="en-US"/>
+        </a:p>
+      </dgm:t>
+    </dgm:pt>
+    <dgm:pt modelId="{043F8924-90E2-4F18-8421-D89907355F1F}" type="sibTrans" cxnId="{F65E8F9F-EA7E-49F6-9251-5E128A580C9D}">
+      <dgm:prSet/>
+      <dgm:spPr/>
+      <dgm:t>
+        <a:bodyPr/>
+        <a:lstStyle/>
+        <a:p>
+          <a:endParaRPr lang="en-US"/>
+        </a:p>
+      </dgm:t>
+    </dgm:pt>
+    <dgm:pt modelId="{6AF75D5C-2819-412C-8AF8-3081D8A84D5D}">
+      <dgm:prSet/>
+      <dgm:spPr/>
+      <dgm:t>
+        <a:bodyPr/>
+        <a:lstStyle/>
+        <a:p>
+          <a:pPr>
+            <a:lnSpc>
+              <a:spcPct val="100000"/>
+            </a:lnSpc>
+          </a:pPr>
+          <a:r>
+            <a:rPr lang="en-GB"/>
+            <a:t>CSS</a:t>
+          </a:r>
+          <a:endParaRPr lang="en-US"/>
+        </a:p>
+      </dgm:t>
+    </dgm:pt>
+    <dgm:pt modelId="{0F07D7E4-5713-40DC-8115-458A4EA60AF9}" type="parTrans" cxnId="{1E7AD083-940A-472B-A492-BC39DF258020}">
+      <dgm:prSet/>
+      <dgm:spPr/>
+      <dgm:t>
+        <a:bodyPr/>
+        <a:lstStyle/>
+        <a:p>
+          <a:endParaRPr lang="en-US"/>
+        </a:p>
+      </dgm:t>
+    </dgm:pt>
+    <dgm:pt modelId="{78F74968-1AE7-493B-A14F-2CB96D8FF274}" type="sibTrans" cxnId="{1E7AD083-940A-472B-A492-BC39DF258020}">
+      <dgm:prSet/>
+      <dgm:spPr/>
+      <dgm:t>
+        <a:bodyPr/>
+        <a:lstStyle/>
+        <a:p>
+          <a:endParaRPr lang="en-US"/>
+        </a:p>
+      </dgm:t>
+    </dgm:pt>
+    <dgm:pt modelId="{49A4FF49-2205-4DC4-A5CD-81F701BA031C}">
+      <dgm:prSet/>
+      <dgm:spPr/>
+      <dgm:t>
+        <a:bodyPr/>
+        <a:lstStyle/>
+        <a:p>
+          <a:pPr>
+            <a:lnSpc>
+              <a:spcPct val="100000"/>
+            </a:lnSpc>
+          </a:pPr>
+          <a:r>
+            <a:rPr lang="en-GB"/>
+            <a:t>Describes the layout of the HTML content</a:t>
+          </a:r>
+          <a:endParaRPr lang="en-US"/>
+        </a:p>
+      </dgm:t>
+    </dgm:pt>
+    <dgm:pt modelId="{AFAB2E4D-253B-4ECD-A48C-0D0BDAC06F97}" type="parTrans" cxnId="{8E64BD4C-1CEE-43D3-AEFC-A083F4F3B9F7}">
+      <dgm:prSet/>
+      <dgm:spPr/>
+      <dgm:t>
+        <a:bodyPr/>
+        <a:lstStyle/>
+        <a:p>
+          <a:endParaRPr lang="en-US"/>
+        </a:p>
+      </dgm:t>
+    </dgm:pt>
+    <dgm:pt modelId="{A5201604-E6F9-451F-A977-B948A2DE175B}" type="sibTrans" cxnId="{8E64BD4C-1CEE-43D3-AEFC-A083F4F3B9F7}">
+      <dgm:prSet/>
+      <dgm:spPr/>
+      <dgm:t>
+        <a:bodyPr/>
+        <a:lstStyle/>
+        <a:p>
+          <a:endParaRPr lang="en-US"/>
+        </a:p>
+      </dgm:t>
+    </dgm:pt>
+    <dgm:pt modelId="{AFFB44B6-7253-4BA9-BDF1-34CCA81CCAF1}">
+      <dgm:prSet/>
+      <dgm:spPr/>
+      <dgm:t>
+        <a:bodyPr/>
+        <a:lstStyle/>
+        <a:p>
+          <a:pPr>
+            <a:lnSpc>
+              <a:spcPct val="100000"/>
+            </a:lnSpc>
+          </a:pPr>
+          <a:r>
+            <a:rPr lang="en-GB"/>
+            <a:t>JavaScript</a:t>
+          </a:r>
+          <a:endParaRPr lang="en-US"/>
+        </a:p>
+      </dgm:t>
+    </dgm:pt>
+    <dgm:pt modelId="{E6BDC002-5126-4442-B1E8-43CE54322B97}" type="parTrans" cxnId="{7676DC79-4AE9-4DBD-A1B1-0DAF7C7DFD47}">
+      <dgm:prSet/>
+      <dgm:spPr/>
+      <dgm:t>
+        <a:bodyPr/>
+        <a:lstStyle/>
+        <a:p>
+          <a:endParaRPr lang="en-US"/>
+        </a:p>
+      </dgm:t>
+    </dgm:pt>
+    <dgm:pt modelId="{92DBAA51-5332-40A9-AF62-2DE89018825F}" type="sibTrans" cxnId="{7676DC79-4AE9-4DBD-A1B1-0DAF7C7DFD47}">
+      <dgm:prSet/>
+      <dgm:spPr/>
+      <dgm:t>
+        <a:bodyPr/>
+        <a:lstStyle/>
+        <a:p>
+          <a:endParaRPr lang="en-US"/>
+        </a:p>
+      </dgm:t>
+    </dgm:pt>
+    <dgm:pt modelId="{BA628482-198A-428E-9A6A-F5E25A787C8A}">
+      <dgm:prSet/>
+      <dgm:spPr/>
+      <dgm:t>
+        <a:bodyPr/>
+        <a:lstStyle/>
+        <a:p>
+          <a:pPr>
+            <a:lnSpc>
+              <a:spcPct val="100000"/>
+            </a:lnSpc>
+          </a:pPr>
+          <a:r>
+            <a:rPr lang="en-GB"/>
+            <a:t>Used to develop dynamic webpage behaviours that are not possible with HTML and CSS alone</a:t>
+          </a:r>
+          <a:endParaRPr lang="en-US"/>
+        </a:p>
+      </dgm:t>
+    </dgm:pt>
+    <dgm:pt modelId="{8322B051-CAE6-433A-A949-C2A651A49708}" type="parTrans" cxnId="{448A0317-928B-48C0-AA8C-27C3867A27BB}">
+      <dgm:prSet/>
+      <dgm:spPr/>
+      <dgm:t>
+        <a:bodyPr/>
+        <a:lstStyle/>
+        <a:p>
+          <a:endParaRPr lang="en-US"/>
+        </a:p>
+      </dgm:t>
+    </dgm:pt>
+    <dgm:pt modelId="{57D1C93B-0396-4D6D-9EFA-EF35891355D1}" type="sibTrans" cxnId="{448A0317-928B-48C0-AA8C-27C3867A27BB}">
+      <dgm:prSet/>
+      <dgm:spPr/>
+      <dgm:t>
+        <a:bodyPr/>
+        <a:lstStyle/>
+        <a:p>
+          <a:endParaRPr lang="en-US"/>
+        </a:p>
+      </dgm:t>
+    </dgm:pt>
+    <dgm:pt modelId="{630B75C1-BA05-4AC2-831B-DD959248C20A}" type="pres">
+      <dgm:prSet presAssocID="{F8D5DEDC-56AC-4376-8051-2370EF3F4F4C}" presName="root" presStyleCnt="0">
+        <dgm:presLayoutVars>
+          <dgm:dir/>
+          <dgm:resizeHandles val="exact"/>
+        </dgm:presLayoutVars>
+      </dgm:prSet>
+      <dgm:spPr/>
+    </dgm:pt>
+    <dgm:pt modelId="{B197FB3C-5E8F-4373-A949-005E44B2E77D}" type="pres">
+      <dgm:prSet presAssocID="{E0CA93F7-D405-41FF-8593-3325302FA313}" presName="compNode" presStyleCnt="0"/>
+      <dgm:spPr/>
+    </dgm:pt>
+    <dgm:pt modelId="{75677086-ED45-4048-86BE-6F6C98A980B2}" type="pres">
+      <dgm:prSet presAssocID="{E0CA93F7-D405-41FF-8593-3325302FA313}" presName="bgRect" presStyleLbl="bgShp" presStyleIdx="0" presStyleCnt="4"/>
+      <dgm:spPr>
+        <a:noFill/>
+        <a:ln>
+          <a:solidFill>
+            <a:schemeClr val="accent1">
+              <a:hueOff val="0"/>
+              <a:satOff val="0"/>
+              <a:lumOff val="0"/>
+            </a:schemeClr>
+          </a:solidFill>
+        </a:ln>
+      </dgm:spPr>
+    </dgm:pt>
+    <dgm:pt modelId="{25F12826-9516-45D5-8A86-B8D5766E9CC0}" type="pres">
+      <dgm:prSet presAssocID="{E0CA93F7-D405-41FF-8593-3325302FA313}" presName="iconRect" presStyleLbl="node1" presStyleIdx="0" presStyleCnt="4"/>
+      <dgm:spPr>
+        <a:blipFill>
+          <a:blip xmlns:r="http://schemas.openxmlformats.org/officeDocument/2006/relationships" r:embed="rId1">
+            <a:extLst>
+              <a:ext uri="{28A0092B-C50C-407E-A947-70E740481C1C}">
+                <a14:useLocalDpi xmlns:a14="http://schemas.microsoft.com/office/drawing/2010/main" val="0"/>
+              </a:ext>
+              <a:ext uri="{96DAC541-7B7A-43D3-8B79-37D633B846F1}">
+                <asvg:svgBlip xmlns:asvg="http://schemas.microsoft.com/office/drawing/2016/SVG/main" r:embed="rId2"/>
+              </a:ext>
+            </a:extLst>
+          </a:blip>
+          <a:stretch>
+            <a:fillRect/>
+          </a:stretch>
+        </a:blipFill>
+        <a:ln>
+          <a:noFill/>
+        </a:ln>
+      </dgm:spPr>
+      <dgm:extLst>
+        <a:ext uri="{E40237B7-FDA0-4F09-8148-C483321AD2D9}">
+          <dgm14:cNvPr xmlns:dgm14="http://schemas.microsoft.com/office/drawing/2010/diagram" id="0" name="" descr="Network"/>
+        </a:ext>
+      </dgm:extLst>
+    </dgm:pt>
+    <dgm:pt modelId="{6907D6B4-7A26-4707-A797-BD3F4A38D1CA}" type="pres">
+      <dgm:prSet presAssocID="{E0CA93F7-D405-41FF-8593-3325302FA313}" presName="spaceRect" presStyleCnt="0"/>
+      <dgm:spPr/>
+    </dgm:pt>
+    <dgm:pt modelId="{2FC8A223-C39A-48F5-B5A1-7B77898EFB6F}" type="pres">
+      <dgm:prSet presAssocID="{E0CA93F7-D405-41FF-8593-3325302FA313}" presName="parTx" presStyleLbl="revTx" presStyleIdx="0" presStyleCnt="7">
+        <dgm:presLayoutVars>
+          <dgm:chMax val="0"/>
+          <dgm:chPref val="0"/>
+        </dgm:presLayoutVars>
+      </dgm:prSet>
+      <dgm:spPr/>
+    </dgm:pt>
+    <dgm:pt modelId="{963056B9-F377-43E2-A990-1AEA0DBC0F29}" type="pres">
+      <dgm:prSet presAssocID="{693A72E7-7A81-476B-999E-49D3D722896A}" presName="sibTrans" presStyleCnt="0"/>
+      <dgm:spPr/>
+    </dgm:pt>
+    <dgm:pt modelId="{0CF945D6-C09F-4C2B-8D31-71E32E9817DA}" type="pres">
+      <dgm:prSet presAssocID="{5BF28B3C-17FD-46AE-A96F-345E6BBB56DB}" presName="compNode" presStyleCnt="0"/>
+      <dgm:spPr/>
+    </dgm:pt>
+    <dgm:pt modelId="{3436F3B3-06C1-4CC7-80A6-7EBD97D2BA43}" type="pres">
+      <dgm:prSet presAssocID="{5BF28B3C-17FD-46AE-A96F-345E6BBB56DB}" presName="bgRect" presStyleLbl="bgShp" presStyleIdx="1" presStyleCnt="4"/>
+      <dgm:spPr>
+        <a:noFill/>
+        <a:ln>
+          <a:solidFill>
+            <a:schemeClr val="accent1">
+              <a:hueOff val="0"/>
+              <a:satOff val="0"/>
+              <a:lumOff val="0"/>
+            </a:schemeClr>
+          </a:solidFill>
+        </a:ln>
+      </dgm:spPr>
+    </dgm:pt>
+    <dgm:pt modelId="{2253542F-1253-492B-8E77-036D751CDAE7}" type="pres">
+      <dgm:prSet presAssocID="{5BF28B3C-17FD-46AE-A96F-345E6BBB56DB}" presName="iconRect" presStyleLbl="node1" presStyleIdx="1" presStyleCnt="4"/>
+      <dgm:spPr>
+        <a:blipFill>
+          <a:blip xmlns:r="http://schemas.openxmlformats.org/officeDocument/2006/relationships" r:embed="rId3">
+            <a:extLst>
+              <a:ext uri="{28A0092B-C50C-407E-A947-70E740481C1C}">
+                <a14:useLocalDpi xmlns:a14="http://schemas.microsoft.com/office/drawing/2010/main" val="0"/>
+              </a:ext>
+              <a:ext uri="{96DAC541-7B7A-43D3-8B79-37D633B846F1}">
+                <asvg:svgBlip xmlns:asvg="http://schemas.microsoft.com/office/drawing/2016/SVG/main" r:embed="rId4"/>
+              </a:ext>
+            </a:extLst>
+          </a:blip>
+          <a:stretch>
+            <a:fillRect/>
+          </a:stretch>
+        </a:blipFill>
+        <a:ln>
+          <a:noFill/>
+        </a:ln>
+      </dgm:spPr>
+      <dgm:extLst>
+        <a:ext uri="{E40237B7-FDA0-4F09-8148-C483321AD2D9}">
+          <dgm14:cNvPr xmlns:dgm14="http://schemas.microsoft.com/office/drawing/2010/diagram" id="0" name="" descr="Web Design"/>
+        </a:ext>
+      </dgm:extLst>
+    </dgm:pt>
+    <dgm:pt modelId="{CF010129-05C1-4754-BEBF-D4CB1C389AD8}" type="pres">
+      <dgm:prSet presAssocID="{5BF28B3C-17FD-46AE-A96F-345E6BBB56DB}" presName="spaceRect" presStyleCnt="0"/>
+      <dgm:spPr/>
+    </dgm:pt>
+    <dgm:pt modelId="{5121010D-ADF1-427B-B3AF-54CAC771699F}" type="pres">
+      <dgm:prSet presAssocID="{5BF28B3C-17FD-46AE-A96F-345E6BBB56DB}" presName="parTx" presStyleLbl="revTx" presStyleIdx="1" presStyleCnt="7">
+        <dgm:presLayoutVars>
+          <dgm:chMax val="0"/>
+          <dgm:chPref val="0"/>
+        </dgm:presLayoutVars>
+      </dgm:prSet>
+      <dgm:spPr/>
+    </dgm:pt>
+    <dgm:pt modelId="{9909470C-D37B-4F6E-9BAE-A2ADC7C36870}" type="pres">
+      <dgm:prSet presAssocID="{5BF28B3C-17FD-46AE-A96F-345E6BBB56DB}" presName="desTx" presStyleLbl="revTx" presStyleIdx="2" presStyleCnt="7">
+        <dgm:presLayoutVars/>
+      </dgm:prSet>
+      <dgm:spPr/>
+    </dgm:pt>
+    <dgm:pt modelId="{A3033D72-E7D9-4E3D-A355-6DB13A5581FF}" type="pres">
+      <dgm:prSet presAssocID="{FA8223C8-B67E-4402-9475-3F5DA1BF220E}" presName="sibTrans" presStyleCnt="0"/>
+      <dgm:spPr/>
+    </dgm:pt>
+    <dgm:pt modelId="{80230430-5F1F-40B6-BD5F-7D1D4C05DFE1}" type="pres">
+      <dgm:prSet presAssocID="{6AF75D5C-2819-412C-8AF8-3081D8A84D5D}" presName="compNode" presStyleCnt="0"/>
+      <dgm:spPr/>
+    </dgm:pt>
+    <dgm:pt modelId="{E36B8070-72D1-4713-8317-9581FB6C44D4}" type="pres">
+      <dgm:prSet presAssocID="{6AF75D5C-2819-412C-8AF8-3081D8A84D5D}" presName="bgRect" presStyleLbl="bgShp" presStyleIdx="2" presStyleCnt="4"/>
+      <dgm:spPr>
+        <a:noFill/>
+        <a:ln>
+          <a:solidFill>
+            <a:schemeClr val="accent1">
+              <a:hueOff val="0"/>
+              <a:satOff val="0"/>
+              <a:lumOff val="0"/>
+            </a:schemeClr>
+          </a:solidFill>
+        </a:ln>
+      </dgm:spPr>
+    </dgm:pt>
+    <dgm:pt modelId="{310AB152-C5D7-41B6-8941-FEC68EDA80FF}" type="pres">
+      <dgm:prSet presAssocID="{6AF75D5C-2819-412C-8AF8-3081D8A84D5D}" presName="iconRect" presStyleLbl="node1" presStyleIdx="2" presStyleCnt="4"/>
+      <dgm:spPr>
+        <a:blipFill>
+          <a:blip xmlns:r="http://schemas.openxmlformats.org/officeDocument/2006/relationships" r:embed="rId5">
+            <a:extLst>
+              <a:ext uri="{28A0092B-C50C-407E-A947-70E740481C1C}">
+                <a14:useLocalDpi xmlns:a14="http://schemas.microsoft.com/office/drawing/2010/main" val="0"/>
+              </a:ext>
+              <a:ext uri="{96DAC541-7B7A-43D3-8B79-37D633B846F1}">
+                <asvg:svgBlip xmlns:asvg="http://schemas.microsoft.com/office/drawing/2016/SVG/main" r:embed="rId6"/>
+              </a:ext>
+            </a:extLst>
+          </a:blip>
+          <a:stretch>
+            <a:fillRect/>
+          </a:stretch>
+        </a:blipFill>
+        <a:ln>
+          <a:noFill/>
+        </a:ln>
+      </dgm:spPr>
+      <dgm:extLst>
+        <a:ext uri="{E40237B7-FDA0-4F09-8148-C483321AD2D9}">
+          <dgm14:cNvPr xmlns:dgm14="http://schemas.microsoft.com/office/drawing/2010/diagram" id="0" name="" descr="Monitor"/>
+        </a:ext>
+      </dgm:extLst>
+    </dgm:pt>
+    <dgm:pt modelId="{434022FB-6CC6-42E7-AF9B-24A97037F46E}" type="pres">
+      <dgm:prSet presAssocID="{6AF75D5C-2819-412C-8AF8-3081D8A84D5D}" presName="spaceRect" presStyleCnt="0"/>
+      <dgm:spPr/>
+    </dgm:pt>
+    <dgm:pt modelId="{3ACB001A-7944-44B2-9BF0-09976F15D2CC}" type="pres">
+      <dgm:prSet presAssocID="{6AF75D5C-2819-412C-8AF8-3081D8A84D5D}" presName="parTx" presStyleLbl="revTx" presStyleIdx="3" presStyleCnt="7">
+        <dgm:presLayoutVars>
+          <dgm:chMax val="0"/>
+          <dgm:chPref val="0"/>
+        </dgm:presLayoutVars>
+      </dgm:prSet>
+      <dgm:spPr/>
+    </dgm:pt>
+    <dgm:pt modelId="{3ECE3BA6-B508-402D-957B-CAE22D45A4B0}" type="pres">
+      <dgm:prSet presAssocID="{6AF75D5C-2819-412C-8AF8-3081D8A84D5D}" presName="desTx" presStyleLbl="revTx" presStyleIdx="4" presStyleCnt="7">
+        <dgm:presLayoutVars/>
+      </dgm:prSet>
+      <dgm:spPr/>
+    </dgm:pt>
+    <dgm:pt modelId="{75A07567-7EB7-4F32-8319-DE97077FFAF5}" type="pres">
+      <dgm:prSet presAssocID="{78F74968-1AE7-493B-A14F-2CB96D8FF274}" presName="sibTrans" presStyleCnt="0"/>
+      <dgm:spPr/>
+    </dgm:pt>
+    <dgm:pt modelId="{E93D49DE-7717-48FD-A7D1-7CED18F602A6}" type="pres">
+      <dgm:prSet presAssocID="{AFFB44B6-7253-4BA9-BDF1-34CCA81CCAF1}" presName="compNode" presStyleCnt="0"/>
+      <dgm:spPr/>
+    </dgm:pt>
+    <dgm:pt modelId="{192695BE-12CB-44FD-9EFA-5875993C6CB8}" type="pres">
+      <dgm:prSet presAssocID="{AFFB44B6-7253-4BA9-BDF1-34CCA81CCAF1}" presName="bgRect" presStyleLbl="bgShp" presStyleIdx="3" presStyleCnt="4"/>
+      <dgm:spPr>
+        <a:noFill/>
+        <a:ln>
+          <a:solidFill>
+            <a:schemeClr val="accent1">
+              <a:hueOff val="0"/>
+              <a:satOff val="0"/>
+              <a:lumOff val="0"/>
+            </a:schemeClr>
+          </a:solidFill>
+        </a:ln>
+      </dgm:spPr>
+    </dgm:pt>
+    <dgm:pt modelId="{616C41A6-C11F-4030-BE19-BE19547348CB}" type="pres">
+      <dgm:prSet presAssocID="{AFFB44B6-7253-4BA9-BDF1-34CCA81CCAF1}" presName="iconRect" presStyleLbl="node1" presStyleIdx="3" presStyleCnt="4"/>
+      <dgm:spPr>
+        <a:blipFill>
+          <a:blip xmlns:r="http://schemas.openxmlformats.org/officeDocument/2006/relationships" r:embed="rId7">
+            <a:extLst>
+              <a:ext uri="{28A0092B-C50C-407E-A947-70E740481C1C}">
+                <a14:useLocalDpi xmlns:a14="http://schemas.microsoft.com/office/drawing/2010/main" val="0"/>
+              </a:ext>
+              <a:ext uri="{96DAC541-7B7A-43D3-8B79-37D633B846F1}">
+                <asvg:svgBlip xmlns:asvg="http://schemas.microsoft.com/office/drawing/2016/SVG/main" r:embed="rId8"/>
+              </a:ext>
+            </a:extLst>
+          </a:blip>
+          <a:stretch>
+            <a:fillRect/>
+          </a:stretch>
+        </a:blipFill>
+        <a:ln>
+          <a:noFill/>
+        </a:ln>
+      </dgm:spPr>
+      <dgm:extLst>
+        <a:ext uri="{E40237B7-FDA0-4F09-8148-C483321AD2D9}">
+          <dgm14:cNvPr xmlns:dgm14="http://schemas.microsoft.com/office/drawing/2010/diagram" id="0" name="" descr="Processor"/>
+        </a:ext>
+      </dgm:extLst>
+    </dgm:pt>
+    <dgm:pt modelId="{C82A7B1D-F08C-4882-94B8-2489D94A1CBC}" type="pres">
+      <dgm:prSet presAssocID="{AFFB44B6-7253-4BA9-BDF1-34CCA81CCAF1}" presName="spaceRect" presStyleCnt="0"/>
+      <dgm:spPr/>
+    </dgm:pt>
+    <dgm:pt modelId="{9630FDD1-1C2D-4642-96CE-70F980C3385E}" type="pres">
+      <dgm:prSet presAssocID="{AFFB44B6-7253-4BA9-BDF1-34CCA81CCAF1}" presName="parTx" presStyleLbl="revTx" presStyleIdx="5" presStyleCnt="7">
+        <dgm:presLayoutVars>
+          <dgm:chMax val="0"/>
+          <dgm:chPref val="0"/>
+        </dgm:presLayoutVars>
+      </dgm:prSet>
+      <dgm:spPr/>
+    </dgm:pt>
+    <dgm:pt modelId="{51F0B6FD-FA8B-448E-88C7-092DAB163F8A}" type="pres">
+      <dgm:prSet presAssocID="{AFFB44B6-7253-4BA9-BDF1-34CCA81CCAF1}" presName="desTx" presStyleLbl="revTx" presStyleIdx="6" presStyleCnt="7">
+        <dgm:presLayoutVars/>
+      </dgm:prSet>
+      <dgm:spPr/>
+    </dgm:pt>
+  </dgm:ptLst>
+  <dgm:cxnLst>
+    <dgm:cxn modelId="{2CA4980C-B52A-43BF-8B3C-6162E72EAAA5}" type="presOf" srcId="{BA628482-198A-428E-9A6A-F5E25A787C8A}" destId="{51F0B6FD-FA8B-448E-88C7-092DAB163F8A}" srcOrd="0" destOrd="0" presId="urn:microsoft.com/office/officeart/2018/2/layout/IconVerticalSolidList"/>
+    <dgm:cxn modelId="{448A0317-928B-48C0-AA8C-27C3867A27BB}" srcId="{AFFB44B6-7253-4BA9-BDF1-34CCA81CCAF1}" destId="{BA628482-198A-428E-9A6A-F5E25A787C8A}" srcOrd="0" destOrd="0" parTransId="{8322B051-CAE6-433A-A949-C2A651A49708}" sibTransId="{57D1C93B-0396-4D6D-9EFA-EF35891355D1}"/>
+    <dgm:cxn modelId="{E7999B5B-1EE6-4543-8E99-5A59D4765BA9}" type="presOf" srcId="{6AF75D5C-2819-412C-8AF8-3081D8A84D5D}" destId="{3ACB001A-7944-44B2-9BF0-09976F15D2CC}" srcOrd="0" destOrd="0" presId="urn:microsoft.com/office/officeart/2018/2/layout/IconVerticalSolidList"/>
+    <dgm:cxn modelId="{E4325F61-525F-4F7E-ACA7-C7C8C0D75EA8}" type="presOf" srcId="{F8D5DEDC-56AC-4376-8051-2370EF3F4F4C}" destId="{630B75C1-BA05-4AC2-831B-DD959248C20A}" srcOrd="0" destOrd="0" presId="urn:microsoft.com/office/officeart/2018/2/layout/IconVerticalSolidList"/>
+    <dgm:cxn modelId="{B802E34A-5201-45AB-A45B-982EC4D1595B}" type="presOf" srcId="{49A4FF49-2205-4DC4-A5CD-81F701BA031C}" destId="{3ECE3BA6-B508-402D-957B-CAE22D45A4B0}" srcOrd="0" destOrd="0" presId="urn:microsoft.com/office/officeart/2018/2/layout/IconVerticalSolidList"/>
+    <dgm:cxn modelId="{8E64BD4C-1CEE-43D3-AEFC-A083F4F3B9F7}" srcId="{6AF75D5C-2819-412C-8AF8-3081D8A84D5D}" destId="{49A4FF49-2205-4DC4-A5CD-81F701BA031C}" srcOrd="0" destOrd="0" parTransId="{AFAB2E4D-253B-4ECD-A48C-0D0BDAC06F97}" sibTransId="{A5201604-E6F9-451F-A977-B948A2DE175B}"/>
+    <dgm:cxn modelId="{FF757F52-D57C-4858-A83E-309877B7F830}" type="presOf" srcId="{ED06FE30-9B61-4C19-A3D1-E9D81FE33868}" destId="{9909470C-D37B-4F6E-9BAE-A2ADC7C36870}" srcOrd="0" destOrd="1" presId="urn:microsoft.com/office/officeart/2018/2/layout/IconVerticalSolidList"/>
+    <dgm:cxn modelId="{7676DC79-4AE9-4DBD-A1B1-0DAF7C7DFD47}" srcId="{F8D5DEDC-56AC-4376-8051-2370EF3F4F4C}" destId="{AFFB44B6-7253-4BA9-BDF1-34CCA81CCAF1}" srcOrd="3" destOrd="0" parTransId="{E6BDC002-5126-4442-B1E8-43CE54322B97}" sibTransId="{92DBAA51-5332-40A9-AF62-2DE89018825F}"/>
+    <dgm:cxn modelId="{1E7AD083-940A-472B-A492-BC39DF258020}" srcId="{F8D5DEDC-56AC-4376-8051-2370EF3F4F4C}" destId="{6AF75D5C-2819-412C-8AF8-3081D8A84D5D}" srcOrd="2" destOrd="0" parTransId="{0F07D7E4-5713-40DC-8115-458A4EA60AF9}" sibTransId="{78F74968-1AE7-493B-A14F-2CB96D8FF274}"/>
+    <dgm:cxn modelId="{939E2F8A-BF7A-4884-B472-770560988F93}" type="presOf" srcId="{5BF28B3C-17FD-46AE-A96F-345E6BBB56DB}" destId="{5121010D-ADF1-427B-B3AF-54CAC771699F}" srcOrd="0" destOrd="0" presId="urn:microsoft.com/office/officeart/2018/2/layout/IconVerticalSolidList"/>
+    <dgm:cxn modelId="{F65E8F9F-EA7E-49F6-9251-5E128A580C9D}" srcId="{5BF28B3C-17FD-46AE-A96F-345E6BBB56DB}" destId="{ED06FE30-9B61-4C19-A3D1-E9D81FE33868}" srcOrd="1" destOrd="0" parTransId="{610E8526-53B9-4422-A8C1-567880ABD760}" sibTransId="{043F8924-90E2-4F18-8421-D89907355F1F}"/>
+    <dgm:cxn modelId="{AECF07A7-F2C5-418A-9762-82006DE37FC8}" type="presOf" srcId="{E0CA93F7-D405-41FF-8593-3325302FA313}" destId="{2FC8A223-C39A-48F5-B5A1-7B77898EFB6F}" srcOrd="0" destOrd="0" presId="urn:microsoft.com/office/officeart/2018/2/layout/IconVerticalSolidList"/>
+    <dgm:cxn modelId="{43F50AB8-4088-4688-8152-9090EF48B3DF}" srcId="{F8D5DEDC-56AC-4376-8051-2370EF3F4F4C}" destId="{5BF28B3C-17FD-46AE-A96F-345E6BBB56DB}" srcOrd="1" destOrd="0" parTransId="{2BBBFE6B-2113-47BA-B600-7AD9398E2E65}" sibTransId="{FA8223C8-B67E-4402-9475-3F5DA1BF220E}"/>
+    <dgm:cxn modelId="{51211DCC-BC03-43BE-9494-C2E93A5E404A}" srcId="{F8D5DEDC-56AC-4376-8051-2370EF3F4F4C}" destId="{E0CA93F7-D405-41FF-8593-3325302FA313}" srcOrd="0" destOrd="0" parTransId="{2E56B559-6997-43E5-8B43-09A8A776B984}" sibTransId="{693A72E7-7A81-476B-999E-49D3D722896A}"/>
+    <dgm:cxn modelId="{C38A98D0-0E17-440D-81A4-500FEB2F1112}" type="presOf" srcId="{1A8F784E-7EC8-4A1D-966B-A92587BEF8F4}" destId="{9909470C-D37B-4F6E-9BAE-A2ADC7C36870}" srcOrd="0" destOrd="0" presId="urn:microsoft.com/office/officeart/2018/2/layout/IconVerticalSolidList"/>
+    <dgm:cxn modelId="{D18DF2E1-DFD9-4618-BD50-58A1FD63C6E4}" type="presOf" srcId="{AFFB44B6-7253-4BA9-BDF1-34CCA81CCAF1}" destId="{9630FDD1-1C2D-4642-96CE-70F980C3385E}" srcOrd="0" destOrd="0" presId="urn:microsoft.com/office/officeart/2018/2/layout/IconVerticalSolidList"/>
+    <dgm:cxn modelId="{8EA22EFB-3FB2-4052-B90D-9B63C4AC8A5C}" srcId="{5BF28B3C-17FD-46AE-A96F-345E6BBB56DB}" destId="{1A8F784E-7EC8-4A1D-966B-A92587BEF8F4}" srcOrd="0" destOrd="0" parTransId="{B0111C9B-A5C6-4E46-ADE7-8917E0684693}" sibTransId="{16110009-B23C-489B-A0A8-C2668B05E66C}"/>
+    <dgm:cxn modelId="{666A01B5-3D16-4046-8062-597E4758F413}" type="presParOf" srcId="{630B75C1-BA05-4AC2-831B-DD959248C20A}" destId="{B197FB3C-5E8F-4373-A949-005E44B2E77D}" srcOrd="0" destOrd="0" presId="urn:microsoft.com/office/officeart/2018/2/layout/IconVerticalSolidList"/>
+    <dgm:cxn modelId="{FDC99E78-B27E-4AF6-B0C5-ABA8C3099A5D}" type="presParOf" srcId="{B197FB3C-5E8F-4373-A949-005E44B2E77D}" destId="{75677086-ED45-4048-86BE-6F6C98A980B2}" srcOrd="0" destOrd="0" presId="urn:microsoft.com/office/officeart/2018/2/layout/IconVerticalSolidList"/>
+    <dgm:cxn modelId="{86C91C35-A915-477B-9FBB-E0FF19DC980E}" type="presParOf" srcId="{B197FB3C-5E8F-4373-A949-005E44B2E77D}" destId="{25F12826-9516-45D5-8A86-B8D5766E9CC0}" srcOrd="1" destOrd="0" presId="urn:microsoft.com/office/officeart/2018/2/layout/IconVerticalSolidList"/>
+    <dgm:cxn modelId="{7E741564-145C-4CF6-84BC-7EC4AF277E2D}" type="presParOf" srcId="{B197FB3C-5E8F-4373-A949-005E44B2E77D}" destId="{6907D6B4-7A26-4707-A797-BD3F4A38D1CA}" srcOrd="2" destOrd="0" presId="urn:microsoft.com/office/officeart/2018/2/layout/IconVerticalSolidList"/>
+    <dgm:cxn modelId="{26A6D394-3777-45D2-9D21-151E1DAD8E8B}" type="presParOf" srcId="{B197FB3C-5E8F-4373-A949-005E44B2E77D}" destId="{2FC8A223-C39A-48F5-B5A1-7B77898EFB6F}" srcOrd="3" destOrd="0" presId="urn:microsoft.com/office/officeart/2018/2/layout/IconVerticalSolidList"/>
+    <dgm:cxn modelId="{19564033-18E9-4AA1-8E26-8DDC85ADE677}" type="presParOf" srcId="{630B75C1-BA05-4AC2-831B-DD959248C20A}" destId="{963056B9-F377-43E2-A990-1AEA0DBC0F29}" srcOrd="1" destOrd="0" presId="urn:microsoft.com/office/officeart/2018/2/layout/IconVerticalSolidList"/>
+    <dgm:cxn modelId="{C949200E-E10A-478B-A9DC-F41ED79CEE25}" type="presParOf" srcId="{630B75C1-BA05-4AC2-831B-DD959248C20A}" destId="{0CF945D6-C09F-4C2B-8D31-71E32E9817DA}" srcOrd="2" destOrd="0" presId="urn:microsoft.com/office/officeart/2018/2/layout/IconVerticalSolidList"/>
+    <dgm:cxn modelId="{E0652A1E-7F46-4B8C-88AE-540614B8A100}" type="presParOf" srcId="{0CF945D6-C09F-4C2B-8D31-71E32E9817DA}" destId="{3436F3B3-06C1-4CC7-80A6-7EBD97D2BA43}" srcOrd="0" destOrd="0" presId="urn:microsoft.com/office/officeart/2018/2/layout/IconVerticalSolidList"/>
+    <dgm:cxn modelId="{EE5ADFEA-AFFD-4620-BFFA-1067BC9A1B78}" type="presParOf" srcId="{0CF945D6-C09F-4C2B-8D31-71E32E9817DA}" destId="{2253542F-1253-492B-8E77-036D751CDAE7}" srcOrd="1" destOrd="0" presId="urn:microsoft.com/office/officeart/2018/2/layout/IconVerticalSolidList"/>
+    <dgm:cxn modelId="{978E69FD-92B3-4A7B-B46C-A69CD6CEB82D}" type="presParOf" srcId="{0CF945D6-C09F-4C2B-8D31-71E32E9817DA}" destId="{CF010129-05C1-4754-BEBF-D4CB1C389AD8}" srcOrd="2" destOrd="0" presId="urn:microsoft.com/office/officeart/2018/2/layout/IconVerticalSolidList"/>
+    <dgm:cxn modelId="{C6C65517-805B-4B5D-8226-E85EFCF91B61}" type="presParOf" srcId="{0CF945D6-C09F-4C2B-8D31-71E32E9817DA}" destId="{5121010D-ADF1-427B-B3AF-54CAC771699F}" srcOrd="3" destOrd="0" presId="urn:microsoft.com/office/officeart/2018/2/layout/IconVerticalSolidList"/>
+    <dgm:cxn modelId="{F8862E93-F6B9-4816-903B-8739E970933F}" type="presParOf" srcId="{0CF945D6-C09F-4C2B-8D31-71E32E9817DA}" destId="{9909470C-D37B-4F6E-9BAE-A2ADC7C36870}" srcOrd="4" destOrd="0" presId="urn:microsoft.com/office/officeart/2018/2/layout/IconVerticalSolidList"/>
+    <dgm:cxn modelId="{CAF184D1-8CAE-453E-ABBD-9175EDC8DD5D}" type="presParOf" srcId="{630B75C1-BA05-4AC2-831B-DD959248C20A}" destId="{A3033D72-E7D9-4E3D-A355-6DB13A5581FF}" srcOrd="3" destOrd="0" presId="urn:microsoft.com/office/officeart/2018/2/layout/IconVerticalSolidList"/>
+    <dgm:cxn modelId="{D8839916-5728-4215-AA2E-6909329EF6DE}" type="presParOf" srcId="{630B75C1-BA05-4AC2-831B-DD959248C20A}" destId="{80230430-5F1F-40B6-BD5F-7D1D4C05DFE1}" srcOrd="4" destOrd="0" presId="urn:microsoft.com/office/officeart/2018/2/layout/IconVerticalSolidList"/>
+    <dgm:cxn modelId="{E13448D6-655B-4488-BD97-0660A7E9B59E}" type="presParOf" srcId="{80230430-5F1F-40B6-BD5F-7D1D4C05DFE1}" destId="{E36B8070-72D1-4713-8317-9581FB6C44D4}" srcOrd="0" destOrd="0" presId="urn:microsoft.com/office/officeart/2018/2/layout/IconVerticalSolidList"/>
+    <dgm:cxn modelId="{9B3B3C37-2FB1-42E6-94DC-743A64D0DD7C}" type="presParOf" srcId="{80230430-5F1F-40B6-BD5F-7D1D4C05DFE1}" destId="{310AB152-C5D7-41B6-8941-FEC68EDA80FF}" srcOrd="1" destOrd="0" presId="urn:microsoft.com/office/officeart/2018/2/layout/IconVerticalSolidList"/>
+    <dgm:cxn modelId="{653492DB-853E-47A5-B43E-1AE67EA33BD9}" type="presParOf" srcId="{80230430-5F1F-40B6-BD5F-7D1D4C05DFE1}" destId="{434022FB-6CC6-42E7-AF9B-24A97037F46E}" srcOrd="2" destOrd="0" presId="urn:microsoft.com/office/officeart/2018/2/layout/IconVerticalSolidList"/>
+    <dgm:cxn modelId="{DE8D860A-6D79-49E4-A8E8-6DB74501C021}" type="presParOf" srcId="{80230430-5F1F-40B6-BD5F-7D1D4C05DFE1}" destId="{3ACB001A-7944-44B2-9BF0-09976F15D2CC}" srcOrd="3" destOrd="0" presId="urn:microsoft.com/office/officeart/2018/2/layout/IconVerticalSolidList"/>
+    <dgm:cxn modelId="{A6526910-410D-4131-87BB-D4B8E1D04845}" type="presParOf" srcId="{80230430-5F1F-40B6-BD5F-7D1D4C05DFE1}" destId="{3ECE3BA6-B508-402D-957B-CAE22D45A4B0}" srcOrd="4" destOrd="0" presId="urn:microsoft.com/office/officeart/2018/2/layout/IconVerticalSolidList"/>
+    <dgm:cxn modelId="{BE9BD874-EFD6-4E9E-98C9-BD992CC0B931}" type="presParOf" srcId="{630B75C1-BA05-4AC2-831B-DD959248C20A}" destId="{75A07567-7EB7-4F32-8319-DE97077FFAF5}" srcOrd="5" destOrd="0" presId="urn:microsoft.com/office/officeart/2018/2/layout/IconVerticalSolidList"/>
+    <dgm:cxn modelId="{DA08679D-B4ED-4C6D-8189-DCAE72607173}" type="presParOf" srcId="{630B75C1-BA05-4AC2-831B-DD959248C20A}" destId="{E93D49DE-7717-48FD-A7D1-7CED18F602A6}" srcOrd="6" destOrd="0" presId="urn:microsoft.com/office/officeart/2018/2/layout/IconVerticalSolidList"/>
+    <dgm:cxn modelId="{E60A8DB2-AE73-4381-A010-80B8174A64BD}" type="presParOf" srcId="{E93D49DE-7717-48FD-A7D1-7CED18F602A6}" destId="{192695BE-12CB-44FD-9EFA-5875993C6CB8}" srcOrd="0" destOrd="0" presId="urn:microsoft.com/office/officeart/2018/2/layout/IconVerticalSolidList"/>
+    <dgm:cxn modelId="{649AF720-3064-45EF-AD1C-D644376BDC9B}" type="presParOf" srcId="{E93D49DE-7717-48FD-A7D1-7CED18F602A6}" destId="{616C41A6-C11F-4030-BE19-BE19547348CB}" srcOrd="1" destOrd="0" presId="urn:microsoft.com/office/officeart/2018/2/layout/IconVerticalSolidList"/>
+    <dgm:cxn modelId="{6413097D-D631-4EA5-86A4-0C5956A5EC53}" type="presParOf" srcId="{E93D49DE-7717-48FD-A7D1-7CED18F602A6}" destId="{C82A7B1D-F08C-4882-94B8-2489D94A1CBC}" srcOrd="2" destOrd="0" presId="urn:microsoft.com/office/officeart/2018/2/layout/IconVerticalSolidList"/>
+    <dgm:cxn modelId="{55577F06-4B9D-4A41-B212-76C2E6F1F4F8}" type="presParOf" srcId="{E93D49DE-7717-48FD-A7D1-7CED18F602A6}" destId="{9630FDD1-1C2D-4642-96CE-70F980C3385E}" srcOrd="3" destOrd="0" presId="urn:microsoft.com/office/officeart/2018/2/layout/IconVerticalSolidList"/>
+    <dgm:cxn modelId="{C80F517E-68F2-48BE-8C5E-90BFA0920D9B}" type="presParOf" srcId="{E93D49DE-7717-48FD-A7D1-7CED18F602A6}" destId="{51F0B6FD-FA8B-448E-88C7-092DAB163F8A}" srcOrd="4" destOrd="0" presId="urn:microsoft.com/office/officeart/2018/2/layout/IconVerticalSolidList"/>
+  </dgm:cxnLst>
+  <dgm:bg/>
+  <dgm:whole>
+    <a:ln w="9525" cap="flat" cmpd="sng" algn="ctr">
+      <a:noFill/>
+      <a:prstDash val="solid"/>
+      <a:round/>
+      <a:headEnd type="none" w="med" len="med"/>
+      <a:tailEnd type="none" w="med" len="med"/>
+    </a:ln>
+  </dgm:whole>
+  <dgm:extLst>
+    <a:ext uri="http://schemas.microsoft.com/office/drawing/2008/diagram">
+      <dsp:dataModelExt xmlns:dsp="http://schemas.microsoft.com/office/drawing/2008/diagram" relId="rId6" minVer="http://schemas.openxmlformats.org/drawingml/2006/diagram"/>
+    </a:ext>
+  </dgm:extLst>
+</dgm:dataModel>
+</file>
+
+<file path=ppt/diagrams/data4.xml><?xml version="1.0" encoding="utf-8"?>
+<dgm:dataModel xmlns:dgm="http://schemas.openxmlformats.org/drawingml/2006/diagram" xmlns:a="http://schemas.openxmlformats.org/drawingml/2006/main">
+  <dgm:ptLst>
+    <dgm:pt modelId="{22BF0B67-712C-46DF-8987-EC67F6583D4F}" type="doc">
+      <dgm:prSet loTypeId="urn:microsoft.com/office/officeart/2008/layout/LinedList" loCatId="list" qsTypeId="urn:microsoft.com/office/officeart/2005/8/quickstyle/simple4" qsCatId="simple" csTypeId="urn:microsoft.com/office/officeart/2005/8/colors/accent1_1" csCatId="accent1" phldr="1"/>
+      <dgm:spPr/>
+      <dgm:t>
+        <a:bodyPr/>
+        <a:lstStyle/>
+        <a:p>
+          <a:endParaRPr lang="en-US"/>
+        </a:p>
+      </dgm:t>
+    </dgm:pt>
+    <dgm:pt modelId="{324364C0-E771-4444-AB6D-E3184EA964C1}">
+      <dgm:prSet/>
+      <dgm:spPr/>
+      <dgm:t>
+        <a:bodyPr/>
+        <a:lstStyle/>
+        <a:p>
+          <a:r>
+            <a:rPr lang="en-GB"/>
+            <a:t>Node.JS</a:t>
+          </a:r>
+          <a:endParaRPr lang="en-US"/>
+        </a:p>
+      </dgm:t>
+    </dgm:pt>
+    <dgm:pt modelId="{A555CD5A-474A-4362-815E-4DA8F0E6CC67}" type="parTrans" cxnId="{E972A99C-992E-4FAF-97C2-B8FD500FD397}">
+      <dgm:prSet/>
+      <dgm:spPr/>
+      <dgm:t>
+        <a:bodyPr/>
+        <a:lstStyle/>
+        <a:p>
+          <a:endParaRPr lang="en-US"/>
+        </a:p>
+      </dgm:t>
+    </dgm:pt>
+    <dgm:pt modelId="{1A5E0A0D-1AFE-46B4-8E62-896DA225C6CB}" type="sibTrans" cxnId="{E972A99C-992E-4FAF-97C2-B8FD500FD397}">
+      <dgm:prSet/>
+      <dgm:spPr/>
+      <dgm:t>
+        <a:bodyPr/>
+        <a:lstStyle/>
+        <a:p>
+          <a:endParaRPr lang="en-US"/>
+        </a:p>
+      </dgm:t>
+    </dgm:pt>
+    <dgm:pt modelId="{9E378168-966E-441E-9735-F41962860B98}">
+      <dgm:prSet/>
+      <dgm:spPr/>
+      <dgm:t>
+        <a:bodyPr/>
+        <a:lstStyle/>
+        <a:p>
+          <a:r>
+            <a:rPr lang="en-GB" dirty="0"/>
+            <a:t>Back-end runtime environment for web applications</a:t>
+          </a:r>
+          <a:endParaRPr lang="en-US" dirty="0"/>
+        </a:p>
+      </dgm:t>
+    </dgm:pt>
+    <dgm:pt modelId="{016663F5-9F3A-47CC-92A6-1203CA613AFC}" type="parTrans" cxnId="{A1DFE47C-D2C7-4104-88B3-0CCB0976747B}">
+      <dgm:prSet/>
+      <dgm:spPr/>
+      <dgm:t>
+        <a:bodyPr/>
+        <a:lstStyle/>
+        <a:p>
+          <a:endParaRPr lang="en-US"/>
+        </a:p>
+      </dgm:t>
+    </dgm:pt>
+    <dgm:pt modelId="{746D7290-C96D-412B-BCB8-73F213C343D9}" type="sibTrans" cxnId="{A1DFE47C-D2C7-4104-88B3-0CCB0976747B}">
+      <dgm:prSet/>
+      <dgm:spPr/>
+      <dgm:t>
+        <a:bodyPr/>
+        <a:lstStyle/>
+        <a:p>
+          <a:endParaRPr lang="en-US"/>
+        </a:p>
+      </dgm:t>
+    </dgm:pt>
+    <dgm:pt modelId="{BE766F97-AD83-4606-BD6D-E693B2850013}">
+      <dgm:prSet/>
+      <dgm:spPr/>
+      <dgm:t>
+        <a:bodyPr/>
+        <a:lstStyle/>
+        <a:p>
+          <a:r>
+            <a:rPr lang="en-GB"/>
+            <a:t>Express.JS</a:t>
+          </a:r>
+          <a:endParaRPr lang="en-US"/>
+        </a:p>
+      </dgm:t>
+    </dgm:pt>
+    <dgm:pt modelId="{3AA54129-7FFA-46EB-9752-CBC5D4D3B855}" type="parTrans" cxnId="{1136BFA6-6699-4D88-B757-16316353B156}">
+      <dgm:prSet/>
+      <dgm:spPr/>
+      <dgm:t>
+        <a:bodyPr/>
+        <a:lstStyle/>
+        <a:p>
+          <a:endParaRPr lang="en-US"/>
+        </a:p>
+      </dgm:t>
+    </dgm:pt>
+    <dgm:pt modelId="{16B59E53-FD0F-4B0A-AD45-0E9C323E14B6}" type="sibTrans" cxnId="{1136BFA6-6699-4D88-B757-16316353B156}">
+      <dgm:prSet/>
+      <dgm:spPr/>
+      <dgm:t>
+        <a:bodyPr/>
+        <a:lstStyle/>
+        <a:p>
+          <a:endParaRPr lang="en-US"/>
+        </a:p>
+      </dgm:t>
+    </dgm:pt>
+    <dgm:pt modelId="{A31BE9C9-44F4-482B-A8BC-99AC78ED74C7}">
+      <dgm:prSet/>
+      <dgm:spPr/>
+      <dgm:t>
+        <a:bodyPr/>
+        <a:lstStyle/>
+        <a:p>
+          <a:r>
+            <a:rPr lang="en-GB"/>
+            <a:t>Back-end web framework that utilises and builds upon the features on Node.JS</a:t>
+          </a:r>
+          <a:endParaRPr lang="en-US"/>
+        </a:p>
+      </dgm:t>
+    </dgm:pt>
+    <dgm:pt modelId="{36FB355A-29EF-4063-80F2-E388F16E76E4}" type="parTrans" cxnId="{1D1AFBCB-8CC0-41B4-9757-22A383E5FEA5}">
+      <dgm:prSet/>
+      <dgm:spPr/>
+      <dgm:t>
+        <a:bodyPr/>
+        <a:lstStyle/>
+        <a:p>
+          <a:endParaRPr lang="en-US"/>
+        </a:p>
+      </dgm:t>
+    </dgm:pt>
+    <dgm:pt modelId="{F45A5771-E47C-4192-9AB1-E43392E9A485}" type="sibTrans" cxnId="{1D1AFBCB-8CC0-41B4-9757-22A383E5FEA5}">
+      <dgm:prSet/>
+      <dgm:spPr/>
+      <dgm:t>
+        <a:bodyPr/>
+        <a:lstStyle/>
+        <a:p>
+          <a:endParaRPr lang="en-US"/>
+        </a:p>
+      </dgm:t>
+    </dgm:pt>
+    <dgm:pt modelId="{494BF01F-9440-4520-810F-5A00265A8E81}">
+      <dgm:prSet/>
+      <dgm:spPr/>
+      <dgm:t>
+        <a:bodyPr/>
+        <a:lstStyle/>
+        <a:p>
+          <a:r>
+            <a:rPr lang="en-GB"/>
+            <a:t>Nodemon</a:t>
+          </a:r>
+          <a:endParaRPr lang="en-US"/>
+        </a:p>
+      </dgm:t>
+    </dgm:pt>
+    <dgm:pt modelId="{4F4CE4E6-A179-4351-96B6-3353676E3DB3}" type="parTrans" cxnId="{D24FFBE5-C9D5-468C-BC30-6AF0EA659BD9}">
+      <dgm:prSet/>
+      <dgm:spPr/>
+      <dgm:t>
+        <a:bodyPr/>
+        <a:lstStyle/>
+        <a:p>
+          <a:endParaRPr lang="en-US"/>
+        </a:p>
+      </dgm:t>
+    </dgm:pt>
+    <dgm:pt modelId="{1FD56983-F5B1-4AB1-80A8-6D8E503299E1}" type="sibTrans" cxnId="{D24FFBE5-C9D5-468C-BC30-6AF0EA659BD9}">
+      <dgm:prSet/>
+      <dgm:spPr/>
+      <dgm:t>
+        <a:bodyPr/>
+        <a:lstStyle/>
+        <a:p>
+          <a:endParaRPr lang="en-US"/>
+        </a:p>
+      </dgm:t>
+    </dgm:pt>
+    <dgm:pt modelId="{7EDCD3F3-4E0C-4A46-932C-D15380EA9370}">
+      <dgm:prSet/>
+      <dgm:spPr/>
+      <dgm:t>
+        <a:bodyPr/>
+        <a:lstStyle/>
+        <a:p>
+          <a:r>
+            <a:rPr lang="en-GB" dirty="0"/>
+            <a:t>Automatically restarts node-based applications when changes are detected</a:t>
+          </a:r>
+          <a:endParaRPr lang="en-US" dirty="0"/>
+        </a:p>
+      </dgm:t>
+    </dgm:pt>
+    <dgm:pt modelId="{4DECA832-F9A7-459A-BE61-287D4DCCD0F5}" type="parTrans" cxnId="{26B39F4A-1F78-4EB0-9227-0F4E6863D0E3}">
+      <dgm:prSet/>
+      <dgm:spPr/>
+      <dgm:t>
+        <a:bodyPr/>
+        <a:lstStyle/>
+        <a:p>
+          <a:endParaRPr lang="en-US"/>
+        </a:p>
+      </dgm:t>
+    </dgm:pt>
+    <dgm:pt modelId="{2EDCAE26-F4EB-4537-A440-DF39FF6CF530}" type="sibTrans" cxnId="{26B39F4A-1F78-4EB0-9227-0F4E6863D0E3}">
+      <dgm:prSet/>
+      <dgm:spPr/>
+      <dgm:t>
+        <a:bodyPr/>
+        <a:lstStyle/>
+        <a:p>
+          <a:endParaRPr lang="en-US"/>
+        </a:p>
+      </dgm:t>
+    </dgm:pt>
+    <dgm:pt modelId="{3B3F1303-E003-4E72-866D-9174CFA5CA17}">
+      <dgm:prSet/>
+      <dgm:spPr/>
+      <dgm:t>
+        <a:bodyPr/>
+        <a:lstStyle/>
+        <a:p>
+          <a:r>
+            <a:rPr lang="en-GB"/>
+            <a:t>OpenSSL</a:t>
+          </a:r>
+          <a:endParaRPr lang="en-US"/>
+        </a:p>
+      </dgm:t>
+    </dgm:pt>
+    <dgm:pt modelId="{8504247F-0456-48BB-B5B6-E840C372CC6D}" type="parTrans" cxnId="{D0CDD543-85BE-46D2-A3B1-EC01002C0A16}">
+      <dgm:prSet/>
+      <dgm:spPr/>
+      <dgm:t>
+        <a:bodyPr/>
+        <a:lstStyle/>
+        <a:p>
+          <a:endParaRPr lang="en-US"/>
+        </a:p>
+      </dgm:t>
+    </dgm:pt>
+    <dgm:pt modelId="{2ED8D149-677A-49A5-AE0A-E94C35C62E7F}" type="sibTrans" cxnId="{D0CDD543-85BE-46D2-A3B1-EC01002C0A16}">
+      <dgm:prSet/>
+      <dgm:spPr/>
+      <dgm:t>
+        <a:bodyPr/>
+        <a:lstStyle/>
+        <a:p>
+          <a:endParaRPr lang="en-US"/>
+        </a:p>
+      </dgm:t>
+    </dgm:pt>
+    <dgm:pt modelId="{DB00ED0C-01C7-4747-93DA-F228D1AC33C8}">
+      <dgm:prSet/>
+      <dgm:spPr/>
+      <dgm:t>
+        <a:bodyPr/>
+        <a:lstStyle/>
+        <a:p>
+          <a:r>
+            <a:rPr lang="en-GB"/>
+            <a:t>Tool to generate SSL certificates required for HTTPS websites</a:t>
+          </a:r>
+          <a:endParaRPr lang="en-US"/>
+        </a:p>
+      </dgm:t>
+    </dgm:pt>
+    <dgm:pt modelId="{616E0A20-214F-4B69-B4FB-6447678095F8}" type="parTrans" cxnId="{4E839835-A297-4350-BF59-E245F391C6F1}">
+      <dgm:prSet/>
+      <dgm:spPr/>
+      <dgm:t>
+        <a:bodyPr/>
+        <a:lstStyle/>
+        <a:p>
+          <a:endParaRPr lang="en-US"/>
+        </a:p>
+      </dgm:t>
+    </dgm:pt>
+    <dgm:pt modelId="{164BD3FD-05AB-457F-9D8E-9730DCE2E704}" type="sibTrans" cxnId="{4E839835-A297-4350-BF59-E245F391C6F1}">
+      <dgm:prSet/>
+      <dgm:spPr/>
+      <dgm:t>
+        <a:bodyPr/>
+        <a:lstStyle/>
+        <a:p>
+          <a:endParaRPr lang="en-US"/>
+        </a:p>
+      </dgm:t>
+    </dgm:pt>
+    <dgm:pt modelId="{FA1BF317-935F-4297-B260-972EFC55A444}" type="pres">
+      <dgm:prSet presAssocID="{22BF0B67-712C-46DF-8987-EC67F6583D4F}" presName="vert0" presStyleCnt="0">
+        <dgm:presLayoutVars>
+          <dgm:dir/>
+          <dgm:animOne val="branch"/>
+          <dgm:animLvl val="lvl"/>
+        </dgm:presLayoutVars>
+      </dgm:prSet>
+      <dgm:spPr/>
+    </dgm:pt>
+    <dgm:pt modelId="{A8F3092A-2786-4777-B702-0A75F2D4A5FC}" type="pres">
+      <dgm:prSet presAssocID="{324364C0-E771-4444-AB6D-E3184EA964C1}" presName="thickLine" presStyleLbl="alignNode1" presStyleIdx="0" presStyleCnt="4"/>
+      <dgm:spPr/>
+    </dgm:pt>
+    <dgm:pt modelId="{EC831CCB-E7FA-4425-B5E9-BB42B79141DB}" type="pres">
+      <dgm:prSet presAssocID="{324364C0-E771-4444-AB6D-E3184EA964C1}" presName="horz1" presStyleCnt="0"/>
+      <dgm:spPr/>
+    </dgm:pt>
+    <dgm:pt modelId="{F47C5ABC-A31D-4F50-8882-4EC0EFBD4783}" type="pres">
+      <dgm:prSet presAssocID="{324364C0-E771-4444-AB6D-E3184EA964C1}" presName="tx1" presStyleLbl="revTx" presStyleIdx="0" presStyleCnt="8"/>
+      <dgm:spPr/>
+    </dgm:pt>
+    <dgm:pt modelId="{0BC9366C-30CE-46DD-9D34-36F6E8D63BD8}" type="pres">
+      <dgm:prSet presAssocID="{324364C0-E771-4444-AB6D-E3184EA964C1}" presName="vert1" presStyleCnt="0"/>
+      <dgm:spPr/>
+    </dgm:pt>
+    <dgm:pt modelId="{DC87E624-4142-4815-AE06-43D03DCB2068}" type="pres">
+      <dgm:prSet presAssocID="{9E378168-966E-441E-9735-F41962860B98}" presName="vertSpace2a" presStyleCnt="0"/>
+      <dgm:spPr/>
+    </dgm:pt>
+    <dgm:pt modelId="{7D1F0C27-5BC5-405C-8CED-698A9CDA32F6}" type="pres">
+      <dgm:prSet presAssocID="{9E378168-966E-441E-9735-F41962860B98}" presName="horz2" presStyleCnt="0"/>
+      <dgm:spPr/>
+    </dgm:pt>
+    <dgm:pt modelId="{9029D140-2031-4569-BC6D-66C2A099E0CA}" type="pres">
+      <dgm:prSet presAssocID="{9E378168-966E-441E-9735-F41962860B98}" presName="horzSpace2" presStyleCnt="0"/>
+      <dgm:spPr/>
+    </dgm:pt>
+    <dgm:pt modelId="{5C457116-44CA-48DA-BBDA-98B0E34BD531}" type="pres">
+      <dgm:prSet presAssocID="{9E378168-966E-441E-9735-F41962860B98}" presName="tx2" presStyleLbl="revTx" presStyleIdx="1" presStyleCnt="8"/>
+      <dgm:spPr/>
+    </dgm:pt>
+    <dgm:pt modelId="{2C38133A-F800-4C7B-98D5-0C7DA6C73A43}" type="pres">
+      <dgm:prSet presAssocID="{9E378168-966E-441E-9735-F41962860B98}" presName="vert2" presStyleCnt="0"/>
+      <dgm:spPr/>
+    </dgm:pt>
+    <dgm:pt modelId="{E87DE669-5C8F-4CF3-B1F4-3D3B8956F27F}" type="pres">
+      <dgm:prSet presAssocID="{9E378168-966E-441E-9735-F41962860B98}" presName="thinLine2b" presStyleLbl="callout" presStyleIdx="0" presStyleCnt="4"/>
+      <dgm:spPr>
+        <a:ln>
+          <a:noFill/>
+        </a:ln>
+      </dgm:spPr>
+    </dgm:pt>
+    <dgm:pt modelId="{FD7859E0-CED9-4C22-B8E3-FED580E40516}" type="pres">
+      <dgm:prSet presAssocID="{9E378168-966E-441E-9735-F41962860B98}" presName="vertSpace2b" presStyleCnt="0"/>
+      <dgm:spPr/>
+    </dgm:pt>
+    <dgm:pt modelId="{895CF975-740A-4408-8722-53D46A06AA65}" type="pres">
+      <dgm:prSet presAssocID="{BE766F97-AD83-4606-BD6D-E693B2850013}" presName="thickLine" presStyleLbl="alignNode1" presStyleIdx="1" presStyleCnt="4"/>
+      <dgm:spPr/>
+    </dgm:pt>
+    <dgm:pt modelId="{80A8AE31-97E2-473F-817C-B76A8B117FE7}" type="pres">
+      <dgm:prSet presAssocID="{BE766F97-AD83-4606-BD6D-E693B2850013}" presName="horz1" presStyleCnt="0"/>
+      <dgm:spPr/>
+    </dgm:pt>
+    <dgm:pt modelId="{E78491E7-E368-4E34-8318-809045572A9D}" type="pres">
+      <dgm:prSet presAssocID="{BE766F97-AD83-4606-BD6D-E693B2850013}" presName="tx1" presStyleLbl="revTx" presStyleIdx="2" presStyleCnt="8"/>
+      <dgm:spPr/>
+    </dgm:pt>
+    <dgm:pt modelId="{819A90FA-F395-454E-9816-76EA80CAF617}" type="pres">
+      <dgm:prSet presAssocID="{BE766F97-AD83-4606-BD6D-E693B2850013}" presName="vert1" presStyleCnt="0"/>
+      <dgm:spPr/>
+    </dgm:pt>
+    <dgm:pt modelId="{C7F606CE-3E7B-4234-A832-C81B929F0D6C}" type="pres">
+      <dgm:prSet presAssocID="{A31BE9C9-44F4-482B-A8BC-99AC78ED74C7}" presName="vertSpace2a" presStyleCnt="0"/>
+      <dgm:spPr/>
+    </dgm:pt>
+    <dgm:pt modelId="{7F7539A2-EEAD-4A80-91B2-5077334D68AF}" type="pres">
+      <dgm:prSet presAssocID="{A31BE9C9-44F4-482B-A8BC-99AC78ED74C7}" presName="horz2" presStyleCnt="0"/>
+      <dgm:spPr/>
+    </dgm:pt>
+    <dgm:pt modelId="{E5572912-1EC5-4E5E-B418-00B2F1C5D301}" type="pres">
+      <dgm:prSet presAssocID="{A31BE9C9-44F4-482B-A8BC-99AC78ED74C7}" presName="horzSpace2" presStyleCnt="0"/>
+      <dgm:spPr/>
+    </dgm:pt>
+    <dgm:pt modelId="{0D094DAA-EFB1-4BB6-AD2C-11116325F7F1}" type="pres">
+      <dgm:prSet presAssocID="{A31BE9C9-44F4-482B-A8BC-99AC78ED74C7}" presName="tx2" presStyleLbl="revTx" presStyleIdx="3" presStyleCnt="8"/>
+      <dgm:spPr/>
+    </dgm:pt>
+    <dgm:pt modelId="{4B2041E0-25ED-4B26-93EA-4D719FC293D0}" type="pres">
+      <dgm:prSet presAssocID="{A31BE9C9-44F4-482B-A8BC-99AC78ED74C7}" presName="vert2" presStyleCnt="0"/>
+      <dgm:spPr/>
+    </dgm:pt>
+    <dgm:pt modelId="{7E998E9E-9E11-43A8-A332-8B65DE4C1D5B}" type="pres">
+      <dgm:prSet presAssocID="{A31BE9C9-44F4-482B-A8BC-99AC78ED74C7}" presName="thinLine2b" presStyleLbl="callout" presStyleIdx="1" presStyleCnt="4"/>
+      <dgm:spPr>
+        <a:ln>
+          <a:noFill/>
+        </a:ln>
+      </dgm:spPr>
+    </dgm:pt>
+    <dgm:pt modelId="{878234D3-0D79-4840-8C8F-F36ADA66EC5B}" type="pres">
+      <dgm:prSet presAssocID="{A31BE9C9-44F4-482B-A8BC-99AC78ED74C7}" presName="vertSpace2b" presStyleCnt="0"/>
+      <dgm:spPr/>
+    </dgm:pt>
+    <dgm:pt modelId="{AF886B41-3177-4631-9614-79178305201D}" type="pres">
+      <dgm:prSet presAssocID="{494BF01F-9440-4520-810F-5A00265A8E81}" presName="thickLine" presStyleLbl="alignNode1" presStyleIdx="2" presStyleCnt="4"/>
+      <dgm:spPr/>
+    </dgm:pt>
+    <dgm:pt modelId="{B92B5E35-1546-48F5-AB7F-869E1CFD0926}" type="pres">
+      <dgm:prSet presAssocID="{494BF01F-9440-4520-810F-5A00265A8E81}" presName="horz1" presStyleCnt="0"/>
+      <dgm:spPr/>
+    </dgm:pt>
+    <dgm:pt modelId="{45336CA8-873C-48EC-9926-19E77B9BA569}" type="pres">
+      <dgm:prSet presAssocID="{494BF01F-9440-4520-810F-5A00265A8E81}" presName="tx1" presStyleLbl="revTx" presStyleIdx="4" presStyleCnt="8"/>
+      <dgm:spPr/>
+    </dgm:pt>
+    <dgm:pt modelId="{2C112325-77C7-4BDF-854C-DDFA739E7872}" type="pres">
+      <dgm:prSet presAssocID="{494BF01F-9440-4520-810F-5A00265A8E81}" presName="vert1" presStyleCnt="0"/>
+      <dgm:spPr/>
+    </dgm:pt>
+    <dgm:pt modelId="{16CE0EE7-BB3A-424D-B210-95612FC23019}" type="pres">
+      <dgm:prSet presAssocID="{7EDCD3F3-4E0C-4A46-932C-D15380EA9370}" presName="vertSpace2a" presStyleCnt="0"/>
+      <dgm:spPr/>
+    </dgm:pt>
+    <dgm:pt modelId="{2B5CAA8F-E664-4573-BBCD-4FA0ABC05D61}" type="pres">
+      <dgm:prSet presAssocID="{7EDCD3F3-4E0C-4A46-932C-D15380EA9370}" presName="horz2" presStyleCnt="0"/>
+      <dgm:spPr/>
+    </dgm:pt>
+    <dgm:pt modelId="{98B18DD8-7D07-4AA0-814D-B257C784B278}" type="pres">
+      <dgm:prSet presAssocID="{7EDCD3F3-4E0C-4A46-932C-D15380EA9370}" presName="horzSpace2" presStyleCnt="0"/>
+      <dgm:spPr/>
+    </dgm:pt>
+    <dgm:pt modelId="{6377BC0E-FB4D-4A91-B290-FB3A9BA7BA92}" type="pres">
+      <dgm:prSet presAssocID="{7EDCD3F3-4E0C-4A46-932C-D15380EA9370}" presName="tx2" presStyleLbl="revTx" presStyleIdx="5" presStyleCnt="8"/>
+      <dgm:spPr/>
+    </dgm:pt>
+    <dgm:pt modelId="{57E14D50-32CF-400E-846E-9C1276F8E51B}" type="pres">
+      <dgm:prSet presAssocID="{7EDCD3F3-4E0C-4A46-932C-D15380EA9370}" presName="vert2" presStyleCnt="0"/>
+      <dgm:spPr/>
+    </dgm:pt>
+    <dgm:pt modelId="{9782C4D7-601F-478E-B407-A9DE35175FB6}" type="pres">
+      <dgm:prSet presAssocID="{7EDCD3F3-4E0C-4A46-932C-D15380EA9370}" presName="thinLine2b" presStyleLbl="callout" presStyleIdx="2" presStyleCnt="4"/>
+      <dgm:spPr>
+        <a:ln>
+          <a:noFill/>
+        </a:ln>
+      </dgm:spPr>
+    </dgm:pt>
+    <dgm:pt modelId="{0527E1B3-0EB5-4522-9494-64A1B29ED775}" type="pres">
+      <dgm:prSet presAssocID="{7EDCD3F3-4E0C-4A46-932C-D15380EA9370}" presName="vertSpace2b" presStyleCnt="0"/>
+      <dgm:spPr/>
+    </dgm:pt>
+    <dgm:pt modelId="{40DDF453-1DB1-4ACA-8983-195390EBFB72}" type="pres">
+      <dgm:prSet presAssocID="{3B3F1303-E003-4E72-866D-9174CFA5CA17}" presName="thickLine" presStyleLbl="alignNode1" presStyleIdx="3" presStyleCnt="4"/>
+      <dgm:spPr/>
+    </dgm:pt>
+    <dgm:pt modelId="{93436AB2-8224-4CC6-8C7F-9790C6181233}" type="pres">
+      <dgm:prSet presAssocID="{3B3F1303-E003-4E72-866D-9174CFA5CA17}" presName="horz1" presStyleCnt="0"/>
+      <dgm:spPr/>
+    </dgm:pt>
+    <dgm:pt modelId="{0B83E523-2DAA-4238-AB0B-87EBAB1787BD}" type="pres">
+      <dgm:prSet presAssocID="{3B3F1303-E003-4E72-866D-9174CFA5CA17}" presName="tx1" presStyleLbl="revTx" presStyleIdx="6" presStyleCnt="8"/>
+      <dgm:spPr/>
+    </dgm:pt>
+    <dgm:pt modelId="{934169D8-F2D2-4C26-9B02-B00B17097FA7}" type="pres">
+      <dgm:prSet presAssocID="{3B3F1303-E003-4E72-866D-9174CFA5CA17}" presName="vert1" presStyleCnt="0"/>
+      <dgm:spPr/>
+    </dgm:pt>
+    <dgm:pt modelId="{72475299-0368-45ED-BC00-5790D80E24B1}" type="pres">
+      <dgm:prSet presAssocID="{DB00ED0C-01C7-4747-93DA-F228D1AC33C8}" presName="vertSpace2a" presStyleCnt="0"/>
+      <dgm:spPr/>
+    </dgm:pt>
+    <dgm:pt modelId="{81A54EB9-F040-4225-A372-A5E9A2D5F2C4}" type="pres">
+      <dgm:prSet presAssocID="{DB00ED0C-01C7-4747-93DA-F228D1AC33C8}" presName="horz2" presStyleCnt="0"/>
+      <dgm:spPr/>
+    </dgm:pt>
+    <dgm:pt modelId="{5703672A-55F3-412A-9DEE-7F679D9006BC}" type="pres">
+      <dgm:prSet presAssocID="{DB00ED0C-01C7-4747-93DA-F228D1AC33C8}" presName="horzSpace2" presStyleCnt="0"/>
+      <dgm:spPr/>
+    </dgm:pt>
+    <dgm:pt modelId="{74509C5C-8820-4387-B3E1-8700DEE39E4E}" type="pres">
+      <dgm:prSet presAssocID="{DB00ED0C-01C7-4747-93DA-F228D1AC33C8}" presName="tx2" presStyleLbl="revTx" presStyleIdx="7" presStyleCnt="8"/>
+      <dgm:spPr/>
+    </dgm:pt>
+    <dgm:pt modelId="{2C5A1A52-ABD9-44F7-AE73-36AAE6BB8CFB}" type="pres">
+      <dgm:prSet presAssocID="{DB00ED0C-01C7-4747-93DA-F228D1AC33C8}" presName="vert2" presStyleCnt="0"/>
+      <dgm:spPr/>
+    </dgm:pt>
+    <dgm:pt modelId="{28FD32CD-41DB-4EE5-BC6D-E6E286FD4177}" type="pres">
+      <dgm:prSet presAssocID="{DB00ED0C-01C7-4747-93DA-F228D1AC33C8}" presName="thinLine2b" presStyleLbl="callout" presStyleIdx="3" presStyleCnt="4"/>
+      <dgm:spPr>
+        <a:ln>
+          <a:noFill/>
+        </a:ln>
+      </dgm:spPr>
+    </dgm:pt>
+    <dgm:pt modelId="{3E55824A-5CAF-4FA1-AF84-923F0B9D0CF7}" type="pres">
+      <dgm:prSet presAssocID="{DB00ED0C-01C7-4747-93DA-F228D1AC33C8}" presName="vertSpace2b" presStyleCnt="0"/>
+      <dgm:spPr/>
+    </dgm:pt>
+  </dgm:ptLst>
+  <dgm:cxnLst>
+    <dgm:cxn modelId="{A36C2009-6A6A-473D-B030-4734B452588C}" type="presOf" srcId="{9E378168-966E-441E-9735-F41962860B98}" destId="{5C457116-44CA-48DA-BBDA-98B0E34BD531}" srcOrd="0" destOrd="0" presId="urn:microsoft.com/office/officeart/2008/layout/LinedList"/>
+    <dgm:cxn modelId="{F1A1FC23-552A-4856-9C21-98700DD7E19B}" type="presOf" srcId="{3B3F1303-E003-4E72-866D-9174CFA5CA17}" destId="{0B83E523-2DAA-4238-AB0B-87EBAB1787BD}" srcOrd="0" destOrd="0" presId="urn:microsoft.com/office/officeart/2008/layout/LinedList"/>
+    <dgm:cxn modelId="{CB28AD31-2CE5-4374-BEC0-44FDBDE4289F}" type="presOf" srcId="{7EDCD3F3-4E0C-4A46-932C-D15380EA9370}" destId="{6377BC0E-FB4D-4A91-B290-FB3A9BA7BA92}" srcOrd="0" destOrd="0" presId="urn:microsoft.com/office/officeart/2008/layout/LinedList"/>
+    <dgm:cxn modelId="{4E839835-A297-4350-BF59-E245F391C6F1}" srcId="{3B3F1303-E003-4E72-866D-9174CFA5CA17}" destId="{DB00ED0C-01C7-4747-93DA-F228D1AC33C8}" srcOrd="0" destOrd="0" parTransId="{616E0A20-214F-4B69-B4FB-6447678095F8}" sibTransId="{164BD3FD-05AB-457F-9D8E-9730DCE2E704}"/>
+    <dgm:cxn modelId="{CA02745C-4534-49E6-B468-789682ADF5A9}" type="presOf" srcId="{DB00ED0C-01C7-4747-93DA-F228D1AC33C8}" destId="{74509C5C-8820-4387-B3E1-8700DEE39E4E}" srcOrd="0" destOrd="0" presId="urn:microsoft.com/office/officeart/2008/layout/LinedList"/>
+    <dgm:cxn modelId="{D0CDD543-85BE-46D2-A3B1-EC01002C0A16}" srcId="{22BF0B67-712C-46DF-8987-EC67F6583D4F}" destId="{3B3F1303-E003-4E72-866D-9174CFA5CA17}" srcOrd="3" destOrd="0" parTransId="{8504247F-0456-48BB-B5B6-E840C372CC6D}" sibTransId="{2ED8D149-677A-49A5-AE0A-E94C35C62E7F}"/>
+    <dgm:cxn modelId="{0910F246-68E7-4DCB-80D1-5BDA000F0E15}" type="presOf" srcId="{BE766F97-AD83-4606-BD6D-E693B2850013}" destId="{E78491E7-E368-4E34-8318-809045572A9D}" srcOrd="0" destOrd="0" presId="urn:microsoft.com/office/officeart/2008/layout/LinedList"/>
+    <dgm:cxn modelId="{26B39F4A-1F78-4EB0-9227-0F4E6863D0E3}" srcId="{494BF01F-9440-4520-810F-5A00265A8E81}" destId="{7EDCD3F3-4E0C-4A46-932C-D15380EA9370}" srcOrd="0" destOrd="0" parTransId="{4DECA832-F9A7-459A-BE61-287D4DCCD0F5}" sibTransId="{2EDCAE26-F4EB-4537-A440-DF39FF6CF530}"/>
+    <dgm:cxn modelId="{A1DFE47C-D2C7-4104-88B3-0CCB0976747B}" srcId="{324364C0-E771-4444-AB6D-E3184EA964C1}" destId="{9E378168-966E-441E-9735-F41962860B98}" srcOrd="0" destOrd="0" parTransId="{016663F5-9F3A-47CC-92A6-1203CA613AFC}" sibTransId="{746D7290-C96D-412B-BCB8-73F213C343D9}"/>
+    <dgm:cxn modelId="{F3458C95-5E97-4471-AB25-2E8E1CB40204}" type="presOf" srcId="{494BF01F-9440-4520-810F-5A00265A8E81}" destId="{45336CA8-873C-48EC-9926-19E77B9BA569}" srcOrd="0" destOrd="0" presId="urn:microsoft.com/office/officeart/2008/layout/LinedList"/>
+    <dgm:cxn modelId="{E972A99C-992E-4FAF-97C2-B8FD500FD397}" srcId="{22BF0B67-712C-46DF-8987-EC67F6583D4F}" destId="{324364C0-E771-4444-AB6D-E3184EA964C1}" srcOrd="0" destOrd="0" parTransId="{A555CD5A-474A-4362-815E-4DA8F0E6CC67}" sibTransId="{1A5E0A0D-1AFE-46B4-8E62-896DA225C6CB}"/>
+    <dgm:cxn modelId="{1136BFA6-6699-4D88-B757-16316353B156}" srcId="{22BF0B67-712C-46DF-8987-EC67F6583D4F}" destId="{BE766F97-AD83-4606-BD6D-E693B2850013}" srcOrd="1" destOrd="0" parTransId="{3AA54129-7FFA-46EB-9752-CBC5D4D3B855}" sibTransId="{16B59E53-FD0F-4B0A-AD45-0E9C323E14B6}"/>
+    <dgm:cxn modelId="{340715B9-AA73-40F4-BD49-FFF940EDCBE6}" type="presOf" srcId="{324364C0-E771-4444-AB6D-E3184EA964C1}" destId="{F47C5ABC-A31D-4F50-8882-4EC0EFBD4783}" srcOrd="0" destOrd="0" presId="urn:microsoft.com/office/officeart/2008/layout/LinedList"/>
+    <dgm:cxn modelId="{1D1AFBCB-8CC0-41B4-9757-22A383E5FEA5}" srcId="{BE766F97-AD83-4606-BD6D-E693B2850013}" destId="{A31BE9C9-44F4-482B-A8BC-99AC78ED74C7}" srcOrd="0" destOrd="0" parTransId="{36FB355A-29EF-4063-80F2-E388F16E76E4}" sibTransId="{F45A5771-E47C-4192-9AB1-E43392E9A485}"/>
+    <dgm:cxn modelId="{D24FFBE5-C9D5-468C-BC30-6AF0EA659BD9}" srcId="{22BF0B67-712C-46DF-8987-EC67F6583D4F}" destId="{494BF01F-9440-4520-810F-5A00265A8E81}" srcOrd="2" destOrd="0" parTransId="{4F4CE4E6-A179-4351-96B6-3353676E3DB3}" sibTransId="{1FD56983-F5B1-4AB1-80A8-6D8E503299E1}"/>
+    <dgm:cxn modelId="{8691C6EB-2B5A-47C8-8EB8-58B7B45B7F7C}" type="presOf" srcId="{A31BE9C9-44F4-482B-A8BC-99AC78ED74C7}" destId="{0D094DAA-EFB1-4BB6-AD2C-11116325F7F1}" srcOrd="0" destOrd="0" presId="urn:microsoft.com/office/officeart/2008/layout/LinedList"/>
+    <dgm:cxn modelId="{591A45EF-B9A2-49B4-A0B0-87DF205EB3DF}" type="presOf" srcId="{22BF0B67-712C-46DF-8987-EC67F6583D4F}" destId="{FA1BF317-935F-4297-B260-972EFC55A444}" srcOrd="0" destOrd="0" presId="urn:microsoft.com/office/officeart/2008/layout/LinedList"/>
+    <dgm:cxn modelId="{C2AB30A6-5682-475D-BF06-2CF3478F3AAA}" type="presParOf" srcId="{FA1BF317-935F-4297-B260-972EFC55A444}" destId="{A8F3092A-2786-4777-B702-0A75F2D4A5FC}" srcOrd="0" destOrd="0" presId="urn:microsoft.com/office/officeart/2008/layout/LinedList"/>
+    <dgm:cxn modelId="{47CB59FD-C07B-438F-B4B0-9E1C9678EEC2}" type="presParOf" srcId="{FA1BF317-935F-4297-B260-972EFC55A444}" destId="{EC831CCB-E7FA-4425-B5E9-BB42B79141DB}" srcOrd="1" destOrd="0" presId="urn:microsoft.com/office/officeart/2008/layout/LinedList"/>
+    <dgm:cxn modelId="{5045CCBA-108E-4982-A5A8-E3B52503C073}" type="presParOf" srcId="{EC831CCB-E7FA-4425-B5E9-BB42B79141DB}" destId="{F47C5ABC-A31D-4F50-8882-4EC0EFBD4783}" srcOrd="0" destOrd="0" presId="urn:microsoft.com/office/officeart/2008/layout/LinedList"/>
+    <dgm:cxn modelId="{FA50042C-9951-467D-8E2F-62A463FAC3A0}" type="presParOf" srcId="{EC831CCB-E7FA-4425-B5E9-BB42B79141DB}" destId="{0BC9366C-30CE-46DD-9D34-36F6E8D63BD8}" srcOrd="1" destOrd="0" presId="urn:microsoft.com/office/officeart/2008/layout/LinedList"/>
+    <dgm:cxn modelId="{00F04D74-3432-4553-8FE9-6AB16E75A920}" type="presParOf" srcId="{0BC9366C-30CE-46DD-9D34-36F6E8D63BD8}" destId="{DC87E624-4142-4815-AE06-43D03DCB2068}" srcOrd="0" destOrd="0" presId="urn:microsoft.com/office/officeart/2008/layout/LinedList"/>
+    <dgm:cxn modelId="{361581E4-97A5-41E6-B4D1-B95EA15CA204}" type="presParOf" srcId="{0BC9366C-30CE-46DD-9D34-36F6E8D63BD8}" destId="{7D1F0C27-5BC5-405C-8CED-698A9CDA32F6}" srcOrd="1" destOrd="0" presId="urn:microsoft.com/office/officeart/2008/layout/LinedList"/>
+    <dgm:cxn modelId="{717DC3AB-F712-4BB7-98B8-5ACD88A45F5D}" type="presParOf" srcId="{7D1F0C27-5BC5-405C-8CED-698A9CDA32F6}" destId="{9029D140-2031-4569-BC6D-66C2A099E0CA}" srcOrd="0" destOrd="0" presId="urn:microsoft.com/office/officeart/2008/layout/LinedList"/>
+    <dgm:cxn modelId="{4D4F120B-7B9C-415C-B88D-A2C1788A8748}" type="presParOf" srcId="{7D1F0C27-5BC5-405C-8CED-698A9CDA32F6}" destId="{5C457116-44CA-48DA-BBDA-98B0E34BD531}" srcOrd="1" destOrd="0" presId="urn:microsoft.com/office/officeart/2008/layout/LinedList"/>
+    <dgm:cxn modelId="{183777AD-1F09-48C0-BA27-C5BFA4F7FB00}" type="presParOf" srcId="{7D1F0C27-5BC5-405C-8CED-698A9CDA32F6}" destId="{2C38133A-F800-4C7B-98D5-0C7DA6C73A43}" srcOrd="2" destOrd="0" presId="urn:microsoft.com/office/officeart/2008/layout/LinedList"/>
+    <dgm:cxn modelId="{8D6BB62B-366E-4E85-898A-4479E0FF0F4B}" type="presParOf" srcId="{0BC9366C-30CE-46DD-9D34-36F6E8D63BD8}" destId="{E87DE669-5C8F-4CF3-B1F4-3D3B8956F27F}" srcOrd="2" destOrd="0" presId="urn:microsoft.com/office/officeart/2008/layout/LinedList"/>
+    <dgm:cxn modelId="{21A7F747-D6F8-4BEB-B99C-F05D64E3E13D}" type="presParOf" srcId="{0BC9366C-30CE-46DD-9D34-36F6E8D63BD8}" destId="{FD7859E0-CED9-4C22-B8E3-FED580E40516}" srcOrd="3" destOrd="0" presId="urn:microsoft.com/office/officeart/2008/layout/LinedList"/>
+    <dgm:cxn modelId="{40BAC798-388C-465B-A3FA-E61F90B3B811}" type="presParOf" srcId="{FA1BF317-935F-4297-B260-972EFC55A444}" destId="{895CF975-740A-4408-8722-53D46A06AA65}" srcOrd="2" destOrd="0" presId="urn:microsoft.com/office/officeart/2008/layout/LinedList"/>
+    <dgm:cxn modelId="{3D3809BB-B43E-4A36-BAFB-41495C288BD1}" type="presParOf" srcId="{FA1BF317-935F-4297-B260-972EFC55A444}" destId="{80A8AE31-97E2-473F-817C-B76A8B117FE7}" srcOrd="3" destOrd="0" presId="urn:microsoft.com/office/officeart/2008/layout/LinedList"/>
+    <dgm:cxn modelId="{15245ED8-5E22-4EE2-881A-2665969301AC}" type="presParOf" srcId="{80A8AE31-97E2-473F-817C-B76A8B117FE7}" destId="{E78491E7-E368-4E34-8318-809045572A9D}" srcOrd="0" destOrd="0" presId="urn:microsoft.com/office/officeart/2008/layout/LinedList"/>
+    <dgm:cxn modelId="{935C7F66-EB42-4E6C-995B-7C227320180A}" type="presParOf" srcId="{80A8AE31-97E2-473F-817C-B76A8B117FE7}" destId="{819A90FA-F395-454E-9816-76EA80CAF617}" srcOrd="1" destOrd="0" presId="urn:microsoft.com/office/officeart/2008/layout/LinedList"/>
+    <dgm:cxn modelId="{0E7030BD-34D0-4B85-A064-83A95DDAB47D}" type="presParOf" srcId="{819A90FA-F395-454E-9816-76EA80CAF617}" destId="{C7F606CE-3E7B-4234-A832-C81B929F0D6C}" srcOrd="0" destOrd="0" presId="urn:microsoft.com/office/officeart/2008/layout/LinedList"/>
+    <dgm:cxn modelId="{C370C3F7-0960-47EF-AF06-3BF7AF59D635}" type="presParOf" srcId="{819A90FA-F395-454E-9816-76EA80CAF617}" destId="{7F7539A2-EEAD-4A80-91B2-5077334D68AF}" srcOrd="1" destOrd="0" presId="urn:microsoft.com/office/officeart/2008/layout/LinedList"/>
+    <dgm:cxn modelId="{A650156A-0F26-48BC-86C6-EF90EA5E50EF}" type="presParOf" srcId="{7F7539A2-EEAD-4A80-91B2-5077334D68AF}" destId="{E5572912-1EC5-4E5E-B418-00B2F1C5D301}" srcOrd="0" destOrd="0" presId="urn:microsoft.com/office/officeart/2008/layout/LinedList"/>
+    <dgm:cxn modelId="{78523457-B002-45AA-992C-E9714FA43901}" type="presParOf" srcId="{7F7539A2-EEAD-4A80-91B2-5077334D68AF}" destId="{0D094DAA-EFB1-4BB6-AD2C-11116325F7F1}" srcOrd="1" destOrd="0" presId="urn:microsoft.com/office/officeart/2008/layout/LinedList"/>
+    <dgm:cxn modelId="{0A800DE3-6634-400D-9F24-D9809A40AF6B}" type="presParOf" srcId="{7F7539A2-EEAD-4A80-91B2-5077334D68AF}" destId="{4B2041E0-25ED-4B26-93EA-4D719FC293D0}" srcOrd="2" destOrd="0" presId="urn:microsoft.com/office/officeart/2008/layout/LinedList"/>
+    <dgm:cxn modelId="{35A64BEC-D7D9-46EC-BE87-165A28DE780E}" type="presParOf" srcId="{819A90FA-F395-454E-9816-76EA80CAF617}" destId="{7E998E9E-9E11-43A8-A332-8B65DE4C1D5B}" srcOrd="2" destOrd="0" presId="urn:microsoft.com/office/officeart/2008/layout/LinedList"/>
+    <dgm:cxn modelId="{0A9ADA6E-FD41-4818-B53C-90798C3F90F7}" type="presParOf" srcId="{819A90FA-F395-454E-9816-76EA80CAF617}" destId="{878234D3-0D79-4840-8C8F-F36ADA66EC5B}" srcOrd="3" destOrd="0" presId="urn:microsoft.com/office/officeart/2008/layout/LinedList"/>
+    <dgm:cxn modelId="{0757983F-D225-4B0D-92FF-1502921D75CD}" type="presParOf" srcId="{FA1BF317-935F-4297-B260-972EFC55A444}" destId="{AF886B41-3177-4631-9614-79178305201D}" srcOrd="4" destOrd="0" presId="urn:microsoft.com/office/officeart/2008/layout/LinedList"/>
+    <dgm:cxn modelId="{2B247587-80AD-4744-88DA-EF053FAFE7B0}" type="presParOf" srcId="{FA1BF317-935F-4297-B260-972EFC55A444}" destId="{B92B5E35-1546-48F5-AB7F-869E1CFD0926}" srcOrd="5" destOrd="0" presId="urn:microsoft.com/office/officeart/2008/layout/LinedList"/>
+    <dgm:cxn modelId="{1E0393D9-F7A8-4952-BC17-88EC74CE2EF5}" type="presParOf" srcId="{B92B5E35-1546-48F5-AB7F-869E1CFD0926}" destId="{45336CA8-873C-48EC-9926-19E77B9BA569}" srcOrd="0" destOrd="0" presId="urn:microsoft.com/office/officeart/2008/layout/LinedList"/>
+    <dgm:cxn modelId="{00077C9D-A94A-45AB-836F-6B8C8248ED81}" type="presParOf" srcId="{B92B5E35-1546-48F5-AB7F-869E1CFD0926}" destId="{2C112325-77C7-4BDF-854C-DDFA739E7872}" srcOrd="1" destOrd="0" presId="urn:microsoft.com/office/officeart/2008/layout/LinedList"/>
+    <dgm:cxn modelId="{00B4362E-22FD-4A2F-A8CE-565167229B38}" type="presParOf" srcId="{2C112325-77C7-4BDF-854C-DDFA739E7872}" destId="{16CE0EE7-BB3A-424D-B210-95612FC23019}" srcOrd="0" destOrd="0" presId="urn:microsoft.com/office/officeart/2008/layout/LinedList"/>
+    <dgm:cxn modelId="{DB18FF69-9C9C-4663-B5FE-39DCBF16E8FC}" type="presParOf" srcId="{2C112325-77C7-4BDF-854C-DDFA739E7872}" destId="{2B5CAA8F-E664-4573-BBCD-4FA0ABC05D61}" srcOrd="1" destOrd="0" presId="urn:microsoft.com/office/officeart/2008/layout/LinedList"/>
+    <dgm:cxn modelId="{C1F40063-3244-4917-AB50-183D2DC5A552}" type="presParOf" srcId="{2B5CAA8F-E664-4573-BBCD-4FA0ABC05D61}" destId="{98B18DD8-7D07-4AA0-814D-B257C784B278}" srcOrd="0" destOrd="0" presId="urn:microsoft.com/office/officeart/2008/layout/LinedList"/>
+    <dgm:cxn modelId="{8BF10D21-FE6D-4B61-A6DA-28DE22E868CF}" type="presParOf" srcId="{2B5CAA8F-E664-4573-BBCD-4FA0ABC05D61}" destId="{6377BC0E-FB4D-4A91-B290-FB3A9BA7BA92}" srcOrd="1" destOrd="0" presId="urn:microsoft.com/office/officeart/2008/layout/LinedList"/>
+    <dgm:cxn modelId="{CBDE3093-F2FC-4F60-B6CB-1626C68F8A17}" type="presParOf" srcId="{2B5CAA8F-E664-4573-BBCD-4FA0ABC05D61}" destId="{57E14D50-32CF-400E-846E-9C1276F8E51B}" srcOrd="2" destOrd="0" presId="urn:microsoft.com/office/officeart/2008/layout/LinedList"/>
+    <dgm:cxn modelId="{DE14337D-00E1-4EF4-BECB-96C4FE47FA97}" type="presParOf" srcId="{2C112325-77C7-4BDF-854C-DDFA739E7872}" destId="{9782C4D7-601F-478E-B407-A9DE35175FB6}" srcOrd="2" destOrd="0" presId="urn:microsoft.com/office/officeart/2008/layout/LinedList"/>
+    <dgm:cxn modelId="{45D43BAA-49BC-4B85-8CAB-8155197EE7B3}" type="presParOf" srcId="{2C112325-77C7-4BDF-854C-DDFA739E7872}" destId="{0527E1B3-0EB5-4522-9494-64A1B29ED775}" srcOrd="3" destOrd="0" presId="urn:microsoft.com/office/officeart/2008/layout/LinedList"/>
+    <dgm:cxn modelId="{FDB59D83-D6ED-41CE-9928-896ECA9C7113}" type="presParOf" srcId="{FA1BF317-935F-4297-B260-972EFC55A444}" destId="{40DDF453-1DB1-4ACA-8983-195390EBFB72}" srcOrd="6" destOrd="0" presId="urn:microsoft.com/office/officeart/2008/layout/LinedList"/>
+    <dgm:cxn modelId="{CE0384E2-CE82-4B0F-956E-D8699DB45FDC}" type="presParOf" srcId="{FA1BF317-935F-4297-B260-972EFC55A444}" destId="{93436AB2-8224-4CC6-8C7F-9790C6181233}" srcOrd="7" destOrd="0" presId="urn:microsoft.com/office/officeart/2008/layout/LinedList"/>
+    <dgm:cxn modelId="{4A7F837D-DA9E-40AB-8918-C6F228EB7D8B}" type="presParOf" srcId="{93436AB2-8224-4CC6-8C7F-9790C6181233}" destId="{0B83E523-2DAA-4238-AB0B-87EBAB1787BD}" srcOrd="0" destOrd="0" presId="urn:microsoft.com/office/officeart/2008/layout/LinedList"/>
+    <dgm:cxn modelId="{5623E165-9644-4D9A-8FB6-110339D22F5C}" type="presParOf" srcId="{93436AB2-8224-4CC6-8C7F-9790C6181233}" destId="{934169D8-F2D2-4C26-9B02-B00B17097FA7}" srcOrd="1" destOrd="0" presId="urn:microsoft.com/office/officeart/2008/layout/LinedList"/>
+    <dgm:cxn modelId="{1E880794-2BC8-44B4-A691-4897AAACF405}" type="presParOf" srcId="{934169D8-F2D2-4C26-9B02-B00B17097FA7}" destId="{72475299-0368-45ED-BC00-5790D80E24B1}" srcOrd="0" destOrd="0" presId="urn:microsoft.com/office/officeart/2008/layout/LinedList"/>
+    <dgm:cxn modelId="{7DE48C31-EED9-423F-8608-FA73B76F899A}" type="presParOf" srcId="{934169D8-F2D2-4C26-9B02-B00B17097FA7}" destId="{81A54EB9-F040-4225-A372-A5E9A2D5F2C4}" srcOrd="1" destOrd="0" presId="urn:microsoft.com/office/officeart/2008/layout/LinedList"/>
+    <dgm:cxn modelId="{0F9A0301-82EF-48EE-A7D8-80D2FEC45704}" type="presParOf" srcId="{81A54EB9-F040-4225-A372-A5E9A2D5F2C4}" destId="{5703672A-55F3-412A-9DEE-7F679D9006BC}" srcOrd="0" destOrd="0" presId="urn:microsoft.com/office/officeart/2008/layout/LinedList"/>
+    <dgm:cxn modelId="{A7A00B43-34F1-4608-A8BC-556D1E19274B}" type="presParOf" srcId="{81A54EB9-F040-4225-A372-A5E9A2D5F2C4}" destId="{74509C5C-8820-4387-B3E1-8700DEE39E4E}" srcOrd="1" destOrd="0" presId="urn:microsoft.com/office/officeart/2008/layout/LinedList"/>
+    <dgm:cxn modelId="{980A9F1D-3041-41E3-A454-957A6F18A76D}" type="presParOf" srcId="{81A54EB9-F040-4225-A372-A5E9A2D5F2C4}" destId="{2C5A1A52-ABD9-44F7-AE73-36AAE6BB8CFB}" srcOrd="2" destOrd="0" presId="urn:microsoft.com/office/officeart/2008/layout/LinedList"/>
+    <dgm:cxn modelId="{B770CF6B-01DE-4279-BAAB-4098A0D383B1}" type="presParOf" srcId="{934169D8-F2D2-4C26-9B02-B00B17097FA7}" destId="{28FD32CD-41DB-4EE5-BC6D-E6E286FD4177}" srcOrd="2" destOrd="0" presId="urn:microsoft.com/office/officeart/2008/layout/LinedList"/>
+    <dgm:cxn modelId="{B8F5D619-F7A4-41F3-A288-A99612FFD53C}" type="presParOf" srcId="{934169D8-F2D2-4C26-9B02-B00B17097FA7}" destId="{3E55824A-5CAF-4FA1-AF84-923F0B9D0CF7}" srcOrd="3" destOrd="0" presId="urn:microsoft.com/office/officeart/2008/layout/LinedList"/>
+  </dgm:cxnLst>
+  <dgm:bg/>
+  <dgm:whole>
+    <a:ln w="9525" cap="flat" cmpd="sng" algn="ctr">
+      <a:noFill/>
+      <a:prstDash val="solid"/>
+      <a:round/>
+      <a:headEnd type="none" w="med" len="med"/>
+      <a:tailEnd type="none" w="med" len="med"/>
+    </a:ln>
+  </dgm:whole>
+  <dgm:extLst>
+    <a:ext uri="http://schemas.microsoft.com/office/drawing/2008/diagram">
+      <dsp:dataModelExt xmlns:dsp="http://schemas.microsoft.com/office/drawing/2008/diagram" relId="rId6" minVer="http://schemas.openxmlformats.org/drawingml/2006/diagram"/>
+    </a:ext>
+  </dgm:extLst>
+</dgm:dataModel>
+</file>
+
 <file path=ppt/diagrams/drawing1.xml><?xml version="1.0" encoding="utf-8"?>
 <dsp:drawing xmlns:dgm="http://schemas.openxmlformats.org/drawingml/2006/diagram" xmlns:dsp="http://schemas.microsoft.com/office/drawing/2008/diagram" xmlns:a="http://schemas.openxmlformats.org/drawingml/2006/main">
   <dsp:spTree>
@@ -2488,7 +5505,7 @@
             <a:defRPr b="1"/>
           </a:pPr>
           <a:r>
-            <a:rPr lang="en-GB" sz="1500" kern="1200" dirty="0"/>
+            <a:rPr lang="en-GB" sz="1500" kern="1200"/>
             <a:t>Produce an offline mapping application</a:t>
           </a:r>
           <a:endParaRPr lang="en-US" sz="1500" kern="1200" dirty="0"/>
@@ -2790,7 +5807,7 @@
             <a:defRPr b="1"/>
           </a:pPr>
           <a:r>
-            <a:rPr lang="en-GB" sz="1500" kern="1200" dirty="0"/>
+            <a:rPr lang="en-GB" sz="1500" kern="1200"/>
             <a:t>Use Open Street Map (OSM) data to:</a:t>
           </a:r>
           <a:endParaRPr lang="en-US" sz="1500" kern="1200" dirty="0"/>
@@ -2851,7 +5868,7 @@
             <a:buNone/>
           </a:pPr>
           <a:r>
-            <a:rPr lang="en-GB" sz="1100" kern="1200" dirty="0"/>
+            <a:rPr lang="en-GB" sz="1100" kern="1200"/>
             <a:t>Store in a local database</a:t>
           </a:r>
           <a:endParaRPr lang="en-US" sz="1100" kern="1200" dirty="0"/>
@@ -2870,7 +5887,7 @@
             <a:buNone/>
           </a:pPr>
           <a:r>
-            <a:rPr lang="en-GB" sz="1100" kern="1200" dirty="0"/>
+            <a:rPr lang="en-GB" sz="1100" kern="1200"/>
             <a:t>Render in real time</a:t>
           </a:r>
           <a:endParaRPr lang="en-US" sz="1100" kern="1200" dirty="0"/>
@@ -3102,7 +6119,7 @@
           </a:pPr>
           <a:r>
             <a:rPr lang="en-GB" sz="3400" kern="1200" noProof="0" dirty="0"/>
-            <a:t>Offline Web Applications</a:t>
+            <a:t>Web Applications</a:t>
           </a:r>
         </a:p>
       </dsp:txBody>
@@ -3328,6 +6345,1740 @@
         <a:off x="0" y="3722088"/>
         <a:ext cx="4152655" cy="1240696"/>
       </dsp:txXfrm>
+    </dsp:sp>
+  </dsp:spTree>
+</dsp:drawing>
+</file>
+
+<file path=ppt/diagrams/drawing3.xml><?xml version="1.0" encoding="utf-8"?>
+<dsp:drawing xmlns:dgm="http://schemas.openxmlformats.org/drawingml/2006/diagram" xmlns:dsp="http://schemas.microsoft.com/office/drawing/2008/diagram" xmlns:a="http://schemas.openxmlformats.org/drawingml/2006/main">
+  <dsp:spTree>
+    <dsp:nvGrpSpPr>
+      <dsp:cNvPr id="0" name=""/>
+      <dsp:cNvGrpSpPr/>
+    </dsp:nvGrpSpPr>
+    <dsp:grpSpPr/>
+    <dsp:sp modelId="{75677086-ED45-4048-86BE-6F6C98A980B2}">
+      <dsp:nvSpPr>
+        <dsp:cNvPr id="0" name=""/>
+        <dsp:cNvSpPr/>
+      </dsp:nvSpPr>
+      <dsp:spPr>
+        <a:xfrm>
+          <a:off x="0" y="1509"/>
+          <a:ext cx="10553700" cy="765040"/>
+        </a:xfrm>
+        <a:prstGeom prst="roundRect">
+          <a:avLst>
+            <a:gd name="adj" fmla="val 10000"/>
+          </a:avLst>
+        </a:prstGeom>
+        <a:noFill/>
+        <a:ln>
+          <a:solidFill>
+            <a:schemeClr val="accent1">
+              <a:hueOff val="0"/>
+              <a:satOff val="0"/>
+              <a:lumOff val="0"/>
+            </a:schemeClr>
+          </a:solidFill>
+        </a:ln>
+        <a:effectLst/>
+      </dsp:spPr>
+      <dsp:style>
+        <a:lnRef idx="0">
+          <a:scrgbClr r="0" g="0" b="0"/>
+        </a:lnRef>
+        <a:fillRef idx="1">
+          <a:scrgbClr r="0" g="0" b="0"/>
+        </a:fillRef>
+        <a:effectRef idx="0">
+          <a:scrgbClr r="0" g="0" b="0"/>
+        </a:effectRef>
+        <a:fontRef idx="minor"/>
+      </dsp:style>
+    </dsp:sp>
+    <dsp:sp modelId="{25F12826-9516-45D5-8A86-B8D5766E9CC0}">
+      <dsp:nvSpPr>
+        <dsp:cNvPr id="0" name=""/>
+        <dsp:cNvSpPr/>
+      </dsp:nvSpPr>
+      <dsp:spPr>
+        <a:xfrm>
+          <a:off x="231424" y="173643"/>
+          <a:ext cx="420772" cy="420772"/>
+        </a:xfrm>
+        <a:prstGeom prst="rect">
+          <a:avLst/>
+        </a:prstGeom>
+        <a:blipFill>
+          <a:blip xmlns:r="http://schemas.openxmlformats.org/officeDocument/2006/relationships" r:embed="rId1">
+            <a:extLst>
+              <a:ext uri="{28A0092B-C50C-407E-A947-70E740481C1C}">
+                <a14:useLocalDpi xmlns:a14="http://schemas.microsoft.com/office/drawing/2010/main" val="0"/>
+              </a:ext>
+              <a:ext uri="{96DAC541-7B7A-43D3-8B79-37D633B846F1}">
+                <asvg:svgBlip xmlns:asvg="http://schemas.microsoft.com/office/drawing/2016/SVG/main" r:embed="rId2"/>
+              </a:ext>
+            </a:extLst>
+          </a:blip>
+          <a:stretch>
+            <a:fillRect/>
+          </a:stretch>
+        </a:blipFill>
+        <a:ln w="15875" cap="rnd" cmpd="sng" algn="ctr">
+          <a:noFill/>
+          <a:prstDash val="solid"/>
+        </a:ln>
+        <a:effectLst/>
+      </dsp:spPr>
+      <dsp:style>
+        <a:lnRef idx="2">
+          <a:scrgbClr r="0" g="0" b="0"/>
+        </a:lnRef>
+        <a:fillRef idx="1">
+          <a:scrgbClr r="0" g="0" b="0"/>
+        </a:fillRef>
+        <a:effectRef idx="0">
+          <a:scrgbClr r="0" g="0" b="0"/>
+        </a:effectRef>
+        <a:fontRef idx="minor">
+          <a:schemeClr val="lt1"/>
+        </a:fontRef>
+      </dsp:style>
+    </dsp:sp>
+    <dsp:sp modelId="{2FC8A223-C39A-48F5-B5A1-7B77898EFB6F}">
+      <dsp:nvSpPr>
+        <dsp:cNvPr id="0" name=""/>
+        <dsp:cNvSpPr/>
+      </dsp:nvSpPr>
+      <dsp:spPr>
+        <a:xfrm>
+          <a:off x="883622" y="1509"/>
+          <a:ext cx="9670077" cy="765040"/>
+        </a:xfrm>
+        <a:prstGeom prst="rect">
+          <a:avLst/>
+        </a:prstGeom>
+        <a:noFill/>
+        <a:ln>
+          <a:noFill/>
+        </a:ln>
+        <a:effectLst/>
+      </dsp:spPr>
+      <dsp:style>
+        <a:lnRef idx="0">
+          <a:scrgbClr r="0" g="0" b="0"/>
+        </a:lnRef>
+        <a:fillRef idx="0">
+          <a:scrgbClr r="0" g="0" b="0"/>
+        </a:fillRef>
+        <a:effectRef idx="0">
+          <a:scrgbClr r="0" g="0" b="0"/>
+        </a:effectRef>
+        <a:fontRef idx="minor"/>
+      </dsp:style>
+      <dsp:txBody>
+        <a:bodyPr spcFirstLastPara="0" vert="horz" wrap="square" lIns="80967" tIns="80967" rIns="80967" bIns="80967" numCol="1" spcCol="1270" anchor="ctr" anchorCtr="0">
+          <a:noAutofit/>
+        </a:bodyPr>
+        <a:lstStyle/>
+        <a:p>
+          <a:pPr marL="0" lvl="0" indent="0" algn="l" defTabSz="977900">
+            <a:lnSpc>
+              <a:spcPct val="100000"/>
+            </a:lnSpc>
+            <a:spcBef>
+              <a:spcPct val="0"/>
+            </a:spcBef>
+            <a:spcAft>
+              <a:spcPct val="35000"/>
+            </a:spcAft>
+            <a:buNone/>
+          </a:pPr>
+          <a:r>
+            <a:rPr lang="en-GB" sz="2200" kern="1200" dirty="0"/>
+            <a:t>Has 3 cornerstone technologies</a:t>
+          </a:r>
+          <a:endParaRPr lang="en-US" sz="2200" kern="1200" dirty="0"/>
+        </a:p>
+      </dsp:txBody>
+      <dsp:txXfrm>
+        <a:off x="883622" y="1509"/>
+        <a:ext cx="9670077" cy="765040"/>
+      </dsp:txXfrm>
+    </dsp:sp>
+    <dsp:sp modelId="{3436F3B3-06C1-4CC7-80A6-7EBD97D2BA43}">
+      <dsp:nvSpPr>
+        <dsp:cNvPr id="0" name=""/>
+        <dsp:cNvSpPr/>
+      </dsp:nvSpPr>
+      <dsp:spPr>
+        <a:xfrm>
+          <a:off x="0" y="957810"/>
+          <a:ext cx="10553700" cy="765040"/>
+        </a:xfrm>
+        <a:prstGeom prst="roundRect">
+          <a:avLst>
+            <a:gd name="adj" fmla="val 10000"/>
+          </a:avLst>
+        </a:prstGeom>
+        <a:noFill/>
+        <a:ln>
+          <a:solidFill>
+            <a:schemeClr val="accent1">
+              <a:hueOff val="0"/>
+              <a:satOff val="0"/>
+              <a:lumOff val="0"/>
+            </a:schemeClr>
+          </a:solidFill>
+        </a:ln>
+        <a:effectLst/>
+      </dsp:spPr>
+      <dsp:style>
+        <a:lnRef idx="0">
+          <a:scrgbClr r="0" g="0" b="0"/>
+        </a:lnRef>
+        <a:fillRef idx="1">
+          <a:scrgbClr r="0" g="0" b="0"/>
+        </a:fillRef>
+        <a:effectRef idx="0">
+          <a:scrgbClr r="0" g="0" b="0"/>
+        </a:effectRef>
+        <a:fontRef idx="minor"/>
+      </dsp:style>
+    </dsp:sp>
+    <dsp:sp modelId="{2253542F-1253-492B-8E77-036D751CDAE7}">
+      <dsp:nvSpPr>
+        <dsp:cNvPr id="0" name=""/>
+        <dsp:cNvSpPr/>
+      </dsp:nvSpPr>
+      <dsp:spPr>
+        <a:xfrm>
+          <a:off x="231424" y="1129944"/>
+          <a:ext cx="420772" cy="420772"/>
+        </a:xfrm>
+        <a:prstGeom prst="rect">
+          <a:avLst/>
+        </a:prstGeom>
+        <a:blipFill>
+          <a:blip xmlns:r="http://schemas.openxmlformats.org/officeDocument/2006/relationships" r:embed="rId3">
+            <a:extLst>
+              <a:ext uri="{28A0092B-C50C-407E-A947-70E740481C1C}">
+                <a14:useLocalDpi xmlns:a14="http://schemas.microsoft.com/office/drawing/2010/main" val="0"/>
+              </a:ext>
+              <a:ext uri="{96DAC541-7B7A-43D3-8B79-37D633B846F1}">
+                <asvg:svgBlip xmlns:asvg="http://schemas.microsoft.com/office/drawing/2016/SVG/main" r:embed="rId4"/>
+              </a:ext>
+            </a:extLst>
+          </a:blip>
+          <a:stretch>
+            <a:fillRect/>
+          </a:stretch>
+        </a:blipFill>
+        <a:ln w="15875" cap="rnd" cmpd="sng" algn="ctr">
+          <a:noFill/>
+          <a:prstDash val="solid"/>
+        </a:ln>
+        <a:effectLst/>
+      </dsp:spPr>
+      <dsp:style>
+        <a:lnRef idx="2">
+          <a:scrgbClr r="0" g="0" b="0"/>
+        </a:lnRef>
+        <a:fillRef idx="1">
+          <a:scrgbClr r="0" g="0" b="0"/>
+        </a:fillRef>
+        <a:effectRef idx="0">
+          <a:scrgbClr r="0" g="0" b="0"/>
+        </a:effectRef>
+        <a:fontRef idx="minor">
+          <a:schemeClr val="lt1"/>
+        </a:fontRef>
+      </dsp:style>
+    </dsp:sp>
+    <dsp:sp modelId="{5121010D-ADF1-427B-B3AF-54CAC771699F}">
+      <dsp:nvSpPr>
+        <dsp:cNvPr id="0" name=""/>
+        <dsp:cNvSpPr/>
+      </dsp:nvSpPr>
+      <dsp:spPr>
+        <a:xfrm>
+          <a:off x="883622" y="957810"/>
+          <a:ext cx="4749165" cy="765040"/>
+        </a:xfrm>
+        <a:prstGeom prst="rect">
+          <a:avLst/>
+        </a:prstGeom>
+        <a:noFill/>
+        <a:ln>
+          <a:noFill/>
+        </a:ln>
+        <a:effectLst/>
+      </dsp:spPr>
+      <dsp:style>
+        <a:lnRef idx="0">
+          <a:scrgbClr r="0" g="0" b="0"/>
+        </a:lnRef>
+        <a:fillRef idx="0">
+          <a:scrgbClr r="0" g="0" b="0"/>
+        </a:fillRef>
+        <a:effectRef idx="0">
+          <a:scrgbClr r="0" g="0" b="0"/>
+        </a:effectRef>
+        <a:fontRef idx="minor"/>
+      </dsp:style>
+      <dsp:txBody>
+        <a:bodyPr spcFirstLastPara="0" vert="horz" wrap="square" lIns="80967" tIns="80967" rIns="80967" bIns="80967" numCol="1" spcCol="1270" anchor="ctr" anchorCtr="0">
+          <a:noAutofit/>
+        </a:bodyPr>
+        <a:lstStyle/>
+        <a:p>
+          <a:pPr marL="0" lvl="0" indent="0" algn="l" defTabSz="977900">
+            <a:lnSpc>
+              <a:spcPct val="100000"/>
+            </a:lnSpc>
+            <a:spcBef>
+              <a:spcPct val="0"/>
+            </a:spcBef>
+            <a:spcAft>
+              <a:spcPct val="35000"/>
+            </a:spcAft>
+            <a:buNone/>
+          </a:pPr>
+          <a:r>
+            <a:rPr lang="en-GB" sz="2200" kern="1200"/>
+            <a:t>HTML</a:t>
+          </a:r>
+          <a:endParaRPr lang="en-US" sz="2200" kern="1200"/>
+        </a:p>
+      </dsp:txBody>
+      <dsp:txXfrm>
+        <a:off x="883622" y="957810"/>
+        <a:ext cx="4749165" cy="765040"/>
+      </dsp:txXfrm>
+    </dsp:sp>
+    <dsp:sp modelId="{9909470C-D37B-4F6E-9BAE-A2ADC7C36870}">
+      <dsp:nvSpPr>
+        <dsp:cNvPr id="0" name=""/>
+        <dsp:cNvSpPr/>
+      </dsp:nvSpPr>
+      <dsp:spPr>
+        <a:xfrm>
+          <a:off x="5632787" y="957810"/>
+          <a:ext cx="4920912" cy="765040"/>
+        </a:xfrm>
+        <a:prstGeom prst="rect">
+          <a:avLst/>
+        </a:prstGeom>
+        <a:noFill/>
+        <a:ln>
+          <a:noFill/>
+        </a:ln>
+        <a:effectLst/>
+      </dsp:spPr>
+      <dsp:style>
+        <a:lnRef idx="0">
+          <a:scrgbClr r="0" g="0" b="0"/>
+        </a:lnRef>
+        <a:fillRef idx="0">
+          <a:scrgbClr r="0" g="0" b="0"/>
+        </a:fillRef>
+        <a:effectRef idx="0">
+          <a:scrgbClr r="0" g="0" b="0"/>
+        </a:effectRef>
+        <a:fontRef idx="minor"/>
+      </dsp:style>
+      <dsp:txBody>
+        <a:bodyPr spcFirstLastPara="0" vert="horz" wrap="square" lIns="80967" tIns="80967" rIns="80967" bIns="80967" numCol="1" spcCol="1270" anchor="ctr" anchorCtr="0">
+          <a:noAutofit/>
+        </a:bodyPr>
+        <a:lstStyle/>
+        <a:p>
+          <a:pPr marL="0" lvl="0" indent="0" algn="l" defTabSz="533400">
+            <a:lnSpc>
+              <a:spcPct val="100000"/>
+            </a:lnSpc>
+            <a:spcBef>
+              <a:spcPct val="0"/>
+            </a:spcBef>
+            <a:spcAft>
+              <a:spcPct val="35000"/>
+            </a:spcAft>
+            <a:buNone/>
+          </a:pPr>
+          <a:r>
+            <a:rPr lang="en-GB" sz="1200" kern="1200"/>
+            <a:t>International standard language for web-based applications</a:t>
+          </a:r>
+          <a:endParaRPr lang="en-US" sz="1200" kern="1200" dirty="0"/>
+        </a:p>
+        <a:p>
+          <a:pPr marL="0" lvl="0" indent="0" algn="l" defTabSz="533400">
+            <a:lnSpc>
+              <a:spcPct val="100000"/>
+            </a:lnSpc>
+            <a:spcBef>
+              <a:spcPct val="0"/>
+            </a:spcBef>
+            <a:spcAft>
+              <a:spcPct val="35000"/>
+            </a:spcAft>
+            <a:buNone/>
+          </a:pPr>
+          <a:r>
+            <a:rPr lang="en-GB" sz="1200" kern="1200" dirty="0"/>
+            <a:t>Focuses on the content</a:t>
+          </a:r>
+          <a:endParaRPr lang="en-US" sz="1200" kern="1200" dirty="0"/>
+        </a:p>
+      </dsp:txBody>
+      <dsp:txXfrm>
+        <a:off x="5632787" y="957810"/>
+        <a:ext cx="4920912" cy="765040"/>
+      </dsp:txXfrm>
+    </dsp:sp>
+    <dsp:sp modelId="{E36B8070-72D1-4713-8317-9581FB6C44D4}">
+      <dsp:nvSpPr>
+        <dsp:cNvPr id="0" name=""/>
+        <dsp:cNvSpPr/>
+      </dsp:nvSpPr>
+      <dsp:spPr>
+        <a:xfrm>
+          <a:off x="0" y="1914111"/>
+          <a:ext cx="10553700" cy="765040"/>
+        </a:xfrm>
+        <a:prstGeom prst="roundRect">
+          <a:avLst>
+            <a:gd name="adj" fmla="val 10000"/>
+          </a:avLst>
+        </a:prstGeom>
+        <a:noFill/>
+        <a:ln>
+          <a:solidFill>
+            <a:schemeClr val="accent1">
+              <a:hueOff val="0"/>
+              <a:satOff val="0"/>
+              <a:lumOff val="0"/>
+            </a:schemeClr>
+          </a:solidFill>
+        </a:ln>
+        <a:effectLst/>
+      </dsp:spPr>
+      <dsp:style>
+        <a:lnRef idx="0">
+          <a:scrgbClr r="0" g="0" b="0"/>
+        </a:lnRef>
+        <a:fillRef idx="1">
+          <a:scrgbClr r="0" g="0" b="0"/>
+        </a:fillRef>
+        <a:effectRef idx="0">
+          <a:scrgbClr r="0" g="0" b="0"/>
+        </a:effectRef>
+        <a:fontRef idx="minor"/>
+      </dsp:style>
+    </dsp:sp>
+    <dsp:sp modelId="{310AB152-C5D7-41B6-8941-FEC68EDA80FF}">
+      <dsp:nvSpPr>
+        <dsp:cNvPr id="0" name=""/>
+        <dsp:cNvSpPr/>
+      </dsp:nvSpPr>
+      <dsp:spPr>
+        <a:xfrm>
+          <a:off x="231424" y="2086245"/>
+          <a:ext cx="420772" cy="420772"/>
+        </a:xfrm>
+        <a:prstGeom prst="rect">
+          <a:avLst/>
+        </a:prstGeom>
+        <a:blipFill>
+          <a:blip xmlns:r="http://schemas.openxmlformats.org/officeDocument/2006/relationships" r:embed="rId5">
+            <a:extLst>
+              <a:ext uri="{28A0092B-C50C-407E-A947-70E740481C1C}">
+                <a14:useLocalDpi xmlns:a14="http://schemas.microsoft.com/office/drawing/2010/main" val="0"/>
+              </a:ext>
+              <a:ext uri="{96DAC541-7B7A-43D3-8B79-37D633B846F1}">
+                <asvg:svgBlip xmlns:asvg="http://schemas.microsoft.com/office/drawing/2016/SVG/main" r:embed="rId6"/>
+              </a:ext>
+            </a:extLst>
+          </a:blip>
+          <a:stretch>
+            <a:fillRect/>
+          </a:stretch>
+        </a:blipFill>
+        <a:ln w="15875" cap="rnd" cmpd="sng" algn="ctr">
+          <a:noFill/>
+          <a:prstDash val="solid"/>
+        </a:ln>
+        <a:effectLst/>
+      </dsp:spPr>
+      <dsp:style>
+        <a:lnRef idx="2">
+          <a:scrgbClr r="0" g="0" b="0"/>
+        </a:lnRef>
+        <a:fillRef idx="1">
+          <a:scrgbClr r="0" g="0" b="0"/>
+        </a:fillRef>
+        <a:effectRef idx="0">
+          <a:scrgbClr r="0" g="0" b="0"/>
+        </a:effectRef>
+        <a:fontRef idx="minor">
+          <a:schemeClr val="lt1"/>
+        </a:fontRef>
+      </dsp:style>
+    </dsp:sp>
+    <dsp:sp modelId="{3ACB001A-7944-44B2-9BF0-09976F15D2CC}">
+      <dsp:nvSpPr>
+        <dsp:cNvPr id="0" name=""/>
+        <dsp:cNvSpPr/>
+      </dsp:nvSpPr>
+      <dsp:spPr>
+        <a:xfrm>
+          <a:off x="883622" y="1914111"/>
+          <a:ext cx="4749165" cy="765040"/>
+        </a:xfrm>
+        <a:prstGeom prst="rect">
+          <a:avLst/>
+        </a:prstGeom>
+        <a:noFill/>
+        <a:ln>
+          <a:noFill/>
+        </a:ln>
+        <a:effectLst/>
+      </dsp:spPr>
+      <dsp:style>
+        <a:lnRef idx="0">
+          <a:scrgbClr r="0" g="0" b="0"/>
+        </a:lnRef>
+        <a:fillRef idx="0">
+          <a:scrgbClr r="0" g="0" b="0"/>
+        </a:fillRef>
+        <a:effectRef idx="0">
+          <a:scrgbClr r="0" g="0" b="0"/>
+        </a:effectRef>
+        <a:fontRef idx="minor"/>
+      </dsp:style>
+      <dsp:txBody>
+        <a:bodyPr spcFirstLastPara="0" vert="horz" wrap="square" lIns="80967" tIns="80967" rIns="80967" bIns="80967" numCol="1" spcCol="1270" anchor="ctr" anchorCtr="0">
+          <a:noAutofit/>
+        </a:bodyPr>
+        <a:lstStyle/>
+        <a:p>
+          <a:pPr marL="0" lvl="0" indent="0" algn="l" defTabSz="977900">
+            <a:lnSpc>
+              <a:spcPct val="100000"/>
+            </a:lnSpc>
+            <a:spcBef>
+              <a:spcPct val="0"/>
+            </a:spcBef>
+            <a:spcAft>
+              <a:spcPct val="35000"/>
+            </a:spcAft>
+            <a:buNone/>
+          </a:pPr>
+          <a:r>
+            <a:rPr lang="en-GB" sz="2200" kern="1200"/>
+            <a:t>CSS</a:t>
+          </a:r>
+          <a:endParaRPr lang="en-US" sz="2200" kern="1200"/>
+        </a:p>
+      </dsp:txBody>
+      <dsp:txXfrm>
+        <a:off x="883622" y="1914111"/>
+        <a:ext cx="4749165" cy="765040"/>
+      </dsp:txXfrm>
+    </dsp:sp>
+    <dsp:sp modelId="{3ECE3BA6-B508-402D-957B-CAE22D45A4B0}">
+      <dsp:nvSpPr>
+        <dsp:cNvPr id="0" name=""/>
+        <dsp:cNvSpPr/>
+      </dsp:nvSpPr>
+      <dsp:spPr>
+        <a:xfrm>
+          <a:off x="5632787" y="1914111"/>
+          <a:ext cx="4920912" cy="765040"/>
+        </a:xfrm>
+        <a:prstGeom prst="rect">
+          <a:avLst/>
+        </a:prstGeom>
+        <a:noFill/>
+        <a:ln>
+          <a:noFill/>
+        </a:ln>
+        <a:effectLst/>
+      </dsp:spPr>
+      <dsp:style>
+        <a:lnRef idx="0">
+          <a:scrgbClr r="0" g="0" b="0"/>
+        </a:lnRef>
+        <a:fillRef idx="0">
+          <a:scrgbClr r="0" g="0" b="0"/>
+        </a:fillRef>
+        <a:effectRef idx="0">
+          <a:scrgbClr r="0" g="0" b="0"/>
+        </a:effectRef>
+        <a:fontRef idx="minor"/>
+      </dsp:style>
+      <dsp:txBody>
+        <a:bodyPr spcFirstLastPara="0" vert="horz" wrap="square" lIns="80967" tIns="80967" rIns="80967" bIns="80967" numCol="1" spcCol="1270" anchor="ctr" anchorCtr="0">
+          <a:noAutofit/>
+        </a:bodyPr>
+        <a:lstStyle/>
+        <a:p>
+          <a:pPr marL="0" lvl="0" indent="0" algn="l" defTabSz="533400">
+            <a:lnSpc>
+              <a:spcPct val="100000"/>
+            </a:lnSpc>
+            <a:spcBef>
+              <a:spcPct val="0"/>
+            </a:spcBef>
+            <a:spcAft>
+              <a:spcPct val="35000"/>
+            </a:spcAft>
+            <a:buNone/>
+          </a:pPr>
+          <a:r>
+            <a:rPr lang="en-GB" sz="1200" kern="1200"/>
+            <a:t>Describes the layout of the HTML content</a:t>
+          </a:r>
+          <a:endParaRPr lang="en-US" sz="1200" kern="1200"/>
+        </a:p>
+      </dsp:txBody>
+      <dsp:txXfrm>
+        <a:off x="5632787" y="1914111"/>
+        <a:ext cx="4920912" cy="765040"/>
+      </dsp:txXfrm>
+    </dsp:sp>
+    <dsp:sp modelId="{192695BE-12CB-44FD-9EFA-5875993C6CB8}">
+      <dsp:nvSpPr>
+        <dsp:cNvPr id="0" name=""/>
+        <dsp:cNvSpPr/>
+      </dsp:nvSpPr>
+      <dsp:spPr>
+        <a:xfrm>
+          <a:off x="0" y="2870412"/>
+          <a:ext cx="10553700" cy="765040"/>
+        </a:xfrm>
+        <a:prstGeom prst="roundRect">
+          <a:avLst>
+            <a:gd name="adj" fmla="val 10000"/>
+          </a:avLst>
+        </a:prstGeom>
+        <a:noFill/>
+        <a:ln>
+          <a:solidFill>
+            <a:schemeClr val="accent1">
+              <a:hueOff val="0"/>
+              <a:satOff val="0"/>
+              <a:lumOff val="0"/>
+            </a:schemeClr>
+          </a:solidFill>
+        </a:ln>
+        <a:effectLst/>
+      </dsp:spPr>
+      <dsp:style>
+        <a:lnRef idx="0">
+          <a:scrgbClr r="0" g="0" b="0"/>
+        </a:lnRef>
+        <a:fillRef idx="1">
+          <a:scrgbClr r="0" g="0" b="0"/>
+        </a:fillRef>
+        <a:effectRef idx="0">
+          <a:scrgbClr r="0" g="0" b="0"/>
+        </a:effectRef>
+        <a:fontRef idx="minor"/>
+      </dsp:style>
+    </dsp:sp>
+    <dsp:sp modelId="{616C41A6-C11F-4030-BE19-BE19547348CB}">
+      <dsp:nvSpPr>
+        <dsp:cNvPr id="0" name=""/>
+        <dsp:cNvSpPr/>
+      </dsp:nvSpPr>
+      <dsp:spPr>
+        <a:xfrm>
+          <a:off x="231424" y="3042546"/>
+          <a:ext cx="420772" cy="420772"/>
+        </a:xfrm>
+        <a:prstGeom prst="rect">
+          <a:avLst/>
+        </a:prstGeom>
+        <a:blipFill>
+          <a:blip xmlns:r="http://schemas.openxmlformats.org/officeDocument/2006/relationships" r:embed="rId7">
+            <a:extLst>
+              <a:ext uri="{28A0092B-C50C-407E-A947-70E740481C1C}">
+                <a14:useLocalDpi xmlns:a14="http://schemas.microsoft.com/office/drawing/2010/main" val="0"/>
+              </a:ext>
+              <a:ext uri="{96DAC541-7B7A-43D3-8B79-37D633B846F1}">
+                <asvg:svgBlip xmlns:asvg="http://schemas.microsoft.com/office/drawing/2016/SVG/main" r:embed="rId8"/>
+              </a:ext>
+            </a:extLst>
+          </a:blip>
+          <a:stretch>
+            <a:fillRect/>
+          </a:stretch>
+        </a:blipFill>
+        <a:ln w="15875" cap="rnd" cmpd="sng" algn="ctr">
+          <a:noFill/>
+          <a:prstDash val="solid"/>
+        </a:ln>
+        <a:effectLst/>
+      </dsp:spPr>
+      <dsp:style>
+        <a:lnRef idx="2">
+          <a:scrgbClr r="0" g="0" b="0"/>
+        </a:lnRef>
+        <a:fillRef idx="1">
+          <a:scrgbClr r="0" g="0" b="0"/>
+        </a:fillRef>
+        <a:effectRef idx="0">
+          <a:scrgbClr r="0" g="0" b="0"/>
+        </a:effectRef>
+        <a:fontRef idx="minor">
+          <a:schemeClr val="lt1"/>
+        </a:fontRef>
+      </dsp:style>
+    </dsp:sp>
+    <dsp:sp modelId="{9630FDD1-1C2D-4642-96CE-70F980C3385E}">
+      <dsp:nvSpPr>
+        <dsp:cNvPr id="0" name=""/>
+        <dsp:cNvSpPr/>
+      </dsp:nvSpPr>
+      <dsp:spPr>
+        <a:xfrm>
+          <a:off x="883622" y="2870412"/>
+          <a:ext cx="4749165" cy="765040"/>
+        </a:xfrm>
+        <a:prstGeom prst="rect">
+          <a:avLst/>
+        </a:prstGeom>
+        <a:noFill/>
+        <a:ln>
+          <a:noFill/>
+        </a:ln>
+        <a:effectLst/>
+      </dsp:spPr>
+      <dsp:style>
+        <a:lnRef idx="0">
+          <a:scrgbClr r="0" g="0" b="0"/>
+        </a:lnRef>
+        <a:fillRef idx="0">
+          <a:scrgbClr r="0" g="0" b="0"/>
+        </a:fillRef>
+        <a:effectRef idx="0">
+          <a:scrgbClr r="0" g="0" b="0"/>
+        </a:effectRef>
+        <a:fontRef idx="minor"/>
+      </dsp:style>
+      <dsp:txBody>
+        <a:bodyPr spcFirstLastPara="0" vert="horz" wrap="square" lIns="80967" tIns="80967" rIns="80967" bIns="80967" numCol="1" spcCol="1270" anchor="ctr" anchorCtr="0">
+          <a:noAutofit/>
+        </a:bodyPr>
+        <a:lstStyle/>
+        <a:p>
+          <a:pPr marL="0" lvl="0" indent="0" algn="l" defTabSz="977900">
+            <a:lnSpc>
+              <a:spcPct val="100000"/>
+            </a:lnSpc>
+            <a:spcBef>
+              <a:spcPct val="0"/>
+            </a:spcBef>
+            <a:spcAft>
+              <a:spcPct val="35000"/>
+            </a:spcAft>
+            <a:buNone/>
+          </a:pPr>
+          <a:r>
+            <a:rPr lang="en-GB" sz="2200" kern="1200"/>
+            <a:t>JavaScript</a:t>
+          </a:r>
+          <a:endParaRPr lang="en-US" sz="2200" kern="1200"/>
+        </a:p>
+      </dsp:txBody>
+      <dsp:txXfrm>
+        <a:off x="883622" y="2870412"/>
+        <a:ext cx="4749165" cy="765040"/>
+      </dsp:txXfrm>
+    </dsp:sp>
+    <dsp:sp modelId="{51F0B6FD-FA8B-448E-88C7-092DAB163F8A}">
+      <dsp:nvSpPr>
+        <dsp:cNvPr id="0" name=""/>
+        <dsp:cNvSpPr/>
+      </dsp:nvSpPr>
+      <dsp:spPr>
+        <a:xfrm>
+          <a:off x="5632787" y="2870412"/>
+          <a:ext cx="4920912" cy="765040"/>
+        </a:xfrm>
+        <a:prstGeom prst="rect">
+          <a:avLst/>
+        </a:prstGeom>
+        <a:noFill/>
+        <a:ln>
+          <a:noFill/>
+        </a:ln>
+        <a:effectLst/>
+      </dsp:spPr>
+      <dsp:style>
+        <a:lnRef idx="0">
+          <a:scrgbClr r="0" g="0" b="0"/>
+        </a:lnRef>
+        <a:fillRef idx="0">
+          <a:scrgbClr r="0" g="0" b="0"/>
+        </a:fillRef>
+        <a:effectRef idx="0">
+          <a:scrgbClr r="0" g="0" b="0"/>
+        </a:effectRef>
+        <a:fontRef idx="minor"/>
+      </dsp:style>
+      <dsp:txBody>
+        <a:bodyPr spcFirstLastPara="0" vert="horz" wrap="square" lIns="80967" tIns="80967" rIns="80967" bIns="80967" numCol="1" spcCol="1270" anchor="ctr" anchorCtr="0">
+          <a:noAutofit/>
+        </a:bodyPr>
+        <a:lstStyle/>
+        <a:p>
+          <a:pPr marL="0" lvl="0" indent="0" algn="l" defTabSz="533400">
+            <a:lnSpc>
+              <a:spcPct val="100000"/>
+            </a:lnSpc>
+            <a:spcBef>
+              <a:spcPct val="0"/>
+            </a:spcBef>
+            <a:spcAft>
+              <a:spcPct val="35000"/>
+            </a:spcAft>
+            <a:buNone/>
+          </a:pPr>
+          <a:r>
+            <a:rPr lang="en-GB" sz="1200" kern="1200"/>
+            <a:t>Used to develop dynamic webpage behaviours that are not possible with HTML and CSS alone</a:t>
+          </a:r>
+          <a:endParaRPr lang="en-US" sz="1200" kern="1200"/>
+        </a:p>
+      </dsp:txBody>
+      <dsp:txXfrm>
+        <a:off x="5632787" y="2870412"/>
+        <a:ext cx="4920912" cy="765040"/>
+      </dsp:txXfrm>
+    </dsp:sp>
+  </dsp:spTree>
+</dsp:drawing>
+</file>
+
+<file path=ppt/diagrams/drawing4.xml><?xml version="1.0" encoding="utf-8"?>
+<dsp:drawing xmlns:dgm="http://schemas.openxmlformats.org/drawingml/2006/diagram" xmlns:dsp="http://schemas.microsoft.com/office/drawing/2008/diagram" xmlns:a="http://schemas.openxmlformats.org/drawingml/2006/main">
+  <dsp:spTree>
+    <dsp:nvGrpSpPr>
+      <dsp:cNvPr id="0" name=""/>
+      <dsp:cNvGrpSpPr/>
+    </dsp:nvGrpSpPr>
+    <dsp:grpSpPr/>
+    <dsp:sp modelId="{A8F3092A-2786-4777-B702-0A75F2D4A5FC}">
+      <dsp:nvSpPr>
+        <dsp:cNvPr id="0" name=""/>
+        <dsp:cNvSpPr/>
+      </dsp:nvSpPr>
+      <dsp:spPr>
+        <a:xfrm>
+          <a:off x="0" y="0"/>
+          <a:ext cx="10553700" cy="0"/>
+        </a:xfrm>
+        <a:prstGeom prst="line">
+          <a:avLst/>
+        </a:prstGeom>
+        <a:blipFill rotWithShape="1">
+          <a:blip xmlns:r="http://schemas.openxmlformats.org/officeDocument/2006/relationships" r:embed="rId1">
+            <a:duotone>
+              <a:schemeClr val="lt1">
+                <a:hueOff val="0"/>
+                <a:satOff val="0"/>
+                <a:lumOff val="0"/>
+                <a:alphaOff val="0"/>
+                <a:tint val="98000"/>
+                <a:lumMod val="102000"/>
+              </a:schemeClr>
+              <a:schemeClr val="lt1">
+                <a:hueOff val="0"/>
+                <a:satOff val="0"/>
+                <a:lumOff val="0"/>
+                <a:alphaOff val="0"/>
+                <a:shade val="98000"/>
+                <a:lumMod val="98000"/>
+              </a:schemeClr>
+            </a:duotone>
+          </a:blip>
+          <a:tile tx="0" ty="0" sx="100000" sy="100000" flip="none" algn="tl"/>
+        </a:blipFill>
+        <a:ln w="9525" cap="rnd" cmpd="sng" algn="ctr">
+          <a:solidFill>
+            <a:schemeClr val="accent1">
+              <a:shade val="80000"/>
+              <a:hueOff val="0"/>
+              <a:satOff val="0"/>
+              <a:lumOff val="0"/>
+              <a:alphaOff val="0"/>
+            </a:schemeClr>
+          </a:solidFill>
+          <a:prstDash val="solid"/>
+        </a:ln>
+        <a:effectLst/>
+      </dsp:spPr>
+      <dsp:style>
+        <a:lnRef idx="1">
+          <a:scrgbClr r="0" g="0" b="0"/>
+        </a:lnRef>
+        <a:fillRef idx="3">
+          <a:scrgbClr r="0" g="0" b="0"/>
+        </a:fillRef>
+        <a:effectRef idx="2">
+          <a:scrgbClr r="0" g="0" b="0"/>
+        </a:effectRef>
+        <a:fontRef idx="minor">
+          <a:schemeClr val="lt1"/>
+        </a:fontRef>
+      </dsp:style>
+    </dsp:sp>
+    <dsp:sp modelId="{F47C5ABC-A31D-4F50-8882-4EC0EFBD4783}">
+      <dsp:nvSpPr>
+        <dsp:cNvPr id="0" name=""/>
+        <dsp:cNvSpPr/>
+      </dsp:nvSpPr>
+      <dsp:spPr>
+        <a:xfrm>
+          <a:off x="0" y="0"/>
+          <a:ext cx="2110740" cy="841185"/>
+        </a:xfrm>
+        <a:prstGeom prst="rect">
+          <a:avLst/>
+        </a:prstGeom>
+        <a:noFill/>
+        <a:ln>
+          <a:noFill/>
+        </a:ln>
+        <a:effectLst/>
+      </dsp:spPr>
+      <dsp:style>
+        <a:lnRef idx="0">
+          <a:scrgbClr r="0" g="0" b="0"/>
+        </a:lnRef>
+        <a:fillRef idx="0">
+          <a:scrgbClr r="0" g="0" b="0"/>
+        </a:fillRef>
+        <a:effectRef idx="0">
+          <a:scrgbClr r="0" g="0" b="0"/>
+        </a:effectRef>
+        <a:fontRef idx="minor"/>
+      </dsp:style>
+      <dsp:txBody>
+        <a:bodyPr spcFirstLastPara="0" vert="horz" wrap="square" lIns="114300" tIns="114300" rIns="114300" bIns="114300" numCol="1" spcCol="1270" anchor="t" anchorCtr="0">
+          <a:noAutofit/>
+        </a:bodyPr>
+        <a:lstStyle/>
+        <a:p>
+          <a:pPr marL="0" lvl="0" indent="0" algn="l" defTabSz="1333500">
+            <a:lnSpc>
+              <a:spcPct val="90000"/>
+            </a:lnSpc>
+            <a:spcBef>
+              <a:spcPct val="0"/>
+            </a:spcBef>
+            <a:spcAft>
+              <a:spcPct val="35000"/>
+            </a:spcAft>
+            <a:buNone/>
+          </a:pPr>
+          <a:r>
+            <a:rPr lang="en-GB" sz="3000" kern="1200"/>
+            <a:t>Node.JS</a:t>
+          </a:r>
+          <a:endParaRPr lang="en-US" sz="3000" kern="1200"/>
+        </a:p>
+      </dsp:txBody>
+      <dsp:txXfrm>
+        <a:off x="0" y="0"/>
+        <a:ext cx="2110740" cy="841185"/>
+      </dsp:txXfrm>
+    </dsp:sp>
+    <dsp:sp modelId="{5C457116-44CA-48DA-BBDA-98B0E34BD531}">
+      <dsp:nvSpPr>
+        <dsp:cNvPr id="0" name=""/>
+        <dsp:cNvSpPr/>
+      </dsp:nvSpPr>
+      <dsp:spPr>
+        <a:xfrm>
+          <a:off x="2269045" y="38198"/>
+          <a:ext cx="8284654" cy="763967"/>
+        </a:xfrm>
+        <a:prstGeom prst="rect">
+          <a:avLst/>
+        </a:prstGeom>
+        <a:noFill/>
+        <a:ln>
+          <a:noFill/>
+        </a:ln>
+        <a:effectLst/>
+      </dsp:spPr>
+      <dsp:style>
+        <a:lnRef idx="0">
+          <a:scrgbClr r="0" g="0" b="0"/>
+        </a:lnRef>
+        <a:fillRef idx="0">
+          <a:scrgbClr r="0" g="0" b="0"/>
+        </a:fillRef>
+        <a:effectRef idx="0">
+          <a:scrgbClr r="0" g="0" b="0"/>
+        </a:effectRef>
+        <a:fontRef idx="minor"/>
+      </dsp:style>
+      <dsp:txBody>
+        <a:bodyPr spcFirstLastPara="0" vert="horz" wrap="square" lIns="80010" tIns="80010" rIns="80010" bIns="80010" numCol="1" spcCol="1270" anchor="t" anchorCtr="0">
+          <a:noAutofit/>
+        </a:bodyPr>
+        <a:lstStyle/>
+        <a:p>
+          <a:pPr marL="0" lvl="0" indent="0" algn="l" defTabSz="933450">
+            <a:lnSpc>
+              <a:spcPct val="90000"/>
+            </a:lnSpc>
+            <a:spcBef>
+              <a:spcPct val="0"/>
+            </a:spcBef>
+            <a:spcAft>
+              <a:spcPct val="35000"/>
+            </a:spcAft>
+            <a:buNone/>
+          </a:pPr>
+          <a:r>
+            <a:rPr lang="en-GB" sz="2100" kern="1200" dirty="0"/>
+            <a:t>Back-end runtime environment for web applications</a:t>
+          </a:r>
+          <a:endParaRPr lang="en-US" sz="2100" kern="1200" dirty="0"/>
+        </a:p>
+      </dsp:txBody>
+      <dsp:txXfrm>
+        <a:off x="2269045" y="38198"/>
+        <a:ext cx="8284654" cy="763967"/>
+      </dsp:txXfrm>
+    </dsp:sp>
+    <dsp:sp modelId="{E87DE669-5C8F-4CF3-B1F4-3D3B8956F27F}">
+      <dsp:nvSpPr>
+        <dsp:cNvPr id="0" name=""/>
+        <dsp:cNvSpPr/>
+      </dsp:nvSpPr>
+      <dsp:spPr>
+        <a:xfrm>
+          <a:off x="2110740" y="802165"/>
+          <a:ext cx="8442960" cy="0"/>
+        </a:xfrm>
+        <a:prstGeom prst="line">
+          <a:avLst/>
+        </a:prstGeom>
+        <a:solidFill>
+          <a:schemeClr val="accent1">
+            <a:hueOff val="0"/>
+            <a:satOff val="0"/>
+            <a:lumOff val="0"/>
+            <a:alphaOff val="0"/>
+          </a:schemeClr>
+        </a:solidFill>
+        <a:ln w="15875" cap="rnd" cmpd="sng" algn="ctr">
+          <a:noFill/>
+          <a:prstDash val="solid"/>
+        </a:ln>
+        <a:effectLst/>
+      </dsp:spPr>
+      <dsp:style>
+        <a:lnRef idx="2">
+          <a:scrgbClr r="0" g="0" b="0"/>
+        </a:lnRef>
+        <a:fillRef idx="1">
+          <a:scrgbClr r="0" g="0" b="0"/>
+        </a:fillRef>
+        <a:effectRef idx="1">
+          <a:scrgbClr r="0" g="0" b="0"/>
+        </a:effectRef>
+        <a:fontRef idx="minor"/>
+      </dsp:style>
+    </dsp:sp>
+    <dsp:sp modelId="{895CF975-740A-4408-8722-53D46A06AA65}">
+      <dsp:nvSpPr>
+        <dsp:cNvPr id="0" name=""/>
+        <dsp:cNvSpPr/>
+      </dsp:nvSpPr>
+      <dsp:spPr>
+        <a:xfrm>
+          <a:off x="0" y="841185"/>
+          <a:ext cx="10553700" cy="0"/>
+        </a:xfrm>
+        <a:prstGeom prst="line">
+          <a:avLst/>
+        </a:prstGeom>
+        <a:blipFill rotWithShape="1">
+          <a:blip xmlns:r="http://schemas.openxmlformats.org/officeDocument/2006/relationships" r:embed="rId1">
+            <a:duotone>
+              <a:schemeClr val="lt1">
+                <a:hueOff val="0"/>
+                <a:satOff val="0"/>
+                <a:lumOff val="0"/>
+                <a:alphaOff val="0"/>
+                <a:tint val="98000"/>
+                <a:lumMod val="102000"/>
+              </a:schemeClr>
+              <a:schemeClr val="lt1">
+                <a:hueOff val="0"/>
+                <a:satOff val="0"/>
+                <a:lumOff val="0"/>
+                <a:alphaOff val="0"/>
+                <a:shade val="98000"/>
+                <a:lumMod val="98000"/>
+              </a:schemeClr>
+            </a:duotone>
+          </a:blip>
+          <a:tile tx="0" ty="0" sx="100000" sy="100000" flip="none" algn="tl"/>
+        </a:blipFill>
+        <a:ln w="9525" cap="rnd" cmpd="sng" algn="ctr">
+          <a:solidFill>
+            <a:schemeClr val="accent1">
+              <a:shade val="80000"/>
+              <a:hueOff val="0"/>
+              <a:satOff val="0"/>
+              <a:lumOff val="0"/>
+              <a:alphaOff val="0"/>
+            </a:schemeClr>
+          </a:solidFill>
+          <a:prstDash val="solid"/>
+        </a:ln>
+        <a:effectLst/>
+      </dsp:spPr>
+      <dsp:style>
+        <a:lnRef idx="1">
+          <a:scrgbClr r="0" g="0" b="0"/>
+        </a:lnRef>
+        <a:fillRef idx="3">
+          <a:scrgbClr r="0" g="0" b="0"/>
+        </a:fillRef>
+        <a:effectRef idx="2">
+          <a:scrgbClr r="0" g="0" b="0"/>
+        </a:effectRef>
+        <a:fontRef idx="minor">
+          <a:schemeClr val="lt1"/>
+        </a:fontRef>
+      </dsp:style>
+    </dsp:sp>
+    <dsp:sp modelId="{E78491E7-E368-4E34-8318-809045572A9D}">
+      <dsp:nvSpPr>
+        <dsp:cNvPr id="0" name=""/>
+        <dsp:cNvSpPr/>
+      </dsp:nvSpPr>
+      <dsp:spPr>
+        <a:xfrm>
+          <a:off x="0" y="841185"/>
+          <a:ext cx="2110740" cy="841185"/>
+        </a:xfrm>
+        <a:prstGeom prst="rect">
+          <a:avLst/>
+        </a:prstGeom>
+        <a:noFill/>
+        <a:ln>
+          <a:noFill/>
+        </a:ln>
+        <a:effectLst/>
+      </dsp:spPr>
+      <dsp:style>
+        <a:lnRef idx="0">
+          <a:scrgbClr r="0" g="0" b="0"/>
+        </a:lnRef>
+        <a:fillRef idx="0">
+          <a:scrgbClr r="0" g="0" b="0"/>
+        </a:fillRef>
+        <a:effectRef idx="0">
+          <a:scrgbClr r="0" g="0" b="0"/>
+        </a:effectRef>
+        <a:fontRef idx="minor"/>
+      </dsp:style>
+      <dsp:txBody>
+        <a:bodyPr spcFirstLastPara="0" vert="horz" wrap="square" lIns="114300" tIns="114300" rIns="114300" bIns="114300" numCol="1" spcCol="1270" anchor="t" anchorCtr="0">
+          <a:noAutofit/>
+        </a:bodyPr>
+        <a:lstStyle/>
+        <a:p>
+          <a:pPr marL="0" lvl="0" indent="0" algn="l" defTabSz="1333500">
+            <a:lnSpc>
+              <a:spcPct val="90000"/>
+            </a:lnSpc>
+            <a:spcBef>
+              <a:spcPct val="0"/>
+            </a:spcBef>
+            <a:spcAft>
+              <a:spcPct val="35000"/>
+            </a:spcAft>
+            <a:buNone/>
+          </a:pPr>
+          <a:r>
+            <a:rPr lang="en-GB" sz="3000" kern="1200"/>
+            <a:t>Express.JS</a:t>
+          </a:r>
+          <a:endParaRPr lang="en-US" sz="3000" kern="1200"/>
+        </a:p>
+      </dsp:txBody>
+      <dsp:txXfrm>
+        <a:off x="0" y="841185"/>
+        <a:ext cx="2110740" cy="841185"/>
+      </dsp:txXfrm>
+    </dsp:sp>
+    <dsp:sp modelId="{0D094DAA-EFB1-4BB6-AD2C-11116325F7F1}">
+      <dsp:nvSpPr>
+        <dsp:cNvPr id="0" name=""/>
+        <dsp:cNvSpPr/>
+      </dsp:nvSpPr>
+      <dsp:spPr>
+        <a:xfrm>
+          <a:off x="2269045" y="879383"/>
+          <a:ext cx="8284654" cy="763967"/>
+        </a:xfrm>
+        <a:prstGeom prst="rect">
+          <a:avLst/>
+        </a:prstGeom>
+        <a:noFill/>
+        <a:ln>
+          <a:noFill/>
+        </a:ln>
+        <a:effectLst/>
+      </dsp:spPr>
+      <dsp:style>
+        <a:lnRef idx="0">
+          <a:scrgbClr r="0" g="0" b="0"/>
+        </a:lnRef>
+        <a:fillRef idx="0">
+          <a:scrgbClr r="0" g="0" b="0"/>
+        </a:fillRef>
+        <a:effectRef idx="0">
+          <a:scrgbClr r="0" g="0" b="0"/>
+        </a:effectRef>
+        <a:fontRef idx="minor"/>
+      </dsp:style>
+      <dsp:txBody>
+        <a:bodyPr spcFirstLastPara="0" vert="horz" wrap="square" lIns="80010" tIns="80010" rIns="80010" bIns="80010" numCol="1" spcCol="1270" anchor="t" anchorCtr="0">
+          <a:noAutofit/>
+        </a:bodyPr>
+        <a:lstStyle/>
+        <a:p>
+          <a:pPr marL="0" lvl="0" indent="0" algn="l" defTabSz="933450">
+            <a:lnSpc>
+              <a:spcPct val="90000"/>
+            </a:lnSpc>
+            <a:spcBef>
+              <a:spcPct val="0"/>
+            </a:spcBef>
+            <a:spcAft>
+              <a:spcPct val="35000"/>
+            </a:spcAft>
+            <a:buNone/>
+          </a:pPr>
+          <a:r>
+            <a:rPr lang="en-GB" sz="2100" kern="1200"/>
+            <a:t>Back-end web framework that utilises and builds upon the features on Node.JS</a:t>
+          </a:r>
+          <a:endParaRPr lang="en-US" sz="2100" kern="1200"/>
+        </a:p>
+      </dsp:txBody>
+      <dsp:txXfrm>
+        <a:off x="2269045" y="879383"/>
+        <a:ext cx="8284654" cy="763967"/>
+      </dsp:txXfrm>
+    </dsp:sp>
+    <dsp:sp modelId="{7E998E9E-9E11-43A8-A332-8B65DE4C1D5B}">
+      <dsp:nvSpPr>
+        <dsp:cNvPr id="0" name=""/>
+        <dsp:cNvSpPr/>
+      </dsp:nvSpPr>
+      <dsp:spPr>
+        <a:xfrm>
+          <a:off x="2110740" y="1643350"/>
+          <a:ext cx="8442960" cy="0"/>
+        </a:xfrm>
+        <a:prstGeom prst="line">
+          <a:avLst/>
+        </a:prstGeom>
+        <a:solidFill>
+          <a:schemeClr val="accent1">
+            <a:hueOff val="0"/>
+            <a:satOff val="0"/>
+            <a:lumOff val="0"/>
+            <a:alphaOff val="0"/>
+          </a:schemeClr>
+        </a:solidFill>
+        <a:ln w="15875" cap="rnd" cmpd="sng" algn="ctr">
+          <a:noFill/>
+          <a:prstDash val="solid"/>
+        </a:ln>
+        <a:effectLst/>
+      </dsp:spPr>
+      <dsp:style>
+        <a:lnRef idx="2">
+          <a:scrgbClr r="0" g="0" b="0"/>
+        </a:lnRef>
+        <a:fillRef idx="1">
+          <a:scrgbClr r="0" g="0" b="0"/>
+        </a:fillRef>
+        <a:effectRef idx="1">
+          <a:scrgbClr r="0" g="0" b="0"/>
+        </a:effectRef>
+        <a:fontRef idx="minor"/>
+      </dsp:style>
+    </dsp:sp>
+    <dsp:sp modelId="{AF886B41-3177-4631-9614-79178305201D}">
+      <dsp:nvSpPr>
+        <dsp:cNvPr id="0" name=""/>
+        <dsp:cNvSpPr/>
+      </dsp:nvSpPr>
+      <dsp:spPr>
+        <a:xfrm>
+          <a:off x="0" y="1682370"/>
+          <a:ext cx="10553700" cy="0"/>
+        </a:xfrm>
+        <a:prstGeom prst="line">
+          <a:avLst/>
+        </a:prstGeom>
+        <a:blipFill rotWithShape="1">
+          <a:blip xmlns:r="http://schemas.openxmlformats.org/officeDocument/2006/relationships" r:embed="rId1">
+            <a:duotone>
+              <a:schemeClr val="lt1">
+                <a:hueOff val="0"/>
+                <a:satOff val="0"/>
+                <a:lumOff val="0"/>
+                <a:alphaOff val="0"/>
+                <a:tint val="98000"/>
+                <a:lumMod val="102000"/>
+              </a:schemeClr>
+              <a:schemeClr val="lt1">
+                <a:hueOff val="0"/>
+                <a:satOff val="0"/>
+                <a:lumOff val="0"/>
+                <a:alphaOff val="0"/>
+                <a:shade val="98000"/>
+                <a:lumMod val="98000"/>
+              </a:schemeClr>
+            </a:duotone>
+          </a:blip>
+          <a:tile tx="0" ty="0" sx="100000" sy="100000" flip="none" algn="tl"/>
+        </a:blipFill>
+        <a:ln w="9525" cap="rnd" cmpd="sng" algn="ctr">
+          <a:solidFill>
+            <a:schemeClr val="accent1">
+              <a:shade val="80000"/>
+              <a:hueOff val="0"/>
+              <a:satOff val="0"/>
+              <a:lumOff val="0"/>
+              <a:alphaOff val="0"/>
+            </a:schemeClr>
+          </a:solidFill>
+          <a:prstDash val="solid"/>
+        </a:ln>
+        <a:effectLst/>
+      </dsp:spPr>
+      <dsp:style>
+        <a:lnRef idx="1">
+          <a:scrgbClr r="0" g="0" b="0"/>
+        </a:lnRef>
+        <a:fillRef idx="3">
+          <a:scrgbClr r="0" g="0" b="0"/>
+        </a:fillRef>
+        <a:effectRef idx="2">
+          <a:scrgbClr r="0" g="0" b="0"/>
+        </a:effectRef>
+        <a:fontRef idx="minor">
+          <a:schemeClr val="lt1"/>
+        </a:fontRef>
+      </dsp:style>
+    </dsp:sp>
+    <dsp:sp modelId="{45336CA8-873C-48EC-9926-19E77B9BA569}">
+      <dsp:nvSpPr>
+        <dsp:cNvPr id="0" name=""/>
+        <dsp:cNvSpPr/>
+      </dsp:nvSpPr>
+      <dsp:spPr>
+        <a:xfrm>
+          <a:off x="0" y="1682370"/>
+          <a:ext cx="2110740" cy="841185"/>
+        </a:xfrm>
+        <a:prstGeom prst="rect">
+          <a:avLst/>
+        </a:prstGeom>
+        <a:noFill/>
+        <a:ln>
+          <a:noFill/>
+        </a:ln>
+        <a:effectLst/>
+      </dsp:spPr>
+      <dsp:style>
+        <a:lnRef idx="0">
+          <a:scrgbClr r="0" g="0" b="0"/>
+        </a:lnRef>
+        <a:fillRef idx="0">
+          <a:scrgbClr r="0" g="0" b="0"/>
+        </a:fillRef>
+        <a:effectRef idx="0">
+          <a:scrgbClr r="0" g="0" b="0"/>
+        </a:effectRef>
+        <a:fontRef idx="minor"/>
+      </dsp:style>
+      <dsp:txBody>
+        <a:bodyPr spcFirstLastPara="0" vert="horz" wrap="square" lIns="114300" tIns="114300" rIns="114300" bIns="114300" numCol="1" spcCol="1270" anchor="t" anchorCtr="0">
+          <a:noAutofit/>
+        </a:bodyPr>
+        <a:lstStyle/>
+        <a:p>
+          <a:pPr marL="0" lvl="0" indent="0" algn="l" defTabSz="1333500">
+            <a:lnSpc>
+              <a:spcPct val="90000"/>
+            </a:lnSpc>
+            <a:spcBef>
+              <a:spcPct val="0"/>
+            </a:spcBef>
+            <a:spcAft>
+              <a:spcPct val="35000"/>
+            </a:spcAft>
+            <a:buNone/>
+          </a:pPr>
+          <a:r>
+            <a:rPr lang="en-GB" sz="3000" kern="1200"/>
+            <a:t>Nodemon</a:t>
+          </a:r>
+          <a:endParaRPr lang="en-US" sz="3000" kern="1200"/>
+        </a:p>
+      </dsp:txBody>
+      <dsp:txXfrm>
+        <a:off x="0" y="1682370"/>
+        <a:ext cx="2110740" cy="841185"/>
+      </dsp:txXfrm>
+    </dsp:sp>
+    <dsp:sp modelId="{6377BC0E-FB4D-4A91-B290-FB3A9BA7BA92}">
+      <dsp:nvSpPr>
+        <dsp:cNvPr id="0" name=""/>
+        <dsp:cNvSpPr/>
+      </dsp:nvSpPr>
+      <dsp:spPr>
+        <a:xfrm>
+          <a:off x="2269045" y="1720568"/>
+          <a:ext cx="8284654" cy="763967"/>
+        </a:xfrm>
+        <a:prstGeom prst="rect">
+          <a:avLst/>
+        </a:prstGeom>
+        <a:noFill/>
+        <a:ln>
+          <a:noFill/>
+        </a:ln>
+        <a:effectLst/>
+      </dsp:spPr>
+      <dsp:style>
+        <a:lnRef idx="0">
+          <a:scrgbClr r="0" g="0" b="0"/>
+        </a:lnRef>
+        <a:fillRef idx="0">
+          <a:scrgbClr r="0" g="0" b="0"/>
+        </a:fillRef>
+        <a:effectRef idx="0">
+          <a:scrgbClr r="0" g="0" b="0"/>
+        </a:effectRef>
+        <a:fontRef idx="minor"/>
+      </dsp:style>
+      <dsp:txBody>
+        <a:bodyPr spcFirstLastPara="0" vert="horz" wrap="square" lIns="80010" tIns="80010" rIns="80010" bIns="80010" numCol="1" spcCol="1270" anchor="t" anchorCtr="0">
+          <a:noAutofit/>
+        </a:bodyPr>
+        <a:lstStyle/>
+        <a:p>
+          <a:pPr marL="0" lvl="0" indent="0" algn="l" defTabSz="933450">
+            <a:lnSpc>
+              <a:spcPct val="90000"/>
+            </a:lnSpc>
+            <a:spcBef>
+              <a:spcPct val="0"/>
+            </a:spcBef>
+            <a:spcAft>
+              <a:spcPct val="35000"/>
+            </a:spcAft>
+            <a:buNone/>
+          </a:pPr>
+          <a:r>
+            <a:rPr lang="en-GB" sz="2100" kern="1200" dirty="0"/>
+            <a:t>Automatically restarts node-based applications when changes are detected</a:t>
+          </a:r>
+          <a:endParaRPr lang="en-US" sz="2100" kern="1200" dirty="0"/>
+        </a:p>
+      </dsp:txBody>
+      <dsp:txXfrm>
+        <a:off x="2269045" y="1720568"/>
+        <a:ext cx="8284654" cy="763967"/>
+      </dsp:txXfrm>
+    </dsp:sp>
+    <dsp:sp modelId="{9782C4D7-601F-478E-B407-A9DE35175FB6}">
+      <dsp:nvSpPr>
+        <dsp:cNvPr id="0" name=""/>
+        <dsp:cNvSpPr/>
+      </dsp:nvSpPr>
+      <dsp:spPr>
+        <a:xfrm>
+          <a:off x="2110740" y="2484535"/>
+          <a:ext cx="8442960" cy="0"/>
+        </a:xfrm>
+        <a:prstGeom prst="line">
+          <a:avLst/>
+        </a:prstGeom>
+        <a:solidFill>
+          <a:schemeClr val="accent1">
+            <a:hueOff val="0"/>
+            <a:satOff val="0"/>
+            <a:lumOff val="0"/>
+            <a:alphaOff val="0"/>
+          </a:schemeClr>
+        </a:solidFill>
+        <a:ln w="15875" cap="rnd" cmpd="sng" algn="ctr">
+          <a:noFill/>
+          <a:prstDash val="solid"/>
+        </a:ln>
+        <a:effectLst/>
+      </dsp:spPr>
+      <dsp:style>
+        <a:lnRef idx="2">
+          <a:scrgbClr r="0" g="0" b="0"/>
+        </a:lnRef>
+        <a:fillRef idx="1">
+          <a:scrgbClr r="0" g="0" b="0"/>
+        </a:fillRef>
+        <a:effectRef idx="1">
+          <a:scrgbClr r="0" g="0" b="0"/>
+        </a:effectRef>
+        <a:fontRef idx="minor"/>
+      </dsp:style>
+    </dsp:sp>
+    <dsp:sp modelId="{40DDF453-1DB1-4ACA-8983-195390EBFB72}">
+      <dsp:nvSpPr>
+        <dsp:cNvPr id="0" name=""/>
+        <dsp:cNvSpPr/>
+      </dsp:nvSpPr>
+      <dsp:spPr>
+        <a:xfrm>
+          <a:off x="0" y="2523555"/>
+          <a:ext cx="10553700" cy="0"/>
+        </a:xfrm>
+        <a:prstGeom prst="line">
+          <a:avLst/>
+        </a:prstGeom>
+        <a:blipFill rotWithShape="1">
+          <a:blip xmlns:r="http://schemas.openxmlformats.org/officeDocument/2006/relationships" r:embed="rId1">
+            <a:duotone>
+              <a:schemeClr val="lt1">
+                <a:hueOff val="0"/>
+                <a:satOff val="0"/>
+                <a:lumOff val="0"/>
+                <a:alphaOff val="0"/>
+                <a:tint val="98000"/>
+                <a:lumMod val="102000"/>
+              </a:schemeClr>
+              <a:schemeClr val="lt1">
+                <a:hueOff val="0"/>
+                <a:satOff val="0"/>
+                <a:lumOff val="0"/>
+                <a:alphaOff val="0"/>
+                <a:shade val="98000"/>
+                <a:lumMod val="98000"/>
+              </a:schemeClr>
+            </a:duotone>
+          </a:blip>
+          <a:tile tx="0" ty="0" sx="100000" sy="100000" flip="none" algn="tl"/>
+        </a:blipFill>
+        <a:ln w="9525" cap="rnd" cmpd="sng" algn="ctr">
+          <a:solidFill>
+            <a:schemeClr val="accent1">
+              <a:shade val="80000"/>
+              <a:hueOff val="0"/>
+              <a:satOff val="0"/>
+              <a:lumOff val="0"/>
+              <a:alphaOff val="0"/>
+            </a:schemeClr>
+          </a:solidFill>
+          <a:prstDash val="solid"/>
+        </a:ln>
+        <a:effectLst/>
+      </dsp:spPr>
+      <dsp:style>
+        <a:lnRef idx="1">
+          <a:scrgbClr r="0" g="0" b="0"/>
+        </a:lnRef>
+        <a:fillRef idx="3">
+          <a:scrgbClr r="0" g="0" b="0"/>
+        </a:fillRef>
+        <a:effectRef idx="2">
+          <a:scrgbClr r="0" g="0" b="0"/>
+        </a:effectRef>
+        <a:fontRef idx="minor">
+          <a:schemeClr val="lt1"/>
+        </a:fontRef>
+      </dsp:style>
+    </dsp:sp>
+    <dsp:sp modelId="{0B83E523-2DAA-4238-AB0B-87EBAB1787BD}">
+      <dsp:nvSpPr>
+        <dsp:cNvPr id="0" name=""/>
+        <dsp:cNvSpPr/>
+      </dsp:nvSpPr>
+      <dsp:spPr>
+        <a:xfrm>
+          <a:off x="0" y="2523555"/>
+          <a:ext cx="2110740" cy="841185"/>
+        </a:xfrm>
+        <a:prstGeom prst="rect">
+          <a:avLst/>
+        </a:prstGeom>
+        <a:noFill/>
+        <a:ln>
+          <a:noFill/>
+        </a:ln>
+        <a:effectLst/>
+      </dsp:spPr>
+      <dsp:style>
+        <a:lnRef idx="0">
+          <a:scrgbClr r="0" g="0" b="0"/>
+        </a:lnRef>
+        <a:fillRef idx="0">
+          <a:scrgbClr r="0" g="0" b="0"/>
+        </a:fillRef>
+        <a:effectRef idx="0">
+          <a:scrgbClr r="0" g="0" b="0"/>
+        </a:effectRef>
+        <a:fontRef idx="minor"/>
+      </dsp:style>
+      <dsp:txBody>
+        <a:bodyPr spcFirstLastPara="0" vert="horz" wrap="square" lIns="114300" tIns="114300" rIns="114300" bIns="114300" numCol="1" spcCol="1270" anchor="t" anchorCtr="0">
+          <a:noAutofit/>
+        </a:bodyPr>
+        <a:lstStyle/>
+        <a:p>
+          <a:pPr marL="0" lvl="0" indent="0" algn="l" defTabSz="1333500">
+            <a:lnSpc>
+              <a:spcPct val="90000"/>
+            </a:lnSpc>
+            <a:spcBef>
+              <a:spcPct val="0"/>
+            </a:spcBef>
+            <a:spcAft>
+              <a:spcPct val="35000"/>
+            </a:spcAft>
+            <a:buNone/>
+          </a:pPr>
+          <a:r>
+            <a:rPr lang="en-GB" sz="3000" kern="1200"/>
+            <a:t>OpenSSL</a:t>
+          </a:r>
+          <a:endParaRPr lang="en-US" sz="3000" kern="1200"/>
+        </a:p>
+      </dsp:txBody>
+      <dsp:txXfrm>
+        <a:off x="0" y="2523555"/>
+        <a:ext cx="2110740" cy="841185"/>
+      </dsp:txXfrm>
+    </dsp:sp>
+    <dsp:sp modelId="{74509C5C-8820-4387-B3E1-8700DEE39E4E}">
+      <dsp:nvSpPr>
+        <dsp:cNvPr id="0" name=""/>
+        <dsp:cNvSpPr/>
+      </dsp:nvSpPr>
+      <dsp:spPr>
+        <a:xfrm>
+          <a:off x="2269045" y="2561754"/>
+          <a:ext cx="8284654" cy="763967"/>
+        </a:xfrm>
+        <a:prstGeom prst="rect">
+          <a:avLst/>
+        </a:prstGeom>
+        <a:noFill/>
+        <a:ln>
+          <a:noFill/>
+        </a:ln>
+        <a:effectLst/>
+      </dsp:spPr>
+      <dsp:style>
+        <a:lnRef idx="0">
+          <a:scrgbClr r="0" g="0" b="0"/>
+        </a:lnRef>
+        <a:fillRef idx="0">
+          <a:scrgbClr r="0" g="0" b="0"/>
+        </a:fillRef>
+        <a:effectRef idx="0">
+          <a:scrgbClr r="0" g="0" b="0"/>
+        </a:effectRef>
+        <a:fontRef idx="minor"/>
+      </dsp:style>
+      <dsp:txBody>
+        <a:bodyPr spcFirstLastPara="0" vert="horz" wrap="square" lIns="80010" tIns="80010" rIns="80010" bIns="80010" numCol="1" spcCol="1270" anchor="t" anchorCtr="0">
+          <a:noAutofit/>
+        </a:bodyPr>
+        <a:lstStyle/>
+        <a:p>
+          <a:pPr marL="0" lvl="0" indent="0" algn="l" defTabSz="933450">
+            <a:lnSpc>
+              <a:spcPct val="90000"/>
+            </a:lnSpc>
+            <a:spcBef>
+              <a:spcPct val="0"/>
+            </a:spcBef>
+            <a:spcAft>
+              <a:spcPct val="35000"/>
+            </a:spcAft>
+            <a:buNone/>
+          </a:pPr>
+          <a:r>
+            <a:rPr lang="en-GB" sz="2100" kern="1200"/>
+            <a:t>Tool to generate SSL certificates required for HTTPS websites</a:t>
+          </a:r>
+          <a:endParaRPr lang="en-US" sz="2100" kern="1200"/>
+        </a:p>
+      </dsp:txBody>
+      <dsp:txXfrm>
+        <a:off x="2269045" y="2561754"/>
+        <a:ext cx="8284654" cy="763967"/>
+      </dsp:txXfrm>
+    </dsp:sp>
+    <dsp:sp modelId="{28FD32CD-41DB-4EE5-BC6D-E6E286FD4177}">
+      <dsp:nvSpPr>
+        <dsp:cNvPr id="0" name=""/>
+        <dsp:cNvSpPr/>
+      </dsp:nvSpPr>
+      <dsp:spPr>
+        <a:xfrm>
+          <a:off x="2110740" y="3325721"/>
+          <a:ext cx="8442960" cy="0"/>
+        </a:xfrm>
+        <a:prstGeom prst="line">
+          <a:avLst/>
+        </a:prstGeom>
+        <a:solidFill>
+          <a:schemeClr val="accent1">
+            <a:hueOff val="0"/>
+            <a:satOff val="0"/>
+            <a:lumOff val="0"/>
+            <a:alphaOff val="0"/>
+          </a:schemeClr>
+        </a:solidFill>
+        <a:ln w="15875" cap="rnd" cmpd="sng" algn="ctr">
+          <a:noFill/>
+          <a:prstDash val="solid"/>
+        </a:ln>
+        <a:effectLst/>
+      </dsp:spPr>
+      <dsp:style>
+        <a:lnRef idx="2">
+          <a:scrgbClr r="0" g="0" b="0"/>
+        </a:lnRef>
+        <a:fillRef idx="1">
+          <a:scrgbClr r="0" g="0" b="0"/>
+        </a:fillRef>
+        <a:effectRef idx="1">
+          <a:scrgbClr r="0" g="0" b="0"/>
+        </a:effectRef>
+        <a:fontRef idx="minor"/>
+      </dsp:style>
     </dsp:sp>
   </dsp:spTree>
 </dsp:drawing>
@@ -4000,6 +8751,766 @@
 </dgm:layoutDef>
 </file>
 
+<file path=ppt/diagrams/layout3.xml><?xml version="1.0" encoding="utf-8"?>
+<dgm:layoutDef xmlns:dgm="http://schemas.openxmlformats.org/drawingml/2006/diagram" xmlns:a="http://schemas.openxmlformats.org/drawingml/2006/main" uniqueId="urn:microsoft.com/office/officeart/2018/2/layout/IconVerticalSolidList">
+  <dgm:title val="Icon Vertical Solid List"/>
+  <dgm:desc val="Use to show a series of visuals from top to bottom with Level 1 or Level 1 and Level 2 text grouped in a shape. Works best with icons or small pictures with lengthier descriptions."/>
+  <dgm:catLst>
+    <dgm:cat type="icon" pri="500"/>
+  </dgm:catLst>
+  <dgm:sampData useDef="1">
+    <dgm:dataModel>
+      <dgm:ptLst/>
+      <dgm:bg/>
+      <dgm:whole/>
+    </dgm:dataModel>
+  </dgm:sampData>
+  <dgm:styleData useDef="1">
+    <dgm:dataModel>
+      <dgm:ptLst/>
+      <dgm:bg/>
+      <dgm:whole/>
+    </dgm:dataModel>
+  </dgm:styleData>
+  <dgm:clrData useDef="1">
+    <dgm:dataModel>
+      <dgm:ptLst/>
+      <dgm:bg/>
+      <dgm:whole/>
+    </dgm:dataModel>
+  </dgm:clrData>
+  <dgm:layoutNode name="root">
+    <dgm:varLst>
+      <dgm:dir/>
+      <dgm:resizeHandles val="exact"/>
+    </dgm:varLst>
+    <dgm:choose name="Name0">
+      <dgm:if name="Name1" axis="self" func="var" arg="dir" op="equ" val="norm">
+        <dgm:alg type="lin">
+          <dgm:param type="linDir" val="fromT"/>
+          <dgm:param type="nodeHorzAlign" val="l"/>
+        </dgm:alg>
+      </dgm:if>
+      <dgm:else name="Name2">
+        <dgm:alg type="lin">
+          <dgm:param type="linDir" val="fromT"/>
+          <dgm:param type="nodeHorzAlign" val="r"/>
+        </dgm:alg>
+      </dgm:else>
+    </dgm:choose>
+    <dgm:shape xmlns:r="http://schemas.openxmlformats.org/officeDocument/2006/relationships" r:blip="">
+      <dgm:adjLst/>
+    </dgm:shape>
+    <dgm:presOf/>
+    <dgm:choose name="Name3">
+      <dgm:if name="Name4" axis="ch" ptType="node" func="cnt" op="lte" val="3">
+        <dgm:constrLst>
+          <dgm:constr type="h" for="ch" forName="compNode" refType="h" fact="0.3"/>
+          <dgm:constr type="w" for="ch" forName="compNode" refType="w"/>
+          <dgm:constr type="h" for="ch" forName="sibTrans" refType="h" refFor="ch" refForName="compNode" fact="0.25"/>
+          <dgm:constr type="primFontSz" for="des" forName="parTx" val="25"/>
+          <dgm:constr type="primFontSz" for="des" forName="desTx" refType="primFontSz" refFor="des" refForName="parTx" op="lte" fact="0.75"/>
+          <dgm:constr type="h" for="des" forName="compNode" op="equ"/>
+          <dgm:constr type="h" for="des" forName="bgRect" op="equ"/>
+          <dgm:constr type="h" for="des" forName="iconRect" op="equ"/>
+          <dgm:constr type="w" for="des" forName="iconRect" op="equ"/>
+          <dgm:constr type="h" for="des" forName="spaceRect" op="equ"/>
+          <dgm:constr type="h" for="des" forName="parTx" op="equ"/>
+          <dgm:constr type="h" for="des" forName="desTx" op="equ"/>
+        </dgm:constrLst>
+      </dgm:if>
+      <dgm:if name="Name5" axis="ch" ptType="node" func="cnt" op="lte" val="4">
+        <dgm:constrLst>
+          <dgm:constr type="h" for="ch" forName="compNode" refType="h" fact="0.3"/>
+          <dgm:constr type="w" for="ch" forName="compNode" refType="w"/>
+          <dgm:constr type="h" for="ch" forName="sibTrans" refType="h" refFor="ch" refForName="compNode" fact="0.25"/>
+          <dgm:constr type="primFontSz" for="des" forName="parTx" val="22"/>
+          <dgm:constr type="primFontSz" for="des" forName="desTx" refType="primFontSz" refFor="des" refForName="parTx" op="lte" fact="0.75"/>
+          <dgm:constr type="h" for="des" forName="compNode" op="equ"/>
+          <dgm:constr type="h" for="des" forName="bgRect" op="equ"/>
+          <dgm:constr type="h" for="des" forName="iconRect" op="equ"/>
+          <dgm:constr type="w" for="des" forName="iconRect" op="equ"/>
+          <dgm:constr type="h" for="des" forName="spaceRect" op="equ"/>
+          <dgm:constr type="h" for="des" forName="parTx" op="equ"/>
+          <dgm:constr type="h" for="des" forName="desTx" op="equ"/>
+        </dgm:constrLst>
+      </dgm:if>
+      <dgm:if name="Name6" axis="ch" ptType="node" func="cnt" op="lte" val="6">
+        <dgm:constrLst>
+          <dgm:constr type="h" for="ch" forName="compNode" refType="h" fact="0.3"/>
+          <dgm:constr type="w" for="ch" forName="compNode" refType="w"/>
+          <dgm:constr type="h" for="ch" forName="sibTrans" refType="h" refFor="ch" refForName="compNode" fact="0.25"/>
+          <dgm:constr type="primFontSz" for="des" forName="parTx" val="19"/>
+          <dgm:constr type="primFontSz" for="des" forName="desTx" refType="primFontSz" refFor="des" refForName="parTx" op="lte" fact="0.75"/>
+          <dgm:constr type="h" for="des" forName="compNode" op="equ"/>
+          <dgm:constr type="h" for="des" forName="bgRect" op="equ"/>
+          <dgm:constr type="h" for="des" forName="iconRect" op="equ"/>
+          <dgm:constr type="w" for="des" forName="iconRect" op="equ"/>
+          <dgm:constr type="h" for="des" forName="spaceRect" op="equ"/>
+          <dgm:constr type="h" for="des" forName="parTx" op="equ"/>
+          <dgm:constr type="h" for="des" forName="desTx" op="equ"/>
+        </dgm:constrLst>
+      </dgm:if>
+      <dgm:else name="Name7">
+        <dgm:constrLst>
+          <dgm:constr type="h" for="ch" forName="compNode" refType="h" fact="0.3"/>
+          <dgm:constr type="w" for="ch" forName="compNode" refType="w"/>
+          <dgm:constr type="h" for="ch" forName="sibTrans" refType="h" refFor="ch" refForName="compNode" fact="0.25"/>
+          <dgm:constr type="primFontSz" for="des" forName="parTx" val="16"/>
+          <dgm:constr type="primFontSz" for="des" forName="desTx" refType="primFontSz" refFor="des" refForName="parTx" op="lte" fact="0.75"/>
+          <dgm:constr type="h" for="des" forName="compNode" op="equ"/>
+          <dgm:constr type="h" for="des" forName="bgRect" op="equ"/>
+          <dgm:constr type="h" for="des" forName="iconRect" op="equ"/>
+          <dgm:constr type="w" for="des" forName="iconRect" op="equ"/>
+          <dgm:constr type="h" for="des" forName="spaceRect" op="equ"/>
+          <dgm:constr type="h" for="des" forName="parTx" op="equ"/>
+          <dgm:constr type="h" for="des" forName="desTx" op="equ"/>
+        </dgm:constrLst>
+      </dgm:else>
+    </dgm:choose>
+    <dgm:ruleLst>
+      <dgm:rule type="h" for="ch" forName="compNode" val="0" fact="NaN" max="NaN"/>
+    </dgm:ruleLst>
+    <dgm:forEach name="Name8" axis="ch" ptType="node">
+      <dgm:layoutNode name="compNode">
+        <dgm:alg type="composite"/>
+        <dgm:shape xmlns:r="http://schemas.openxmlformats.org/officeDocument/2006/relationships" r:blip="">
+          <dgm:adjLst/>
+        </dgm:shape>
+        <dgm:presOf axis="self"/>
+        <dgm:choose name="Name9">
+          <dgm:if name="Name10" axis="ch" ptType="node" func="cnt" op="gte" val="1">
+            <dgm:constrLst>
+              <dgm:constr type="w" for="ch" forName="bgRect" refType="w"/>
+              <dgm:constr type="h" for="ch" forName="bgRect" refType="h"/>
+              <dgm:constr type="l" for="ch" forName="bgRect"/>
+              <dgm:constr type="t" for="ch" forName="bgRect"/>
+              <dgm:constr type="h" for="ch" forName="iconRect" refType="h" fact="0.55"/>
+              <dgm:constr type="w" for="ch" forName="iconRect" refType="h" refFor="ch" refForName="iconRect"/>
+              <dgm:constr type="l" for="ch" forName="iconRect" refType="h" refFor="ch" refForName="iconRect" fact="0.55"/>
+              <dgm:constr type="ctrY" for="ch" forName="iconRect" refType="ctrY" refFor="ch" refForName="bgRect"/>
+              <dgm:constr type="w" for="ch" forName="spaceRect" refType="l" refFor="ch" refForName="iconRect"/>
+              <dgm:constr type="h" for="ch" forName="spaceRect" refType="h"/>
+              <dgm:constr type="l" for="ch" forName="spaceRect" refType="r" refFor="ch" refForName="iconRect"/>
+              <dgm:constr type="t" for="ch" forName="spaceRect"/>
+              <dgm:constr type="w" for="ch" forName="parTx" refType="w" fact="0.45"/>
+              <dgm:constr type="h" for="ch" forName="parTx" refType="h"/>
+              <dgm:constr type="l" for="ch" forName="parTx" refType="r" refFor="ch" refForName="spaceRect"/>
+              <dgm:constr type="t" for="ch" forName="parTx"/>
+              <dgm:constr type="h" for="ch" forName="desTx" refType="h"/>
+              <dgm:constr type="l" for="ch" forName="desTx" refType="r" refFor="ch" refForName="parTx"/>
+              <dgm:constr type="t" for="ch" forName="desTx"/>
+            </dgm:constrLst>
+          </dgm:if>
+          <dgm:else name="Name11">
+            <dgm:constrLst>
+              <dgm:constr type="w" for="ch" forName="bgRect" refType="w"/>
+              <dgm:constr type="h" for="ch" forName="bgRect" refType="h"/>
+              <dgm:constr type="l" for="ch" forName="bgRect"/>
+              <dgm:constr type="t" for="ch" forName="bgRect"/>
+              <dgm:constr type="h" for="ch" forName="iconRect" refType="h" fact="0.55"/>
+              <dgm:constr type="w" for="ch" forName="iconRect" refType="h" refFor="ch" refForName="iconRect"/>
+              <dgm:constr type="l" for="ch" forName="iconRect" refType="h" refFor="ch" refForName="iconRect" fact="0.55"/>
+              <dgm:constr type="ctrY" for="ch" forName="iconRect" refType="ctrY" refFor="ch" refForName="bgRect"/>
+              <dgm:constr type="w" for="ch" forName="spaceRect" refType="l" refFor="ch" refForName="iconRect"/>
+              <dgm:constr type="h" for="ch" forName="spaceRect" refType="h"/>
+              <dgm:constr type="l" for="ch" forName="spaceRect" refType="r" refFor="ch" refForName="iconRect"/>
+              <dgm:constr type="t" for="ch" forName="spaceRect"/>
+              <dgm:constr type="h" for="ch" forName="parTx" refType="h"/>
+              <dgm:constr type="l" for="ch" forName="parTx" refType="r" refFor="ch" refForName="spaceRect"/>
+              <dgm:constr type="t" for="ch" forName="parTx"/>
+            </dgm:constrLst>
+          </dgm:else>
+        </dgm:choose>
+        <dgm:ruleLst>
+          <dgm:rule type="h" val="INF" fact="NaN" max="NaN"/>
+        </dgm:ruleLst>
+        <dgm:layoutNode name="bgRect" styleLbl="bgShp">
+          <dgm:alg type="sp"/>
+          <dgm:shape xmlns:r="http://schemas.openxmlformats.org/officeDocument/2006/relationships" type="roundRect" r:blip="">
+            <dgm:adjLst>
+              <dgm:adj idx="1" val="0.1"/>
+            </dgm:adjLst>
+          </dgm:shape>
+          <dgm:presOf/>
+          <dgm:constrLst/>
+          <dgm:ruleLst/>
+        </dgm:layoutNode>
+        <dgm:layoutNode name="iconRect" styleLbl="node1">
+          <dgm:alg type="sp"/>
+          <dgm:shape xmlns:r="http://schemas.openxmlformats.org/officeDocument/2006/relationships" type="rect" r:blip="" blipPhldr="1">
+            <dgm:adjLst/>
+          </dgm:shape>
+          <dgm:presOf/>
+          <dgm:constrLst/>
+          <dgm:ruleLst/>
+        </dgm:layoutNode>
+        <dgm:layoutNode name="spaceRect">
+          <dgm:alg type="sp"/>
+          <dgm:shape xmlns:r="http://schemas.openxmlformats.org/officeDocument/2006/relationships" r:blip="">
+            <dgm:adjLst/>
+          </dgm:shape>
+          <dgm:presOf/>
+          <dgm:constrLst/>
+          <dgm:ruleLst/>
+        </dgm:layoutNode>
+        <dgm:layoutNode name="parTx" styleLbl="revTx">
+          <dgm:varLst>
+            <dgm:chMax val="0"/>
+            <dgm:chPref val="0"/>
+          </dgm:varLst>
+          <dgm:alg type="tx">
+            <dgm:param type="txAnchorVert" val="mid"/>
+            <dgm:param type="parTxLTRAlign" val="l"/>
+            <dgm:param type="shpTxLTRAlignCh" val="l"/>
+            <dgm:param type="parTxRTLAlign" val="r"/>
+            <dgm:param type="shpTxRTLAlignCh" val="r"/>
+          </dgm:alg>
+          <dgm:shape xmlns:r="http://schemas.openxmlformats.org/officeDocument/2006/relationships" type="rect" r:blip="">
+            <dgm:adjLst/>
+          </dgm:shape>
+          <dgm:presOf axis="self" ptType="node"/>
+          <dgm:constrLst>
+            <dgm:constr type="lMarg" refType="h" fact="0.3"/>
+            <dgm:constr type="rMarg" refType="h" fact="0.3"/>
+            <dgm:constr type="tMarg" refType="h" fact="0.3"/>
+            <dgm:constr type="bMarg" refType="h" fact="0.3"/>
+          </dgm:constrLst>
+          <dgm:ruleLst>
+            <dgm:rule type="primFontSz" val="14" fact="NaN" max="NaN"/>
+            <dgm:rule type="h" val="INF" fact="NaN" max="NaN"/>
+          </dgm:ruleLst>
+        </dgm:layoutNode>
+        <dgm:choose name="Name12">
+          <dgm:if name="Name13" axis="ch" ptType="node" func="cnt" op="gte" val="1">
+            <dgm:layoutNode name="desTx" styleLbl="revTx">
+              <dgm:varLst/>
+              <dgm:alg type="tx">
+                <dgm:param type="txAnchorVertCh" val="mid"/>
+                <dgm:param type="parTxLTRAlign" val="l"/>
+                <dgm:param type="shpTxLTRAlignCh" val="l"/>
+                <dgm:param type="parTxRTLAlign" val="r"/>
+                <dgm:param type="shpTxRTLAlignCh" val="r"/>
+                <dgm:param type="stBulletLvl" val="0"/>
+              </dgm:alg>
+              <dgm:shape xmlns:r="http://schemas.openxmlformats.org/officeDocument/2006/relationships" type="rect" r:blip="">
+                <dgm:adjLst/>
+              </dgm:shape>
+              <dgm:presOf axis="des" ptType="node"/>
+              <dgm:constrLst>
+                <dgm:constr type="primFontSz" val="18"/>
+                <dgm:constr type="secFontSz" refType="primFontSz"/>
+                <dgm:constr type="lMarg" refType="h" fact="0.3"/>
+                <dgm:constr type="rMarg" refType="h" fact="0.3"/>
+                <dgm:constr type="tMarg" refType="h" fact="0.3"/>
+                <dgm:constr type="bMarg" refType="h" fact="0.3"/>
+              </dgm:constrLst>
+              <dgm:ruleLst>
+                <dgm:rule type="primFontSz" val="11" fact="NaN" max="NaN"/>
+              </dgm:ruleLst>
+            </dgm:layoutNode>
+          </dgm:if>
+          <dgm:else name="Name14"/>
+        </dgm:choose>
+      </dgm:layoutNode>
+      <dgm:forEach name="Name15" axis="followSib" ptType="sibTrans" cnt="1">
+        <dgm:layoutNode name="sibTrans">
+          <dgm:alg type="sp"/>
+          <dgm:shape xmlns:r="http://schemas.openxmlformats.org/officeDocument/2006/relationships" r:blip="">
+            <dgm:adjLst/>
+          </dgm:shape>
+          <dgm:presOf axis="self"/>
+          <dgm:constrLst/>
+          <dgm:ruleLst/>
+        </dgm:layoutNode>
+      </dgm:forEach>
+    </dgm:forEach>
+  </dgm:layoutNode>
+  <dgm:extLst>
+    <a:ext uri="{68A01E43-0DF5-4B5B-8FA6-DAF915123BFB}">
+      <dgm1612:lstStyle xmlns:dgm1612="http://schemas.microsoft.com/office/drawing/2016/12/diagram">
+        <a:lvl1pPr>
+          <a:lnSpc>
+            <a:spcPct val="100000"/>
+          </a:lnSpc>
+        </a:lvl1pPr>
+        <a:lvl2pPr>
+          <a:lnSpc>
+            <a:spcPct val="100000"/>
+          </a:lnSpc>
+        </a:lvl2pPr>
+      </dgm1612:lstStyle>
+    </a:ext>
+  </dgm:extLst>
+</dgm:layoutDef>
+</file>
+
+<file path=ppt/diagrams/layout4.xml><?xml version="1.0" encoding="utf-8"?>
+<dgm:layoutDef xmlns:dgm="http://schemas.openxmlformats.org/drawingml/2006/diagram" xmlns:a="http://schemas.openxmlformats.org/drawingml/2006/main" uniqueId="urn:microsoft.com/office/officeart/2008/layout/LinedList">
+  <dgm:title val=""/>
+  <dgm:desc val=""/>
+  <dgm:catLst>
+    <dgm:cat type="hierarchy" pri="8000"/>
+    <dgm:cat type="list" pri="2500"/>
+  </dgm:catLst>
+  <dgm:sampData>
+    <dgm:dataModel>
+      <dgm:ptLst>
+        <dgm:pt modelId="0" type="doc"/>
+        <dgm:pt modelId="1">
+          <dgm:prSet phldr="1"/>
+        </dgm:pt>
+        <dgm:pt modelId="11">
+          <dgm:prSet phldr="1"/>
+        </dgm:pt>
+        <dgm:pt modelId="12">
+          <dgm:prSet phldr="1"/>
+        </dgm:pt>
+        <dgm:pt modelId="13">
+          <dgm:prSet phldr="1"/>
+        </dgm:pt>
+      </dgm:ptLst>
+      <dgm:cxnLst>
+        <dgm:cxn modelId="2" srcId="0" destId="1" srcOrd="0" destOrd="0"/>
+        <dgm:cxn modelId="3" srcId="1" destId="11" srcOrd="0" destOrd="0"/>
+        <dgm:cxn modelId="4" srcId="1" destId="12" srcOrd="1" destOrd="0"/>
+        <dgm:cxn modelId="5" srcId="1" destId="13" srcOrd="2" destOrd="0"/>
+      </dgm:cxnLst>
+      <dgm:bg/>
+      <dgm:whole/>
+    </dgm:dataModel>
+  </dgm:sampData>
+  <dgm:styleData>
+    <dgm:dataModel>
+      <dgm:ptLst>
+        <dgm:pt modelId="0" type="doc"/>
+        <dgm:pt modelId="1">
+          <dgm:prSet phldr="1"/>
+        </dgm:pt>
+        <dgm:pt modelId="11">
+          <dgm:prSet phldr="1"/>
+        </dgm:pt>
+        <dgm:pt modelId="12">
+          <dgm:prSet phldr="1"/>
+        </dgm:pt>
+      </dgm:ptLst>
+      <dgm:cxnLst>
+        <dgm:cxn modelId="2" srcId="0" destId="1" srcOrd="0" destOrd="0"/>
+        <dgm:cxn modelId="3" srcId="1" destId="11" srcOrd="0" destOrd="0"/>
+        <dgm:cxn modelId="4" srcId="1" destId="12" srcOrd="1" destOrd="0"/>
+      </dgm:cxnLst>
+      <dgm:bg/>
+      <dgm:whole/>
+    </dgm:dataModel>
+  </dgm:styleData>
+  <dgm:clrData>
+    <dgm:dataModel>
+      <dgm:ptLst>
+        <dgm:pt modelId="0" type="doc"/>
+        <dgm:pt modelId="1">
+          <dgm:prSet phldr="1"/>
+        </dgm:pt>
+        <dgm:pt modelId="11">
+          <dgm:prSet phldr="1"/>
+        </dgm:pt>
+        <dgm:pt modelId="12">
+          <dgm:prSet phldr="1"/>
+        </dgm:pt>
+      </dgm:ptLst>
+      <dgm:cxnLst>
+        <dgm:cxn modelId="2" srcId="0" destId="1" srcOrd="0" destOrd="0"/>
+        <dgm:cxn modelId="3" srcId="1" destId="11" srcOrd="0" destOrd="0"/>
+        <dgm:cxn modelId="4" srcId="1" destId="12" srcOrd="1" destOrd="0"/>
+      </dgm:cxnLst>
+      <dgm:bg/>
+      <dgm:whole/>
+    </dgm:dataModel>
+  </dgm:clrData>
+  <dgm:layoutNode name="vert0">
+    <dgm:varLst>
+      <dgm:dir/>
+      <dgm:animOne val="branch"/>
+      <dgm:animLvl val="lvl"/>
+    </dgm:varLst>
+    <dgm:choose name="Name0">
+      <dgm:if name="Name1" func="var" arg="dir" op="equ" val="norm">
+        <dgm:alg type="lin">
+          <dgm:param type="linDir" val="fromT"/>
+          <dgm:param type="nodeHorzAlign" val="l"/>
+        </dgm:alg>
+      </dgm:if>
+      <dgm:else name="Name2">
+        <dgm:alg type="lin">
+          <dgm:param type="linDir" val="fromT"/>
+          <dgm:param type="nodeHorzAlign" val="r"/>
+        </dgm:alg>
+      </dgm:else>
+    </dgm:choose>
+    <dgm:shape xmlns:r="http://schemas.openxmlformats.org/officeDocument/2006/relationships" r:blip="">
+      <dgm:adjLst/>
+    </dgm:shape>
+    <dgm:presOf/>
+    <dgm:constrLst>
+      <dgm:constr type="w" for="ch" forName="horz1" refType="w"/>
+      <dgm:constr type="h" for="ch" forName="horz1" refType="h"/>
+      <dgm:constr type="h" for="des" forName="vert1" refType="h"/>
+      <dgm:constr type="h" for="des" forName="tx1" refType="h"/>
+      <dgm:constr type="h" for="des" forName="horz2" refType="h"/>
+      <dgm:constr type="h" for="des" forName="vert2" refType="h"/>
+      <dgm:constr type="h" for="des" forName="horz3" refType="h"/>
+      <dgm:constr type="h" for="des" forName="vert3" refType="h"/>
+      <dgm:constr type="h" for="des" forName="horz4" refType="h"/>
+      <dgm:constr type="h" for="des" ptType="node" refType="h"/>
+      <dgm:constr type="primFontSz" for="des" forName="tx1" op="equ" val="65"/>
+      <dgm:constr type="primFontSz" for="des" forName="tx2" op="equ" val="65"/>
+      <dgm:constr type="primFontSz" for="des" forName="tx3" op="equ" val="65"/>
+      <dgm:constr type="primFontSz" for="des" forName="tx4" op="equ" val="65"/>
+      <dgm:constr type="w" for="des" forName="thickLine" refType="w"/>
+      <dgm:constr type="h" for="des" forName="thickLine"/>
+      <dgm:constr type="h" for="des" forName="thinLine1"/>
+      <dgm:constr type="h" for="des" forName="thinLine2b"/>
+      <dgm:constr type="h" for="des" forName="thinLine3"/>
+      <dgm:constr type="h" for="des" forName="vertSpace2a" refType="h" fact="0.05"/>
+      <dgm:constr type="h" for="des" forName="vertSpace2b" refType="h" refFor="des" refForName="vertSpace2a"/>
+    </dgm:constrLst>
+    <dgm:forEach name="Name3" axis="ch" ptType="node">
+      <dgm:layoutNode name="thickLine" styleLbl="alignNode1">
+        <dgm:alg type="sp"/>
+        <dgm:shape xmlns:r="http://schemas.openxmlformats.org/officeDocument/2006/relationships" type="line" r:blip="">
+          <dgm:adjLst/>
+        </dgm:shape>
+        <dgm:presOf/>
+      </dgm:layoutNode>
+      <dgm:layoutNode name="horz1">
+        <dgm:choose name="Name4">
+          <dgm:if name="Name5" func="var" arg="dir" op="equ" val="norm">
+            <dgm:alg type="lin">
+              <dgm:param type="linDir" val="fromL"/>
+              <dgm:param type="nodeVertAlign" val="t"/>
+            </dgm:alg>
+          </dgm:if>
+          <dgm:else name="Name6">
+            <dgm:alg type="lin">
+              <dgm:param type="linDir" val="fromR"/>
+              <dgm:param type="nodeVertAlign" val="t"/>
+            </dgm:alg>
+          </dgm:else>
+        </dgm:choose>
+        <dgm:shape xmlns:r="http://schemas.openxmlformats.org/officeDocument/2006/relationships" r:blip="">
+          <dgm:adjLst/>
+        </dgm:shape>
+        <dgm:presOf/>
+        <dgm:choose name="Name7">
+          <dgm:if name="Name8" axis="root des" func="maxDepth" op="equ" val="1">
+            <dgm:constrLst>
+              <dgm:constr type="w" for="ch" forName="tx1" refType="w"/>
+            </dgm:constrLst>
+          </dgm:if>
+          <dgm:if name="Name9" axis="root des" func="maxDepth" op="equ" val="2">
+            <dgm:constrLst>
+              <dgm:constr type="w" for="ch" forName="tx1" refType="w" fact="0.2"/>
+              <dgm:constr type="w" for="des" forName="tx2" refType="w" fact="0.785"/>
+              <dgm:constr type="w" for="des" forName="horzSpace2" refType="w" fact="0.015"/>
+              <dgm:constr type="w" for="des" forName="thinLine2b" refType="w" fact="0.8"/>
+            </dgm:constrLst>
+          </dgm:if>
+          <dgm:if name="Name10" axis="root des" func="maxDepth" op="equ" val="3">
+            <dgm:constrLst>
+              <dgm:constr type="w" for="ch" forName="tx1" refType="w" fact="0.2"/>
+              <dgm:constr type="w" for="des" forName="tx2" refType="w" fact="0.385"/>
+              <dgm:constr type="w" for="des" forName="tx3" refType="w" fact="0.385"/>
+              <dgm:constr type="w" for="des" forName="horzSpace2" refType="w" fact="0.015"/>
+              <dgm:constr type="w" for="des" forName="horzSpace3" refType="w" fact="0.015"/>
+              <dgm:constr type="w" for="des" forName="thinLine2b" refType="w" fact="0.8"/>
+              <dgm:constr type="w" for="des" forName="thinLine3" refType="w" fact="0.385"/>
+            </dgm:constrLst>
+          </dgm:if>
+          <dgm:if name="Name11" axis="root des" func="maxDepth" op="gte" val="4">
+            <dgm:constrLst>
+              <dgm:constr type="w" for="ch" forName="tx1" refType="w" fact="0.2"/>
+              <dgm:constr type="w" for="des" forName="tx2" refType="w" fact="0.2516"/>
+              <dgm:constr type="w" for="des" forName="tx3" refType="w" fact="0.2516"/>
+              <dgm:constr type="w" for="des" forName="tx4" refType="w" fact="0.2516"/>
+              <dgm:constr type="w" for="des" forName="horzSpace2" refType="w" fact="0.015"/>
+              <dgm:constr type="w" for="des" forName="horzSpace3" refType="w" fact="0.015"/>
+              <dgm:constr type="w" for="des" forName="horzSpace4" refType="w" fact="0.015"/>
+              <dgm:constr type="w" for="des" forName="thinLine2b" refType="w" fact="0.8"/>
+              <dgm:constr type="w" for="des" forName="thinLine3" refType="w" fact="0.5332"/>
+            </dgm:constrLst>
+          </dgm:if>
+          <dgm:else name="Name12"/>
+        </dgm:choose>
+        <dgm:layoutNode name="tx1" styleLbl="revTx">
+          <dgm:alg type="tx">
+            <dgm:param type="parTxLTRAlign" val="l"/>
+            <dgm:param type="parTxRTLAlign" val="r"/>
+            <dgm:param type="txAnchorVert" val="t"/>
+          </dgm:alg>
+          <dgm:shape xmlns:r="http://schemas.openxmlformats.org/officeDocument/2006/relationships" type="rect" r:blip="">
+            <dgm:adjLst/>
+          </dgm:shape>
+          <dgm:presOf axis="self"/>
+          <dgm:constrLst>
+            <dgm:constr type="tMarg" refType="primFontSz" fact="0.3"/>
+            <dgm:constr type="bMarg" refType="primFontSz" fact="0.3"/>
+            <dgm:constr type="lMarg" refType="primFontSz" fact="0.3"/>
+            <dgm:constr type="rMarg" refType="primFontSz" fact="0.3"/>
+          </dgm:constrLst>
+          <dgm:ruleLst>
+            <dgm:rule type="primFontSz" val="5" fact="NaN" max="NaN"/>
+          </dgm:ruleLst>
+        </dgm:layoutNode>
+        <dgm:layoutNode name="vert1">
+          <dgm:choose name="Name13">
+            <dgm:if name="Name14" func="var" arg="dir" op="equ" val="norm">
+              <dgm:alg type="lin">
+                <dgm:param type="linDir" val="fromT"/>
+                <dgm:param type="nodeHorzAlign" val="l"/>
+              </dgm:alg>
+            </dgm:if>
+            <dgm:else name="Name15">
+              <dgm:alg type="lin">
+                <dgm:param type="linDir" val="fromT"/>
+                <dgm:param type="nodeHorzAlign" val="r"/>
+              </dgm:alg>
+            </dgm:else>
+          </dgm:choose>
+          <dgm:shape xmlns:r="http://schemas.openxmlformats.org/officeDocument/2006/relationships" r:blip="">
+            <dgm:adjLst/>
+          </dgm:shape>
+          <dgm:presOf/>
+          <dgm:forEach name="Name16" axis="ch" ptType="node">
+            <dgm:choose name="Name17">
+              <dgm:if name="Name18" axis="self" ptType="node" func="pos" op="equ" val="1">
+                <dgm:layoutNode name="vertSpace2a">
+                  <dgm:alg type="sp"/>
+                  <dgm:shape xmlns:r="http://schemas.openxmlformats.org/officeDocument/2006/relationships" r:blip="">
+                    <dgm:adjLst/>
+                  </dgm:shape>
+                  <dgm:presOf/>
+                </dgm:layoutNode>
+              </dgm:if>
+              <dgm:else name="Name19"/>
+            </dgm:choose>
+            <dgm:layoutNode name="horz2">
+              <dgm:choose name="Name20">
+                <dgm:if name="Name21" func="var" arg="dir" op="equ" val="norm">
+                  <dgm:alg type="lin">
+                    <dgm:param type="linDir" val="fromL"/>
+                    <dgm:param type="nodeVertAlign" val="t"/>
+                  </dgm:alg>
+                </dgm:if>
+                <dgm:else name="Name22">
+                  <dgm:alg type="lin">
+                    <dgm:param type="linDir" val="fromR"/>
+                    <dgm:param type="nodeVertAlign" val="t"/>
+                  </dgm:alg>
+                </dgm:else>
+              </dgm:choose>
+              <dgm:shape xmlns:r="http://schemas.openxmlformats.org/officeDocument/2006/relationships" r:blip="">
+                <dgm:adjLst/>
+              </dgm:shape>
+              <dgm:presOf/>
+              <dgm:layoutNode name="horzSpace2">
+                <dgm:alg type="sp"/>
+                <dgm:shape xmlns:r="http://schemas.openxmlformats.org/officeDocument/2006/relationships" r:blip="">
+                  <dgm:adjLst/>
+                </dgm:shape>
+                <dgm:presOf/>
+              </dgm:layoutNode>
+              <dgm:layoutNode name="tx2" styleLbl="revTx">
+                <dgm:alg type="tx">
+                  <dgm:param type="parTxLTRAlign" val="l"/>
+                  <dgm:param type="parTxRTLAlign" val="r"/>
+                  <dgm:param type="txAnchorVert" val="t"/>
+                </dgm:alg>
+                <dgm:shape xmlns:r="http://schemas.openxmlformats.org/officeDocument/2006/relationships" type="rect" r:blip="">
+                  <dgm:adjLst/>
+                </dgm:shape>
+                <dgm:presOf axis="self"/>
+                <dgm:constrLst>
+                  <dgm:constr type="tMarg" refType="primFontSz" fact="0.3"/>
+                  <dgm:constr type="bMarg" refType="primFontSz" fact="0.3"/>
+                  <dgm:constr type="lMarg" refType="primFontSz" fact="0.3"/>
+                  <dgm:constr type="rMarg" refType="primFontSz" fact="0.3"/>
+                </dgm:constrLst>
+                <dgm:ruleLst>
+                  <dgm:rule type="primFontSz" val="5" fact="NaN" max="NaN"/>
+                </dgm:ruleLst>
+              </dgm:layoutNode>
+              <dgm:layoutNode name="vert2">
+                <dgm:choose name="Name23">
+                  <dgm:if name="Name24" func="var" arg="dir" op="equ" val="norm">
+                    <dgm:alg type="lin">
+                      <dgm:param type="linDir" val="fromT"/>
+                      <dgm:param type="nodeHorzAlign" val="l"/>
+                    </dgm:alg>
+                  </dgm:if>
+                  <dgm:else name="Name25">
+                    <dgm:alg type="lin">
+                      <dgm:param type="linDir" val="fromT"/>
+                      <dgm:param type="nodeHorzAlign" val="r"/>
+                    </dgm:alg>
+                  </dgm:else>
+                </dgm:choose>
+                <dgm:shape xmlns:r="http://schemas.openxmlformats.org/officeDocument/2006/relationships" r:blip="">
+                  <dgm:adjLst/>
+                </dgm:shape>
+                <dgm:presOf/>
+                <dgm:forEach name="Name26" axis="ch" ptType="node">
+                  <dgm:layoutNode name="horz3">
+                    <dgm:choose name="Name27">
+                      <dgm:if name="Name28" func="var" arg="dir" op="equ" val="norm">
+                        <dgm:alg type="lin">
+                          <dgm:param type="linDir" val="fromL"/>
+                          <dgm:param type="nodeVertAlign" val="t"/>
+                        </dgm:alg>
+                      </dgm:if>
+                      <dgm:else name="Name29">
+                        <dgm:alg type="lin">
+                          <dgm:param type="linDir" val="fromR"/>
+                          <dgm:param type="nodeVertAlign" val="t"/>
+                        </dgm:alg>
+                      </dgm:else>
+                    </dgm:choose>
+                    <dgm:shape xmlns:r="http://schemas.openxmlformats.org/officeDocument/2006/relationships" r:blip="">
+                      <dgm:adjLst/>
+                    </dgm:shape>
+                    <dgm:presOf/>
+                    <dgm:layoutNode name="horzSpace3">
+                      <dgm:alg type="sp"/>
+                      <dgm:shape xmlns:r="http://schemas.openxmlformats.org/officeDocument/2006/relationships" r:blip="">
+                        <dgm:adjLst/>
+                      </dgm:shape>
+                      <dgm:presOf/>
+                    </dgm:layoutNode>
+                    <dgm:layoutNode name="tx3" styleLbl="revTx">
+                      <dgm:alg type="tx">
+                        <dgm:param type="parTxLTRAlign" val="l"/>
+                        <dgm:param type="parTxRTLAlign" val="r"/>
+                        <dgm:param type="txAnchorVert" val="t"/>
+                      </dgm:alg>
+                      <dgm:shape xmlns:r="http://schemas.openxmlformats.org/officeDocument/2006/relationships" type="rect" r:blip="">
+                        <dgm:adjLst/>
+                      </dgm:shape>
+                      <dgm:presOf axis="self"/>
+                      <dgm:constrLst>
+                        <dgm:constr type="tMarg" refType="primFontSz" fact="0.3"/>
+                        <dgm:constr type="bMarg" refType="primFontSz" fact="0.3"/>
+                        <dgm:constr type="lMarg" refType="primFontSz" fact="0.3"/>
+                        <dgm:constr type="rMarg" refType="primFontSz" fact="0.3"/>
+                      </dgm:constrLst>
+                      <dgm:ruleLst>
+                        <dgm:rule type="primFontSz" val="5" fact="NaN" max="NaN"/>
+                      </dgm:ruleLst>
+                    </dgm:layoutNode>
+                    <dgm:layoutNode name="vert3">
+                      <dgm:choose name="Name30">
+                        <dgm:if name="Name31" func="var" arg="dir" op="equ" val="norm">
+                          <dgm:alg type="lin">
+                            <dgm:param type="linDir" val="fromT"/>
+                            <dgm:param type="nodeHorzAlign" val="l"/>
+                          </dgm:alg>
+                        </dgm:if>
+                        <dgm:else name="Name32">
+                          <dgm:alg type="lin">
+                            <dgm:param type="linDir" val="fromT"/>
+                            <dgm:param type="nodeHorzAlign" val="r"/>
+                          </dgm:alg>
+                        </dgm:else>
+                      </dgm:choose>
+                      <dgm:shape xmlns:r="http://schemas.openxmlformats.org/officeDocument/2006/relationships" r:blip="">
+                        <dgm:adjLst/>
+                      </dgm:shape>
+                      <dgm:presOf/>
+                      <dgm:forEach name="Name33" axis="ch" ptType="node">
+                        <dgm:layoutNode name="horz4">
+                          <dgm:choose name="Name34">
+                            <dgm:if name="Name35" func="var" arg="dir" op="equ" val="norm">
+                              <dgm:alg type="lin">
+                                <dgm:param type="linDir" val="fromL"/>
+                                <dgm:param type="nodeVertAlign" val="t"/>
+                              </dgm:alg>
+                            </dgm:if>
+                            <dgm:else name="Name36">
+                              <dgm:alg type="lin">
+                                <dgm:param type="linDir" val="fromR"/>
+                                <dgm:param type="nodeVertAlign" val="t"/>
+                              </dgm:alg>
+                            </dgm:else>
+                          </dgm:choose>
+                          <dgm:shape xmlns:r="http://schemas.openxmlformats.org/officeDocument/2006/relationships" r:blip="">
+                            <dgm:adjLst/>
+                          </dgm:shape>
+                          <dgm:presOf/>
+                          <dgm:layoutNode name="horzSpace4">
+                            <dgm:alg type="sp"/>
+                            <dgm:shape xmlns:r="http://schemas.openxmlformats.org/officeDocument/2006/relationships" r:blip="">
+                              <dgm:adjLst/>
+                            </dgm:shape>
+                            <dgm:presOf/>
+                          </dgm:layoutNode>
+                          <dgm:layoutNode name="tx4" styleLbl="revTx">
+                            <dgm:varLst>
+                              <dgm:bulletEnabled val="1"/>
+                            </dgm:varLst>
+                            <dgm:alg type="tx">
+                              <dgm:param type="parTxLTRAlign" val="l"/>
+                              <dgm:param type="parTxRTLAlign" val="r"/>
+                              <dgm:param type="txAnchorVert" val="t"/>
+                            </dgm:alg>
+                            <dgm:shape xmlns:r="http://schemas.openxmlformats.org/officeDocument/2006/relationships" type="rect" r:blip="">
+                              <dgm:adjLst/>
+                            </dgm:shape>
+                            <dgm:presOf axis="desOrSelf" ptType="node"/>
+                            <dgm:constrLst>
+                              <dgm:constr type="tMarg" refType="primFontSz" fact="0.3"/>
+                              <dgm:constr type="bMarg" refType="primFontSz" fact="0.3"/>
+                              <dgm:constr type="lMarg" refType="primFontSz" fact="0.3"/>
+                              <dgm:constr type="rMarg" refType="primFontSz" fact="0.3"/>
+                            </dgm:constrLst>
+                            <dgm:ruleLst>
+                              <dgm:rule type="primFontSz" val="5" fact="NaN" max="NaN"/>
+                            </dgm:ruleLst>
+                          </dgm:layoutNode>
+                        </dgm:layoutNode>
+                      </dgm:forEach>
+                    </dgm:layoutNode>
+                  </dgm:layoutNode>
+                  <dgm:forEach name="Name37" axis="followSib" ptType="sibTrans" cnt="1">
+                    <dgm:layoutNode name="thinLine3" styleLbl="callout">
+                      <dgm:alg type="sp"/>
+                      <dgm:shape xmlns:r="http://schemas.openxmlformats.org/officeDocument/2006/relationships" type="line" r:blip="">
+                        <dgm:adjLst/>
+                      </dgm:shape>
+                      <dgm:presOf/>
+                    </dgm:layoutNode>
+                  </dgm:forEach>
+                </dgm:forEach>
+              </dgm:layoutNode>
+            </dgm:layoutNode>
+            <dgm:layoutNode name="thinLine2b" styleLbl="callout">
+              <dgm:alg type="sp"/>
+              <dgm:shape xmlns:r="http://schemas.openxmlformats.org/officeDocument/2006/relationships" type="line" r:blip="">
+                <dgm:adjLst/>
+              </dgm:shape>
+              <dgm:presOf/>
+            </dgm:layoutNode>
+            <dgm:layoutNode name="vertSpace2b">
+              <dgm:alg type="sp"/>
+              <dgm:shape xmlns:r="http://schemas.openxmlformats.org/officeDocument/2006/relationships" r:blip="">
+                <dgm:adjLst/>
+              </dgm:shape>
+              <dgm:presOf/>
+            </dgm:layoutNode>
+          </dgm:forEach>
+        </dgm:layoutNode>
+      </dgm:layoutNode>
+    </dgm:forEach>
+  </dgm:layoutNode>
+</dgm:layoutDef>
+</file>
+
 <file path=ppt/diagrams/quickStyle1.xml><?xml version="1.0" encoding="utf-8"?>
 <dgm:styleDef xmlns:dgm="http://schemas.openxmlformats.org/drawingml/2006/diagram" xmlns:a="http://schemas.openxmlformats.org/drawingml/2006/main" uniqueId="urn:microsoft.com/office/officeart/2005/8/quickstyle/simple1">
   <dgm:title val=""/>
@@ -6040,6 +11551,2074 @@
         <a:scrgbClr r="0" g="0" b="0"/>
       </a:fillRef>
       <a:effectRef idx="0">
+        <a:scrgbClr r="0" g="0" b="0"/>
+      </a:effectRef>
+      <a:fontRef idx="minor"/>
+    </dgm:style>
+  </dgm:styleLbl>
+  <dgm:styleLbl name="revTx">
+    <dgm:scene3d>
+      <a:camera prst="orthographicFront"/>
+      <a:lightRig rig="threePt" dir="t"/>
+    </dgm:scene3d>
+    <dgm:sp3d/>
+    <dgm:txPr/>
+    <dgm:style>
+      <a:lnRef idx="0">
+        <a:scrgbClr r="0" g="0" b="0"/>
+      </a:lnRef>
+      <a:fillRef idx="0">
+        <a:scrgbClr r="0" g="0" b="0"/>
+      </a:fillRef>
+      <a:effectRef idx="0">
+        <a:scrgbClr r="0" g="0" b="0"/>
+      </a:effectRef>
+      <a:fontRef idx="minor"/>
+    </dgm:style>
+  </dgm:styleLbl>
+</dgm:styleDef>
+</file>
+
+<file path=ppt/diagrams/quickStyle3.xml><?xml version="1.0" encoding="utf-8"?>
+<dgm:styleDef xmlns:dgm="http://schemas.openxmlformats.org/drawingml/2006/diagram" xmlns:a="http://schemas.openxmlformats.org/drawingml/2006/main" uniqueId="urn:microsoft.com/office/officeart/2005/8/quickstyle/simple1">
+  <dgm:title val=""/>
+  <dgm:desc val=""/>
+  <dgm:catLst>
+    <dgm:cat type="simple" pri="10100"/>
+  </dgm:catLst>
+  <dgm:scene3d>
+    <a:camera prst="orthographicFront"/>
+    <a:lightRig rig="threePt" dir="t"/>
+  </dgm:scene3d>
+  <dgm:styleLbl name="node0">
+    <dgm:scene3d>
+      <a:camera prst="orthographicFront"/>
+      <a:lightRig rig="threePt" dir="t"/>
+    </dgm:scene3d>
+    <dgm:sp3d/>
+    <dgm:txPr/>
+    <dgm:style>
+      <a:lnRef idx="2">
+        <a:scrgbClr r="0" g="0" b="0"/>
+      </a:lnRef>
+      <a:fillRef idx="1">
+        <a:scrgbClr r="0" g="0" b="0"/>
+      </a:fillRef>
+      <a:effectRef idx="0">
+        <a:scrgbClr r="0" g="0" b="0"/>
+      </a:effectRef>
+      <a:fontRef idx="minor">
+        <a:schemeClr val="lt1"/>
+      </a:fontRef>
+    </dgm:style>
+  </dgm:styleLbl>
+  <dgm:styleLbl name="lnNode1">
+    <dgm:scene3d>
+      <a:camera prst="orthographicFront"/>
+      <a:lightRig rig="threePt" dir="t"/>
+    </dgm:scene3d>
+    <dgm:sp3d/>
+    <dgm:txPr/>
+    <dgm:style>
+      <a:lnRef idx="2">
+        <a:scrgbClr r="0" g="0" b="0"/>
+      </a:lnRef>
+      <a:fillRef idx="1">
+        <a:scrgbClr r="0" g="0" b="0"/>
+      </a:fillRef>
+      <a:effectRef idx="0">
+        <a:scrgbClr r="0" g="0" b="0"/>
+      </a:effectRef>
+      <a:fontRef idx="minor">
+        <a:schemeClr val="lt1"/>
+      </a:fontRef>
+    </dgm:style>
+  </dgm:styleLbl>
+  <dgm:styleLbl name="vennNode1">
+    <dgm:scene3d>
+      <a:camera prst="orthographicFront"/>
+      <a:lightRig rig="threePt" dir="t"/>
+    </dgm:scene3d>
+    <dgm:sp3d/>
+    <dgm:txPr/>
+    <dgm:style>
+      <a:lnRef idx="2">
+        <a:scrgbClr r="0" g="0" b="0"/>
+      </a:lnRef>
+      <a:fillRef idx="1">
+        <a:scrgbClr r="0" g="0" b="0"/>
+      </a:fillRef>
+      <a:effectRef idx="0">
+        <a:scrgbClr r="0" g="0" b="0"/>
+      </a:effectRef>
+      <a:fontRef idx="minor">
+        <a:schemeClr val="tx1"/>
+      </a:fontRef>
+    </dgm:style>
+  </dgm:styleLbl>
+  <dgm:styleLbl name="alignNode1">
+    <dgm:scene3d>
+      <a:camera prst="orthographicFront"/>
+      <a:lightRig rig="threePt" dir="t"/>
+    </dgm:scene3d>
+    <dgm:sp3d/>
+    <dgm:txPr/>
+    <dgm:style>
+      <a:lnRef idx="2">
+        <a:scrgbClr r="0" g="0" b="0"/>
+      </a:lnRef>
+      <a:fillRef idx="1">
+        <a:scrgbClr r="0" g="0" b="0"/>
+      </a:fillRef>
+      <a:effectRef idx="0">
+        <a:scrgbClr r="0" g="0" b="0"/>
+      </a:effectRef>
+      <a:fontRef idx="minor">
+        <a:schemeClr val="lt1"/>
+      </a:fontRef>
+    </dgm:style>
+  </dgm:styleLbl>
+  <dgm:styleLbl name="node1">
+    <dgm:scene3d>
+      <a:camera prst="orthographicFront"/>
+      <a:lightRig rig="threePt" dir="t"/>
+    </dgm:scene3d>
+    <dgm:sp3d/>
+    <dgm:txPr/>
+    <dgm:style>
+      <a:lnRef idx="2">
+        <a:scrgbClr r="0" g="0" b="0"/>
+      </a:lnRef>
+      <a:fillRef idx="1">
+        <a:scrgbClr r="0" g="0" b="0"/>
+      </a:fillRef>
+      <a:effectRef idx="0">
+        <a:scrgbClr r="0" g="0" b="0"/>
+      </a:effectRef>
+      <a:fontRef idx="minor">
+        <a:schemeClr val="lt1"/>
+      </a:fontRef>
+    </dgm:style>
+  </dgm:styleLbl>
+  <dgm:styleLbl name="node2">
+    <dgm:scene3d>
+      <a:camera prst="orthographicFront"/>
+      <a:lightRig rig="threePt" dir="t"/>
+    </dgm:scene3d>
+    <dgm:sp3d/>
+    <dgm:txPr/>
+    <dgm:style>
+      <a:lnRef idx="2">
+        <a:scrgbClr r="0" g="0" b="0"/>
+      </a:lnRef>
+      <a:fillRef idx="1">
+        <a:scrgbClr r="0" g="0" b="0"/>
+      </a:fillRef>
+      <a:effectRef idx="0">
+        <a:scrgbClr r="0" g="0" b="0"/>
+      </a:effectRef>
+      <a:fontRef idx="minor">
+        <a:schemeClr val="lt1"/>
+      </a:fontRef>
+    </dgm:style>
+  </dgm:styleLbl>
+  <dgm:styleLbl name="node3">
+    <dgm:scene3d>
+      <a:camera prst="orthographicFront"/>
+      <a:lightRig rig="threePt" dir="t"/>
+    </dgm:scene3d>
+    <dgm:sp3d/>
+    <dgm:txPr/>
+    <dgm:style>
+      <a:lnRef idx="2">
+        <a:scrgbClr r="0" g="0" b="0"/>
+      </a:lnRef>
+      <a:fillRef idx="1">
+        <a:scrgbClr r="0" g="0" b="0"/>
+      </a:fillRef>
+      <a:effectRef idx="0">
+        <a:scrgbClr r="0" g="0" b="0"/>
+      </a:effectRef>
+      <a:fontRef idx="minor">
+        <a:schemeClr val="lt1"/>
+      </a:fontRef>
+    </dgm:style>
+  </dgm:styleLbl>
+  <dgm:styleLbl name="node4">
+    <dgm:scene3d>
+      <a:camera prst="orthographicFront"/>
+      <a:lightRig rig="threePt" dir="t"/>
+    </dgm:scene3d>
+    <dgm:sp3d/>
+    <dgm:txPr/>
+    <dgm:style>
+      <a:lnRef idx="2">
+        <a:scrgbClr r="0" g="0" b="0"/>
+      </a:lnRef>
+      <a:fillRef idx="1">
+        <a:scrgbClr r="0" g="0" b="0"/>
+      </a:fillRef>
+      <a:effectRef idx="0">
+        <a:scrgbClr r="0" g="0" b="0"/>
+      </a:effectRef>
+      <a:fontRef idx="minor">
+        <a:schemeClr val="lt1"/>
+      </a:fontRef>
+    </dgm:style>
+  </dgm:styleLbl>
+  <dgm:styleLbl name="fgImgPlace1">
+    <dgm:scene3d>
+      <a:camera prst="orthographicFront"/>
+      <a:lightRig rig="threePt" dir="t"/>
+    </dgm:scene3d>
+    <dgm:sp3d/>
+    <dgm:txPr/>
+    <dgm:style>
+      <a:lnRef idx="2">
+        <a:scrgbClr r="0" g="0" b="0"/>
+      </a:lnRef>
+      <a:fillRef idx="1">
+        <a:scrgbClr r="0" g="0" b="0"/>
+      </a:fillRef>
+      <a:effectRef idx="0">
+        <a:scrgbClr r="0" g="0" b="0"/>
+      </a:effectRef>
+      <a:fontRef idx="minor"/>
+    </dgm:style>
+  </dgm:styleLbl>
+  <dgm:styleLbl name="alignImgPlace1">
+    <dgm:scene3d>
+      <a:camera prst="orthographicFront"/>
+      <a:lightRig rig="threePt" dir="t"/>
+    </dgm:scene3d>
+    <dgm:sp3d/>
+    <dgm:txPr/>
+    <dgm:style>
+      <a:lnRef idx="2">
+        <a:scrgbClr r="0" g="0" b="0"/>
+      </a:lnRef>
+      <a:fillRef idx="1">
+        <a:scrgbClr r="0" g="0" b="0"/>
+      </a:fillRef>
+      <a:effectRef idx="0">
+        <a:scrgbClr r="0" g="0" b="0"/>
+      </a:effectRef>
+      <a:fontRef idx="minor"/>
+    </dgm:style>
+  </dgm:styleLbl>
+  <dgm:styleLbl name="bgImgPlace1">
+    <dgm:scene3d>
+      <a:camera prst="orthographicFront"/>
+      <a:lightRig rig="threePt" dir="t"/>
+    </dgm:scene3d>
+    <dgm:sp3d/>
+    <dgm:txPr/>
+    <dgm:style>
+      <a:lnRef idx="2">
+        <a:scrgbClr r="0" g="0" b="0"/>
+      </a:lnRef>
+      <a:fillRef idx="1">
+        <a:scrgbClr r="0" g="0" b="0"/>
+      </a:fillRef>
+      <a:effectRef idx="0">
+        <a:scrgbClr r="0" g="0" b="0"/>
+      </a:effectRef>
+      <a:fontRef idx="minor"/>
+    </dgm:style>
+  </dgm:styleLbl>
+  <dgm:styleLbl name="sibTrans2D1">
+    <dgm:scene3d>
+      <a:camera prst="orthographicFront"/>
+      <a:lightRig rig="threePt" dir="t"/>
+    </dgm:scene3d>
+    <dgm:sp3d/>
+    <dgm:txPr/>
+    <dgm:style>
+      <a:lnRef idx="0">
+        <a:scrgbClr r="0" g="0" b="0"/>
+      </a:lnRef>
+      <a:fillRef idx="1">
+        <a:scrgbClr r="0" g="0" b="0"/>
+      </a:fillRef>
+      <a:effectRef idx="0">
+        <a:scrgbClr r="0" g="0" b="0"/>
+      </a:effectRef>
+      <a:fontRef idx="minor">
+        <a:schemeClr val="lt1"/>
+      </a:fontRef>
+    </dgm:style>
+  </dgm:styleLbl>
+  <dgm:styleLbl name="fgSibTrans2D1">
+    <dgm:scene3d>
+      <a:camera prst="orthographicFront"/>
+      <a:lightRig rig="threePt" dir="t"/>
+    </dgm:scene3d>
+    <dgm:sp3d/>
+    <dgm:txPr/>
+    <dgm:style>
+      <a:lnRef idx="0">
+        <a:scrgbClr r="0" g="0" b="0"/>
+      </a:lnRef>
+      <a:fillRef idx="1">
+        <a:scrgbClr r="0" g="0" b="0"/>
+      </a:fillRef>
+      <a:effectRef idx="0">
+        <a:scrgbClr r="0" g="0" b="0"/>
+      </a:effectRef>
+      <a:fontRef idx="minor">
+        <a:schemeClr val="lt1"/>
+      </a:fontRef>
+    </dgm:style>
+  </dgm:styleLbl>
+  <dgm:styleLbl name="bgSibTrans2D1">
+    <dgm:scene3d>
+      <a:camera prst="orthographicFront"/>
+      <a:lightRig rig="threePt" dir="t"/>
+    </dgm:scene3d>
+    <dgm:sp3d/>
+    <dgm:txPr/>
+    <dgm:style>
+      <a:lnRef idx="0">
+        <a:scrgbClr r="0" g="0" b="0"/>
+      </a:lnRef>
+      <a:fillRef idx="1">
+        <a:scrgbClr r="0" g="0" b="0"/>
+      </a:fillRef>
+      <a:effectRef idx="0">
+        <a:scrgbClr r="0" g="0" b="0"/>
+      </a:effectRef>
+      <a:fontRef idx="minor">
+        <a:schemeClr val="lt1"/>
+      </a:fontRef>
+    </dgm:style>
+  </dgm:styleLbl>
+  <dgm:styleLbl name="sibTrans1D1">
+    <dgm:scene3d>
+      <a:camera prst="orthographicFront"/>
+      <a:lightRig rig="threePt" dir="t"/>
+    </dgm:scene3d>
+    <dgm:sp3d/>
+    <dgm:txPr/>
+    <dgm:style>
+      <a:lnRef idx="1">
+        <a:scrgbClr r="0" g="0" b="0"/>
+      </a:lnRef>
+      <a:fillRef idx="0">
+        <a:scrgbClr r="0" g="0" b="0"/>
+      </a:fillRef>
+      <a:effectRef idx="0">
+        <a:scrgbClr r="0" g="0" b="0"/>
+      </a:effectRef>
+      <a:fontRef idx="minor"/>
+    </dgm:style>
+  </dgm:styleLbl>
+  <dgm:styleLbl name="callout">
+    <dgm:scene3d>
+      <a:camera prst="orthographicFront"/>
+      <a:lightRig rig="threePt" dir="t"/>
+    </dgm:scene3d>
+    <dgm:sp3d/>
+    <dgm:txPr/>
+    <dgm:style>
+      <a:lnRef idx="2">
+        <a:scrgbClr r="0" g="0" b="0"/>
+      </a:lnRef>
+      <a:fillRef idx="1">
+        <a:scrgbClr r="0" g="0" b="0"/>
+      </a:fillRef>
+      <a:effectRef idx="0">
+        <a:scrgbClr r="0" g="0" b="0"/>
+      </a:effectRef>
+      <a:fontRef idx="minor"/>
+    </dgm:style>
+  </dgm:styleLbl>
+  <dgm:styleLbl name="asst0">
+    <dgm:scene3d>
+      <a:camera prst="orthographicFront"/>
+      <a:lightRig rig="threePt" dir="t"/>
+    </dgm:scene3d>
+    <dgm:sp3d/>
+    <dgm:txPr/>
+    <dgm:style>
+      <a:lnRef idx="2">
+        <a:scrgbClr r="0" g="0" b="0"/>
+      </a:lnRef>
+      <a:fillRef idx="1">
+        <a:scrgbClr r="0" g="0" b="0"/>
+      </a:fillRef>
+      <a:effectRef idx="0">
+        <a:scrgbClr r="0" g="0" b="0"/>
+      </a:effectRef>
+      <a:fontRef idx="minor">
+        <a:schemeClr val="lt1"/>
+      </a:fontRef>
+    </dgm:style>
+  </dgm:styleLbl>
+  <dgm:styleLbl name="asst1">
+    <dgm:scene3d>
+      <a:camera prst="orthographicFront"/>
+      <a:lightRig rig="threePt" dir="t"/>
+    </dgm:scene3d>
+    <dgm:sp3d/>
+    <dgm:txPr/>
+    <dgm:style>
+      <a:lnRef idx="2">
+        <a:scrgbClr r="0" g="0" b="0"/>
+      </a:lnRef>
+      <a:fillRef idx="1">
+        <a:scrgbClr r="0" g="0" b="0"/>
+      </a:fillRef>
+      <a:effectRef idx="0">
+        <a:scrgbClr r="0" g="0" b="0"/>
+      </a:effectRef>
+      <a:fontRef idx="minor">
+        <a:schemeClr val="lt1"/>
+      </a:fontRef>
+    </dgm:style>
+  </dgm:styleLbl>
+  <dgm:styleLbl name="asst2">
+    <dgm:scene3d>
+      <a:camera prst="orthographicFront"/>
+      <a:lightRig rig="threePt" dir="t"/>
+    </dgm:scene3d>
+    <dgm:sp3d/>
+    <dgm:txPr/>
+    <dgm:style>
+      <a:lnRef idx="2">
+        <a:scrgbClr r="0" g="0" b="0"/>
+      </a:lnRef>
+      <a:fillRef idx="1">
+        <a:scrgbClr r="0" g="0" b="0"/>
+      </a:fillRef>
+      <a:effectRef idx="0">
+        <a:scrgbClr r="0" g="0" b="0"/>
+      </a:effectRef>
+      <a:fontRef idx="minor">
+        <a:schemeClr val="lt1"/>
+      </a:fontRef>
+    </dgm:style>
+  </dgm:styleLbl>
+  <dgm:styleLbl name="asst3">
+    <dgm:scene3d>
+      <a:camera prst="orthographicFront"/>
+      <a:lightRig rig="threePt" dir="t"/>
+    </dgm:scene3d>
+    <dgm:sp3d/>
+    <dgm:txPr/>
+    <dgm:style>
+      <a:lnRef idx="2">
+        <a:scrgbClr r="0" g="0" b="0"/>
+      </a:lnRef>
+      <a:fillRef idx="1">
+        <a:scrgbClr r="0" g="0" b="0"/>
+      </a:fillRef>
+      <a:effectRef idx="0">
+        <a:scrgbClr r="0" g="0" b="0"/>
+      </a:effectRef>
+      <a:fontRef idx="minor">
+        <a:schemeClr val="lt1"/>
+      </a:fontRef>
+    </dgm:style>
+  </dgm:styleLbl>
+  <dgm:styleLbl name="asst4">
+    <dgm:scene3d>
+      <a:camera prst="orthographicFront"/>
+      <a:lightRig rig="threePt" dir="t"/>
+    </dgm:scene3d>
+    <dgm:sp3d/>
+    <dgm:txPr/>
+    <dgm:style>
+      <a:lnRef idx="2">
+        <a:scrgbClr r="0" g="0" b="0"/>
+      </a:lnRef>
+      <a:fillRef idx="1">
+        <a:scrgbClr r="0" g="0" b="0"/>
+      </a:fillRef>
+      <a:effectRef idx="0">
+        <a:scrgbClr r="0" g="0" b="0"/>
+      </a:effectRef>
+      <a:fontRef idx="minor">
+        <a:schemeClr val="lt1"/>
+      </a:fontRef>
+    </dgm:style>
+  </dgm:styleLbl>
+  <dgm:styleLbl name="parChTrans2D1">
+    <dgm:scene3d>
+      <a:camera prst="orthographicFront"/>
+      <a:lightRig rig="threePt" dir="t"/>
+    </dgm:scene3d>
+    <dgm:sp3d/>
+    <dgm:txPr/>
+    <dgm:style>
+      <a:lnRef idx="2">
+        <a:scrgbClr r="0" g="0" b="0"/>
+      </a:lnRef>
+      <a:fillRef idx="1">
+        <a:scrgbClr r="0" g="0" b="0"/>
+      </a:fillRef>
+      <a:effectRef idx="0">
+        <a:scrgbClr r="0" g="0" b="0"/>
+      </a:effectRef>
+      <a:fontRef idx="minor">
+        <a:schemeClr val="lt1"/>
+      </a:fontRef>
+    </dgm:style>
+  </dgm:styleLbl>
+  <dgm:styleLbl name="parChTrans2D2">
+    <dgm:scene3d>
+      <a:camera prst="orthographicFront"/>
+      <a:lightRig rig="threePt" dir="t"/>
+    </dgm:scene3d>
+    <dgm:sp3d/>
+    <dgm:txPr/>
+    <dgm:style>
+      <a:lnRef idx="2">
+        <a:scrgbClr r="0" g="0" b="0"/>
+      </a:lnRef>
+      <a:fillRef idx="1">
+        <a:scrgbClr r="0" g="0" b="0"/>
+      </a:fillRef>
+      <a:effectRef idx="0">
+        <a:scrgbClr r="0" g="0" b="0"/>
+      </a:effectRef>
+      <a:fontRef idx="minor">
+        <a:schemeClr val="lt1"/>
+      </a:fontRef>
+    </dgm:style>
+  </dgm:styleLbl>
+  <dgm:styleLbl name="parChTrans2D3">
+    <dgm:scene3d>
+      <a:camera prst="orthographicFront"/>
+      <a:lightRig rig="threePt" dir="t"/>
+    </dgm:scene3d>
+    <dgm:sp3d/>
+    <dgm:txPr/>
+    <dgm:style>
+      <a:lnRef idx="2">
+        <a:scrgbClr r="0" g="0" b="0"/>
+      </a:lnRef>
+      <a:fillRef idx="1">
+        <a:scrgbClr r="0" g="0" b="0"/>
+      </a:fillRef>
+      <a:effectRef idx="0">
+        <a:scrgbClr r="0" g="0" b="0"/>
+      </a:effectRef>
+      <a:fontRef idx="minor">
+        <a:schemeClr val="lt1"/>
+      </a:fontRef>
+    </dgm:style>
+  </dgm:styleLbl>
+  <dgm:styleLbl name="parChTrans2D4">
+    <dgm:scene3d>
+      <a:camera prst="orthographicFront"/>
+      <a:lightRig rig="threePt" dir="t"/>
+    </dgm:scene3d>
+    <dgm:sp3d/>
+    <dgm:txPr/>
+    <dgm:style>
+      <a:lnRef idx="2">
+        <a:scrgbClr r="0" g="0" b="0"/>
+      </a:lnRef>
+      <a:fillRef idx="1">
+        <a:scrgbClr r="0" g="0" b="0"/>
+      </a:fillRef>
+      <a:effectRef idx="0">
+        <a:scrgbClr r="0" g="0" b="0"/>
+      </a:effectRef>
+      <a:fontRef idx="minor">
+        <a:schemeClr val="lt1"/>
+      </a:fontRef>
+    </dgm:style>
+  </dgm:styleLbl>
+  <dgm:styleLbl name="parChTrans1D1">
+    <dgm:scene3d>
+      <a:camera prst="orthographicFront"/>
+      <a:lightRig rig="threePt" dir="t"/>
+    </dgm:scene3d>
+    <dgm:sp3d/>
+    <dgm:txPr/>
+    <dgm:style>
+      <a:lnRef idx="2">
+        <a:scrgbClr r="0" g="0" b="0"/>
+      </a:lnRef>
+      <a:fillRef idx="0">
+        <a:scrgbClr r="0" g="0" b="0"/>
+      </a:fillRef>
+      <a:effectRef idx="0">
+        <a:scrgbClr r="0" g="0" b="0"/>
+      </a:effectRef>
+      <a:fontRef idx="minor"/>
+    </dgm:style>
+  </dgm:styleLbl>
+  <dgm:styleLbl name="parChTrans1D2">
+    <dgm:scene3d>
+      <a:camera prst="orthographicFront"/>
+      <a:lightRig rig="threePt" dir="t"/>
+    </dgm:scene3d>
+    <dgm:sp3d/>
+    <dgm:txPr/>
+    <dgm:style>
+      <a:lnRef idx="2">
+        <a:scrgbClr r="0" g="0" b="0"/>
+      </a:lnRef>
+      <a:fillRef idx="0">
+        <a:scrgbClr r="0" g="0" b="0"/>
+      </a:fillRef>
+      <a:effectRef idx="0">
+        <a:scrgbClr r="0" g="0" b="0"/>
+      </a:effectRef>
+      <a:fontRef idx="minor"/>
+    </dgm:style>
+  </dgm:styleLbl>
+  <dgm:styleLbl name="parChTrans1D3">
+    <dgm:scene3d>
+      <a:camera prst="orthographicFront"/>
+      <a:lightRig rig="threePt" dir="t"/>
+    </dgm:scene3d>
+    <dgm:sp3d/>
+    <dgm:txPr/>
+    <dgm:style>
+      <a:lnRef idx="2">
+        <a:scrgbClr r="0" g="0" b="0"/>
+      </a:lnRef>
+      <a:fillRef idx="0">
+        <a:scrgbClr r="0" g="0" b="0"/>
+      </a:fillRef>
+      <a:effectRef idx="0">
+        <a:scrgbClr r="0" g="0" b="0"/>
+      </a:effectRef>
+      <a:fontRef idx="minor"/>
+    </dgm:style>
+  </dgm:styleLbl>
+  <dgm:styleLbl name="parChTrans1D4">
+    <dgm:scene3d>
+      <a:camera prst="orthographicFront"/>
+      <a:lightRig rig="threePt" dir="t"/>
+    </dgm:scene3d>
+    <dgm:sp3d/>
+    <dgm:txPr/>
+    <dgm:style>
+      <a:lnRef idx="2">
+        <a:scrgbClr r="0" g="0" b="0"/>
+      </a:lnRef>
+      <a:fillRef idx="0">
+        <a:scrgbClr r="0" g="0" b="0"/>
+      </a:fillRef>
+      <a:effectRef idx="0">
+        <a:scrgbClr r="0" g="0" b="0"/>
+      </a:effectRef>
+      <a:fontRef idx="minor"/>
+    </dgm:style>
+  </dgm:styleLbl>
+  <dgm:styleLbl name="fgAcc1">
+    <dgm:scene3d>
+      <a:camera prst="orthographicFront"/>
+      <a:lightRig rig="threePt" dir="t"/>
+    </dgm:scene3d>
+    <dgm:sp3d/>
+    <dgm:txPr/>
+    <dgm:style>
+      <a:lnRef idx="2">
+        <a:scrgbClr r="0" g="0" b="0"/>
+      </a:lnRef>
+      <a:fillRef idx="1">
+        <a:scrgbClr r="0" g="0" b="0"/>
+      </a:fillRef>
+      <a:effectRef idx="0">
+        <a:scrgbClr r="0" g="0" b="0"/>
+      </a:effectRef>
+      <a:fontRef idx="minor"/>
+    </dgm:style>
+  </dgm:styleLbl>
+  <dgm:styleLbl name="conFgAcc1">
+    <dgm:scene3d>
+      <a:camera prst="orthographicFront"/>
+      <a:lightRig rig="threePt" dir="t"/>
+    </dgm:scene3d>
+    <dgm:sp3d/>
+    <dgm:txPr/>
+    <dgm:style>
+      <a:lnRef idx="2">
+        <a:scrgbClr r="0" g="0" b="0"/>
+      </a:lnRef>
+      <a:fillRef idx="1">
+        <a:scrgbClr r="0" g="0" b="0"/>
+      </a:fillRef>
+      <a:effectRef idx="0">
+        <a:scrgbClr r="0" g="0" b="0"/>
+      </a:effectRef>
+      <a:fontRef idx="minor"/>
+    </dgm:style>
+  </dgm:styleLbl>
+  <dgm:styleLbl name="alignAcc1">
+    <dgm:scene3d>
+      <a:camera prst="orthographicFront"/>
+      <a:lightRig rig="threePt" dir="t"/>
+    </dgm:scene3d>
+    <dgm:sp3d/>
+    <dgm:txPr/>
+    <dgm:style>
+      <a:lnRef idx="2">
+        <a:scrgbClr r="0" g="0" b="0"/>
+      </a:lnRef>
+      <a:fillRef idx="1">
+        <a:scrgbClr r="0" g="0" b="0"/>
+      </a:fillRef>
+      <a:effectRef idx="0">
+        <a:scrgbClr r="0" g="0" b="0"/>
+      </a:effectRef>
+      <a:fontRef idx="minor"/>
+    </dgm:style>
+  </dgm:styleLbl>
+  <dgm:styleLbl name="trAlignAcc1">
+    <dgm:scene3d>
+      <a:camera prst="orthographicFront"/>
+      <a:lightRig rig="threePt" dir="t"/>
+    </dgm:scene3d>
+    <dgm:sp3d/>
+    <dgm:txPr/>
+    <dgm:style>
+      <a:lnRef idx="1">
+        <a:scrgbClr r="0" g="0" b="0"/>
+      </a:lnRef>
+      <a:fillRef idx="1">
+        <a:scrgbClr r="0" g="0" b="0"/>
+      </a:fillRef>
+      <a:effectRef idx="0">
+        <a:scrgbClr r="0" g="0" b="0"/>
+      </a:effectRef>
+      <a:fontRef idx="minor"/>
+    </dgm:style>
+  </dgm:styleLbl>
+  <dgm:styleLbl name="bgAcc1">
+    <dgm:scene3d>
+      <a:camera prst="orthographicFront"/>
+      <a:lightRig rig="threePt" dir="t"/>
+    </dgm:scene3d>
+    <dgm:sp3d/>
+    <dgm:txPr/>
+    <dgm:style>
+      <a:lnRef idx="2">
+        <a:scrgbClr r="0" g="0" b="0"/>
+      </a:lnRef>
+      <a:fillRef idx="1">
+        <a:scrgbClr r="0" g="0" b="0"/>
+      </a:fillRef>
+      <a:effectRef idx="0">
+        <a:scrgbClr r="0" g="0" b="0"/>
+      </a:effectRef>
+      <a:fontRef idx="minor"/>
+    </dgm:style>
+  </dgm:styleLbl>
+  <dgm:styleLbl name="solidFgAcc1">
+    <dgm:scene3d>
+      <a:camera prst="orthographicFront"/>
+      <a:lightRig rig="threePt" dir="t"/>
+    </dgm:scene3d>
+    <dgm:sp3d/>
+    <dgm:txPr/>
+    <dgm:style>
+      <a:lnRef idx="2">
+        <a:scrgbClr r="0" g="0" b="0"/>
+      </a:lnRef>
+      <a:fillRef idx="1">
+        <a:scrgbClr r="0" g="0" b="0"/>
+      </a:fillRef>
+      <a:effectRef idx="0">
+        <a:scrgbClr r="0" g="0" b="0"/>
+      </a:effectRef>
+      <a:fontRef idx="minor"/>
+    </dgm:style>
+  </dgm:styleLbl>
+  <dgm:styleLbl name="solidAlignAcc1">
+    <dgm:scene3d>
+      <a:camera prst="orthographicFront"/>
+      <a:lightRig rig="threePt" dir="t"/>
+    </dgm:scene3d>
+    <dgm:sp3d/>
+    <dgm:txPr/>
+    <dgm:style>
+      <a:lnRef idx="2">
+        <a:scrgbClr r="0" g="0" b="0"/>
+      </a:lnRef>
+      <a:fillRef idx="1">
+        <a:scrgbClr r="0" g="0" b="0"/>
+      </a:fillRef>
+      <a:effectRef idx="0">
+        <a:scrgbClr r="0" g="0" b="0"/>
+      </a:effectRef>
+      <a:fontRef idx="minor"/>
+    </dgm:style>
+  </dgm:styleLbl>
+  <dgm:styleLbl name="solidBgAcc1">
+    <dgm:scene3d>
+      <a:camera prst="orthographicFront"/>
+      <a:lightRig rig="threePt" dir="t"/>
+    </dgm:scene3d>
+    <dgm:sp3d/>
+    <dgm:txPr/>
+    <dgm:style>
+      <a:lnRef idx="2">
+        <a:scrgbClr r="0" g="0" b="0"/>
+      </a:lnRef>
+      <a:fillRef idx="1">
+        <a:scrgbClr r="0" g="0" b="0"/>
+      </a:fillRef>
+      <a:effectRef idx="0">
+        <a:scrgbClr r="0" g="0" b="0"/>
+      </a:effectRef>
+      <a:fontRef idx="minor"/>
+    </dgm:style>
+  </dgm:styleLbl>
+  <dgm:styleLbl name="fgAccFollowNode1">
+    <dgm:scene3d>
+      <a:camera prst="orthographicFront"/>
+      <a:lightRig rig="threePt" dir="t"/>
+    </dgm:scene3d>
+    <dgm:sp3d/>
+    <dgm:txPr/>
+    <dgm:style>
+      <a:lnRef idx="2">
+        <a:scrgbClr r="0" g="0" b="0"/>
+      </a:lnRef>
+      <a:fillRef idx="1">
+        <a:scrgbClr r="0" g="0" b="0"/>
+      </a:fillRef>
+      <a:effectRef idx="0">
+        <a:scrgbClr r="0" g="0" b="0"/>
+      </a:effectRef>
+      <a:fontRef idx="minor"/>
+    </dgm:style>
+  </dgm:styleLbl>
+  <dgm:styleLbl name="alignAccFollowNode1">
+    <dgm:scene3d>
+      <a:camera prst="orthographicFront"/>
+      <a:lightRig rig="threePt" dir="t"/>
+    </dgm:scene3d>
+    <dgm:sp3d/>
+    <dgm:txPr/>
+    <dgm:style>
+      <a:lnRef idx="2">
+        <a:scrgbClr r="0" g="0" b="0"/>
+      </a:lnRef>
+      <a:fillRef idx="1">
+        <a:scrgbClr r="0" g="0" b="0"/>
+      </a:fillRef>
+      <a:effectRef idx="0">
+        <a:scrgbClr r="0" g="0" b="0"/>
+      </a:effectRef>
+      <a:fontRef idx="minor"/>
+    </dgm:style>
+  </dgm:styleLbl>
+  <dgm:styleLbl name="bgAccFollowNode1">
+    <dgm:scene3d>
+      <a:camera prst="orthographicFront"/>
+      <a:lightRig rig="threePt" dir="t"/>
+    </dgm:scene3d>
+    <dgm:sp3d/>
+    <dgm:txPr/>
+    <dgm:style>
+      <a:lnRef idx="2">
+        <a:scrgbClr r="0" g="0" b="0"/>
+      </a:lnRef>
+      <a:fillRef idx="1">
+        <a:scrgbClr r="0" g="0" b="0"/>
+      </a:fillRef>
+      <a:effectRef idx="0">
+        <a:scrgbClr r="0" g="0" b="0"/>
+      </a:effectRef>
+      <a:fontRef idx="minor"/>
+    </dgm:style>
+  </dgm:styleLbl>
+  <dgm:styleLbl name="fgAcc0">
+    <dgm:scene3d>
+      <a:camera prst="orthographicFront"/>
+      <a:lightRig rig="threePt" dir="t"/>
+    </dgm:scene3d>
+    <dgm:sp3d/>
+    <dgm:txPr/>
+    <dgm:style>
+      <a:lnRef idx="2">
+        <a:scrgbClr r="0" g="0" b="0"/>
+      </a:lnRef>
+      <a:fillRef idx="1">
+        <a:scrgbClr r="0" g="0" b="0"/>
+      </a:fillRef>
+      <a:effectRef idx="0">
+        <a:scrgbClr r="0" g="0" b="0"/>
+      </a:effectRef>
+      <a:fontRef idx="minor"/>
+    </dgm:style>
+  </dgm:styleLbl>
+  <dgm:styleLbl name="fgAcc2">
+    <dgm:scene3d>
+      <a:camera prst="orthographicFront"/>
+      <a:lightRig rig="threePt" dir="t"/>
+    </dgm:scene3d>
+    <dgm:sp3d/>
+    <dgm:txPr/>
+    <dgm:style>
+      <a:lnRef idx="2">
+        <a:scrgbClr r="0" g="0" b="0"/>
+      </a:lnRef>
+      <a:fillRef idx="1">
+        <a:scrgbClr r="0" g="0" b="0"/>
+      </a:fillRef>
+      <a:effectRef idx="0">
+        <a:scrgbClr r="0" g="0" b="0"/>
+      </a:effectRef>
+      <a:fontRef idx="minor"/>
+    </dgm:style>
+  </dgm:styleLbl>
+  <dgm:styleLbl name="fgAcc3">
+    <dgm:scene3d>
+      <a:camera prst="orthographicFront"/>
+      <a:lightRig rig="threePt" dir="t"/>
+    </dgm:scene3d>
+    <dgm:sp3d/>
+    <dgm:txPr/>
+    <dgm:style>
+      <a:lnRef idx="2">
+        <a:scrgbClr r="0" g="0" b="0"/>
+      </a:lnRef>
+      <a:fillRef idx="1">
+        <a:scrgbClr r="0" g="0" b="0"/>
+      </a:fillRef>
+      <a:effectRef idx="0">
+        <a:scrgbClr r="0" g="0" b="0"/>
+      </a:effectRef>
+      <a:fontRef idx="minor"/>
+    </dgm:style>
+  </dgm:styleLbl>
+  <dgm:styleLbl name="fgAcc4">
+    <dgm:scene3d>
+      <a:camera prst="orthographicFront"/>
+      <a:lightRig rig="threePt" dir="t"/>
+    </dgm:scene3d>
+    <dgm:sp3d/>
+    <dgm:txPr/>
+    <dgm:style>
+      <a:lnRef idx="2">
+        <a:scrgbClr r="0" g="0" b="0"/>
+      </a:lnRef>
+      <a:fillRef idx="1">
+        <a:scrgbClr r="0" g="0" b="0"/>
+      </a:fillRef>
+      <a:effectRef idx="0">
+        <a:scrgbClr r="0" g="0" b="0"/>
+      </a:effectRef>
+      <a:fontRef idx="minor"/>
+    </dgm:style>
+  </dgm:styleLbl>
+  <dgm:styleLbl name="bgShp">
+    <dgm:scene3d>
+      <a:camera prst="orthographicFront"/>
+      <a:lightRig rig="threePt" dir="t"/>
+    </dgm:scene3d>
+    <dgm:sp3d/>
+    <dgm:txPr/>
+    <dgm:style>
+      <a:lnRef idx="0">
+        <a:scrgbClr r="0" g="0" b="0"/>
+      </a:lnRef>
+      <a:fillRef idx="1">
+        <a:scrgbClr r="0" g="0" b="0"/>
+      </a:fillRef>
+      <a:effectRef idx="0">
+        <a:scrgbClr r="0" g="0" b="0"/>
+      </a:effectRef>
+      <a:fontRef idx="minor"/>
+    </dgm:style>
+  </dgm:styleLbl>
+  <dgm:styleLbl name="dkBgShp">
+    <dgm:scene3d>
+      <a:camera prst="orthographicFront"/>
+      <a:lightRig rig="threePt" dir="t"/>
+    </dgm:scene3d>
+    <dgm:sp3d/>
+    <dgm:txPr/>
+    <dgm:style>
+      <a:lnRef idx="0">
+        <a:scrgbClr r="0" g="0" b="0"/>
+      </a:lnRef>
+      <a:fillRef idx="1">
+        <a:scrgbClr r="0" g="0" b="0"/>
+      </a:fillRef>
+      <a:effectRef idx="0">
+        <a:scrgbClr r="0" g="0" b="0"/>
+      </a:effectRef>
+      <a:fontRef idx="minor"/>
+    </dgm:style>
+  </dgm:styleLbl>
+  <dgm:styleLbl name="trBgShp">
+    <dgm:scene3d>
+      <a:camera prst="orthographicFront"/>
+      <a:lightRig rig="threePt" dir="t"/>
+    </dgm:scene3d>
+    <dgm:sp3d/>
+    <dgm:txPr/>
+    <dgm:style>
+      <a:lnRef idx="0">
+        <a:scrgbClr r="0" g="0" b="0"/>
+      </a:lnRef>
+      <a:fillRef idx="1">
+        <a:scrgbClr r="0" g="0" b="0"/>
+      </a:fillRef>
+      <a:effectRef idx="0">
+        <a:scrgbClr r="0" g="0" b="0"/>
+      </a:effectRef>
+      <a:fontRef idx="minor"/>
+    </dgm:style>
+  </dgm:styleLbl>
+  <dgm:styleLbl name="fgShp">
+    <dgm:scene3d>
+      <a:camera prst="orthographicFront"/>
+      <a:lightRig rig="threePt" dir="t"/>
+    </dgm:scene3d>
+    <dgm:sp3d/>
+    <dgm:txPr/>
+    <dgm:style>
+      <a:lnRef idx="2">
+        <a:scrgbClr r="0" g="0" b="0"/>
+      </a:lnRef>
+      <a:fillRef idx="1">
+        <a:scrgbClr r="0" g="0" b="0"/>
+      </a:fillRef>
+      <a:effectRef idx="0">
+        <a:scrgbClr r="0" g="0" b="0"/>
+      </a:effectRef>
+      <a:fontRef idx="minor"/>
+    </dgm:style>
+  </dgm:styleLbl>
+  <dgm:styleLbl name="revTx">
+    <dgm:scene3d>
+      <a:camera prst="orthographicFront"/>
+      <a:lightRig rig="threePt" dir="t"/>
+    </dgm:scene3d>
+    <dgm:sp3d/>
+    <dgm:txPr/>
+    <dgm:style>
+      <a:lnRef idx="0">
+        <a:scrgbClr r="0" g="0" b="0"/>
+      </a:lnRef>
+      <a:fillRef idx="0">
+        <a:scrgbClr r="0" g="0" b="0"/>
+      </a:fillRef>
+      <a:effectRef idx="0">
+        <a:scrgbClr r="0" g="0" b="0"/>
+      </a:effectRef>
+      <a:fontRef idx="minor"/>
+    </dgm:style>
+  </dgm:styleLbl>
+</dgm:styleDef>
+</file>
+
+<file path=ppt/diagrams/quickStyle4.xml><?xml version="1.0" encoding="utf-8"?>
+<dgm:styleDef xmlns:dgm="http://schemas.openxmlformats.org/drawingml/2006/diagram" xmlns:a="http://schemas.openxmlformats.org/drawingml/2006/main" uniqueId="urn:microsoft.com/office/officeart/2005/8/quickstyle/simple4">
+  <dgm:title val=""/>
+  <dgm:desc val=""/>
+  <dgm:catLst>
+    <dgm:cat type="simple" pri="10400"/>
+  </dgm:catLst>
+  <dgm:scene3d>
+    <a:camera prst="orthographicFront"/>
+    <a:lightRig rig="threePt" dir="t"/>
+  </dgm:scene3d>
+  <dgm:styleLbl name="node0">
+    <dgm:scene3d>
+      <a:camera prst="orthographicFront"/>
+      <a:lightRig rig="threePt" dir="t"/>
+    </dgm:scene3d>
+    <dgm:sp3d/>
+    <dgm:txPr/>
+    <dgm:style>
+      <a:lnRef idx="0">
+        <a:scrgbClr r="0" g="0" b="0"/>
+      </a:lnRef>
+      <a:fillRef idx="3">
+        <a:scrgbClr r="0" g="0" b="0"/>
+      </a:fillRef>
+      <a:effectRef idx="2">
+        <a:scrgbClr r="0" g="0" b="0"/>
+      </a:effectRef>
+      <a:fontRef idx="minor">
+        <a:schemeClr val="lt1"/>
+      </a:fontRef>
+    </dgm:style>
+  </dgm:styleLbl>
+  <dgm:styleLbl name="lnNode1">
+    <dgm:scene3d>
+      <a:camera prst="orthographicFront"/>
+      <a:lightRig rig="threePt" dir="t"/>
+    </dgm:scene3d>
+    <dgm:sp3d/>
+    <dgm:txPr/>
+    <dgm:style>
+      <a:lnRef idx="1">
+        <a:scrgbClr r="0" g="0" b="0"/>
+      </a:lnRef>
+      <a:fillRef idx="3">
+        <a:scrgbClr r="0" g="0" b="0"/>
+      </a:fillRef>
+      <a:effectRef idx="2">
+        <a:scrgbClr r="0" g="0" b="0"/>
+      </a:effectRef>
+      <a:fontRef idx="minor">
+        <a:schemeClr val="lt1"/>
+      </a:fontRef>
+    </dgm:style>
+  </dgm:styleLbl>
+  <dgm:styleLbl name="vennNode1">
+    <dgm:scene3d>
+      <a:camera prst="orthographicFront"/>
+      <a:lightRig rig="threePt" dir="t"/>
+    </dgm:scene3d>
+    <dgm:sp3d/>
+    <dgm:txPr/>
+    <dgm:style>
+      <a:lnRef idx="0">
+        <a:scrgbClr r="0" g="0" b="0"/>
+      </a:lnRef>
+      <a:fillRef idx="3">
+        <a:scrgbClr r="0" g="0" b="0"/>
+      </a:fillRef>
+      <a:effectRef idx="0">
+        <a:scrgbClr r="0" g="0" b="0"/>
+      </a:effectRef>
+      <a:fontRef idx="minor">
+        <a:schemeClr val="tx1"/>
+      </a:fontRef>
+    </dgm:style>
+  </dgm:styleLbl>
+  <dgm:styleLbl name="alignNode1">
+    <dgm:scene3d>
+      <a:camera prst="orthographicFront"/>
+      <a:lightRig rig="threePt" dir="t"/>
+    </dgm:scene3d>
+    <dgm:sp3d/>
+    <dgm:txPr/>
+    <dgm:style>
+      <a:lnRef idx="1">
+        <a:scrgbClr r="0" g="0" b="0"/>
+      </a:lnRef>
+      <a:fillRef idx="3">
+        <a:scrgbClr r="0" g="0" b="0"/>
+      </a:fillRef>
+      <a:effectRef idx="2">
+        <a:scrgbClr r="0" g="0" b="0"/>
+      </a:effectRef>
+      <a:fontRef idx="minor">
+        <a:schemeClr val="lt1"/>
+      </a:fontRef>
+    </dgm:style>
+  </dgm:styleLbl>
+  <dgm:styleLbl name="node1">
+    <dgm:scene3d>
+      <a:camera prst="orthographicFront"/>
+      <a:lightRig rig="threePt" dir="t"/>
+    </dgm:scene3d>
+    <dgm:sp3d/>
+    <dgm:txPr/>
+    <dgm:style>
+      <a:lnRef idx="0">
+        <a:scrgbClr r="0" g="0" b="0"/>
+      </a:lnRef>
+      <a:fillRef idx="3">
+        <a:scrgbClr r="0" g="0" b="0"/>
+      </a:fillRef>
+      <a:effectRef idx="2">
+        <a:scrgbClr r="0" g="0" b="0"/>
+      </a:effectRef>
+      <a:fontRef idx="minor">
+        <a:schemeClr val="lt1"/>
+      </a:fontRef>
+    </dgm:style>
+  </dgm:styleLbl>
+  <dgm:styleLbl name="node2">
+    <dgm:scene3d>
+      <a:camera prst="orthographicFront"/>
+      <a:lightRig rig="threePt" dir="t"/>
+    </dgm:scene3d>
+    <dgm:sp3d/>
+    <dgm:txPr/>
+    <dgm:style>
+      <a:lnRef idx="0">
+        <a:scrgbClr r="0" g="0" b="0"/>
+      </a:lnRef>
+      <a:fillRef idx="3">
+        <a:scrgbClr r="0" g="0" b="0"/>
+      </a:fillRef>
+      <a:effectRef idx="2">
+        <a:scrgbClr r="0" g="0" b="0"/>
+      </a:effectRef>
+      <a:fontRef idx="minor">
+        <a:schemeClr val="lt1"/>
+      </a:fontRef>
+    </dgm:style>
+  </dgm:styleLbl>
+  <dgm:styleLbl name="node3">
+    <dgm:scene3d>
+      <a:camera prst="orthographicFront"/>
+      <a:lightRig rig="threePt" dir="t"/>
+    </dgm:scene3d>
+    <dgm:sp3d/>
+    <dgm:txPr/>
+    <dgm:style>
+      <a:lnRef idx="0">
+        <a:scrgbClr r="0" g="0" b="0"/>
+      </a:lnRef>
+      <a:fillRef idx="3">
+        <a:scrgbClr r="0" g="0" b="0"/>
+      </a:fillRef>
+      <a:effectRef idx="2">
+        <a:scrgbClr r="0" g="0" b="0"/>
+      </a:effectRef>
+      <a:fontRef idx="minor">
+        <a:schemeClr val="lt1"/>
+      </a:fontRef>
+    </dgm:style>
+  </dgm:styleLbl>
+  <dgm:styleLbl name="node4">
+    <dgm:scene3d>
+      <a:camera prst="orthographicFront"/>
+      <a:lightRig rig="threePt" dir="t"/>
+    </dgm:scene3d>
+    <dgm:sp3d/>
+    <dgm:txPr/>
+    <dgm:style>
+      <a:lnRef idx="0">
+        <a:scrgbClr r="0" g="0" b="0"/>
+      </a:lnRef>
+      <a:fillRef idx="3">
+        <a:scrgbClr r="0" g="0" b="0"/>
+      </a:fillRef>
+      <a:effectRef idx="2">
+        <a:scrgbClr r="0" g="0" b="0"/>
+      </a:effectRef>
+      <a:fontRef idx="minor">
+        <a:schemeClr val="lt1"/>
+      </a:fontRef>
+    </dgm:style>
+  </dgm:styleLbl>
+  <dgm:styleLbl name="fgImgPlace1">
+    <dgm:scene3d>
+      <a:camera prst="orthographicFront"/>
+      <a:lightRig rig="threePt" dir="t"/>
+    </dgm:scene3d>
+    <dgm:sp3d/>
+    <dgm:txPr/>
+    <dgm:style>
+      <a:lnRef idx="0">
+        <a:scrgbClr r="0" g="0" b="0"/>
+      </a:lnRef>
+      <a:fillRef idx="1">
+        <a:scrgbClr r="0" g="0" b="0"/>
+      </a:fillRef>
+      <a:effectRef idx="2">
+        <a:scrgbClr r="0" g="0" b="0"/>
+      </a:effectRef>
+      <a:fontRef idx="minor"/>
+    </dgm:style>
+  </dgm:styleLbl>
+  <dgm:styleLbl name="alignImgPlace1">
+    <dgm:scene3d>
+      <a:camera prst="orthographicFront"/>
+      <a:lightRig rig="threePt" dir="t"/>
+    </dgm:scene3d>
+    <dgm:sp3d/>
+    <dgm:txPr/>
+    <dgm:style>
+      <a:lnRef idx="0">
+        <a:scrgbClr r="0" g="0" b="0"/>
+      </a:lnRef>
+      <a:fillRef idx="1">
+        <a:scrgbClr r="0" g="0" b="0"/>
+      </a:fillRef>
+      <a:effectRef idx="2">
+        <a:scrgbClr r="0" g="0" b="0"/>
+      </a:effectRef>
+      <a:fontRef idx="minor"/>
+    </dgm:style>
+  </dgm:styleLbl>
+  <dgm:styleLbl name="bgImgPlace1">
+    <dgm:scene3d>
+      <a:camera prst="orthographicFront"/>
+      <a:lightRig rig="threePt" dir="t"/>
+    </dgm:scene3d>
+    <dgm:sp3d/>
+    <dgm:txPr/>
+    <dgm:style>
+      <a:lnRef idx="0">
+        <a:scrgbClr r="0" g="0" b="0"/>
+      </a:lnRef>
+      <a:fillRef idx="1">
+        <a:scrgbClr r="0" g="0" b="0"/>
+      </a:fillRef>
+      <a:effectRef idx="2">
+        <a:scrgbClr r="0" g="0" b="0"/>
+      </a:effectRef>
+      <a:fontRef idx="minor"/>
+    </dgm:style>
+  </dgm:styleLbl>
+  <dgm:styleLbl name="sibTrans2D1">
+    <dgm:scene3d>
+      <a:camera prst="orthographicFront"/>
+      <a:lightRig rig="threePt" dir="t"/>
+    </dgm:scene3d>
+    <dgm:sp3d/>
+    <dgm:txPr/>
+    <dgm:style>
+      <a:lnRef idx="0">
+        <a:scrgbClr r="0" g="0" b="0"/>
+      </a:lnRef>
+      <a:fillRef idx="3">
+        <a:scrgbClr r="0" g="0" b="0"/>
+      </a:fillRef>
+      <a:effectRef idx="2">
+        <a:scrgbClr r="0" g="0" b="0"/>
+      </a:effectRef>
+      <a:fontRef idx="minor">
+        <a:schemeClr val="lt1"/>
+      </a:fontRef>
+    </dgm:style>
+  </dgm:styleLbl>
+  <dgm:styleLbl name="fgSibTrans2D1">
+    <dgm:scene3d>
+      <a:camera prst="orthographicFront"/>
+      <a:lightRig rig="threePt" dir="t"/>
+    </dgm:scene3d>
+    <dgm:sp3d/>
+    <dgm:txPr/>
+    <dgm:style>
+      <a:lnRef idx="0">
+        <a:scrgbClr r="0" g="0" b="0"/>
+      </a:lnRef>
+      <a:fillRef idx="3">
+        <a:scrgbClr r="0" g="0" b="0"/>
+      </a:fillRef>
+      <a:effectRef idx="2">
+        <a:scrgbClr r="0" g="0" b="0"/>
+      </a:effectRef>
+      <a:fontRef idx="minor">
+        <a:schemeClr val="lt1"/>
+      </a:fontRef>
+    </dgm:style>
+  </dgm:styleLbl>
+  <dgm:styleLbl name="bgSibTrans2D1">
+    <dgm:scene3d>
+      <a:camera prst="orthographicFront"/>
+      <a:lightRig rig="threePt" dir="t"/>
+    </dgm:scene3d>
+    <dgm:sp3d/>
+    <dgm:txPr/>
+    <dgm:style>
+      <a:lnRef idx="0">
+        <a:scrgbClr r="0" g="0" b="0"/>
+      </a:lnRef>
+      <a:fillRef idx="3">
+        <a:scrgbClr r="0" g="0" b="0"/>
+      </a:fillRef>
+      <a:effectRef idx="2">
+        <a:scrgbClr r="0" g="0" b="0"/>
+      </a:effectRef>
+      <a:fontRef idx="minor">
+        <a:schemeClr val="lt1"/>
+      </a:fontRef>
+    </dgm:style>
+  </dgm:styleLbl>
+  <dgm:styleLbl name="sibTrans1D1">
+    <dgm:scene3d>
+      <a:camera prst="orthographicFront"/>
+      <a:lightRig rig="threePt" dir="t"/>
+    </dgm:scene3d>
+    <dgm:sp3d/>
+    <dgm:txPr/>
+    <dgm:style>
+      <a:lnRef idx="1">
+        <a:scrgbClr r="0" g="0" b="0"/>
+      </a:lnRef>
+      <a:fillRef idx="0">
+        <a:scrgbClr r="0" g="0" b="0"/>
+      </a:fillRef>
+      <a:effectRef idx="0">
+        <a:scrgbClr r="0" g="0" b="0"/>
+      </a:effectRef>
+      <a:fontRef idx="minor"/>
+    </dgm:style>
+  </dgm:styleLbl>
+  <dgm:styleLbl name="callout">
+    <dgm:scene3d>
+      <a:camera prst="orthographicFront"/>
+      <a:lightRig rig="threePt" dir="t"/>
+    </dgm:scene3d>
+    <dgm:sp3d/>
+    <dgm:txPr/>
+    <dgm:style>
+      <a:lnRef idx="2">
+        <a:scrgbClr r="0" g="0" b="0"/>
+      </a:lnRef>
+      <a:fillRef idx="1">
+        <a:scrgbClr r="0" g="0" b="0"/>
+      </a:fillRef>
+      <a:effectRef idx="1">
+        <a:scrgbClr r="0" g="0" b="0"/>
+      </a:effectRef>
+      <a:fontRef idx="minor"/>
+    </dgm:style>
+  </dgm:styleLbl>
+  <dgm:styleLbl name="asst0">
+    <dgm:scene3d>
+      <a:camera prst="orthographicFront"/>
+      <a:lightRig rig="threePt" dir="t"/>
+    </dgm:scene3d>
+    <dgm:sp3d/>
+    <dgm:txPr/>
+    <dgm:style>
+      <a:lnRef idx="0">
+        <a:scrgbClr r="0" g="0" b="0"/>
+      </a:lnRef>
+      <a:fillRef idx="3">
+        <a:scrgbClr r="0" g="0" b="0"/>
+      </a:fillRef>
+      <a:effectRef idx="2">
+        <a:scrgbClr r="0" g="0" b="0"/>
+      </a:effectRef>
+      <a:fontRef idx="minor">
+        <a:schemeClr val="lt1"/>
+      </a:fontRef>
+    </dgm:style>
+  </dgm:styleLbl>
+  <dgm:styleLbl name="asst1">
+    <dgm:scene3d>
+      <a:camera prst="orthographicFront"/>
+      <a:lightRig rig="threePt" dir="t"/>
+    </dgm:scene3d>
+    <dgm:sp3d/>
+    <dgm:txPr/>
+    <dgm:style>
+      <a:lnRef idx="0">
+        <a:scrgbClr r="0" g="0" b="0"/>
+      </a:lnRef>
+      <a:fillRef idx="3">
+        <a:scrgbClr r="0" g="0" b="0"/>
+      </a:fillRef>
+      <a:effectRef idx="2">
+        <a:scrgbClr r="0" g="0" b="0"/>
+      </a:effectRef>
+      <a:fontRef idx="minor">
+        <a:schemeClr val="lt1"/>
+      </a:fontRef>
+    </dgm:style>
+  </dgm:styleLbl>
+  <dgm:styleLbl name="asst2">
+    <dgm:scene3d>
+      <a:camera prst="orthographicFront"/>
+      <a:lightRig rig="threePt" dir="t"/>
+    </dgm:scene3d>
+    <dgm:sp3d/>
+    <dgm:txPr/>
+    <dgm:style>
+      <a:lnRef idx="0">
+        <a:scrgbClr r="0" g="0" b="0"/>
+      </a:lnRef>
+      <a:fillRef idx="3">
+        <a:scrgbClr r="0" g="0" b="0"/>
+      </a:fillRef>
+      <a:effectRef idx="2">
+        <a:scrgbClr r="0" g="0" b="0"/>
+      </a:effectRef>
+      <a:fontRef idx="minor">
+        <a:schemeClr val="lt1"/>
+      </a:fontRef>
+    </dgm:style>
+  </dgm:styleLbl>
+  <dgm:styleLbl name="asst3">
+    <dgm:scene3d>
+      <a:camera prst="orthographicFront"/>
+      <a:lightRig rig="threePt" dir="t"/>
+    </dgm:scene3d>
+    <dgm:sp3d/>
+    <dgm:txPr/>
+    <dgm:style>
+      <a:lnRef idx="0">
+        <a:scrgbClr r="0" g="0" b="0"/>
+      </a:lnRef>
+      <a:fillRef idx="3">
+        <a:scrgbClr r="0" g="0" b="0"/>
+      </a:fillRef>
+      <a:effectRef idx="2">
+        <a:scrgbClr r="0" g="0" b="0"/>
+      </a:effectRef>
+      <a:fontRef idx="minor">
+        <a:schemeClr val="lt1"/>
+      </a:fontRef>
+    </dgm:style>
+  </dgm:styleLbl>
+  <dgm:styleLbl name="asst4">
+    <dgm:scene3d>
+      <a:camera prst="orthographicFront"/>
+      <a:lightRig rig="threePt" dir="t"/>
+    </dgm:scene3d>
+    <dgm:sp3d/>
+    <dgm:txPr/>
+    <dgm:style>
+      <a:lnRef idx="0">
+        <a:scrgbClr r="0" g="0" b="0"/>
+      </a:lnRef>
+      <a:fillRef idx="3">
+        <a:scrgbClr r="0" g="0" b="0"/>
+      </a:fillRef>
+      <a:effectRef idx="2">
+        <a:scrgbClr r="0" g="0" b="0"/>
+      </a:effectRef>
+      <a:fontRef idx="minor">
+        <a:schemeClr val="lt1"/>
+      </a:fontRef>
+    </dgm:style>
+  </dgm:styleLbl>
+  <dgm:styleLbl name="parChTrans2D1">
+    <dgm:scene3d>
+      <a:camera prst="orthographicFront"/>
+      <a:lightRig rig="threePt" dir="t"/>
+    </dgm:scene3d>
+    <dgm:sp3d/>
+    <dgm:txPr/>
+    <dgm:style>
+      <a:lnRef idx="0">
+        <a:scrgbClr r="0" g="0" b="0"/>
+      </a:lnRef>
+      <a:fillRef idx="3">
+        <a:scrgbClr r="0" g="0" b="0"/>
+      </a:fillRef>
+      <a:effectRef idx="2">
+        <a:scrgbClr r="0" g="0" b="0"/>
+      </a:effectRef>
+      <a:fontRef idx="minor">
+        <a:schemeClr val="lt1"/>
+      </a:fontRef>
+    </dgm:style>
+  </dgm:styleLbl>
+  <dgm:styleLbl name="parChTrans2D2">
+    <dgm:scene3d>
+      <a:camera prst="orthographicFront"/>
+      <a:lightRig rig="threePt" dir="t"/>
+    </dgm:scene3d>
+    <dgm:sp3d/>
+    <dgm:txPr/>
+    <dgm:style>
+      <a:lnRef idx="0">
+        <a:scrgbClr r="0" g="0" b="0"/>
+      </a:lnRef>
+      <a:fillRef idx="3">
+        <a:scrgbClr r="0" g="0" b="0"/>
+      </a:fillRef>
+      <a:effectRef idx="2">
+        <a:scrgbClr r="0" g="0" b="0"/>
+      </a:effectRef>
+      <a:fontRef idx="minor">
+        <a:schemeClr val="lt1"/>
+      </a:fontRef>
+    </dgm:style>
+  </dgm:styleLbl>
+  <dgm:styleLbl name="parChTrans2D3">
+    <dgm:scene3d>
+      <a:camera prst="orthographicFront"/>
+      <a:lightRig rig="threePt" dir="t"/>
+    </dgm:scene3d>
+    <dgm:sp3d/>
+    <dgm:txPr/>
+    <dgm:style>
+      <a:lnRef idx="1">
+        <a:scrgbClr r="0" g="0" b="0"/>
+      </a:lnRef>
+      <a:fillRef idx="3">
+        <a:scrgbClr r="0" g="0" b="0"/>
+      </a:fillRef>
+      <a:effectRef idx="2">
+        <a:scrgbClr r="0" g="0" b="0"/>
+      </a:effectRef>
+      <a:fontRef idx="minor">
+        <a:schemeClr val="lt1"/>
+      </a:fontRef>
+    </dgm:style>
+  </dgm:styleLbl>
+  <dgm:styleLbl name="parChTrans2D4">
+    <dgm:scene3d>
+      <a:camera prst="orthographicFront"/>
+      <a:lightRig rig="threePt" dir="t"/>
+    </dgm:scene3d>
+    <dgm:sp3d/>
+    <dgm:txPr/>
+    <dgm:style>
+      <a:lnRef idx="1">
+        <a:scrgbClr r="0" g="0" b="0"/>
+      </a:lnRef>
+      <a:fillRef idx="3">
+        <a:scrgbClr r="0" g="0" b="0"/>
+      </a:fillRef>
+      <a:effectRef idx="2">
+        <a:scrgbClr r="0" g="0" b="0"/>
+      </a:effectRef>
+      <a:fontRef idx="minor">
+        <a:schemeClr val="lt1"/>
+      </a:fontRef>
+    </dgm:style>
+  </dgm:styleLbl>
+  <dgm:styleLbl name="parChTrans1D1">
+    <dgm:scene3d>
+      <a:camera prst="orthographicFront"/>
+      <a:lightRig rig="threePt" dir="t"/>
+    </dgm:scene3d>
+    <dgm:sp3d/>
+    <dgm:txPr/>
+    <dgm:style>
+      <a:lnRef idx="1">
+        <a:scrgbClr r="0" g="0" b="0"/>
+      </a:lnRef>
+      <a:fillRef idx="0">
+        <a:scrgbClr r="0" g="0" b="0"/>
+      </a:fillRef>
+      <a:effectRef idx="0">
+        <a:scrgbClr r="0" g="0" b="0"/>
+      </a:effectRef>
+      <a:fontRef idx="minor"/>
+    </dgm:style>
+  </dgm:styleLbl>
+  <dgm:styleLbl name="parChTrans1D2">
+    <dgm:scene3d>
+      <a:camera prst="orthographicFront"/>
+      <a:lightRig rig="threePt" dir="t"/>
+    </dgm:scene3d>
+    <dgm:sp3d/>
+    <dgm:txPr/>
+    <dgm:style>
+      <a:lnRef idx="1">
+        <a:scrgbClr r="0" g="0" b="0"/>
+      </a:lnRef>
+      <a:fillRef idx="0">
+        <a:scrgbClr r="0" g="0" b="0"/>
+      </a:fillRef>
+      <a:effectRef idx="0">
+        <a:scrgbClr r="0" g="0" b="0"/>
+      </a:effectRef>
+      <a:fontRef idx="minor"/>
+    </dgm:style>
+  </dgm:styleLbl>
+  <dgm:styleLbl name="parChTrans1D3">
+    <dgm:scene3d>
+      <a:camera prst="orthographicFront"/>
+      <a:lightRig rig="threePt" dir="t"/>
+    </dgm:scene3d>
+    <dgm:sp3d/>
+    <dgm:txPr/>
+    <dgm:style>
+      <a:lnRef idx="1">
+        <a:scrgbClr r="0" g="0" b="0"/>
+      </a:lnRef>
+      <a:fillRef idx="0">
+        <a:scrgbClr r="0" g="0" b="0"/>
+      </a:fillRef>
+      <a:effectRef idx="0">
+        <a:scrgbClr r="0" g="0" b="0"/>
+      </a:effectRef>
+      <a:fontRef idx="minor"/>
+    </dgm:style>
+  </dgm:styleLbl>
+  <dgm:styleLbl name="parChTrans1D4">
+    <dgm:scene3d>
+      <a:camera prst="orthographicFront"/>
+      <a:lightRig rig="threePt" dir="t"/>
+    </dgm:scene3d>
+    <dgm:sp3d/>
+    <dgm:txPr/>
+    <dgm:style>
+      <a:lnRef idx="1">
+        <a:scrgbClr r="0" g="0" b="0"/>
+      </a:lnRef>
+      <a:fillRef idx="0">
+        <a:scrgbClr r="0" g="0" b="0"/>
+      </a:fillRef>
+      <a:effectRef idx="0">
+        <a:scrgbClr r="0" g="0" b="0"/>
+      </a:effectRef>
+      <a:fontRef idx="minor"/>
+    </dgm:style>
+  </dgm:styleLbl>
+  <dgm:styleLbl name="fgAcc1">
+    <dgm:scene3d>
+      <a:camera prst="orthographicFront"/>
+      <a:lightRig rig="threePt" dir="t"/>
+    </dgm:scene3d>
+    <dgm:sp3d/>
+    <dgm:txPr/>
+    <dgm:style>
+      <a:lnRef idx="1">
+        <a:scrgbClr r="0" g="0" b="0"/>
+      </a:lnRef>
+      <a:fillRef idx="1">
+        <a:scrgbClr r="0" g="0" b="0"/>
+      </a:fillRef>
+      <a:effectRef idx="0">
+        <a:scrgbClr r="0" g="0" b="0"/>
+      </a:effectRef>
+      <a:fontRef idx="minor"/>
+    </dgm:style>
+  </dgm:styleLbl>
+  <dgm:styleLbl name="conFgAcc1">
+    <dgm:scene3d>
+      <a:camera prst="orthographicFront"/>
+      <a:lightRig rig="threePt" dir="t"/>
+    </dgm:scene3d>
+    <dgm:sp3d/>
+    <dgm:txPr/>
+    <dgm:style>
+      <a:lnRef idx="1">
+        <a:scrgbClr r="0" g="0" b="0"/>
+      </a:lnRef>
+      <a:fillRef idx="1">
+        <a:scrgbClr r="0" g="0" b="0"/>
+      </a:fillRef>
+      <a:effectRef idx="0">
+        <a:scrgbClr r="0" g="0" b="0"/>
+      </a:effectRef>
+      <a:fontRef idx="minor"/>
+    </dgm:style>
+  </dgm:styleLbl>
+  <dgm:styleLbl name="alignAcc1">
+    <dgm:scene3d>
+      <a:camera prst="orthographicFront"/>
+      <a:lightRig rig="threePt" dir="t"/>
+    </dgm:scene3d>
+    <dgm:sp3d/>
+    <dgm:txPr/>
+    <dgm:style>
+      <a:lnRef idx="1">
+        <a:scrgbClr r="0" g="0" b="0"/>
+      </a:lnRef>
+      <a:fillRef idx="1">
+        <a:scrgbClr r="0" g="0" b="0"/>
+      </a:fillRef>
+      <a:effectRef idx="0">
+        <a:scrgbClr r="0" g="0" b="0"/>
+      </a:effectRef>
+      <a:fontRef idx="minor"/>
+    </dgm:style>
+  </dgm:styleLbl>
+  <dgm:styleLbl name="trAlignAcc1">
+    <dgm:scene3d>
+      <a:camera prst="orthographicFront"/>
+      <a:lightRig rig="threePt" dir="t"/>
+    </dgm:scene3d>
+    <dgm:sp3d/>
+    <dgm:txPr/>
+    <dgm:style>
+      <a:lnRef idx="1">
+        <a:scrgbClr r="0" g="0" b="0"/>
+      </a:lnRef>
+      <a:fillRef idx="1">
+        <a:scrgbClr r="0" g="0" b="0"/>
+      </a:fillRef>
+      <a:effectRef idx="0">
+        <a:scrgbClr r="0" g="0" b="0"/>
+      </a:effectRef>
+      <a:fontRef idx="minor"/>
+    </dgm:style>
+  </dgm:styleLbl>
+  <dgm:styleLbl name="bgAcc1">
+    <dgm:scene3d>
+      <a:camera prst="orthographicFront"/>
+      <a:lightRig rig="threePt" dir="t"/>
+    </dgm:scene3d>
+    <dgm:sp3d/>
+    <dgm:txPr/>
+    <dgm:style>
+      <a:lnRef idx="1">
+        <a:scrgbClr r="0" g="0" b="0"/>
+      </a:lnRef>
+      <a:fillRef idx="1">
+        <a:scrgbClr r="0" g="0" b="0"/>
+      </a:fillRef>
+      <a:effectRef idx="0">
+        <a:scrgbClr r="0" g="0" b="0"/>
+      </a:effectRef>
+      <a:fontRef idx="minor"/>
+    </dgm:style>
+  </dgm:styleLbl>
+  <dgm:styleLbl name="solidFgAcc1">
+    <dgm:scene3d>
+      <a:camera prst="orthographicFront"/>
+      <a:lightRig rig="threePt" dir="t"/>
+    </dgm:scene3d>
+    <dgm:sp3d/>
+    <dgm:txPr/>
+    <dgm:style>
+      <a:lnRef idx="1">
+        <a:scrgbClr r="0" g="0" b="0"/>
+      </a:lnRef>
+      <a:fillRef idx="1">
+        <a:scrgbClr r="0" g="0" b="0"/>
+      </a:fillRef>
+      <a:effectRef idx="0">
+        <a:scrgbClr r="0" g="0" b="0"/>
+      </a:effectRef>
+      <a:fontRef idx="minor"/>
+    </dgm:style>
+  </dgm:styleLbl>
+  <dgm:styleLbl name="solidAlignAcc1">
+    <dgm:scene3d>
+      <a:camera prst="orthographicFront"/>
+      <a:lightRig rig="threePt" dir="t"/>
+    </dgm:scene3d>
+    <dgm:sp3d/>
+    <dgm:txPr/>
+    <dgm:style>
+      <a:lnRef idx="1">
+        <a:scrgbClr r="0" g="0" b="0"/>
+      </a:lnRef>
+      <a:fillRef idx="1">
+        <a:scrgbClr r="0" g="0" b="0"/>
+      </a:fillRef>
+      <a:effectRef idx="0">
+        <a:scrgbClr r="0" g="0" b="0"/>
+      </a:effectRef>
+      <a:fontRef idx="minor"/>
+    </dgm:style>
+  </dgm:styleLbl>
+  <dgm:styleLbl name="solidBgAcc1">
+    <dgm:scene3d>
+      <a:camera prst="orthographicFront"/>
+      <a:lightRig rig="threePt" dir="t"/>
+    </dgm:scene3d>
+    <dgm:sp3d/>
+    <dgm:txPr/>
+    <dgm:style>
+      <a:lnRef idx="1">
+        <a:scrgbClr r="0" g="0" b="0"/>
+      </a:lnRef>
+      <a:fillRef idx="1">
+        <a:scrgbClr r="0" g="0" b="0"/>
+      </a:fillRef>
+      <a:effectRef idx="0">
+        <a:scrgbClr r="0" g="0" b="0"/>
+      </a:effectRef>
+      <a:fontRef idx="minor"/>
+    </dgm:style>
+  </dgm:styleLbl>
+  <dgm:styleLbl name="fgAccFollowNode1">
+    <dgm:scene3d>
+      <a:camera prst="orthographicFront"/>
+      <a:lightRig rig="threePt" dir="t"/>
+    </dgm:scene3d>
+    <dgm:sp3d/>
+    <dgm:txPr/>
+    <dgm:style>
+      <a:lnRef idx="1">
+        <a:scrgbClr r="0" g="0" b="0"/>
+      </a:lnRef>
+      <a:fillRef idx="1">
+        <a:scrgbClr r="0" g="0" b="0"/>
+      </a:fillRef>
+      <a:effectRef idx="0">
+        <a:scrgbClr r="0" g="0" b="0"/>
+      </a:effectRef>
+      <a:fontRef idx="minor"/>
+    </dgm:style>
+  </dgm:styleLbl>
+  <dgm:styleLbl name="alignAccFollowNode1">
+    <dgm:scene3d>
+      <a:camera prst="orthographicFront"/>
+      <a:lightRig rig="threePt" dir="t"/>
+    </dgm:scene3d>
+    <dgm:sp3d/>
+    <dgm:txPr/>
+    <dgm:style>
+      <a:lnRef idx="1">
+        <a:scrgbClr r="0" g="0" b="0"/>
+      </a:lnRef>
+      <a:fillRef idx="1">
+        <a:scrgbClr r="0" g="0" b="0"/>
+      </a:fillRef>
+      <a:effectRef idx="0">
+        <a:scrgbClr r="0" g="0" b="0"/>
+      </a:effectRef>
+      <a:fontRef idx="minor"/>
+    </dgm:style>
+  </dgm:styleLbl>
+  <dgm:styleLbl name="bgAccFollowNode1">
+    <dgm:scene3d>
+      <a:camera prst="orthographicFront"/>
+      <a:lightRig rig="threePt" dir="t"/>
+    </dgm:scene3d>
+    <dgm:sp3d/>
+    <dgm:txPr/>
+    <dgm:style>
+      <a:lnRef idx="1">
+        <a:scrgbClr r="0" g="0" b="0"/>
+      </a:lnRef>
+      <a:fillRef idx="1">
+        <a:scrgbClr r="0" g="0" b="0"/>
+      </a:fillRef>
+      <a:effectRef idx="0">
+        <a:scrgbClr r="0" g="0" b="0"/>
+      </a:effectRef>
+      <a:fontRef idx="minor"/>
+    </dgm:style>
+  </dgm:styleLbl>
+  <dgm:styleLbl name="fgAcc0">
+    <dgm:scene3d>
+      <a:camera prst="orthographicFront"/>
+      <a:lightRig rig="threePt" dir="t"/>
+    </dgm:scene3d>
+    <dgm:sp3d/>
+    <dgm:txPr/>
+    <dgm:style>
+      <a:lnRef idx="1">
+        <a:scrgbClr r="0" g="0" b="0"/>
+      </a:lnRef>
+      <a:fillRef idx="1">
+        <a:scrgbClr r="0" g="0" b="0"/>
+      </a:fillRef>
+      <a:effectRef idx="0">
+        <a:scrgbClr r="0" g="0" b="0"/>
+      </a:effectRef>
+      <a:fontRef idx="minor"/>
+    </dgm:style>
+  </dgm:styleLbl>
+  <dgm:styleLbl name="fgAcc2">
+    <dgm:scene3d>
+      <a:camera prst="orthographicFront"/>
+      <a:lightRig rig="threePt" dir="t"/>
+    </dgm:scene3d>
+    <dgm:sp3d/>
+    <dgm:txPr/>
+    <dgm:style>
+      <a:lnRef idx="1">
+        <a:scrgbClr r="0" g="0" b="0"/>
+      </a:lnRef>
+      <a:fillRef idx="1">
+        <a:scrgbClr r="0" g="0" b="0"/>
+      </a:fillRef>
+      <a:effectRef idx="0">
+        <a:scrgbClr r="0" g="0" b="0"/>
+      </a:effectRef>
+      <a:fontRef idx="minor"/>
+    </dgm:style>
+  </dgm:styleLbl>
+  <dgm:styleLbl name="fgAcc3">
+    <dgm:scene3d>
+      <a:camera prst="orthographicFront"/>
+      <a:lightRig rig="threePt" dir="t"/>
+    </dgm:scene3d>
+    <dgm:sp3d/>
+    <dgm:txPr/>
+    <dgm:style>
+      <a:lnRef idx="1">
+        <a:scrgbClr r="0" g="0" b="0"/>
+      </a:lnRef>
+      <a:fillRef idx="1">
+        <a:scrgbClr r="0" g="0" b="0"/>
+      </a:fillRef>
+      <a:effectRef idx="0">
+        <a:scrgbClr r="0" g="0" b="0"/>
+      </a:effectRef>
+      <a:fontRef idx="minor"/>
+    </dgm:style>
+  </dgm:styleLbl>
+  <dgm:styleLbl name="fgAcc4">
+    <dgm:scene3d>
+      <a:camera prst="orthographicFront"/>
+      <a:lightRig rig="threePt" dir="t"/>
+    </dgm:scene3d>
+    <dgm:sp3d/>
+    <dgm:txPr/>
+    <dgm:style>
+      <a:lnRef idx="1">
+        <a:scrgbClr r="0" g="0" b="0"/>
+      </a:lnRef>
+      <a:fillRef idx="1">
+        <a:scrgbClr r="0" g="0" b="0"/>
+      </a:fillRef>
+      <a:effectRef idx="0">
+        <a:scrgbClr r="0" g="0" b="0"/>
+      </a:effectRef>
+      <a:fontRef idx="minor"/>
+    </dgm:style>
+  </dgm:styleLbl>
+  <dgm:styleLbl name="bgShp">
+    <dgm:scene3d>
+      <a:camera prst="orthographicFront"/>
+      <a:lightRig rig="threePt" dir="t"/>
+    </dgm:scene3d>
+    <dgm:sp3d/>
+    <dgm:txPr/>
+    <dgm:style>
+      <a:lnRef idx="0">
+        <a:scrgbClr r="0" g="0" b="0"/>
+      </a:lnRef>
+      <a:fillRef idx="1">
+        <a:scrgbClr r="0" g="0" b="0"/>
+      </a:fillRef>
+      <a:effectRef idx="2">
+        <a:scrgbClr r="0" g="0" b="0"/>
+      </a:effectRef>
+      <a:fontRef idx="minor"/>
+    </dgm:style>
+  </dgm:styleLbl>
+  <dgm:styleLbl name="dkBgShp">
+    <dgm:scene3d>
+      <a:camera prst="orthographicFront"/>
+      <a:lightRig rig="threePt" dir="t"/>
+    </dgm:scene3d>
+    <dgm:sp3d/>
+    <dgm:txPr/>
+    <dgm:style>
+      <a:lnRef idx="0">
+        <a:scrgbClr r="0" g="0" b="0"/>
+      </a:lnRef>
+      <a:fillRef idx="1">
+        <a:scrgbClr r="0" g="0" b="0"/>
+      </a:fillRef>
+      <a:effectRef idx="2">
+        <a:scrgbClr r="0" g="0" b="0"/>
+      </a:effectRef>
+      <a:fontRef idx="minor"/>
+    </dgm:style>
+  </dgm:styleLbl>
+  <dgm:styleLbl name="trBgShp">
+    <dgm:scene3d>
+      <a:camera prst="orthographicFront"/>
+      <a:lightRig rig="threePt" dir="t"/>
+    </dgm:scene3d>
+    <dgm:sp3d/>
+    <dgm:txPr/>
+    <dgm:style>
+      <a:lnRef idx="0">
+        <a:scrgbClr r="0" g="0" b="0"/>
+      </a:lnRef>
+      <a:fillRef idx="1">
+        <a:scrgbClr r="0" g="0" b="0"/>
+      </a:fillRef>
+      <a:effectRef idx="0">
+        <a:scrgbClr r="0" g="0" b="0"/>
+      </a:effectRef>
+      <a:fontRef idx="minor"/>
+    </dgm:style>
+  </dgm:styleLbl>
+  <dgm:styleLbl name="fgShp">
+    <dgm:scene3d>
+      <a:camera prst="orthographicFront"/>
+      <a:lightRig rig="threePt" dir="t"/>
+    </dgm:scene3d>
+    <dgm:sp3d/>
+    <dgm:txPr/>
+    <dgm:style>
+      <a:lnRef idx="0">
+        <a:scrgbClr r="0" g="0" b="0"/>
+      </a:lnRef>
+      <a:fillRef idx="3">
+        <a:scrgbClr r="0" g="0" b="0"/>
+      </a:fillRef>
+      <a:effectRef idx="2">
         <a:scrgbClr r="0" g="0" b="0"/>
       </a:effectRef>
       <a:fontRef idx="minor"/>
@@ -6597,7 +14176,7 @@
           <a:effectLst/>
           <a:extLst>
             <a:ext uri="{91240B29-F687-4f45-9708-019B960494DF}">
-              <a14:hiddenLine xmlns="" xmlns:a14="http://schemas.microsoft.com/office/drawing/2010/main" w="9525">
+              <a14:hiddenLine xmlns:a14="http://schemas.microsoft.com/office/drawing/2010/main" xmlns="" w="9525">
                 <a:solidFill>
                   <a:srgbClr val="000000"/>
                 </a:solidFill>
@@ -8118,7 +15697,7 @@
           <a:ln/>
           <a:extLst>
             <a:ext uri="{91240B29-F687-4f45-9708-019B960494DF}">
-              <a14:hiddenLine xmlns="" xmlns:a14="http://schemas.microsoft.com/office/drawing/2010/main" w="9525">
+              <a14:hiddenLine xmlns:a14="http://schemas.microsoft.com/office/drawing/2010/main" xmlns="" w="9525">
                 <a:solidFill>
                   <a:srgbClr val="000000"/>
                 </a:solidFill>
@@ -8393,7 +15972,7 @@
           <a:ln/>
           <a:extLst>
             <a:ext uri="{91240B29-F687-4f45-9708-019B960494DF}">
-              <a14:hiddenLine xmlns="" xmlns:a14="http://schemas.microsoft.com/office/drawing/2010/main" w="9525">
+              <a14:hiddenLine xmlns:a14="http://schemas.microsoft.com/office/drawing/2010/main" xmlns="" w="9525">
                 <a:solidFill>
                   <a:srgbClr val="000000"/>
                 </a:solidFill>
@@ -8676,7 +16255,7 @@
           <a:ln/>
           <a:extLst>
             <a:ext uri="{91240B29-F687-4f45-9708-019B960494DF}">
-              <a14:hiddenLine xmlns="" xmlns:a14="http://schemas.microsoft.com/office/drawing/2010/main" w="9525">
+              <a14:hiddenLine xmlns:a14="http://schemas.microsoft.com/office/drawing/2010/main" xmlns="" w="9525">
                 <a:solidFill>
                   <a:srgbClr val="000000"/>
                 </a:solidFill>
@@ -9302,7 +16881,7 @@
           <a:ln/>
           <a:extLst>
             <a:ext uri="{91240B29-F687-4f45-9708-019B960494DF}">
-              <a14:hiddenLine xmlns="" xmlns:a14="http://schemas.microsoft.com/office/drawing/2010/main" w="9525">
+              <a14:hiddenLine xmlns:a14="http://schemas.microsoft.com/office/drawing/2010/main" xmlns="" w="9525">
                 <a:solidFill>
                   <a:srgbClr val="000000"/>
                 </a:solidFill>
@@ -9641,7 +17220,7 @@
           <a:ln/>
           <a:extLst>
             <a:ext uri="{91240B29-F687-4f45-9708-019B960494DF}">
-              <a14:hiddenLine xmlns="" xmlns:a14="http://schemas.microsoft.com/office/drawing/2010/main" w="9525">
+              <a14:hiddenLine xmlns:a14="http://schemas.microsoft.com/office/drawing/2010/main" xmlns="" w="9525">
                 <a:solidFill>
                   <a:srgbClr val="000000"/>
                 </a:solidFill>
@@ -10118,7 +17697,7 @@
           <a:ln/>
           <a:extLst>
             <a:ext uri="{91240B29-F687-4f45-9708-019B960494DF}">
-              <a14:hiddenLine xmlns="" xmlns:a14="http://schemas.microsoft.com/office/drawing/2010/main" w="9525">
+              <a14:hiddenLine xmlns:a14="http://schemas.microsoft.com/office/drawing/2010/main" xmlns="" w="9525">
                 <a:solidFill>
                   <a:srgbClr val="000000"/>
                 </a:solidFill>
@@ -10547,7 +18126,7 @@
           <a:ln/>
           <a:extLst>
             <a:ext uri="{91240B29-F687-4f45-9708-019B960494DF}">
-              <a14:hiddenLine xmlns="" xmlns:a14="http://schemas.microsoft.com/office/drawing/2010/main" w="9525">
+              <a14:hiddenLine xmlns:a14="http://schemas.microsoft.com/office/drawing/2010/main" xmlns="" w="9525">
                 <a:solidFill>
                   <a:srgbClr val="000000"/>
                 </a:solidFill>
@@ -11916,10 +19495,18 @@
           <a:p>
             <a:r>
               <a:rPr lang="en-GB" dirty="0"/>
+              <a:t>Used the technologies mentioned earlier for:</a:t>
+            </a:r>
+          </a:p>
+          <a:p>
+            <a:pPr lvl="1"/>
+            <a:r>
+              <a:rPr lang="en-GB" dirty="0"/>
               <a:t>Web Development</a:t>
             </a:r>
           </a:p>
           <a:p>
+            <a:pPr lvl="1"/>
             <a:r>
               <a:rPr lang="en-GB" dirty="0"/>
               <a:t>Offline Web Applications</a:t>
@@ -11928,7 +19515,21 @@
           <a:p>
             <a:r>
               <a:rPr lang="en-GB" dirty="0"/>
-              <a:t>PWA</a:t>
+              <a:t>Progressive Web Applications (PWAs):</a:t>
+            </a:r>
+          </a:p>
+          <a:p>
+            <a:pPr lvl="1"/>
+            <a:r>
+              <a:rPr lang="en-GB" dirty="0"/>
+              <a:t>8 key criteria: Discoverable, Installable, Linkable, Network Independent, Progressively Enhanced, Re-Engageable, Responsively Designed and Secure</a:t>
+            </a:r>
+          </a:p>
+          <a:p>
+            <a:pPr lvl="1"/>
+            <a:r>
+              <a:rPr lang="en-GB" dirty="0"/>
+              <a:t>Google Lighthouse allows to check for criteria and gives feedback to developers</a:t>
             </a:r>
           </a:p>
         </p:txBody>
@@ -11947,6 +19548,523 @@
 </file>
 
 <file path=ppt/slides/slide11.xml><?xml version="1.0" encoding="utf-8"?>
+<p:sld xmlns:a="http://schemas.openxmlformats.org/drawingml/2006/main" xmlns:r="http://schemas.openxmlformats.org/officeDocument/2006/relationships" xmlns:p="http://schemas.openxmlformats.org/presentationml/2006/main">
+  <p:cSld>
+    <p:bg>
+      <p:bgPr>
+        <a:solidFill>
+          <a:schemeClr val="bg2"/>
+        </a:solidFill>
+        <a:effectLst/>
+      </p:bgPr>
+    </p:bg>
+    <p:spTree>
+      <p:nvGrpSpPr>
+        <p:cNvPr id="1" name=""/>
+        <p:cNvGrpSpPr/>
+        <p:nvPr/>
+      </p:nvGrpSpPr>
+      <p:grpSpPr>
+        <a:xfrm>
+          <a:off x="0" y="0"/>
+          <a:ext cx="0" cy="0"/>
+          <a:chOff x="0" y="0"/>
+          <a:chExt cx="0" cy="0"/>
+        </a:xfrm>
+      </p:grpSpPr>
+      <p:sp>
+        <p:nvSpPr>
+          <p:cNvPr id="8" name="Freeform 6">
+            <a:extLst>
+              <a:ext uri="{FF2B5EF4-FFF2-40B4-BE49-F238E27FC236}">
+                <a16:creationId xmlns:a16="http://schemas.microsoft.com/office/drawing/2014/main" id="{8775F366-526C-4C42-8931-696FFE8AA517}"/>
+              </a:ext>
+              <a:ext uri="{C183D7F6-B498-43B3-948B-1728B52AA6E4}">
+                <adec:decorative xmlns:adec="http://schemas.microsoft.com/office/drawing/2017/decorative" val="1"/>
+              </a:ext>
+            </a:extLst>
+          </p:cNvPr>
+          <p:cNvSpPr>
+            <a:spLocks noGrp="1" noRot="1" noChangeAspect="1" noMove="1" noResize="1" noEditPoints="1" noAdjustHandles="1" noChangeArrowheads="1" noChangeShapeType="1" noTextEdit="1"/>
+          </p:cNvSpPr>
+          <p:nvPr>
+            <p:extLst>
+              <p:ext uri="{386F3935-93C4-4BCD-93E2-E3B085C9AB24}">
+                <p16:designElem xmlns:p16="http://schemas.microsoft.com/office/powerpoint/2015/main" val="1"/>
+              </p:ext>
+            </p:extLst>
+          </p:nvPr>
+        </p:nvSpPr>
+        <p:spPr bwMode="auto">
+          <a:xfrm>
+            <a:off x="0" y="-3175"/>
+            <a:ext cx="12192000" cy="5203825"/>
+          </a:xfrm>
+          <a:custGeom>
+            <a:avLst/>
+            <a:gdLst/>
+            <a:ahLst/>
+            <a:cxnLst/>
+            <a:rect l="0" t="0" r="r" b="b"/>
+            <a:pathLst>
+              <a:path w="5760" h="3278">
+                <a:moveTo>
+                  <a:pt x="5760" y="0"/>
+                </a:moveTo>
+                <a:lnTo>
+                  <a:pt x="0" y="0"/>
+                </a:lnTo>
+                <a:lnTo>
+                  <a:pt x="0" y="3090"/>
+                </a:lnTo>
+                <a:lnTo>
+                  <a:pt x="943" y="3090"/>
+                </a:lnTo>
+                <a:lnTo>
+                  <a:pt x="1123" y="3270"/>
+                </a:lnTo>
+                <a:lnTo>
+                  <a:pt x="1123" y="3270"/>
+                </a:lnTo>
+                <a:lnTo>
+                  <a:pt x="1127" y="3272"/>
+                </a:lnTo>
+                <a:lnTo>
+                  <a:pt x="1133" y="3275"/>
+                </a:lnTo>
+                <a:lnTo>
+                  <a:pt x="1139" y="3278"/>
+                </a:lnTo>
+                <a:lnTo>
+                  <a:pt x="1144" y="3278"/>
+                </a:lnTo>
+                <a:lnTo>
+                  <a:pt x="1150" y="3278"/>
+                </a:lnTo>
+                <a:lnTo>
+                  <a:pt x="1155" y="3275"/>
+                </a:lnTo>
+                <a:lnTo>
+                  <a:pt x="1161" y="3272"/>
+                </a:lnTo>
+                <a:lnTo>
+                  <a:pt x="1165" y="3270"/>
+                </a:lnTo>
+                <a:lnTo>
+                  <a:pt x="1345" y="3090"/>
+                </a:lnTo>
+                <a:lnTo>
+                  <a:pt x="5760" y="3090"/>
+                </a:lnTo>
+                <a:lnTo>
+                  <a:pt x="5760" y="0"/>
+                </a:lnTo>
+                <a:close/>
+              </a:path>
+            </a:pathLst>
+          </a:custGeom>
+          <a:ln/>
+          <a:effectLst/>
+          <a:extLst>
+            <a:ext uri="{91240B29-F687-4f45-9708-019B960494DF}">
+              <a14:hiddenLine xmlns="" xmlns:a14="http://schemas.microsoft.com/office/drawing/2010/main" xmlns:a16="http://schemas.microsoft.com/office/drawing/2014/main" w="9525">
+                <a:solidFill>
+                  <a:srgbClr val="000000"/>
+                </a:solidFill>
+                <a:round/>
+                <a:headEnd/>
+                <a:tailEnd/>
+              </a14:hiddenLine>
+            </a:ext>
+          </a:extLst>
+        </p:spPr>
+        <p:style>
+          <a:lnRef idx="1">
+            <a:schemeClr val="accent1"/>
+          </a:lnRef>
+          <a:fillRef idx="3">
+            <a:schemeClr val="accent1"/>
+          </a:fillRef>
+          <a:effectRef idx="2">
+            <a:schemeClr val="accent1"/>
+          </a:effectRef>
+          <a:fontRef idx="minor">
+            <a:schemeClr val="lt1"/>
+          </a:fontRef>
+        </p:style>
+      </p:sp>
+      <p:sp useBgFill="1">
+        <p:nvSpPr>
+          <p:cNvPr id="10" name="Rectangle 9">
+            <a:extLst>
+              <a:ext uri="{FF2B5EF4-FFF2-40B4-BE49-F238E27FC236}">
+                <a16:creationId xmlns:a16="http://schemas.microsoft.com/office/drawing/2014/main" id="{21DCC7BA-3740-47E1-91B9-6269381397AE}"/>
+              </a:ext>
+              <a:ext uri="{C183D7F6-B498-43B3-948B-1728B52AA6E4}">
+                <adec:decorative xmlns:adec="http://schemas.microsoft.com/office/drawing/2017/decorative" val="1"/>
+              </a:ext>
+            </a:extLst>
+          </p:cNvPr>
+          <p:cNvSpPr>
+            <a:spLocks noGrp="1" noRot="1" noChangeAspect="1" noMove="1" noResize="1" noEditPoints="1" noAdjustHandles="1" noChangeArrowheads="1" noChangeShapeType="1" noTextEdit="1"/>
+          </p:cNvSpPr>
+          <p:nvPr>
+            <p:extLst>
+              <p:ext uri="{386F3935-93C4-4BCD-93E2-E3B085C9AB24}">
+                <p16:designElem xmlns:p16="http://schemas.microsoft.com/office/powerpoint/2015/main" val="1"/>
+              </p:ext>
+            </p:extLst>
+          </p:nvPr>
+        </p:nvSpPr>
+        <p:spPr>
+          <a:xfrm>
+            <a:off x="0" y="0"/>
+            <a:ext cx="12192000" cy="6858000"/>
+          </a:xfrm>
+          <a:prstGeom prst="rect">
+            <a:avLst/>
+          </a:prstGeom>
+          <a:ln>
+            <a:noFill/>
+          </a:ln>
+        </p:spPr>
+        <p:style>
+          <a:lnRef idx="2">
+            <a:schemeClr val="accent1">
+              <a:shade val="50000"/>
+            </a:schemeClr>
+          </a:lnRef>
+          <a:fillRef idx="1">
+            <a:schemeClr val="accent1"/>
+          </a:fillRef>
+          <a:effectRef idx="0">
+            <a:schemeClr val="accent1"/>
+          </a:effectRef>
+          <a:fontRef idx="minor">
+            <a:schemeClr val="lt1"/>
+          </a:fontRef>
+        </p:style>
+        <p:txBody>
+          <a:bodyPr rtlCol="0" anchor="ctr"/>
+          <a:lstStyle/>
+          <a:p>
+            <a:pPr algn="ctr"/>
+            <a:endParaRPr lang="en-US"/>
+          </a:p>
+        </p:txBody>
+      </p:sp>
+      <p:sp>
+        <p:nvSpPr>
+          <p:cNvPr id="12" name="Freeform: Shape 11">
+            <a:extLst>
+              <a:ext uri="{FF2B5EF4-FFF2-40B4-BE49-F238E27FC236}">
+                <a16:creationId xmlns:a16="http://schemas.microsoft.com/office/drawing/2014/main" id="{84CEFA49-6B2F-4FE6-B6AF-31D49E68C23B}"/>
+              </a:ext>
+              <a:ext uri="{C183D7F6-B498-43B3-948B-1728B52AA6E4}">
+                <adec:decorative xmlns:adec="http://schemas.microsoft.com/office/drawing/2017/decorative" val="1"/>
+              </a:ext>
+            </a:extLst>
+          </p:cNvPr>
+          <p:cNvSpPr>
+            <a:spLocks noGrp="1" noRot="1" noChangeAspect="1" noMove="1" noResize="1" noEditPoints="1" noAdjustHandles="1" noChangeArrowheads="1" noChangeShapeType="1" noTextEdit="1"/>
+          </p:cNvSpPr>
+          <p:nvPr>
+            <p:extLst>
+              <p:ext uri="{386F3935-93C4-4BCD-93E2-E3B085C9AB24}">
+                <p16:designElem xmlns:p16="http://schemas.microsoft.com/office/powerpoint/2015/main" val="1"/>
+              </p:ext>
+            </p:extLst>
+          </p:nvPr>
+        </p:nvSpPr>
+        <p:spPr bwMode="auto">
+          <a:xfrm rot="16200000">
+            <a:off x="-40086" y="40084"/>
+            <a:ext cx="6858002" cy="6777832"/>
+          </a:xfrm>
+          <a:custGeom>
+            <a:avLst/>
+            <a:gdLst>
+              <a:gd name="connsiteX0" fmla="*/ 6858001 w 6858002"/>
+              <a:gd name="connsiteY0" fmla="*/ 4666984 h 6777832"/>
+              <a:gd name="connsiteX1" fmla="*/ 3829243 w 6858002"/>
+              <a:gd name="connsiteY1" fmla="*/ 6654602 h 6777832"/>
+              <a:gd name="connsiteX2" fmla="*/ 3827370 w 6858002"/>
+              <a:gd name="connsiteY2" fmla="*/ 6656146 h 6777832"/>
+              <a:gd name="connsiteX3" fmla="*/ 3824584 w 6858002"/>
+              <a:gd name="connsiteY3" fmla="*/ 6657658 h 6777832"/>
+              <a:gd name="connsiteX4" fmla="*/ 3798694 w 6858002"/>
+              <a:gd name="connsiteY4" fmla="*/ 6674649 h 6777832"/>
+              <a:gd name="connsiteX5" fmla="*/ 3785012 w 6858002"/>
+              <a:gd name="connsiteY5" fmla="*/ 6679138 h 6777832"/>
+              <a:gd name="connsiteX6" fmla="*/ 3706340 w 6858002"/>
+              <a:gd name="connsiteY6" fmla="*/ 6721839 h 6777832"/>
+              <a:gd name="connsiteX7" fmla="*/ 3428999 w 6858002"/>
+              <a:gd name="connsiteY7" fmla="*/ 6777832 h 6777832"/>
+              <a:gd name="connsiteX8" fmla="*/ 3151659 w 6858002"/>
+              <a:gd name="connsiteY8" fmla="*/ 6721839 h 6777832"/>
+              <a:gd name="connsiteX9" fmla="*/ 3072997 w 6858002"/>
+              <a:gd name="connsiteY9" fmla="*/ 6679143 h 6777832"/>
+              <a:gd name="connsiteX10" fmla="*/ 3059299 w 6858002"/>
+              <a:gd name="connsiteY10" fmla="*/ 6674649 h 6777832"/>
+              <a:gd name="connsiteX11" fmla="*/ 3033384 w 6858002"/>
+              <a:gd name="connsiteY11" fmla="*/ 6657642 h 6777832"/>
+              <a:gd name="connsiteX12" fmla="*/ 3030628 w 6858002"/>
+              <a:gd name="connsiteY12" fmla="*/ 6656146 h 6777832"/>
+              <a:gd name="connsiteX13" fmla="*/ 3028776 w 6858002"/>
+              <a:gd name="connsiteY13" fmla="*/ 6654618 h 6777832"/>
+              <a:gd name="connsiteX14" fmla="*/ 1 w 6858002"/>
+              <a:gd name="connsiteY14" fmla="*/ 4666984 h 6777832"/>
+              <a:gd name="connsiteX15" fmla="*/ 6858002 w 6858002"/>
+              <a:gd name="connsiteY15" fmla="*/ 0 h 6777832"/>
+              <a:gd name="connsiteX16" fmla="*/ 6858002 w 6858002"/>
+              <a:gd name="connsiteY16" fmla="*/ 1570616 h 6777832"/>
+              <a:gd name="connsiteX17" fmla="*/ 6858001 w 6858002"/>
+              <a:gd name="connsiteY17" fmla="*/ 1570616 h 6777832"/>
+              <a:gd name="connsiteX18" fmla="*/ 6858001 w 6858002"/>
+              <a:gd name="connsiteY18" fmla="*/ 4666983 h 6777832"/>
+              <a:gd name="connsiteX19" fmla="*/ 0 w 6858002"/>
+              <a:gd name="connsiteY19" fmla="*/ 4666983 h 6777832"/>
+              <a:gd name="connsiteX20" fmla="*/ 0 w 6858002"/>
+              <a:gd name="connsiteY20" fmla="*/ 595217 h 6777832"/>
+              <a:gd name="connsiteX21" fmla="*/ 1 w 6858002"/>
+              <a:gd name="connsiteY21" fmla="*/ 595217 h 6777832"/>
+              <a:gd name="connsiteX22" fmla="*/ 1 w 6858002"/>
+              <a:gd name="connsiteY22" fmla="*/ 0 h 6777832"/>
+            </a:gdLst>
+            <a:ahLst/>
+            <a:cxnLst>
+              <a:cxn ang="0">
+                <a:pos x="connsiteX0" y="connsiteY0"/>
+              </a:cxn>
+              <a:cxn ang="0">
+                <a:pos x="connsiteX1" y="connsiteY1"/>
+              </a:cxn>
+              <a:cxn ang="0">
+                <a:pos x="connsiteX2" y="connsiteY2"/>
+              </a:cxn>
+              <a:cxn ang="0">
+                <a:pos x="connsiteX3" y="connsiteY3"/>
+              </a:cxn>
+              <a:cxn ang="0">
+                <a:pos x="connsiteX4" y="connsiteY4"/>
+              </a:cxn>
+              <a:cxn ang="0">
+                <a:pos x="connsiteX5" y="connsiteY5"/>
+              </a:cxn>
+              <a:cxn ang="0">
+                <a:pos x="connsiteX6" y="connsiteY6"/>
+              </a:cxn>
+              <a:cxn ang="0">
+                <a:pos x="connsiteX7" y="connsiteY7"/>
+              </a:cxn>
+              <a:cxn ang="0">
+                <a:pos x="connsiteX8" y="connsiteY8"/>
+              </a:cxn>
+              <a:cxn ang="0">
+                <a:pos x="connsiteX9" y="connsiteY9"/>
+              </a:cxn>
+              <a:cxn ang="0">
+                <a:pos x="connsiteX10" y="connsiteY10"/>
+              </a:cxn>
+              <a:cxn ang="0">
+                <a:pos x="connsiteX11" y="connsiteY11"/>
+              </a:cxn>
+              <a:cxn ang="0">
+                <a:pos x="connsiteX12" y="connsiteY12"/>
+              </a:cxn>
+              <a:cxn ang="0">
+                <a:pos x="connsiteX13" y="connsiteY13"/>
+              </a:cxn>
+              <a:cxn ang="0">
+                <a:pos x="connsiteX14" y="connsiteY14"/>
+              </a:cxn>
+              <a:cxn ang="0">
+                <a:pos x="connsiteX15" y="connsiteY15"/>
+              </a:cxn>
+              <a:cxn ang="0">
+                <a:pos x="connsiteX16" y="connsiteY16"/>
+              </a:cxn>
+              <a:cxn ang="0">
+                <a:pos x="connsiteX17" y="connsiteY17"/>
+              </a:cxn>
+              <a:cxn ang="0">
+                <a:pos x="connsiteX18" y="connsiteY18"/>
+              </a:cxn>
+              <a:cxn ang="0">
+                <a:pos x="connsiteX19" y="connsiteY19"/>
+              </a:cxn>
+              <a:cxn ang="0">
+                <a:pos x="connsiteX20" y="connsiteY20"/>
+              </a:cxn>
+              <a:cxn ang="0">
+                <a:pos x="connsiteX21" y="connsiteY21"/>
+              </a:cxn>
+              <a:cxn ang="0">
+                <a:pos x="connsiteX22" y="connsiteY22"/>
+              </a:cxn>
+            </a:cxnLst>
+            <a:rect l="l" t="t" r="r" b="b"/>
+            <a:pathLst>
+              <a:path w="6858002" h="6777832">
+                <a:moveTo>
+                  <a:pt x="6858001" y="4666984"/>
+                </a:moveTo>
+                <a:lnTo>
+                  <a:pt x="3829243" y="6654602"/>
+                </a:lnTo>
+                <a:lnTo>
+                  <a:pt x="3827370" y="6656146"/>
+                </a:lnTo>
+                <a:lnTo>
+                  <a:pt x="3824584" y="6657658"/>
+                </a:lnTo>
+                <a:lnTo>
+                  <a:pt x="3798694" y="6674649"/>
+                </a:lnTo>
+                <a:lnTo>
+                  <a:pt x="3785012" y="6679138"/>
+                </a:lnTo>
+                <a:lnTo>
+                  <a:pt x="3706340" y="6721839"/>
+                </a:lnTo>
+                <a:cubicBezTo>
+                  <a:pt x="3621097" y="6757894"/>
+                  <a:pt x="3527376" y="6777832"/>
+                  <a:pt x="3428999" y="6777832"/>
+                </a:cubicBezTo>
+                <a:cubicBezTo>
+                  <a:pt x="3330622" y="6777832"/>
+                  <a:pt x="3236902" y="6757894"/>
+                  <a:pt x="3151659" y="6721839"/>
+                </a:cubicBezTo>
+                <a:lnTo>
+                  <a:pt x="3072997" y="6679143"/>
+                </a:lnTo>
+                <a:lnTo>
+                  <a:pt x="3059299" y="6674649"/>
+                </a:lnTo>
+                <a:lnTo>
+                  <a:pt x="3033384" y="6657642"/>
+                </a:lnTo>
+                <a:lnTo>
+                  <a:pt x="3030628" y="6656146"/>
+                </a:lnTo>
+                <a:lnTo>
+                  <a:pt x="3028776" y="6654618"/>
+                </a:lnTo>
+                <a:lnTo>
+                  <a:pt x="1" y="4666984"/>
+                </a:lnTo>
+                <a:close/>
+                <a:moveTo>
+                  <a:pt x="6858002" y="0"/>
+                </a:moveTo>
+                <a:lnTo>
+                  <a:pt x="6858002" y="1570616"/>
+                </a:lnTo>
+                <a:lnTo>
+                  <a:pt x="6858001" y="1570616"/>
+                </a:lnTo>
+                <a:lnTo>
+                  <a:pt x="6858001" y="4666983"/>
+                </a:lnTo>
+                <a:lnTo>
+                  <a:pt x="0" y="4666983"/>
+                </a:lnTo>
+                <a:lnTo>
+                  <a:pt x="0" y="595217"/>
+                </a:lnTo>
+                <a:lnTo>
+                  <a:pt x="1" y="595217"/>
+                </a:lnTo>
+                <a:lnTo>
+                  <a:pt x="1" y="0"/>
+                </a:lnTo>
+                <a:close/>
+              </a:path>
+            </a:pathLst>
+          </a:custGeom>
+          <a:ln>
+            <a:noFill/>
+          </a:ln>
+          <a:effectLst/>
+          <a:extLst>
+            <a:ext uri="{91240B29-F687-4f45-9708-019B960494DF}">
+              <a14:hiddenLine xmlns="" xmlns:a14="http://schemas.microsoft.com/office/drawing/2010/main" xmlns:p14="http://schemas.microsoft.com/office/powerpoint/2010/main" xmlns:a16="http://schemas.microsoft.com/office/drawing/2014/main" w="9525">
+                <a:solidFill>
+                  <a:srgbClr val="000000"/>
+                </a:solidFill>
+                <a:round/>
+                <a:headEnd/>
+                <a:tailEnd/>
+              </a14:hiddenLine>
+            </a:ext>
+          </a:extLst>
+        </p:spPr>
+        <p:style>
+          <a:lnRef idx="1">
+            <a:schemeClr val="accent1"/>
+          </a:lnRef>
+          <a:fillRef idx="3">
+            <a:schemeClr val="accent1"/>
+          </a:fillRef>
+          <a:effectRef idx="2">
+            <a:schemeClr val="accent1"/>
+          </a:effectRef>
+          <a:fontRef idx="minor">
+            <a:schemeClr val="lt1"/>
+          </a:fontRef>
+        </p:style>
+      </p:sp>
+      <p:sp>
+        <p:nvSpPr>
+          <p:cNvPr id="2" name="Title 1">
+            <a:extLst>
+              <a:ext uri="{FF2B5EF4-FFF2-40B4-BE49-F238E27FC236}">
+                <a16:creationId xmlns:a16="http://schemas.microsoft.com/office/drawing/2014/main" id="{3174E670-B7A0-4DC9-18FF-FA8998F1AE64}"/>
+              </a:ext>
+            </a:extLst>
+          </p:cNvPr>
+          <p:cNvSpPr>
+            <a:spLocks noGrp="1"/>
+          </p:cNvSpPr>
+          <p:nvPr>
+            <p:ph type="title"/>
+          </p:nvPr>
+        </p:nvSpPr>
+        <p:spPr>
+          <a:xfrm>
+            <a:off x="451514" y="947607"/>
+            <a:ext cx="4389427" cy="4962786"/>
+          </a:xfrm>
+        </p:spPr>
+        <p:txBody>
+          <a:bodyPr vert="horz" lIns="91440" tIns="45720" rIns="91440" bIns="45720" rtlCol="0" anchor="ctr">
+            <a:normAutofit/>
+          </a:bodyPr>
+          <a:lstStyle/>
+          <a:p>
+            <a:r>
+              <a:rPr lang="en-US" sz="5400"/>
+              <a:t>To Do Next</a:t>
+            </a:r>
+          </a:p>
+        </p:txBody>
+      </p:sp>
+    </p:spTree>
+    <p:extLst>
+      <p:ext uri="{BB962C8B-B14F-4D97-AF65-F5344CB8AC3E}">
+        <p14:creationId xmlns:p14="http://schemas.microsoft.com/office/powerpoint/2010/main" val="3918329887"/>
+      </p:ext>
+    </p:extLst>
+  </p:cSld>
+  <p:clrMapOvr>
+    <a:masterClrMapping/>
+  </p:clrMapOvr>
+</p:sld>
+</file>
+
+<file path=ppt/slides/slide12.xml><?xml version="1.0" encoding="utf-8"?>
 <p:sld xmlns:a="http://schemas.openxmlformats.org/drawingml/2006/main" xmlns:r="http://schemas.openxmlformats.org/officeDocument/2006/relationships" xmlns:p="http://schemas.openxmlformats.org/presentationml/2006/main">
   <p:cSld>
     <p:spTree>
@@ -11986,8 +20104,13 @@
           <a:p>
             <a:r>
               <a:rPr lang="en-GB" dirty="0"/>
-              <a:t>To-Do List Application</a:t>
+              <a:t>To-Do </a:t>
             </a:r>
+            <a:r>
+              <a:rPr lang="en-GB"/>
+              <a:t>List Application</a:t>
+            </a:r>
+            <a:endParaRPr lang="en-GB" dirty="0"/>
           </a:p>
         </p:txBody>
       </p:sp>
@@ -12014,13 +20137,25 @@
           <a:p>
             <a:r>
               <a:rPr lang="en-GB" dirty="0"/>
-              <a:t>PWA</a:t>
+              <a:t>Create a PWA</a:t>
             </a:r>
           </a:p>
           <a:p>
             <a:r>
               <a:rPr lang="en-GB" dirty="0"/>
-              <a:t>IndexedDB</a:t>
+              <a:t>User can create multiple to do lists</a:t>
+            </a:r>
+          </a:p>
+          <a:p>
+            <a:r>
+              <a:rPr lang="en-GB" dirty="0"/>
+              <a:t>The data should then be stored in an IndexedDB</a:t>
+            </a:r>
+          </a:p>
+          <a:p>
+            <a:r>
+              <a:rPr lang="en-GB" dirty="0"/>
+              <a:t>Should be able to prevent cache deletion</a:t>
             </a:r>
           </a:p>
         </p:txBody>
@@ -12038,7 +20173,7 @@
 </p:sld>
 </file>
 
-<file path=ppt/slides/slide12.xml><?xml version="1.0" encoding="utf-8"?>
+<file path=ppt/slides/slide13.xml><?xml version="1.0" encoding="utf-8"?>
 <p:sld xmlns:a="http://schemas.openxmlformats.org/drawingml/2006/main" xmlns:r="http://schemas.openxmlformats.org/officeDocument/2006/relationships" xmlns:p="http://schemas.openxmlformats.org/presentationml/2006/main">
   <p:cSld>
     <p:spTree>
@@ -12106,13 +20241,25 @@
           <a:p>
             <a:r>
               <a:rPr lang="en-GB" dirty="0"/>
-              <a:t>Lines</a:t>
+              <a:t>OSM sends vector data which can be used to create the map on the canvas.</a:t>
             </a:r>
           </a:p>
           <a:p>
             <a:r>
               <a:rPr lang="en-GB" dirty="0"/>
-              <a:t>Text</a:t>
+              <a:t>Lines for roads, streets + directions</a:t>
+            </a:r>
+          </a:p>
+          <a:p>
+            <a:r>
+              <a:rPr lang="en-GB" dirty="0"/>
+              <a:t>Polygons for buildings</a:t>
+            </a:r>
+          </a:p>
+          <a:p>
+            <a:r>
+              <a:rPr lang="en-GB" dirty="0"/>
+              <a:t>Text for place names</a:t>
             </a:r>
           </a:p>
           <a:p>
@@ -12136,7 +20283,7 @@
 </p:sld>
 </file>
 
-<file path=ppt/slides/slide13.xml><?xml version="1.0" encoding="utf-8"?>
+<file path=ppt/slides/slide14.xml><?xml version="1.0" encoding="utf-8"?>
 <p:sld xmlns:a="http://schemas.openxmlformats.org/drawingml/2006/main" xmlns:r="http://schemas.openxmlformats.org/officeDocument/2006/relationships" xmlns:p="http://schemas.openxmlformats.org/presentationml/2006/main">
   <p:cSld>
     <p:spTree>
@@ -12204,13 +20351,19 @@
           <a:p>
             <a:r>
               <a:rPr lang="en-GB" dirty="0"/>
-              <a:t>OSM API</a:t>
+              <a:t>OSM API to retrieve data from OSM</a:t>
             </a:r>
           </a:p>
           <a:p>
             <a:r>
               <a:rPr lang="en-GB" dirty="0"/>
-              <a:t>XML format</a:t>
+              <a:t>Process responses that are in XML format</a:t>
+            </a:r>
+          </a:p>
+          <a:p>
+            <a:r>
+              <a:rPr lang="en-GB" dirty="0"/>
+              <a:t>Convert them to canvas objects to be displayed</a:t>
             </a:r>
           </a:p>
         </p:txBody>
@@ -12219,6 +20372,298 @@
     <p:extLst>
       <p:ext uri="{BB962C8B-B14F-4D97-AF65-F5344CB8AC3E}">
         <p14:creationId xmlns:p14="http://schemas.microsoft.com/office/powerpoint/2010/main" val="3626075114"/>
+      </p:ext>
+    </p:extLst>
+  </p:cSld>
+  <p:clrMapOvr>
+    <a:masterClrMapping/>
+  </p:clrMapOvr>
+</p:sld>
+</file>
+
+<file path=ppt/slides/slide15.xml><?xml version="1.0" encoding="utf-8"?>
+<p:sld xmlns:a="http://schemas.openxmlformats.org/drawingml/2006/main" xmlns:r="http://schemas.openxmlformats.org/officeDocument/2006/relationships" xmlns:p="http://schemas.openxmlformats.org/presentationml/2006/main">
+  <p:cSld>
+    <p:bg>
+      <p:bgPr>
+        <a:solidFill>
+          <a:schemeClr val="bg2"/>
+        </a:solidFill>
+        <a:effectLst/>
+      </p:bgPr>
+    </p:bg>
+    <p:spTree>
+      <p:nvGrpSpPr>
+        <p:cNvPr id="1" name=""/>
+        <p:cNvGrpSpPr/>
+        <p:nvPr/>
+      </p:nvGrpSpPr>
+      <p:grpSpPr>
+        <a:xfrm>
+          <a:off x="0" y="0"/>
+          <a:ext cx="0" cy="0"/>
+          <a:chOff x="0" y="0"/>
+          <a:chExt cx="0" cy="0"/>
+        </a:xfrm>
+      </p:grpSpPr>
+      <p:sp>
+        <p:nvSpPr>
+          <p:cNvPr id="9" name="Freeform 6">
+            <a:extLst>
+              <a:ext uri="{FF2B5EF4-FFF2-40B4-BE49-F238E27FC236}">
+                <a16:creationId xmlns:a16="http://schemas.microsoft.com/office/drawing/2014/main" id="{E446B7E6-8568-417F-959E-DB3D1E70F648}"/>
+              </a:ext>
+              <a:ext uri="{C183D7F6-B498-43B3-948B-1728B52AA6E4}">
+                <adec:decorative xmlns:adec="http://schemas.microsoft.com/office/drawing/2017/decorative" val="1"/>
+              </a:ext>
+            </a:extLst>
+          </p:cNvPr>
+          <p:cNvSpPr>
+            <a:spLocks noGrp="1" noRot="1" noChangeAspect="1" noMove="1" noResize="1" noEditPoints="1" noAdjustHandles="1" noChangeArrowheads="1" noChangeShapeType="1" noTextEdit="1"/>
+          </p:cNvSpPr>
+          <p:nvPr>
+            <p:extLst>
+              <p:ext uri="{386F3935-93C4-4BCD-93E2-E3B085C9AB24}">
+                <p16:designElem xmlns:p16="http://schemas.microsoft.com/office/powerpoint/2015/main" val="1"/>
+              </p:ext>
+            </p:extLst>
+          </p:nvPr>
+        </p:nvSpPr>
+        <p:spPr bwMode="auto">
+          <a:xfrm>
+            <a:off x="0" y="-3175"/>
+            <a:ext cx="12192000" cy="5203825"/>
+          </a:xfrm>
+          <a:custGeom>
+            <a:avLst/>
+            <a:gdLst/>
+            <a:ahLst/>
+            <a:cxnLst/>
+            <a:rect l="0" t="0" r="r" b="b"/>
+            <a:pathLst>
+              <a:path w="5760" h="3278">
+                <a:moveTo>
+                  <a:pt x="5760" y="0"/>
+                </a:moveTo>
+                <a:lnTo>
+                  <a:pt x="0" y="0"/>
+                </a:lnTo>
+                <a:lnTo>
+                  <a:pt x="0" y="3090"/>
+                </a:lnTo>
+                <a:lnTo>
+                  <a:pt x="943" y="3090"/>
+                </a:lnTo>
+                <a:lnTo>
+                  <a:pt x="1123" y="3270"/>
+                </a:lnTo>
+                <a:lnTo>
+                  <a:pt x="1123" y="3270"/>
+                </a:lnTo>
+                <a:lnTo>
+                  <a:pt x="1127" y="3272"/>
+                </a:lnTo>
+                <a:lnTo>
+                  <a:pt x="1133" y="3275"/>
+                </a:lnTo>
+                <a:lnTo>
+                  <a:pt x="1139" y="3278"/>
+                </a:lnTo>
+                <a:lnTo>
+                  <a:pt x="1144" y="3278"/>
+                </a:lnTo>
+                <a:lnTo>
+                  <a:pt x="1150" y="3278"/>
+                </a:lnTo>
+                <a:lnTo>
+                  <a:pt x="1155" y="3275"/>
+                </a:lnTo>
+                <a:lnTo>
+                  <a:pt x="1161" y="3272"/>
+                </a:lnTo>
+                <a:lnTo>
+                  <a:pt x="1165" y="3270"/>
+                </a:lnTo>
+                <a:lnTo>
+                  <a:pt x="1345" y="3090"/>
+                </a:lnTo>
+                <a:lnTo>
+                  <a:pt x="5760" y="3090"/>
+                </a:lnTo>
+                <a:lnTo>
+                  <a:pt x="5760" y="0"/>
+                </a:lnTo>
+                <a:close/>
+              </a:path>
+            </a:pathLst>
+          </a:custGeom>
+          <a:ln/>
+          <a:effectLst/>
+          <a:extLst>
+            <a:ext uri="{91240B29-F687-4f45-9708-019B960494DF}">
+              <a14:hiddenLine xmlns="" xmlns:a16="http://schemas.microsoft.com/office/drawing/2014/main" xmlns:p14="http://schemas.microsoft.com/office/powerpoint/2010/main" xmlns:a14="http://schemas.microsoft.com/office/drawing/2010/main" w="9525">
+                <a:solidFill>
+                  <a:srgbClr val="000000"/>
+                </a:solidFill>
+                <a:round/>
+                <a:headEnd/>
+                <a:tailEnd/>
+              </a14:hiddenLine>
+            </a:ext>
+          </a:extLst>
+        </p:spPr>
+        <p:style>
+          <a:lnRef idx="1">
+            <a:schemeClr val="accent1"/>
+          </a:lnRef>
+          <a:fillRef idx="3">
+            <a:schemeClr val="accent1"/>
+          </a:fillRef>
+          <a:effectRef idx="2">
+            <a:schemeClr val="accent1"/>
+          </a:effectRef>
+          <a:fontRef idx="minor">
+            <a:schemeClr val="lt1"/>
+          </a:fontRef>
+        </p:style>
+      </p:sp>
+      <p:sp useBgFill="1">
+        <p:nvSpPr>
+          <p:cNvPr id="11" name="Rectangle 10">
+            <a:extLst>
+              <a:ext uri="{FF2B5EF4-FFF2-40B4-BE49-F238E27FC236}">
+                <a16:creationId xmlns:a16="http://schemas.microsoft.com/office/drawing/2014/main" id="{54047A07-72EC-41BC-A55F-C264F639FB20}"/>
+              </a:ext>
+              <a:ext uri="{C183D7F6-B498-43B3-948B-1728B52AA6E4}">
+                <adec:decorative xmlns:adec="http://schemas.microsoft.com/office/drawing/2017/decorative" val="1"/>
+              </a:ext>
+            </a:extLst>
+          </p:cNvPr>
+          <p:cNvSpPr>
+            <a:spLocks noGrp="1" noRot="1" noChangeAspect="1" noMove="1" noResize="1" noEditPoints="1" noAdjustHandles="1" noChangeArrowheads="1" noChangeShapeType="1" noTextEdit="1"/>
+          </p:cNvSpPr>
+          <p:nvPr>
+            <p:extLst>
+              <p:ext uri="{386F3935-93C4-4BCD-93E2-E3B085C9AB24}">
+                <p16:designElem xmlns:p16="http://schemas.microsoft.com/office/powerpoint/2015/main" val="1"/>
+              </p:ext>
+            </p:extLst>
+          </p:nvPr>
+        </p:nvSpPr>
+        <p:spPr>
+          <a:xfrm>
+            <a:off x="0" y="0"/>
+            <a:ext cx="12192000" cy="6858000"/>
+          </a:xfrm>
+          <a:prstGeom prst="rect">
+            <a:avLst/>
+          </a:prstGeom>
+          <a:ln>
+            <a:noFill/>
+          </a:ln>
+        </p:spPr>
+        <p:style>
+          <a:lnRef idx="2">
+            <a:schemeClr val="accent1">
+              <a:shade val="50000"/>
+            </a:schemeClr>
+          </a:lnRef>
+          <a:fillRef idx="1">
+            <a:schemeClr val="accent1"/>
+          </a:fillRef>
+          <a:effectRef idx="0">
+            <a:schemeClr val="accent1"/>
+          </a:effectRef>
+          <a:fontRef idx="minor">
+            <a:schemeClr val="lt1"/>
+          </a:fontRef>
+        </p:style>
+        <p:txBody>
+          <a:bodyPr rtlCol="0" anchor="ctr"/>
+          <a:lstStyle/>
+          <a:p>
+            <a:pPr algn="ctr"/>
+            <a:endParaRPr lang="en-US"/>
+          </a:p>
+        </p:txBody>
+      </p:sp>
+      <p:pic>
+        <p:nvPicPr>
+          <p:cNvPr id="5" name="Picture 4" descr="Question mark against red wall">
+            <a:extLst>
+              <a:ext uri="{FF2B5EF4-FFF2-40B4-BE49-F238E27FC236}">
+                <a16:creationId xmlns:a16="http://schemas.microsoft.com/office/drawing/2014/main" id="{E71650BC-B374-F360-AB6D-7AC9F5562DD7}"/>
+              </a:ext>
+            </a:extLst>
+          </p:cNvPr>
+          <p:cNvPicPr>
+            <a:picLocks noChangeAspect="1"/>
+          </p:cNvPicPr>
+          <p:nvPr/>
+        </p:nvPicPr>
+        <p:blipFill rotWithShape="1">
+          <a:blip r:embed="rId2">
+            <a:duotone>
+              <a:schemeClr val="bg2">
+                <a:shade val="45000"/>
+                <a:satMod val="135000"/>
+              </a:schemeClr>
+              <a:prstClr val="white"/>
+            </a:duotone>
+            <a:alphaModFix amt="40000"/>
+          </a:blip>
+          <a:srcRect b="7025"/>
+          <a:stretch/>
+        </p:blipFill>
+        <p:spPr>
+          <a:xfrm>
+            <a:off x="20" y="10"/>
+            <a:ext cx="12191980" cy="6857990"/>
+          </a:xfrm>
+          <a:prstGeom prst="rect">
+            <a:avLst/>
+          </a:prstGeom>
+        </p:spPr>
+      </p:pic>
+      <p:sp>
+        <p:nvSpPr>
+          <p:cNvPr id="2" name="Title 1">
+            <a:extLst>
+              <a:ext uri="{FF2B5EF4-FFF2-40B4-BE49-F238E27FC236}">
+                <a16:creationId xmlns:a16="http://schemas.microsoft.com/office/drawing/2014/main" id="{F771F6F2-401E-4C79-D7D3-15D14A9173B8}"/>
+              </a:ext>
+            </a:extLst>
+          </p:cNvPr>
+          <p:cNvSpPr>
+            <a:spLocks noGrp="1"/>
+          </p:cNvSpPr>
+          <p:nvPr>
+            <p:ph type="title"/>
+          </p:nvPr>
+        </p:nvSpPr>
+        <p:spPr>
+          <a:xfrm>
+            <a:off x="810001" y="1449147"/>
+            <a:ext cx="10572000" cy="3732453"/>
+          </a:xfrm>
+        </p:spPr>
+        <p:txBody>
+          <a:bodyPr vert="horz" lIns="91440" tIns="45720" rIns="91440" bIns="45720" rtlCol="0" anchor="b">
+            <a:normAutofit/>
+          </a:bodyPr>
+          <a:lstStyle/>
+          <a:p>
+            <a:r>
+              <a:rPr lang="en-US" sz="5400"/>
+              <a:t>Q&amp;A</a:t>
+            </a:r>
+          </a:p>
+        </p:txBody>
+      </p:sp>
+    </p:spTree>
+    <p:extLst>
+      <p:ext uri="{BB962C8B-B14F-4D97-AF65-F5344CB8AC3E}">
+        <p14:creationId xmlns:p14="http://schemas.microsoft.com/office/powerpoint/2010/main" val="3738255315"/>
       </p:ext>
     </p:extLst>
   </p:cSld>
@@ -12304,7 +20749,7 @@
             <p:ph idx="1"/>
             <p:extLst>
               <p:ext uri="{D42A27DB-BD31-4B8C-83A1-F6EECF244321}">
-                <p14:modId xmlns:p14="http://schemas.microsoft.com/office/powerpoint/2010/main" val="3655487613"/>
+                <p14:modId xmlns:p14="http://schemas.microsoft.com/office/powerpoint/2010/main" val="1228713806"/>
               </p:ext>
             </p:extLst>
           </p:nvPr>
@@ -12452,7 +20897,7 @@
           <a:effectLst/>
           <a:extLst>
             <a:ext uri="{91240B29-F687-4f45-9708-019B960494DF}">
-              <a14:hiddenLine xmlns:a16="http://schemas.microsoft.com/office/drawing/2014/main" xmlns:a14="http://schemas.microsoft.com/office/drawing/2010/main" xmlns="" w="9525">
+              <a14:hiddenLine xmlns="" xmlns:a14="http://schemas.microsoft.com/office/drawing/2010/main" xmlns:a16="http://schemas.microsoft.com/office/drawing/2014/main" w="9525">
                 <a:solidFill>
                   <a:srgbClr val="000000"/>
                 </a:solidFill>
@@ -12775,7 +21220,7 @@
           <a:effectLst/>
           <a:extLst>
             <a:ext uri="{91240B29-F687-4f45-9708-019B960494DF}">
-              <a14:hiddenLine xmlns:a16="http://schemas.microsoft.com/office/drawing/2014/main" xmlns:p14="http://schemas.microsoft.com/office/powerpoint/2010/main" xmlns:a14="http://schemas.microsoft.com/office/drawing/2010/main" xmlns="" w="9525">
+              <a14:hiddenLine xmlns="" xmlns:a14="http://schemas.microsoft.com/office/drawing/2010/main" xmlns:p14="http://schemas.microsoft.com/office/powerpoint/2010/main" xmlns:a16="http://schemas.microsoft.com/office/drawing/2014/main" w="9525">
                 <a:solidFill>
                   <a:srgbClr val="000000"/>
                 </a:solidFill>
@@ -12850,7 +21295,7 @@
           <p:nvPr>
             <p:extLst>
               <p:ext uri="{D42A27DB-BD31-4B8C-83A1-F6EECF244321}">
-                <p14:modId xmlns:p14="http://schemas.microsoft.com/office/powerpoint/2010/main" val="2765820867"/>
+                <p14:modId xmlns:p14="http://schemas.microsoft.com/office/powerpoint/2010/main" val="3609102345"/>
               </p:ext>
             </p:extLst>
           </p:nvPr>
@@ -12881,6 +21326,14 @@
 <file path=ppt/slides/slide4.xml><?xml version="1.0" encoding="utf-8"?>
 <p:sld xmlns:a="http://schemas.openxmlformats.org/drawingml/2006/main" xmlns:r="http://schemas.openxmlformats.org/officeDocument/2006/relationships" xmlns:p="http://schemas.openxmlformats.org/presentationml/2006/main">
   <p:cSld>
+    <p:bg>
+      <p:bgPr>
+        <a:solidFill>
+          <a:schemeClr val="tx1"/>
+        </a:solidFill>
+        <a:effectLst/>
+      </p:bgPr>
+    </p:bg>
     <p:spTree>
       <p:nvGrpSpPr>
         <p:cNvPr id="1" name=""/>
@@ -12917,58 +21370,44 @@
           <a:lstStyle/>
           <a:p>
             <a:r>
-              <a:rPr lang="en-GB" dirty="0"/>
+              <a:rPr lang="en-GB"/>
               <a:t>Web Development</a:t>
             </a:r>
+            <a:endParaRPr lang="en-GB" dirty="0"/>
           </a:p>
         </p:txBody>
       </p:sp>
-      <p:sp>
-        <p:nvSpPr>
-          <p:cNvPr id="3" name="Content Placeholder 2">
+      <p:graphicFrame>
+        <p:nvGraphicFramePr>
+          <p:cNvPr id="5" name="Content Placeholder 2">
             <a:extLst>
               <a:ext uri="{FF2B5EF4-FFF2-40B4-BE49-F238E27FC236}">
-                <a16:creationId xmlns:a16="http://schemas.microsoft.com/office/drawing/2014/main" id="{E56FE5AF-C295-3B1A-4C90-7DFD32ED0605}"/>
+                <a16:creationId xmlns:a16="http://schemas.microsoft.com/office/drawing/2014/main" id="{9BBD60E7-7144-76F6-04FF-DA85AB3FC5C3}"/>
               </a:ext>
             </a:extLst>
           </p:cNvPr>
-          <p:cNvSpPr>
-            <a:spLocks noGrp="1"/>
-          </p:cNvSpPr>
+          <p:cNvGraphicFramePr>
+            <a:graphicFrameLocks noGrp="1"/>
+          </p:cNvGraphicFramePr>
           <p:nvPr>
             <p:ph idx="1"/>
+            <p:extLst>
+              <p:ext uri="{D42A27DB-BD31-4B8C-83A1-F6EECF244321}">
+                <p14:modId xmlns:p14="http://schemas.microsoft.com/office/powerpoint/2010/main" val="1347469635"/>
+              </p:ext>
+            </p:extLst>
           </p:nvPr>
-        </p:nvSpPr>
-        <p:spPr/>
-        <p:txBody>
-          <a:bodyPr/>
-          <a:lstStyle/>
-          <a:p>
-            <a:pPr marL="0" indent="0">
-              <a:buNone/>
-            </a:pPr>
-            <a:endParaRPr lang="en-GB" dirty="0"/>
-          </a:p>
-          <a:p>
-            <a:r>
-              <a:rPr lang="en-GB" dirty="0"/>
-              <a:t>HTML5</a:t>
-            </a:r>
-          </a:p>
-          <a:p>
-            <a:r>
-              <a:rPr lang="en-GB" dirty="0"/>
-              <a:t>CSS</a:t>
-            </a:r>
-          </a:p>
-          <a:p>
-            <a:r>
-              <a:rPr lang="en-GB" dirty="0"/>
-              <a:t>JS</a:t>
-            </a:r>
-          </a:p>
-        </p:txBody>
-      </p:sp>
+        </p:nvGraphicFramePr>
+        <p:xfrm>
+          <a:off x="819150" y="2508250"/>
+          <a:ext cx="10553700" cy="3636963"/>
+        </p:xfrm>
+        <a:graphic>
+          <a:graphicData uri="http://schemas.openxmlformats.org/drawingml/2006/diagram">
+            <dgm:relIds xmlns:dgm="http://schemas.openxmlformats.org/drawingml/2006/diagram" xmlns:r="http://schemas.openxmlformats.org/officeDocument/2006/relationships" r:dm="rId2" r:lo="rId3" r:qs="rId4" r:cs="rId5"/>
+          </a:graphicData>
+        </a:graphic>
+      </p:graphicFrame>
     </p:spTree>
     <p:extLst>
       <p:ext uri="{BB962C8B-B14F-4D97-AF65-F5344CB8AC3E}">
@@ -12977,7 +21416,7 @@
     </p:extLst>
   </p:cSld>
   <p:clrMapOvr>
-    <a:masterClrMapping/>
+    <a:overrideClrMapping bg1="lt1" tx1="dk1" bg2="lt2" tx2="dk2" accent1="accent1" accent2="accent2" accent3="accent3" accent4="accent4" accent5="accent5" accent6="accent6" hlink="hlink" folHlink="folHlink"/>
   </p:clrMapOvr>
 </p:sld>
 </file>
@@ -12985,6 +21424,14 @@
 <file path=ppt/slides/slide5.xml><?xml version="1.0" encoding="utf-8"?>
 <p:sld xmlns:a="http://schemas.openxmlformats.org/drawingml/2006/main" xmlns:r="http://schemas.openxmlformats.org/officeDocument/2006/relationships" xmlns:p="http://schemas.openxmlformats.org/presentationml/2006/main">
   <p:cSld>
+    <p:bg>
+      <p:bgPr>
+        <a:solidFill>
+          <a:schemeClr val="bg2"/>
+        </a:solidFill>
+        <a:effectLst/>
+      </p:bgPr>
+    </p:bg>
     <p:spTree>
       <p:nvGrpSpPr>
         <p:cNvPr id="1" name=""/>
@@ -13015,70 +21462,56 @@
             <p:ph type="title"/>
           </p:nvPr>
         </p:nvSpPr>
-        <p:spPr/>
+        <p:spPr>
+          <a:xfrm>
+            <a:off x="810000" y="447188"/>
+            <a:ext cx="10571998" cy="970450"/>
+          </a:xfrm>
+        </p:spPr>
         <p:txBody>
-          <a:bodyPr/>
+          <a:bodyPr>
+            <a:normAutofit/>
+          </a:bodyPr>
           <a:lstStyle/>
           <a:p>
             <a:r>
-              <a:rPr lang="en-GB" dirty="0"/>
-              <a:t>Offline Web Applications</a:t>
+              <a:rPr lang="en-GB"/>
+              <a:t>Web Applications</a:t>
             </a:r>
           </a:p>
         </p:txBody>
       </p:sp>
-      <p:sp>
-        <p:nvSpPr>
-          <p:cNvPr id="3" name="Content Placeholder 2">
+      <p:graphicFrame>
+        <p:nvGraphicFramePr>
+          <p:cNvPr id="7" name="Content Placeholder 2">
             <a:extLst>
               <a:ext uri="{FF2B5EF4-FFF2-40B4-BE49-F238E27FC236}">
-                <a16:creationId xmlns:a16="http://schemas.microsoft.com/office/drawing/2014/main" id="{E56FE5AF-C295-3B1A-4C90-7DFD32ED0605}"/>
+                <a16:creationId xmlns:a16="http://schemas.microsoft.com/office/drawing/2014/main" id="{47179045-A0E5-F164-F175-C1B0F0702ED5}"/>
               </a:ext>
             </a:extLst>
           </p:cNvPr>
-          <p:cNvSpPr>
-            <a:spLocks noGrp="1"/>
-          </p:cNvSpPr>
+          <p:cNvGraphicFramePr>
+            <a:graphicFrameLocks noGrp="1"/>
+          </p:cNvGraphicFramePr>
           <p:nvPr>
             <p:ph idx="1"/>
+            <p:extLst>
+              <p:ext uri="{D42A27DB-BD31-4B8C-83A1-F6EECF244321}">
+                <p14:modId xmlns:p14="http://schemas.microsoft.com/office/powerpoint/2010/main" val="2935537800"/>
+              </p:ext>
+            </p:extLst>
           </p:nvPr>
-        </p:nvSpPr>
-        <p:spPr/>
-        <p:txBody>
-          <a:bodyPr/>
-          <a:lstStyle/>
-          <a:p>
-            <a:r>
-              <a:rPr lang="en-GB" dirty="0"/>
-              <a:t>NodeJS</a:t>
-            </a:r>
-          </a:p>
-          <a:p>
-            <a:r>
-              <a:rPr lang="en-GB" dirty="0"/>
-              <a:t>ExpressJS</a:t>
-            </a:r>
-          </a:p>
-          <a:p>
-            <a:r>
-              <a:rPr lang="en-GB" dirty="0"/>
-              <a:t>Nodemon</a:t>
-            </a:r>
-          </a:p>
-          <a:p>
-            <a:r>
-              <a:rPr lang="en-GB" dirty="0"/>
-              <a:t>OpenSSL</a:t>
-            </a:r>
-          </a:p>
-          <a:p>
-            <a:r>
-              <a:rPr lang="en-GB" dirty="0"/>
-              <a:t>PWAs</a:t>
-            </a:r>
-          </a:p>
-        </p:txBody>
-      </p:sp>
+        </p:nvGraphicFramePr>
+        <p:xfrm>
+          <a:off x="819150" y="2494722"/>
+          <a:ext cx="10553700" cy="3364741"/>
+        </p:xfrm>
+        <a:graphic>
+          <a:graphicData uri="http://schemas.openxmlformats.org/drawingml/2006/diagram">
+            <dgm:relIds xmlns:dgm="http://schemas.openxmlformats.org/drawingml/2006/diagram" xmlns:r="http://schemas.openxmlformats.org/officeDocument/2006/relationships" r:dm="rId2" r:lo="rId3" r:qs="rId4" r:cs="rId5"/>
+          </a:graphicData>
+        </a:graphic>
+      </p:graphicFrame>
     </p:spTree>
     <p:extLst>
       <p:ext uri="{BB962C8B-B14F-4D97-AF65-F5344CB8AC3E}">
@@ -13150,7 +21583,7 @@
             <a:spLocks noGrp="1"/>
           </p:cNvSpPr>
           <p:nvPr>
-            <p:ph type="body" idx="1"/>
+            <p:ph type="body" sz="quarter" idx="1"/>
           </p:nvPr>
         </p:nvSpPr>
         <p:spPr/>
@@ -13236,7 +21669,7 @@
             <a:spLocks noGrp="1"/>
           </p:cNvSpPr>
           <p:nvPr>
-            <p:ph type="body" sz="quarter" idx="3"/>
+            <p:ph type="body" idx="3"/>
           </p:nvPr>
         </p:nvSpPr>
         <p:spPr/>
@@ -13325,6 +21758,14 @@
 <file path=ppt/slides/slide7.xml><?xml version="1.0" encoding="utf-8"?>
 <p:sld xmlns:a="http://schemas.openxmlformats.org/drawingml/2006/main" xmlns:r="http://schemas.openxmlformats.org/officeDocument/2006/relationships" xmlns:p="http://schemas.openxmlformats.org/presentationml/2006/main">
   <p:cSld>
+    <p:bg>
+      <p:bgPr>
+        <a:solidFill>
+          <a:schemeClr val="bg2"/>
+        </a:solidFill>
+        <a:effectLst/>
+      </p:bgPr>
+    </p:bg>
     <p:spTree>
       <p:nvGrpSpPr>
         <p:cNvPr id="1" name=""/>
@@ -13361,7 +21802,7 @@
           <a:lstStyle/>
           <a:p>
             <a:r>
-              <a:rPr lang="en-GB" dirty="0"/>
+              <a:rPr lang="en-GB"/>
               <a:t>Open Street Map (OSM)</a:t>
             </a:r>
           </a:p>
@@ -13369,7 +21810,7 @@
       </p:sp>
       <p:sp>
         <p:nvSpPr>
-          <p:cNvPr id="3" name="Content Placeholder 2">
+          <p:cNvPr id="12" name="Content Placeholder 2">
             <a:extLst>
               <a:ext uri="{FF2B5EF4-FFF2-40B4-BE49-F238E27FC236}">
                 <a16:creationId xmlns:a16="http://schemas.microsoft.com/office/drawing/2014/main" id="{E56FE5AF-C295-3B1A-4C90-7DFD32ED0605}"/>
@@ -13390,19 +21831,53 @@
           <a:p>
             <a:r>
               <a:rPr lang="en-GB" dirty="0"/>
-              <a:t>Gather</a:t>
+              <a:t>Collaborative geographical database which utilises vector map data.</a:t>
             </a:r>
           </a:p>
           <a:p>
             <a:r>
               <a:rPr lang="en-GB" dirty="0"/>
-              <a:t>Format</a:t>
+              <a:t>Comes with APIs which can be used to gather data for use in web applications</a:t>
+            </a:r>
+          </a:p>
+          <a:p>
+            <a:pPr lvl="1"/>
+            <a:r>
+              <a:rPr lang="en-GB" dirty="0"/>
+              <a:t>Standard API allows for full edit access to the database</a:t>
+            </a:r>
+          </a:p>
+          <a:p>
+            <a:pPr lvl="1"/>
+            <a:r>
+              <a:rPr lang="en-GB" dirty="0"/>
+              <a:t>Overpass API gives read-only access</a:t>
             </a:r>
           </a:p>
           <a:p>
             <a:r>
               <a:rPr lang="en-GB" dirty="0"/>
-              <a:t>Display</a:t>
+              <a:t>Standard API returns a .osm file</a:t>
+            </a:r>
+          </a:p>
+          <a:p>
+            <a:pPr lvl="1"/>
+            <a:r>
+              <a:rPr lang="en-GB" dirty="0"/>
+              <a:t>XML format</a:t>
+            </a:r>
+          </a:p>
+          <a:p>
+            <a:pPr lvl="1"/>
+            <a:r>
+              <a:rPr lang="en-GB" dirty="0"/>
+              <a:t>Contains nodes, ways, relations</a:t>
+            </a:r>
+          </a:p>
+          <a:p>
+            <a:r>
+              <a:rPr lang="en-GB" dirty="0"/>
+              <a:t>Data needs to be processed before it can be displayed</a:t>
             </a:r>
           </a:p>
         </p:txBody>
@@ -13447,7 +21922,7 @@
       </p:grpSpPr>
       <p:sp>
         <p:nvSpPr>
-          <p:cNvPr id="18" name="Freeform 6">
+          <p:cNvPr id="27" name="Freeform 6">
             <a:extLst>
               <a:ext uri="{FF2B5EF4-FFF2-40B4-BE49-F238E27FC236}">
                 <a16:creationId xmlns:a16="http://schemas.microsoft.com/office/drawing/2014/main" id="{8775F366-526C-4C42-8931-696FFE8AA517}"/>
@@ -13568,10 +22043,10 @@
       </p:sp>
       <p:sp useBgFill="1">
         <p:nvSpPr>
-          <p:cNvPr id="20" name="Rectangle 19">
+          <p:cNvPr id="29" name="Rectangle 28">
             <a:extLst>
               <a:ext uri="{FF2B5EF4-FFF2-40B4-BE49-F238E27FC236}">
-                <a16:creationId xmlns:a16="http://schemas.microsoft.com/office/drawing/2014/main" id="{597EA66B-2AAB-42B0-9F9D-38920D8D82D7}"/>
+                <a16:creationId xmlns:a16="http://schemas.microsoft.com/office/drawing/2014/main" id="{2FE8DED1-24FF-4A79-873B-ECE3ABE73035}"/>
               </a:ext>
               <a:ext uri="{C183D7F6-B498-43B3-948B-1728B52AA6E4}">
                 <adec:decorative xmlns:adec="http://schemas.microsoft.com/office/drawing/2017/decorative" val="1"/>
@@ -13628,89 +22103,10 @@
       </p:sp>
       <p:sp>
         <p:nvSpPr>
-          <p:cNvPr id="2" name="Title 1">
+          <p:cNvPr id="31" name="Freeform: Shape 30">
             <a:extLst>
               <a:ext uri="{FF2B5EF4-FFF2-40B4-BE49-F238E27FC236}">
-                <a16:creationId xmlns:a16="http://schemas.microsoft.com/office/drawing/2014/main" id="{10215420-7C2B-F457-1566-B9569E2C29C1}"/>
-              </a:ext>
-            </a:extLst>
-          </p:cNvPr>
-          <p:cNvSpPr>
-            <a:spLocks noGrp="1"/>
-          </p:cNvSpPr>
-          <p:nvPr>
-            <p:ph type="title"/>
-          </p:nvPr>
-        </p:nvSpPr>
-        <p:spPr>
-          <a:xfrm>
-            <a:off x="810001" y="2725271"/>
-            <a:ext cx="10572000" cy="2189254"/>
-          </a:xfrm>
-          <a:effectLst/>
-        </p:spPr>
-        <p:txBody>
-          <a:bodyPr vert="horz" lIns="91440" tIns="45720" rIns="91440" bIns="45720" rtlCol="0" anchor="t">
-            <a:normAutofit/>
-          </a:bodyPr>
-          <a:lstStyle/>
-          <a:p>
-            <a:pPr algn="ctr"/>
-            <a:r>
-              <a:rPr lang="en-US" sz="5400">
-                <a:solidFill>
-                  <a:schemeClr val="tx1"/>
-                </a:solidFill>
-              </a:rPr>
-              <a:t>Project Breakdown</a:t>
-            </a:r>
-          </a:p>
-        </p:txBody>
-      </p:sp>
-      <p:sp>
-        <p:nvSpPr>
-          <p:cNvPr id="4" name="Text Placeholder 3">
-            <a:extLst>
-              <a:ext uri="{FF2B5EF4-FFF2-40B4-BE49-F238E27FC236}">
-                <a16:creationId xmlns:a16="http://schemas.microsoft.com/office/drawing/2014/main" id="{92C752CA-CF39-C784-FCB5-6BE44AE58B6F}"/>
-              </a:ext>
-            </a:extLst>
-          </p:cNvPr>
-          <p:cNvSpPr>
-            <a:spLocks noGrp="1"/>
-          </p:cNvSpPr>
-          <p:nvPr>
-            <p:ph type="body" idx="1"/>
-          </p:nvPr>
-        </p:nvSpPr>
-        <p:spPr>
-          <a:xfrm>
-            <a:off x="810001" y="683230"/>
-            <a:ext cx="10572000" cy="1881172"/>
-          </a:xfrm>
-          <a:effectLst/>
-        </p:spPr>
-        <p:txBody>
-          <a:bodyPr vert="horz" lIns="91440" tIns="45720" rIns="91440" bIns="45720" rtlCol="0" anchor="b">
-            <a:normAutofit/>
-          </a:bodyPr>
-          <a:lstStyle/>
-          <a:p>
-            <a:pPr algn="ctr"/>
-            <a:endParaRPr lang="en-US" sz="2000"/>
-          </a:p>
-          <a:p>
-            <a:pPr algn="ctr"/>
-            <a:endParaRPr lang="en-US" sz="2000"/>
-          </a:p>
-        </p:txBody>
-      </p:sp>
-      <p:sp>
-        <p:nvSpPr>
-          <p:cNvPr id="22" name="Freeform: Shape 21">
-            <a:extLst>
-              <a:ext uri="{FF2B5EF4-FFF2-40B4-BE49-F238E27FC236}">
-                <a16:creationId xmlns:a16="http://schemas.microsoft.com/office/drawing/2014/main" id="{D360EBE3-31BB-422F-AA87-FA3873DAE484}"/>
+                <a16:creationId xmlns:a16="http://schemas.microsoft.com/office/drawing/2014/main" id="{0AA6A048-501A-4387-906B-B8A8543E7B11}"/>
               </a:ext>
               <a:ext uri="{C183D7F6-B498-43B3-948B-1728B52AA6E4}">
                 <adec:decorative xmlns:adec="http://schemas.microsoft.com/office/drawing/2017/decorative" val="1"/>
@@ -13728,52 +22124,54 @@
             </p:extLst>
           </p:nvPr>
         </p:nvSpPr>
-        <p:spPr bwMode="auto">
-          <a:xfrm rot="10800000">
-            <a:off x="0" y="5388384"/>
-            <a:ext cx="12192000" cy="1469616"/>
+        <p:spPr>
+          <a:xfrm>
+            <a:off x="637093" y="643467"/>
+            <a:ext cx="10917814" cy="5571066"/>
           </a:xfrm>
           <a:custGeom>
             <a:avLst/>
             <a:gdLst>
-              <a:gd name="connsiteX0" fmla="*/ 6113881 w 12192000"/>
-              <a:gd name="connsiteY0" fmla="*/ 1469616 h 1469616"/>
-              <a:gd name="connsiteX1" fmla="*/ 6101181 w 12192000"/>
-              <a:gd name="connsiteY1" fmla="*/ 1469616 h 1469616"/>
-              <a:gd name="connsiteX2" fmla="*/ 6090598 w 12192000"/>
-              <a:gd name="connsiteY2" fmla="*/ 1469616 h 1469616"/>
-              <a:gd name="connsiteX3" fmla="*/ 6077897 w 12192000"/>
-              <a:gd name="connsiteY3" fmla="*/ 1464854 h 1469616"/>
-              <a:gd name="connsiteX4" fmla="*/ 6065198 w 12192000"/>
-              <a:gd name="connsiteY4" fmla="*/ 1460091 h 1469616"/>
-              <a:gd name="connsiteX5" fmla="*/ 6056731 w 12192000"/>
-              <a:gd name="connsiteY5" fmla="*/ 1456916 h 1469616"/>
-              <a:gd name="connsiteX6" fmla="*/ 5678033 w 12192000"/>
-              <a:gd name="connsiteY6" fmla="*/ 1172892 h 1469616"/>
-              <a:gd name="connsiteX7" fmla="*/ 0 w 12192000"/>
-              <a:gd name="connsiteY7" fmla="*/ 1172892 h 1469616"/>
-              <a:gd name="connsiteX8" fmla="*/ 0 w 12192000"/>
-              <a:gd name="connsiteY8" fmla="*/ 1162370 h 1469616"/>
-              <a:gd name="connsiteX9" fmla="*/ 0 w 12192000"/>
-              <a:gd name="connsiteY9" fmla="*/ 403347 h 1469616"/>
-              <a:gd name="connsiteX10" fmla="*/ 0 w 12192000"/>
-              <a:gd name="connsiteY10" fmla="*/ 0 h 1469616"/>
-              <a:gd name="connsiteX11" fmla="*/ 12192000 w 12192000"/>
-              <a:gd name="connsiteY11" fmla="*/ 0 h 1469616"/>
-              <a:gd name="connsiteX12" fmla="*/ 12192000 w 12192000"/>
-              <a:gd name="connsiteY12" fmla="*/ 403347 h 1469616"/>
-              <a:gd name="connsiteX13" fmla="*/ 12192000 w 12192000"/>
-              <a:gd name="connsiteY13" fmla="*/ 1162370 h 1469616"/>
-              <a:gd name="connsiteX14" fmla="*/ 12192000 w 12192000"/>
-              <a:gd name="connsiteY14" fmla="*/ 1172892 h 1469616"/>
-              <a:gd name="connsiteX15" fmla="*/ 6524330 w 12192000"/>
-              <a:gd name="connsiteY15" fmla="*/ 1172892 h 1469616"/>
-              <a:gd name="connsiteX16" fmla="*/ 6145631 w 12192000"/>
-              <a:gd name="connsiteY16" fmla="*/ 1456916 h 1469616"/>
-              <a:gd name="connsiteX17" fmla="*/ 6137163 w 12192000"/>
-              <a:gd name="connsiteY17" fmla="*/ 1460091 h 1469616"/>
-              <a:gd name="connsiteX18" fmla="*/ 6124463 w 12192000"/>
-              <a:gd name="connsiteY18" fmla="*/ 1464854 h 1469616"/>
+              <a:gd name="connsiteX0" fmla="*/ 195712 w 10917814"/>
+              <a:gd name="connsiteY0" fmla="*/ 0 h 5571066"/>
+              <a:gd name="connsiteX1" fmla="*/ 5062165 w 10917814"/>
+              <a:gd name="connsiteY1" fmla="*/ 0 h 5571066"/>
+              <a:gd name="connsiteX2" fmla="*/ 5419638 w 10917814"/>
+              <a:gd name="connsiteY2" fmla="*/ 268105 h 5571066"/>
+              <a:gd name="connsiteX3" fmla="*/ 5428105 w 10917814"/>
+              <a:gd name="connsiteY3" fmla="*/ 271280 h 5571066"/>
+              <a:gd name="connsiteX4" fmla="*/ 5440804 w 10917814"/>
+              <a:gd name="connsiteY4" fmla="*/ 276043 h 5571066"/>
+              <a:gd name="connsiteX5" fmla="*/ 5453505 w 10917814"/>
+              <a:gd name="connsiteY5" fmla="*/ 280805 h 5571066"/>
+              <a:gd name="connsiteX6" fmla="*/ 5464088 w 10917814"/>
+              <a:gd name="connsiteY6" fmla="*/ 280805 h 5571066"/>
+              <a:gd name="connsiteX7" fmla="*/ 5476788 w 10917814"/>
+              <a:gd name="connsiteY7" fmla="*/ 280805 h 5571066"/>
+              <a:gd name="connsiteX8" fmla="*/ 5487371 w 10917814"/>
+              <a:gd name="connsiteY8" fmla="*/ 276043 h 5571066"/>
+              <a:gd name="connsiteX9" fmla="*/ 5500071 w 10917814"/>
+              <a:gd name="connsiteY9" fmla="*/ 271280 h 5571066"/>
+              <a:gd name="connsiteX10" fmla="*/ 5508538 w 10917814"/>
+              <a:gd name="connsiteY10" fmla="*/ 268105 h 5571066"/>
+              <a:gd name="connsiteX11" fmla="*/ 5866011 w 10917814"/>
+              <a:gd name="connsiteY11" fmla="*/ 0 h 5571066"/>
+              <a:gd name="connsiteX12" fmla="*/ 10722102 w 10917814"/>
+              <a:gd name="connsiteY12" fmla="*/ 0 h 5571066"/>
+              <a:gd name="connsiteX13" fmla="*/ 10917814 w 10917814"/>
+              <a:gd name="connsiteY13" fmla="*/ 195712 h 5571066"/>
+              <a:gd name="connsiteX14" fmla="*/ 10917814 w 10917814"/>
+              <a:gd name="connsiteY14" fmla="*/ 5375354 h 5571066"/>
+              <a:gd name="connsiteX15" fmla="*/ 10722102 w 10917814"/>
+              <a:gd name="connsiteY15" fmla="*/ 5571066 h 5571066"/>
+              <a:gd name="connsiteX16" fmla="*/ 195712 w 10917814"/>
+              <a:gd name="connsiteY16" fmla="*/ 5571066 h 5571066"/>
+              <a:gd name="connsiteX17" fmla="*/ 0 w 10917814"/>
+              <a:gd name="connsiteY17" fmla="*/ 5375354 h 5571066"/>
+              <a:gd name="connsiteX18" fmla="*/ 0 w 10917814"/>
+              <a:gd name="connsiteY18" fmla="*/ 195712 h 5571066"/>
+              <a:gd name="connsiteX19" fmla="*/ 195712 w 10917814"/>
+              <a:gd name="connsiteY19" fmla="*/ 0 h 5571066"/>
             </a:gdLst>
             <a:ahLst/>
             <a:cxnLst>
@@ -13834,102 +22232,198 @@
               <a:cxn ang="0">
                 <a:pos x="connsiteX18" y="connsiteY18"/>
               </a:cxn>
+              <a:cxn ang="0">
+                <a:pos x="connsiteX19" y="connsiteY19"/>
+              </a:cxn>
             </a:cxnLst>
             <a:rect l="l" t="t" r="r" b="b"/>
             <a:pathLst>
-              <a:path w="12192000" h="1469616">
+              <a:path w="10917814" h="5571066">
                 <a:moveTo>
-                  <a:pt x="6113881" y="1469616"/>
+                  <a:pt x="195712" y="0"/>
                 </a:moveTo>
                 <a:lnTo>
-                  <a:pt x="6101181" y="1469616"/>
-                </a:lnTo>
-                <a:lnTo>
-                  <a:pt x="6090598" y="1469616"/>
-                </a:lnTo>
-                <a:lnTo>
-                  <a:pt x="6077897" y="1464854"/>
-                </a:lnTo>
-                <a:lnTo>
-                  <a:pt x="6065198" y="1460091"/>
-                </a:lnTo>
-                <a:lnTo>
-                  <a:pt x="6056731" y="1456916"/>
-                </a:lnTo>
-                <a:lnTo>
-                  <a:pt x="5678033" y="1172892"/>
-                </a:lnTo>
-                <a:lnTo>
-                  <a:pt x="0" y="1172892"/>
-                </a:lnTo>
-                <a:lnTo>
-                  <a:pt x="0" y="1162370"/>
-                </a:lnTo>
-                <a:lnTo>
-                  <a:pt x="0" y="403347"/>
-                </a:lnTo>
-                <a:lnTo>
-                  <a:pt x="0" y="0"/>
-                </a:lnTo>
-                <a:lnTo>
-                  <a:pt x="12192000" y="0"/>
-                </a:lnTo>
-                <a:lnTo>
-                  <a:pt x="12192000" y="403347"/>
-                </a:lnTo>
-                <a:lnTo>
-                  <a:pt x="12192000" y="1162370"/>
-                </a:lnTo>
-                <a:lnTo>
-                  <a:pt x="12192000" y="1172892"/>
-                </a:lnTo>
-                <a:lnTo>
-                  <a:pt x="6524330" y="1172892"/>
-                </a:lnTo>
-                <a:lnTo>
-                  <a:pt x="6145631" y="1456916"/>
-                </a:lnTo>
-                <a:lnTo>
-                  <a:pt x="6137163" y="1460091"/>
-                </a:lnTo>
-                <a:lnTo>
-                  <a:pt x="6124463" y="1464854"/>
-                </a:lnTo>
+                  <a:pt x="5062165" y="0"/>
+                </a:lnTo>
+                <a:lnTo>
+                  <a:pt x="5419638" y="268105"/>
+                </a:lnTo>
+                <a:lnTo>
+                  <a:pt x="5428105" y="271280"/>
+                </a:lnTo>
+                <a:lnTo>
+                  <a:pt x="5440804" y="276043"/>
+                </a:lnTo>
+                <a:lnTo>
+                  <a:pt x="5453505" y="280805"/>
+                </a:lnTo>
+                <a:lnTo>
+                  <a:pt x="5464088" y="280805"/>
+                </a:lnTo>
+                <a:lnTo>
+                  <a:pt x="5476788" y="280805"/>
+                </a:lnTo>
+                <a:lnTo>
+                  <a:pt x="5487371" y="276043"/>
+                </a:lnTo>
+                <a:lnTo>
+                  <a:pt x="5500071" y="271280"/>
+                </a:lnTo>
+                <a:lnTo>
+                  <a:pt x="5508538" y="268105"/>
+                </a:lnTo>
+                <a:lnTo>
+                  <a:pt x="5866011" y="0"/>
+                </a:lnTo>
+                <a:lnTo>
+                  <a:pt x="10722102" y="0"/>
+                </a:lnTo>
+                <a:cubicBezTo>
+                  <a:pt x="10830191" y="0"/>
+                  <a:pt x="10917814" y="87623"/>
+                  <a:pt x="10917814" y="195712"/>
+                </a:cubicBezTo>
+                <a:lnTo>
+                  <a:pt x="10917814" y="5375354"/>
+                </a:lnTo>
+                <a:cubicBezTo>
+                  <a:pt x="10917814" y="5483443"/>
+                  <a:pt x="10830191" y="5571066"/>
+                  <a:pt x="10722102" y="5571066"/>
+                </a:cubicBezTo>
+                <a:lnTo>
+                  <a:pt x="195712" y="5571066"/>
+                </a:lnTo>
+                <a:cubicBezTo>
+                  <a:pt x="87623" y="5571066"/>
+                  <a:pt x="0" y="5483443"/>
+                  <a:pt x="0" y="5375354"/>
+                </a:cubicBezTo>
+                <a:lnTo>
+                  <a:pt x="0" y="195712"/>
+                </a:lnTo>
+                <a:cubicBezTo>
+                  <a:pt x="0" y="87623"/>
+                  <a:pt x="87623" y="0"/>
+                  <a:pt x="195712" y="0"/>
+                </a:cubicBezTo>
                 <a:close/>
               </a:path>
             </a:pathLst>
           </a:custGeom>
-          <a:ln>
-            <a:noFill/>
+          <a:noFill/>
+          <a:ln w="19050">
+            <a:solidFill>
+              <a:schemeClr val="accent1"/>
+            </a:solidFill>
           </a:ln>
           <a:effectLst/>
-          <a:extLst>
-            <a:ext uri="{91240B29-F687-4f45-9708-019B960494DF}">
-              <a14:hiddenLine xmlns="" xmlns:a14="http://schemas.microsoft.com/office/drawing/2010/main" xmlns:p14="http://schemas.microsoft.com/office/powerpoint/2010/main" xmlns:a16="http://schemas.microsoft.com/office/drawing/2014/main" w="9525">
-                <a:solidFill>
-                  <a:srgbClr val="000000"/>
-                </a:solidFill>
-                <a:round/>
-                <a:headEnd/>
-                <a:tailEnd/>
-              </a14:hiddenLine>
-            </a:ext>
-          </a:extLst>
         </p:spPr>
         <p:style>
-          <a:lnRef idx="1">
-            <a:schemeClr val="accent1"/>
+          <a:lnRef idx="2">
+            <a:schemeClr val="accent1">
+              <a:shade val="50000"/>
+            </a:schemeClr>
           </a:lnRef>
-          <a:fillRef idx="3">
+          <a:fillRef idx="1">
             <a:schemeClr val="accent1"/>
           </a:fillRef>
-          <a:effectRef idx="2">
+          <a:effectRef idx="0">
             <a:schemeClr val="accent1"/>
           </a:effectRef>
           <a:fontRef idx="minor">
             <a:schemeClr val="lt1"/>
           </a:fontRef>
         </p:style>
+        <p:txBody>
+          <a:bodyPr wrap="square" rtlCol="0" anchor="ctr">
+            <a:noAutofit/>
+          </a:bodyPr>
+          <a:lstStyle/>
+          <a:p>
+            <a:pPr algn="ctr"/>
+            <a:endParaRPr lang="en-US"/>
+          </a:p>
+        </p:txBody>
+      </p:sp>
+      <p:sp>
+        <p:nvSpPr>
+          <p:cNvPr id="2" name="Title 1">
+            <a:extLst>
+              <a:ext uri="{FF2B5EF4-FFF2-40B4-BE49-F238E27FC236}">
+                <a16:creationId xmlns:a16="http://schemas.microsoft.com/office/drawing/2014/main" id="{10215420-7C2B-F457-1566-B9569E2C29C1}"/>
+              </a:ext>
+            </a:extLst>
+          </p:cNvPr>
+          <p:cNvSpPr>
+            <a:spLocks noGrp="1"/>
+          </p:cNvSpPr>
+          <p:nvPr>
+            <p:ph type="title"/>
+          </p:nvPr>
+        </p:nvSpPr>
+        <p:spPr>
+          <a:xfrm>
+            <a:off x="1280559" y="1286935"/>
+            <a:ext cx="9638153" cy="2668377"/>
+          </a:xfrm>
+          <a:effectLst/>
+        </p:spPr>
+        <p:txBody>
+          <a:bodyPr vert="horz" lIns="91440" tIns="45720" rIns="91440" bIns="45720" rtlCol="0" anchor="b">
+            <a:normAutofit/>
+          </a:bodyPr>
+          <a:lstStyle/>
+          <a:p>
+            <a:pPr algn="ctr"/>
+            <a:r>
+              <a:rPr lang="en-US" sz="5400" dirty="0">
+                <a:solidFill>
+                  <a:schemeClr val="tx1"/>
+                </a:solidFill>
+              </a:rPr>
+              <a:t>Project Breakdown</a:t>
+            </a:r>
+          </a:p>
+        </p:txBody>
+      </p:sp>
+      <p:sp>
+        <p:nvSpPr>
+          <p:cNvPr id="4" name="Text Placeholder 3">
+            <a:extLst>
+              <a:ext uri="{FF2B5EF4-FFF2-40B4-BE49-F238E27FC236}">
+                <a16:creationId xmlns:a16="http://schemas.microsoft.com/office/drawing/2014/main" id="{92C752CA-CF39-C784-FCB5-6BE44AE58B6F}"/>
+              </a:ext>
+            </a:extLst>
+          </p:cNvPr>
+          <p:cNvSpPr>
+            <a:spLocks noGrp="1"/>
+          </p:cNvSpPr>
+          <p:nvPr>
+            <p:ph type="body" idx="1"/>
+          </p:nvPr>
+        </p:nvSpPr>
+        <p:spPr>
+          <a:xfrm>
+            <a:off x="1280559" y="4116179"/>
+            <a:ext cx="9638153" cy="1599642"/>
+          </a:xfrm>
+          <a:effectLst/>
+        </p:spPr>
+        <p:txBody>
+          <a:bodyPr vert="horz" lIns="91440" tIns="45720" rIns="91440" bIns="45720" rtlCol="0" anchor="t">
+            <a:normAutofit/>
+          </a:bodyPr>
+          <a:lstStyle/>
+          <a:p>
+            <a:pPr algn="ctr"/>
+            <a:endParaRPr lang="en-US"/>
+          </a:p>
+          <a:p>
+            <a:pPr algn="ctr"/>
+            <a:endParaRPr lang="en-US"/>
+          </a:p>
+        </p:txBody>
       </p:sp>
     </p:spTree>
     <p:extLst>
@@ -14064,7 +22558,7 @@
           <a:effectLst/>
           <a:extLst>
             <a:ext uri="{91240B29-F687-4f45-9708-019B960494DF}">
-              <a14:hiddenLine xmlns="" xmlns:a14="http://schemas.microsoft.com/office/drawing/2010/main" xmlns:a16="http://schemas.microsoft.com/office/drawing/2014/main" w="9525">
+              <a14:hiddenLine xmlns:a16="http://schemas.microsoft.com/office/drawing/2014/main" xmlns:a14="http://schemas.microsoft.com/office/drawing/2010/main" xmlns="" w="9525">
                 <a:solidFill>
                   <a:srgbClr val="000000"/>
                 </a:solidFill>
